--- a/powerpoint/Pre.pptx
+++ b/powerpoint/Pre.pptx
@@ -17,7 +17,9 @@
     <p:sldId id="264" r:id="rId11"/>
     <p:sldId id="260" r:id="rId12"/>
     <p:sldId id="261" r:id="rId13"/>
-    <p:sldId id="263" r:id="rId14"/>
+    <p:sldId id="271" r:id="rId14"/>
+    <p:sldId id="263" r:id="rId15"/>
+    <p:sldId id="270" r:id="rId16"/>
   </p:sldIdLst>
   <p:sldSz cx="12192000" cy="6858000"/>
   <p:notesSz cx="6858000" cy="9144000"/>
@@ -271,7 +273,7 @@
           <a:p>
             <a:fld id="{768BF9F1-C7C5-AA4A-AEFB-089A28405F2B}" type="datetimeFigureOut">
               <a:rPr lang="en-US" smtClean="0"/>
-              <a:t>11/14/23</a:t>
+              <a:t>11/16/23</a:t>
             </a:fld>
             <a:endParaRPr lang="en-US"/>
           </a:p>
@@ -469,7 +471,7 @@
           <a:p>
             <a:fld id="{768BF9F1-C7C5-AA4A-AEFB-089A28405F2B}" type="datetimeFigureOut">
               <a:rPr lang="en-US" smtClean="0"/>
-              <a:t>11/14/23</a:t>
+              <a:t>11/16/23</a:t>
             </a:fld>
             <a:endParaRPr lang="en-US"/>
           </a:p>
@@ -677,7 +679,7 @@
           <a:p>
             <a:fld id="{768BF9F1-C7C5-AA4A-AEFB-089A28405F2B}" type="datetimeFigureOut">
               <a:rPr lang="en-US" smtClean="0"/>
-              <a:t>11/14/23</a:t>
+              <a:t>11/16/23</a:t>
             </a:fld>
             <a:endParaRPr lang="en-US"/>
           </a:p>
@@ -875,7 +877,7 @@
           <a:p>
             <a:fld id="{768BF9F1-C7C5-AA4A-AEFB-089A28405F2B}" type="datetimeFigureOut">
               <a:rPr lang="en-US" smtClean="0"/>
-              <a:t>11/14/23</a:t>
+              <a:t>11/16/23</a:t>
             </a:fld>
             <a:endParaRPr lang="en-US"/>
           </a:p>
@@ -1150,7 +1152,7 @@
           <a:p>
             <a:fld id="{768BF9F1-C7C5-AA4A-AEFB-089A28405F2B}" type="datetimeFigureOut">
               <a:rPr lang="en-US" smtClean="0"/>
-              <a:t>11/14/23</a:t>
+              <a:t>11/16/23</a:t>
             </a:fld>
             <a:endParaRPr lang="en-US"/>
           </a:p>
@@ -1415,7 +1417,7 @@
           <a:p>
             <a:fld id="{768BF9F1-C7C5-AA4A-AEFB-089A28405F2B}" type="datetimeFigureOut">
               <a:rPr lang="en-US" smtClean="0"/>
-              <a:t>11/14/23</a:t>
+              <a:t>11/16/23</a:t>
             </a:fld>
             <a:endParaRPr lang="en-US"/>
           </a:p>
@@ -1827,7 +1829,7 @@
           <a:p>
             <a:fld id="{768BF9F1-C7C5-AA4A-AEFB-089A28405F2B}" type="datetimeFigureOut">
               <a:rPr lang="en-US" smtClean="0"/>
-              <a:t>11/14/23</a:t>
+              <a:t>11/16/23</a:t>
             </a:fld>
             <a:endParaRPr lang="en-US"/>
           </a:p>
@@ -1968,7 +1970,7 @@
           <a:p>
             <a:fld id="{768BF9F1-C7C5-AA4A-AEFB-089A28405F2B}" type="datetimeFigureOut">
               <a:rPr lang="en-US" smtClean="0"/>
-              <a:t>11/14/23</a:t>
+              <a:t>11/16/23</a:t>
             </a:fld>
             <a:endParaRPr lang="en-US"/>
           </a:p>
@@ -2081,7 +2083,7 @@
           <a:p>
             <a:fld id="{768BF9F1-C7C5-AA4A-AEFB-089A28405F2B}" type="datetimeFigureOut">
               <a:rPr lang="en-US" smtClean="0"/>
-              <a:t>11/14/23</a:t>
+              <a:t>11/16/23</a:t>
             </a:fld>
             <a:endParaRPr lang="en-US"/>
           </a:p>
@@ -2392,7 +2394,7 @@
           <a:p>
             <a:fld id="{768BF9F1-C7C5-AA4A-AEFB-089A28405F2B}" type="datetimeFigureOut">
               <a:rPr lang="en-US" smtClean="0"/>
-              <a:t>11/14/23</a:t>
+              <a:t>11/16/23</a:t>
             </a:fld>
             <a:endParaRPr lang="en-US"/>
           </a:p>
@@ -2680,7 +2682,7 @@
           <a:p>
             <a:fld id="{768BF9F1-C7C5-AA4A-AEFB-089A28405F2B}" type="datetimeFigureOut">
               <a:rPr lang="en-US" smtClean="0"/>
-              <a:t>11/14/23</a:t>
+              <a:t>11/16/23</a:t>
             </a:fld>
             <a:endParaRPr lang="en-US"/>
           </a:p>
@@ -2921,7 +2923,7 @@
           <a:p>
             <a:fld id="{768BF9F1-C7C5-AA4A-AEFB-089A28405F2B}" type="datetimeFigureOut">
               <a:rPr lang="en-US" smtClean="0"/>
-              <a:t>11/14/23</a:t>
+              <a:t>11/16/23</a:t>
             </a:fld>
             <a:endParaRPr lang="en-US"/>
           </a:p>
@@ -3650,13 +3652,13 @@
         </p:nvSpPr>
         <p:spPr>
           <a:xfrm>
-            <a:off x="838200" y="1825625"/>
-            <a:ext cx="10515600" cy="3452431"/>
+            <a:off x="715617" y="1272208"/>
+            <a:ext cx="10760765" cy="5198166"/>
           </a:xfrm>
         </p:spPr>
         <p:txBody>
           <a:bodyPr>
-            <a:normAutofit fontScale="77500" lnSpcReduction="20000"/>
+            <a:normAutofit fontScale="92500"/>
           </a:bodyPr>
           <a:lstStyle/>
           <a:p>
@@ -3671,7 +3673,46 @@
                   <a:srgbClr val="0F0F0F"/>
                 </a:solidFill>
                 <a:effectLst/>
-                <a:latin typeface="Arial" panose="020B0604020202020204" pitchFamily="34" charset="0"/>
+                <a:cs typeface="Arial" panose="020B0604020202020204" pitchFamily="34" charset="0"/>
+              </a:rPr>
+              <a:t>Trends</a:t>
+            </a:r>
+          </a:p>
+          <a:p>
+            <a:pPr lvl="1">
+              <a:lnSpc>
+                <a:spcPct val="150000"/>
+              </a:lnSpc>
+            </a:pPr>
+            <a:r>
+              <a:rPr lang="en-US" dirty="0">
+                <a:solidFill>
+                  <a:srgbClr val="0F0F0F"/>
+                </a:solidFill>
+                <a:cs typeface="Arial" panose="020B0604020202020204" pitchFamily="34" charset="0"/>
+              </a:rPr>
+              <a:t>Speedup improves when matrices become larger.</a:t>
+            </a:r>
+            <a:endParaRPr lang="en-US" i="0" dirty="0">
+              <a:solidFill>
+                <a:srgbClr val="0F0F0F"/>
+              </a:solidFill>
+              <a:effectLst/>
+              <a:cs typeface="Arial" panose="020B0604020202020204" pitchFamily="34" charset="0"/>
+            </a:endParaRPr>
+          </a:p>
+          <a:p>
+            <a:pPr algn="l">
+              <a:lnSpc>
+                <a:spcPct val="150000"/>
+              </a:lnSpc>
+            </a:pPr>
+            <a:r>
+              <a:rPr lang="en-US" b="1" i="0" dirty="0">
+                <a:solidFill>
+                  <a:srgbClr val="0F0F0F"/>
+                </a:solidFill>
+                <a:effectLst/>
                 <a:cs typeface="Arial" panose="020B0604020202020204" pitchFamily="34" charset="0"/>
               </a:rPr>
               <a:t>Key Factors Affecting Trends</a:t>
@@ -3681,7 +3722,6 @@
                 <a:srgbClr val="0F0F0F"/>
               </a:solidFill>
               <a:effectLst/>
-              <a:latin typeface="Arial" panose="020B0604020202020204" pitchFamily="34" charset="0"/>
               <a:cs typeface="Arial" panose="020B0604020202020204" pitchFamily="34" charset="0"/>
             </a:endParaRPr>
           </a:p>
@@ -3697,7 +3737,6 @@
                   <a:srgbClr val="0F0F0F"/>
                 </a:solidFill>
                 <a:effectLst/>
-                <a:latin typeface="Arial" panose="020B0604020202020204" pitchFamily="34" charset="0"/>
                 <a:cs typeface="Arial" panose="020B0604020202020204" pitchFamily="34" charset="0"/>
               </a:rPr>
               <a:t>Communication Overhead</a:t>
@@ -3708,7 +3747,6 @@
                   <a:srgbClr val="0F0F0F"/>
                 </a:solidFill>
                 <a:effectLst/>
-                <a:latin typeface="Arial" panose="020B0604020202020204" pitchFamily="34" charset="0"/>
                 <a:cs typeface="Arial" panose="020B0604020202020204" pitchFamily="34" charset="0"/>
               </a:rPr>
               <a:t>: Bottleneck at high processor counts, significant for small </a:t>
@@ -3719,17 +3757,15 @@
                   <a:srgbClr val="0F0F0F"/>
                 </a:solidFill>
                 <a:effectLst/>
-                <a:latin typeface="Arial" panose="020B0604020202020204" pitchFamily="34" charset="0"/>
                 <a:cs typeface="Arial" panose="020B0604020202020204" pitchFamily="34" charset="0"/>
               </a:rPr>
-              <a:t>N</a:t>
+              <a:t>N.</a:t>
             </a:r>
             <a:endParaRPr lang="en-US" b="0" i="0" dirty="0">
               <a:solidFill>
                 <a:srgbClr val="0F0F0F"/>
               </a:solidFill>
               <a:effectLst/>
-              <a:latin typeface="Arial" panose="020B0604020202020204" pitchFamily="34" charset="0"/>
               <a:cs typeface="Arial" panose="020B0604020202020204" pitchFamily="34" charset="0"/>
             </a:endParaRPr>
           </a:p>
@@ -3745,7 +3781,6 @@
                   <a:srgbClr val="0F0F0F"/>
                 </a:solidFill>
                 <a:effectLst/>
-                <a:latin typeface="Arial" panose="020B0604020202020204" pitchFamily="34" charset="0"/>
                 <a:cs typeface="Arial" panose="020B0604020202020204" pitchFamily="34" charset="0"/>
               </a:rPr>
               <a:t>Computation to Communication Ratio</a:t>
@@ -3756,7 +3791,6 @@
                   <a:srgbClr val="0F0F0F"/>
                 </a:solidFill>
                 <a:effectLst/>
-                <a:latin typeface="Arial" panose="020B0604020202020204" pitchFamily="34" charset="0"/>
                 <a:cs typeface="Arial" panose="020B0604020202020204" pitchFamily="34" charset="0"/>
               </a:rPr>
               <a:t>: Better for large </a:t>
@@ -3767,7 +3801,6 @@
                   <a:srgbClr val="0F0F0F"/>
                 </a:solidFill>
                 <a:effectLst/>
-                <a:latin typeface="Arial" panose="020B0604020202020204" pitchFamily="34" charset="0"/>
                 <a:cs typeface="Arial" panose="020B0604020202020204" pitchFamily="34" charset="0"/>
               </a:rPr>
               <a:t>N</a:t>
@@ -3778,51 +3811,32 @@
                   <a:srgbClr val="0F0F0F"/>
                 </a:solidFill>
                 <a:effectLst/>
-                <a:latin typeface="Arial" panose="020B0604020202020204" pitchFamily="34" charset="0"/>
                 <a:cs typeface="Arial" panose="020B0604020202020204" pitchFamily="34" charset="0"/>
               </a:rPr>
               <a:t>, leading to higher speedup</a:t>
             </a:r>
           </a:p>
           <a:p>
-            <a:pPr marL="457200" lvl="1" indent="0">
+            <a:pPr algn="l">
               <a:lnSpc>
                 <a:spcPct val="150000"/>
               </a:lnSpc>
-              <a:buNone/>
             </a:pPr>
+            <a:r>
+              <a:rPr lang="en-US" b="1" i="0" dirty="0">
+                <a:solidFill>
+                  <a:srgbClr val="0F0F0F"/>
+                </a:solidFill>
+                <a:effectLst/>
+                <a:cs typeface="Arial" panose="020B0604020202020204" pitchFamily="34" charset="0"/>
+              </a:rPr>
+              <a:t>Future Optimization</a:t>
+            </a:r>
             <a:endParaRPr lang="en-US" b="0" i="0" dirty="0">
               <a:solidFill>
                 <a:srgbClr val="0F0F0F"/>
               </a:solidFill>
               <a:effectLst/>
-              <a:latin typeface="Arial" panose="020B0604020202020204" pitchFamily="34" charset="0"/>
-              <a:cs typeface="Arial" panose="020B0604020202020204" pitchFamily="34" charset="0"/>
-            </a:endParaRPr>
-          </a:p>
-          <a:p>
-            <a:pPr algn="l">
-              <a:lnSpc>
-                <a:spcPct val="150000"/>
-              </a:lnSpc>
-            </a:pPr>
-            <a:r>
-              <a:rPr lang="en-US" b="1" i="0" dirty="0">
-                <a:solidFill>
-                  <a:srgbClr val="0F0F0F"/>
-                </a:solidFill>
-                <a:effectLst/>
-                <a:latin typeface="Arial" panose="020B0604020202020204" pitchFamily="34" charset="0"/>
-                <a:cs typeface="Arial" panose="020B0604020202020204" pitchFamily="34" charset="0"/>
-              </a:rPr>
-              <a:t>Future Optimization</a:t>
-            </a:r>
-            <a:endParaRPr lang="en-US" b="0" i="0" dirty="0">
-              <a:solidFill>
-                <a:srgbClr val="0F0F0F"/>
-              </a:solidFill>
-              <a:effectLst/>
-              <a:latin typeface="Arial" panose="020B0604020202020204" pitchFamily="34" charset="0"/>
               <a:cs typeface="Arial" panose="020B0604020202020204" pitchFamily="34" charset="0"/>
             </a:endParaRPr>
           </a:p>
@@ -3838,7 +3852,6 @@
                   <a:srgbClr val="0F0F0F"/>
                 </a:solidFill>
                 <a:effectLst/>
-                <a:latin typeface="Arial" panose="020B0604020202020204" pitchFamily="34" charset="0"/>
                 <a:cs typeface="Arial" panose="020B0604020202020204" pitchFamily="34" charset="0"/>
               </a:rPr>
               <a:t>Improve load distribution among processors</a:t>
@@ -3961,7 +3974,7 @@
               </a:lnSpc>
             </a:pPr>
             <a:r>
-              <a:rPr lang="en-US" sz="2000" dirty="0">
+              <a:rPr lang="en-US" sz="2400" dirty="0">
                 <a:latin typeface="Arial" panose="020B0604020202020204" pitchFamily="34" charset="0"/>
                 <a:cs typeface="Arial" panose="020B0604020202020204" pitchFamily="34" charset="0"/>
               </a:rPr>
@@ -3975,7 +3988,7 @@
               </a:lnSpc>
             </a:pPr>
             <a:r>
-              <a:rPr lang="en-US" sz="2000" dirty="0">
+              <a:rPr lang="en-US" sz="2400" dirty="0">
                 <a:latin typeface="Arial" panose="020B0604020202020204" pitchFamily="34" charset="0"/>
                 <a:cs typeface="Arial" panose="020B0604020202020204" pitchFamily="34" charset="0"/>
               </a:rPr>
@@ -3989,30 +4002,19 @@
               </a:lnSpc>
             </a:pPr>
             <a:r>
-              <a:rPr lang="en-US" sz="2000" dirty="0">
+              <a:rPr lang="en-US" sz="2400" dirty="0">
                 <a:latin typeface="Arial" panose="020B0604020202020204" pitchFamily="34" charset="0"/>
                 <a:cs typeface="Arial" panose="020B0604020202020204" pitchFamily="34" charset="0"/>
               </a:rPr>
-              <a:t>It could further apply to higher levels of </a:t>
-            </a:r>
-            <a:r>
-              <a:rPr lang="en-US" sz="2000" dirty="0" err="1">
-                <a:latin typeface="Arial" panose="020B0604020202020204" pitchFamily="34" charset="0"/>
-                <a:cs typeface="Arial" panose="020B0604020202020204" pitchFamily="34" charset="0"/>
-              </a:rPr>
-              <a:t>Strassens</a:t>
-            </a:r>
-            <a:r>
-              <a:rPr lang="en-US" sz="2000" dirty="0">
-                <a:latin typeface="Arial" panose="020B0604020202020204" pitchFamily="34" charset="0"/>
-                <a:cs typeface="Arial" panose="020B0604020202020204" pitchFamily="34" charset="0"/>
-              </a:rPr>
-              <a:t>. </a:t>
-            </a:r>
-            <a:endParaRPr lang="en-US" sz="2000" dirty="0"/>
-          </a:p>
-          <a:p>
-            <a:endParaRPr lang="en-US" sz="2000" dirty="0"/>
+              <a:t>It could further apply to higher levels of Strassen’s. </a:t>
+            </a:r>
+            <a:endParaRPr lang="en-US" sz="2400" dirty="0"/>
+          </a:p>
+          <a:p>
+            <a:pPr marL="0" indent="0">
+              <a:buNone/>
+            </a:pPr>
+            <a:endParaRPr lang="en-US" sz="2400" dirty="0"/>
           </a:p>
         </p:txBody>
       </p:sp>
@@ -4075,39 +4077,21 @@
           <a:lstStyle/>
           <a:p>
             <a:r>
-              <a:rPr lang="zh-CN" altLang="en-US" sz="3600" dirty="0">
+              <a:rPr lang="en-US" sz="3600" dirty="0">
                 <a:latin typeface="Arial" panose="020B0604020202020204" pitchFamily="34" charset="0"/>
                 <a:cs typeface="Arial" panose="020B0604020202020204" pitchFamily="34" charset="0"/>
               </a:rPr>
-              <a:t> </a:t>
-            </a:r>
-            <a:r>
-              <a:rPr lang="en-US" altLang="zh-CN" sz="3600" dirty="0">
-                <a:latin typeface="Arial" panose="020B0604020202020204" pitchFamily="34" charset="0"/>
-                <a:cs typeface="Arial" panose="020B0604020202020204" pitchFamily="34" charset="0"/>
-              </a:rPr>
-              <a:t>Q&amp;A</a:t>
-            </a:r>
-            <a:r>
-              <a:rPr lang="zh-CN" altLang="en-US" sz="3600" dirty="0">
-                <a:latin typeface="Arial" panose="020B0604020202020204" pitchFamily="34" charset="0"/>
-                <a:cs typeface="Arial" panose="020B0604020202020204" pitchFamily="34" charset="0"/>
-              </a:rPr>
-              <a:t> </a:t>
-            </a:r>
-            <a:endParaRPr lang="en-US" sz="3600" dirty="0">
-              <a:latin typeface="Arial" panose="020B0604020202020204" pitchFamily="34" charset="0"/>
-              <a:cs typeface="Arial" panose="020B0604020202020204" pitchFamily="34" charset="0"/>
-            </a:endParaRPr>
+              <a:t>Q &amp; A </a:t>
+            </a:r>
           </a:p>
         </p:txBody>
       </p:sp>
       <p:sp>
         <p:nvSpPr>
-          <p:cNvPr id="3" name="Content Placeholder 2">
-            <a:extLst>
-              <a:ext uri="{FF2B5EF4-FFF2-40B4-BE49-F238E27FC236}">
-                <a16:creationId xmlns:a16="http://schemas.microsoft.com/office/drawing/2014/main" id="{CF4559CC-BDA8-AD34-6B4E-D97C84FB37A6}"/>
+          <p:cNvPr id="4" name="Content Placeholder 3">
+            <a:extLst>
+              <a:ext uri="{FF2B5EF4-FFF2-40B4-BE49-F238E27FC236}">
+                <a16:creationId xmlns:a16="http://schemas.microsoft.com/office/drawing/2014/main" id="{DAA59309-095E-0F63-5DF3-4C441C32538C}"/>
               </a:ext>
             </a:extLst>
           </p:cNvPr>
@@ -4118,7 +4102,12 @@
             <p:ph idx="1"/>
           </p:nvPr>
         </p:nvSpPr>
-        <p:spPr/>
+        <p:spPr>
+          <a:xfrm>
+            <a:off x="838200" y="1253331"/>
+            <a:ext cx="10515600" cy="4351338"/>
+          </a:xfrm>
+        </p:spPr>
         <p:txBody>
           <a:bodyPr anchor="ctr">
             <a:normAutofit/>
@@ -4129,28 +4118,422 @@
               <a:buNone/>
             </a:pPr>
             <a:r>
-              <a:rPr lang="en-US" sz="3600" i="1" dirty="0">
+              <a:rPr lang="en-US" sz="6600" i="1" dirty="0">
                 <a:latin typeface="Times New Roman" panose="02020603050405020304" pitchFamily="18" charset="0"/>
                 <a:cs typeface="Times New Roman" panose="02020603050405020304" pitchFamily="18" charset="0"/>
               </a:rPr>
               <a:t>Thanks for your attention!</a:t>
             </a:r>
-          </a:p>
-          <a:p>
-            <a:pPr marL="0" indent="0" algn="ctr">
-              <a:buNone/>
-            </a:pPr>
-            <a:endParaRPr lang="en-US" sz="3600" i="1" dirty="0">
-              <a:latin typeface="Times New Roman" panose="02020603050405020304" pitchFamily="18" charset="0"/>
-              <a:cs typeface="Times New Roman" panose="02020603050405020304" pitchFamily="18" charset="0"/>
-            </a:endParaRPr>
           </a:p>
         </p:txBody>
       </p:sp>
     </p:spTree>
     <p:extLst>
       <p:ext uri="{BB962C8B-B14F-4D97-AF65-F5344CB8AC3E}">
+        <p14:creationId xmlns:p14="http://schemas.microsoft.com/office/powerpoint/2010/main" val="799943214"/>
+      </p:ext>
+    </p:extLst>
+  </p:cSld>
+  <p:clrMapOvr>
+    <a:masterClrMapping/>
+  </p:clrMapOvr>
+</p:sld>
+</file>
+
+<file path=ppt/slides/slide14.xml><?xml version="1.0" encoding="utf-8"?>
+<p:sld xmlns:a="http://schemas.openxmlformats.org/drawingml/2006/main" xmlns:r="http://schemas.openxmlformats.org/officeDocument/2006/relationships" xmlns:p="http://schemas.openxmlformats.org/presentationml/2006/main">
+  <p:cSld>
+    <p:spTree>
+      <p:nvGrpSpPr>
+        <p:cNvPr id="1" name=""/>
+        <p:cNvGrpSpPr/>
+        <p:nvPr/>
+      </p:nvGrpSpPr>
+      <p:grpSpPr>
+        <a:xfrm>
+          <a:off x="0" y="0"/>
+          <a:ext cx="0" cy="0"/>
+          <a:chOff x="0" y="0"/>
+          <a:chExt cx="0" cy="0"/>
+        </a:xfrm>
+      </p:grpSpPr>
+      <p:sp>
+        <p:nvSpPr>
+          <p:cNvPr id="2" name="Title 1">
+            <a:extLst>
+              <a:ext uri="{FF2B5EF4-FFF2-40B4-BE49-F238E27FC236}">
+                <a16:creationId xmlns:a16="http://schemas.microsoft.com/office/drawing/2014/main" id="{37DEEDDB-8E55-1E79-AD0C-3DD8D1431819}"/>
+              </a:ext>
+            </a:extLst>
+          </p:cNvPr>
+          <p:cNvSpPr>
+            <a:spLocks noGrp="1"/>
+          </p:cNvSpPr>
+          <p:nvPr>
+            <p:ph type="title"/>
+          </p:nvPr>
+        </p:nvSpPr>
+        <p:spPr>
+          <a:xfrm>
+            <a:off x="188536" y="188536"/>
+            <a:ext cx="7146542" cy="772998"/>
+          </a:xfrm>
+        </p:spPr>
+        <p:txBody>
+          <a:bodyPr>
+            <a:normAutofit fontScale="90000"/>
+          </a:bodyPr>
+          <a:lstStyle/>
+          <a:p>
+            <a:r>
+              <a:rPr lang="en-US" sz="3600" dirty="0">
+                <a:latin typeface="Arial" panose="020B0604020202020204" pitchFamily="34" charset="0"/>
+                <a:cs typeface="Arial" panose="020B0604020202020204" pitchFamily="34" charset="0"/>
+              </a:rPr>
+              <a:t>Appendix: Strassen’s Sub-Matrices</a:t>
+            </a:r>
+          </a:p>
+        </p:txBody>
+      </p:sp>
+      <p:pic>
+        <p:nvPicPr>
+          <p:cNvPr id="7" name="Picture 6">
+            <a:extLst>
+              <a:ext uri="{FF2B5EF4-FFF2-40B4-BE49-F238E27FC236}">
+                <a16:creationId xmlns:a16="http://schemas.microsoft.com/office/drawing/2014/main" id="{4B7E51A2-4A6B-6A94-66CA-CFEB8876EA3A}"/>
+              </a:ext>
+            </a:extLst>
+          </p:cNvPr>
+          <p:cNvPicPr>
+            <a:picLocks noChangeAspect="1"/>
+          </p:cNvPicPr>
+          <p:nvPr/>
+        </p:nvPicPr>
+        <p:blipFill>
+          <a:blip r:embed="rId2"/>
+          <a:stretch>
+            <a:fillRect/>
+          </a:stretch>
+        </p:blipFill>
+        <p:spPr>
+          <a:xfrm>
+            <a:off x="2209800" y="2050213"/>
+            <a:ext cx="7772400" cy="2757573"/>
+          </a:xfrm>
+          <a:prstGeom prst="rect">
+            <a:avLst/>
+          </a:prstGeom>
+        </p:spPr>
+      </p:pic>
+    </p:spTree>
+    <p:extLst>
+      <p:ext uri="{BB962C8B-B14F-4D97-AF65-F5344CB8AC3E}">
         <p14:creationId xmlns:p14="http://schemas.microsoft.com/office/powerpoint/2010/main" val="3168859894"/>
+      </p:ext>
+    </p:extLst>
+  </p:cSld>
+  <p:clrMapOvr>
+    <a:masterClrMapping/>
+  </p:clrMapOvr>
+</p:sld>
+</file>
+
+<file path=ppt/slides/slide15.xml><?xml version="1.0" encoding="utf-8"?>
+<p:sld xmlns:a="http://schemas.openxmlformats.org/drawingml/2006/main" xmlns:r="http://schemas.openxmlformats.org/officeDocument/2006/relationships" xmlns:p="http://schemas.openxmlformats.org/presentationml/2006/main">
+  <p:cSld>
+    <p:spTree>
+      <p:nvGrpSpPr>
+        <p:cNvPr id="1" name=""/>
+        <p:cNvGrpSpPr/>
+        <p:nvPr/>
+      </p:nvGrpSpPr>
+      <p:grpSpPr>
+        <a:xfrm>
+          <a:off x="0" y="0"/>
+          <a:ext cx="0" cy="0"/>
+          <a:chOff x="0" y="0"/>
+          <a:chExt cx="0" cy="0"/>
+        </a:xfrm>
+      </p:grpSpPr>
+      <p:sp>
+        <p:nvSpPr>
+          <p:cNvPr id="2" name="Title 1">
+            <a:extLst>
+              <a:ext uri="{FF2B5EF4-FFF2-40B4-BE49-F238E27FC236}">
+                <a16:creationId xmlns:a16="http://schemas.microsoft.com/office/drawing/2014/main" id="{37DEEDDB-8E55-1E79-AD0C-3DD8D1431819}"/>
+              </a:ext>
+            </a:extLst>
+          </p:cNvPr>
+          <p:cNvSpPr>
+            <a:spLocks noGrp="1"/>
+          </p:cNvSpPr>
+          <p:nvPr>
+            <p:ph type="title"/>
+          </p:nvPr>
+        </p:nvSpPr>
+        <p:spPr>
+          <a:xfrm>
+            <a:off x="178596" y="277988"/>
+            <a:ext cx="8299481" cy="772998"/>
+          </a:xfrm>
+        </p:spPr>
+        <p:txBody>
+          <a:bodyPr>
+            <a:normAutofit fontScale="90000"/>
+          </a:bodyPr>
+          <a:lstStyle/>
+          <a:p>
+            <a:r>
+              <a:rPr lang="en-US" sz="3600" dirty="0">
+                <a:latin typeface="Arial" panose="020B0604020202020204" pitchFamily="34" charset="0"/>
+                <a:cs typeface="Arial" panose="020B0604020202020204" pitchFamily="34" charset="0"/>
+              </a:rPr>
+              <a:t>Appendix:</a:t>
+            </a:r>
+            <a:r>
+              <a:rPr lang="zh-CN" altLang="en-US" sz="3600" dirty="0">
+                <a:latin typeface="Arial" panose="020B0604020202020204" pitchFamily="34" charset="0"/>
+                <a:cs typeface="Arial" panose="020B0604020202020204" pitchFamily="34" charset="0"/>
+              </a:rPr>
+              <a:t> </a:t>
+            </a:r>
+            <a:r>
+              <a:rPr lang="en-US" altLang="zh-CN" sz="3600" dirty="0">
+                <a:latin typeface="Arial" panose="020B0604020202020204" pitchFamily="34" charset="0"/>
+                <a:cs typeface="Arial" panose="020B0604020202020204" pitchFamily="34" charset="0"/>
+              </a:rPr>
+              <a:t>Static Relationship Tree by Rank</a:t>
+            </a:r>
+            <a:endParaRPr lang="en-US" sz="3600" dirty="0">
+              <a:latin typeface="Arial" panose="020B0604020202020204" pitchFamily="34" charset="0"/>
+              <a:cs typeface="Arial" panose="020B0604020202020204" pitchFamily="34" charset="0"/>
+            </a:endParaRPr>
+          </a:p>
+        </p:txBody>
+      </p:sp>
+      <p:pic>
+        <p:nvPicPr>
+          <p:cNvPr id="5" name="Picture 4">
+            <a:extLst>
+              <a:ext uri="{FF2B5EF4-FFF2-40B4-BE49-F238E27FC236}">
+                <a16:creationId xmlns:a16="http://schemas.microsoft.com/office/drawing/2014/main" id="{9340D051-C4E0-0D23-9BEB-4C3E544FD6FF}"/>
+              </a:ext>
+            </a:extLst>
+          </p:cNvPr>
+          <p:cNvPicPr>
+            <a:picLocks noChangeAspect="1"/>
+          </p:cNvPicPr>
+          <p:nvPr/>
+        </p:nvPicPr>
+        <p:blipFill>
+          <a:blip r:embed="rId2"/>
+          <a:stretch>
+            <a:fillRect/>
+          </a:stretch>
+        </p:blipFill>
+        <p:spPr>
+          <a:xfrm>
+            <a:off x="571500" y="1683026"/>
+            <a:ext cx="5524500" cy="3352800"/>
+          </a:xfrm>
+          <a:prstGeom prst="rect">
+            <a:avLst/>
+          </a:prstGeom>
+        </p:spPr>
+      </p:pic>
+      <mc:AlternateContent xmlns:mc="http://schemas.openxmlformats.org/markup-compatibility/2006" xmlns:a14="http://schemas.microsoft.com/office/drawing/2010/main">
+        <mc:Choice Requires="a14">
+          <p:sp>
+            <p:nvSpPr>
+              <p:cNvPr id="6" name="TextBox 5">
+                <a:extLst>
+                  <a:ext uri="{FF2B5EF4-FFF2-40B4-BE49-F238E27FC236}">
+                    <a16:creationId xmlns:a16="http://schemas.microsoft.com/office/drawing/2014/main" id="{84A290D1-4BDC-D42A-5859-04E5672FC1DC}"/>
+                  </a:ext>
+                </a:extLst>
+              </p:cNvPr>
+              <p:cNvSpPr txBox="1"/>
+              <p:nvPr/>
+            </p:nvSpPr>
+            <p:spPr>
+              <a:xfrm>
+                <a:off x="6599583" y="2511373"/>
+                <a:ext cx="4909930" cy="1696105"/>
+              </a:xfrm>
+              <a:prstGeom prst="rect">
+                <a:avLst/>
+              </a:prstGeom>
+              <a:noFill/>
+            </p:spPr>
+            <p:txBody>
+              <a:bodyPr wrap="square" rtlCol="0">
+                <a:spAutoFit/>
+              </a:bodyPr>
+              <a:lstStyle/>
+              <a:p>
+                <a:pPr marL="285750" indent="-285750">
+                  <a:lnSpc>
+                    <a:spcPct val="150000"/>
+                  </a:lnSpc>
+                  <a:buFont typeface="Arial" panose="020B0604020202020204" pitchFamily="34" charset="0"/>
+                  <a:buChar char="•"/>
+                </a:pPr>
+                <a:r>
+                  <a:rPr lang="en-US" sz="2400" dirty="0"/>
+                  <a:t>Level-1 leader: 	</a:t>
+                </a:r>
+                <a14:m>
+                  <m:oMath xmlns:m="http://schemas.openxmlformats.org/officeDocument/2006/math">
+                    <m:r>
+                      <a:rPr lang="en-US" sz="2400" b="0" i="1" smtClean="0">
+                        <a:latin typeface="Cambria Math" panose="02040503050406030204" pitchFamily="18" charset="0"/>
+                      </a:rPr>
+                      <m:t>{0}</m:t>
+                    </m:r>
+                  </m:oMath>
+                </a14:m>
+                <a:endParaRPr lang="en-US" sz="2400" dirty="0"/>
+              </a:p>
+              <a:p>
+                <a:pPr marL="285750" indent="-285750">
+                  <a:lnSpc>
+                    <a:spcPct val="150000"/>
+                  </a:lnSpc>
+                  <a:buFont typeface="Arial" panose="020B0604020202020204" pitchFamily="34" charset="0"/>
+                  <a:buChar char="•"/>
+                </a:pPr>
+                <a:r>
+                  <a:rPr lang="en-US" sz="2400" dirty="0"/>
+                  <a:t>Level-2 Leaders:  	</a:t>
+                </a:r>
+                <a14:m>
+                  <m:oMath xmlns:m="http://schemas.openxmlformats.org/officeDocument/2006/math">
+                    <m:d>
+                      <m:dPr>
+                        <m:begChr m:val="{"/>
+                        <m:endChr m:val="}"/>
+                        <m:ctrlPr>
+                          <a:rPr lang="en-US" sz="2400" b="0" i="1" smtClean="0">
+                            <a:latin typeface="Cambria Math" panose="02040503050406030204" pitchFamily="18" charset="0"/>
+                          </a:rPr>
+                        </m:ctrlPr>
+                      </m:dPr>
+                      <m:e>
+                        <m:r>
+                          <a:rPr lang="en-US" sz="2400" b="0" i="1" smtClean="0">
+                            <a:latin typeface="Cambria Math" panose="02040503050406030204" pitchFamily="18" charset="0"/>
+                          </a:rPr>
+                          <m:t>0, </m:t>
+                        </m:r>
+                        <m:r>
+                          <a:rPr lang="en-US" sz="2400" b="0" i="1" smtClean="0">
+                            <a:latin typeface="Cambria Math" panose="02040503050406030204" pitchFamily="18" charset="0"/>
+                            <a:ea typeface="Cambria Math" panose="02040503050406030204" pitchFamily="18" charset="0"/>
+                          </a:rPr>
+                          <m:t>→6</m:t>
+                        </m:r>
+                      </m:e>
+                    </m:d>
+                  </m:oMath>
+                </a14:m>
+                <a:endParaRPr lang="en-US" sz="2400" dirty="0"/>
+              </a:p>
+              <a:p>
+                <a:pPr marL="285750" indent="-285750">
+                  <a:lnSpc>
+                    <a:spcPct val="150000"/>
+                  </a:lnSpc>
+                  <a:buFont typeface="Arial" panose="020B0604020202020204" pitchFamily="34" charset="0"/>
+                  <a:buChar char="•"/>
+                </a:pPr>
+                <a:r>
+                  <a:rPr lang="en-US" sz="2400" dirty="0"/>
+                  <a:t>Level-3 Leaders: 	</a:t>
+                </a:r>
+                <a14:m>
+                  <m:oMath xmlns:m="http://schemas.openxmlformats.org/officeDocument/2006/math">
+                    <m:d>
+                      <m:dPr>
+                        <m:begChr m:val="{"/>
+                        <m:endChr m:val="}"/>
+                        <m:ctrlPr>
+                          <a:rPr lang="en-US" sz="2400" b="0" i="1" smtClean="0">
+                            <a:latin typeface="Cambria Math" panose="02040503050406030204" pitchFamily="18" charset="0"/>
+                          </a:rPr>
+                        </m:ctrlPr>
+                      </m:dPr>
+                      <m:e>
+                        <m:r>
+                          <a:rPr lang="en-US" sz="2400" b="0" i="1" smtClean="0">
+                            <a:latin typeface="Cambria Math" panose="02040503050406030204" pitchFamily="18" charset="0"/>
+                          </a:rPr>
+                          <m:t>0, </m:t>
+                        </m:r>
+                        <m:r>
+                          <a:rPr lang="en-US" sz="2400" b="0" i="1" smtClean="0">
+                            <a:latin typeface="Cambria Math" panose="02040503050406030204" pitchFamily="18" charset="0"/>
+                            <a:ea typeface="Cambria Math" panose="02040503050406030204" pitchFamily="18" charset="0"/>
+                          </a:rPr>
+                          <m:t>→48</m:t>
+                        </m:r>
+                      </m:e>
+                    </m:d>
+                  </m:oMath>
+                </a14:m>
+                <a:endParaRPr lang="en-US" sz="2400" dirty="0"/>
+              </a:p>
+            </p:txBody>
+          </p:sp>
+        </mc:Choice>
+        <mc:Fallback xmlns="">
+          <p:sp>
+            <p:nvSpPr>
+              <p:cNvPr id="6" name="TextBox 5">
+                <a:extLst>
+                  <a:ext uri="{FF2B5EF4-FFF2-40B4-BE49-F238E27FC236}">
+                    <a16:creationId xmlns:a16="http://schemas.microsoft.com/office/drawing/2014/main" id="{84A290D1-4BDC-D42A-5859-04E5672FC1DC}"/>
+                  </a:ext>
+                </a:extLst>
+              </p:cNvPr>
+              <p:cNvSpPr txBox="1">
+                <a:spLocks noRot="1" noChangeAspect="1" noMove="1" noResize="1" noEditPoints="1" noAdjustHandles="1" noChangeArrowheads="1" noChangeShapeType="1" noTextEdit="1"/>
+              </p:cNvSpPr>
+              <p:nvPr/>
+            </p:nvSpPr>
+            <p:spPr>
+              <a:xfrm>
+                <a:off x="6599583" y="2511373"/>
+                <a:ext cx="4909930" cy="1696105"/>
+              </a:xfrm>
+              <a:prstGeom prst="rect">
+                <a:avLst/>
+              </a:prstGeom>
+              <a:blipFill>
+                <a:blip r:embed="rId3"/>
+                <a:stretch>
+                  <a:fillRect l="-1546" b="-7407"/>
+                </a:stretch>
+              </a:blipFill>
+            </p:spPr>
+            <p:txBody>
+              <a:bodyPr/>
+              <a:lstStyle/>
+              <a:p>
+                <a:r>
+                  <a:rPr lang="en-US">
+                    <a:noFill/>
+                  </a:rPr>
+                  <a:t> </a:t>
+                </a:r>
+              </a:p>
+            </p:txBody>
+          </p:sp>
+        </mc:Fallback>
+      </mc:AlternateContent>
+    </p:spTree>
+    <p:extLst>
+      <p:ext uri="{BB962C8B-B14F-4D97-AF65-F5344CB8AC3E}">
+        <p14:creationId xmlns:p14="http://schemas.microsoft.com/office/powerpoint/2010/main" val="2889821560"/>
       </p:ext>
     </p:extLst>
   </p:cSld>
@@ -4251,27 +4634,108 @@
         </p:nvSpPr>
         <p:spPr/>
         <p:txBody>
-          <a:bodyPr/>
+          <a:bodyPr>
+            <a:normAutofit/>
+          </a:bodyPr>
           <a:lstStyle/>
           <a:p>
             <a:pPr marL="0" indent="0">
+              <a:lnSpc>
+                <a:spcPct val="160000"/>
+              </a:lnSpc>
               <a:buNone/>
             </a:pPr>
             <a:r>
               <a:rPr lang="en-US" dirty="0"/>
-              <a:t>Strassen’s: divide multiplication into 7 sub-multiplications. </a:t>
+              <a:t>Strassen’s: divide multiplication into </a:t>
+            </a:r>
+            <a:r>
+              <a:rPr lang="en-US" dirty="0">
+                <a:hlinkClick r:id="rId2" action="ppaction://hlinksldjump"/>
+              </a:rPr>
+              <a:t>7 sub-multiplications</a:t>
+            </a:r>
+            <a:r>
+              <a:rPr lang="en-US" dirty="0"/>
+              <a:t>.</a:t>
+            </a:r>
+          </a:p>
+          <a:p>
+            <a:pPr>
+              <a:lnSpc>
+                <a:spcPct val="160000"/>
+              </a:lnSpc>
+            </a:pPr>
+            <a:r>
+              <a:rPr lang="en-US" dirty="0"/>
+              <a:t>It improves efficiency with a potential</a:t>
+            </a:r>
+            <a:r>
+              <a:rPr lang="zh-CN" altLang="en-US" dirty="0"/>
+              <a:t> </a:t>
+            </a:r>
+            <a:r>
+              <a:rPr lang="en-US" i="1" dirty="0"/>
+              <a:t>recursive</a:t>
+            </a:r>
+            <a:r>
+              <a:rPr lang="en-US" dirty="0"/>
+              <a:t> approach. </a:t>
             </a:r>
           </a:p>
           <a:p>
             <a:pPr marL="0" indent="0">
+              <a:lnSpc>
+                <a:spcPct val="160000"/>
+              </a:lnSpc>
               <a:buNone/>
             </a:pPr>
-            <a:endParaRPr lang="en-US" dirty="0"/>
-          </a:p>
-          <a:p>
-            <a:pPr marL="0" indent="0">
-              <a:buNone/>
+            <a:r>
+              <a:rPr lang="en-US" b="1" dirty="0"/>
+              <a:t>This</a:t>
+            </a:r>
+            <a:r>
+              <a:rPr lang="zh-CN" altLang="en-US" b="1" dirty="0"/>
+              <a:t> </a:t>
+            </a:r>
+            <a:r>
+              <a:rPr lang="en-US" altLang="zh-CN" b="1" dirty="0"/>
+              <a:t>project:</a:t>
+            </a:r>
+          </a:p>
+          <a:p>
+            <a:pPr>
+              <a:lnSpc>
+                <a:spcPct val="160000"/>
+              </a:lnSpc>
             </a:pPr>
+            <a:r>
+              <a:rPr lang="en-US" b="0" i="0" dirty="0">
+                <a:solidFill>
+                  <a:srgbClr val="0F0F0F"/>
+                </a:solidFill>
+                <a:effectLst/>
+                <a:latin typeface="Söhne"/>
+              </a:rPr>
+              <a:t>Parallel implementation of Strassen's to leverage efficiency.</a:t>
+            </a:r>
+          </a:p>
+          <a:p>
+            <a:pPr>
+              <a:lnSpc>
+                <a:spcPct val="160000"/>
+              </a:lnSpc>
+            </a:pPr>
+            <a:r>
+              <a:rPr lang="en-US" b="0" i="0" dirty="0">
+                <a:solidFill>
+                  <a:srgbClr val="0F0F0F"/>
+                </a:solidFill>
+                <a:effectLst/>
+                <a:latin typeface="Söhne"/>
+              </a:rPr>
+              <a:t>Explores three levels of recursive Strassen’s decomposition.</a:t>
+            </a:r>
             <a:endParaRPr lang="en-US" dirty="0"/>
           </a:p>
         </p:txBody>
@@ -4324,7 +4788,7 @@
         </p:nvSpPr>
         <p:spPr>
           <a:xfrm>
-            <a:off x="188536" y="188536"/>
+            <a:off x="188536" y="294538"/>
             <a:ext cx="5907464" cy="772998"/>
           </a:xfrm>
         </p:spPr>
@@ -4346,7 +4810,7 @@
                 <a:latin typeface="Arial" panose="020B0604020202020204" pitchFamily="34" charset="0"/>
                 <a:cs typeface="Arial" panose="020B0604020202020204" pitchFamily="34" charset="0"/>
               </a:rPr>
-              <a:t>Outline</a:t>
+              <a:t>Table of Content</a:t>
             </a:r>
             <a:r>
               <a:rPr lang="zh-CN" altLang="en-US" sz="3600" dirty="0">
@@ -4378,31 +4842,65 @@
             <p:ph idx="1"/>
           </p:nvPr>
         </p:nvSpPr>
-        <p:spPr/>
+        <p:spPr>
+          <a:xfrm>
+            <a:off x="838200" y="1816479"/>
+            <a:ext cx="10515600" cy="3225041"/>
+          </a:xfrm>
+        </p:spPr>
         <p:txBody>
-          <a:bodyPr anchor="ctr"/>
+          <a:bodyPr anchor="ctr">
+            <a:normAutofit/>
+          </a:bodyPr>
           <a:lstStyle/>
           <a:p>
-            <a:r>
-              <a:rPr lang="en-US" dirty="0"/>
-              <a:t>Parallelization</a:t>
-            </a:r>
-          </a:p>
-          <a:p>
-            <a:r>
-              <a:rPr lang="en-US" dirty="0"/>
-              <a:t>Implement</a:t>
-            </a:r>
-          </a:p>
-          <a:p>
-            <a:r>
-              <a:rPr lang="en-US" dirty="0"/>
+            <a:pPr>
+              <a:lnSpc>
+                <a:spcPct val="150000"/>
+              </a:lnSpc>
+            </a:pPr>
+            <a:r>
+              <a:rPr lang="en-US" sz="3600" dirty="0">
+                <a:cs typeface="Arial" panose="020B0604020202020204" pitchFamily="34" charset="0"/>
+              </a:rPr>
+              <a:t>Parallel</a:t>
+            </a:r>
+            <a:r>
+              <a:rPr lang="zh-CN" altLang="en-US" sz="3600" dirty="0">
+                <a:cs typeface="Arial" panose="020B0604020202020204" pitchFamily="34" charset="0"/>
+              </a:rPr>
+              <a:t> </a:t>
+            </a:r>
+            <a:r>
+              <a:rPr lang="en-US" sz="3600" dirty="0">
+                <a:cs typeface="Arial" panose="020B0604020202020204" pitchFamily="34" charset="0"/>
+              </a:rPr>
+              <a:t>Implementation</a:t>
+            </a:r>
+          </a:p>
+          <a:p>
+            <a:pPr>
+              <a:lnSpc>
+                <a:spcPct val="150000"/>
+              </a:lnSpc>
+            </a:pPr>
+            <a:r>
+              <a:rPr lang="en-US" sz="3600" dirty="0">
+                <a:cs typeface="Arial" panose="020B0604020202020204" pitchFamily="34" charset="0"/>
+              </a:rPr>
               <a:t>Result &amp; Analysis</a:t>
             </a:r>
           </a:p>
           <a:p>
-            <a:r>
-              <a:rPr lang="en-US" dirty="0"/>
+            <a:pPr>
+              <a:lnSpc>
+                <a:spcPct val="150000"/>
+              </a:lnSpc>
+            </a:pPr>
+            <a:r>
+              <a:rPr lang="en-US" sz="3600" dirty="0">
+                <a:cs typeface="Arial" panose="020B0604020202020204" pitchFamily="34" charset="0"/>
+              </a:rPr>
               <a:t>Summary</a:t>
             </a:r>
           </a:p>
@@ -4512,13 +5010,13 @@
         </p:nvSpPr>
         <p:spPr>
           <a:xfrm>
-            <a:off x="838199" y="1825625"/>
+            <a:off x="7009037" y="1637335"/>
             <a:ext cx="4205903" cy="772998"/>
           </a:xfrm>
         </p:spPr>
         <p:txBody>
           <a:bodyPr>
-            <a:normAutofit fontScale="85000" lnSpcReduction="20000"/>
+            <a:normAutofit fontScale="92500" lnSpcReduction="10000"/>
           </a:bodyPr>
           <a:lstStyle/>
           <a:p>
@@ -4526,8 +5024,7 @@
               <a:buNone/>
             </a:pPr>
             <a:r>
-              <a:rPr lang="en-US" dirty="0">
-                <a:latin typeface="Arial" panose="020B0604020202020204" pitchFamily="34" charset="0"/>
+              <a:rPr lang="en-US" sz="2400" dirty="0">
                 <a:cs typeface="Arial" panose="020B0604020202020204" pitchFamily="34" charset="0"/>
               </a:rPr>
               <a:t>Multi Level Master-Slave</a:t>
@@ -4538,8 +5035,7 @@
               <a:buNone/>
             </a:pPr>
             <a:r>
-              <a:rPr lang="en-US" dirty="0">
-                <a:latin typeface="Arial" panose="020B0604020202020204" pitchFamily="34" charset="0"/>
+              <a:rPr lang="en-US" sz="2400" dirty="0">
                 <a:cs typeface="Arial" panose="020B0604020202020204" pitchFamily="34" charset="0"/>
               </a:rPr>
               <a:t>(Leader-Worker) network</a:t>
@@ -4550,570 +5046,591 @@
               <a:buFont typeface="+mj-lt"/>
               <a:buAutoNum type="arabicPeriod"/>
             </a:pPr>
-            <a:endParaRPr lang="en-US" dirty="0"/>
+            <a:endParaRPr lang="en-US" sz="2400" dirty="0"/>
           </a:p>
         </p:txBody>
       </p:sp>
-      <p:cxnSp>
-        <p:nvCxnSpPr>
-          <p:cNvPr id="41" name="Straight Connector 40">
-            <a:extLst>
-              <a:ext uri="{FF2B5EF4-FFF2-40B4-BE49-F238E27FC236}">
-                <a16:creationId xmlns:a16="http://schemas.microsoft.com/office/drawing/2014/main" id="{73281497-A77F-B786-7787-3A09B226ADE2}"/>
-              </a:ext>
-            </a:extLst>
-          </p:cNvPr>
-          <p:cNvCxnSpPr>
-            <a:cxnSpLocks/>
-            <a:stCxn id="46" idx="3"/>
-            <a:endCxn id="47" idx="7"/>
-          </p:cNvCxnSpPr>
+      <p:grpSp>
+        <p:nvGrpSpPr>
+          <p:cNvPr id="4" name="Group 3">
+            <a:extLst>
+              <a:ext uri="{FF2B5EF4-FFF2-40B4-BE49-F238E27FC236}">
+                <a16:creationId xmlns:a16="http://schemas.microsoft.com/office/drawing/2014/main" id="{FD335EE1-4545-252F-3FF5-3229EB6D8E93}"/>
+              </a:ext>
+            </a:extLst>
+          </p:cNvPr>
+          <p:cNvGrpSpPr/>
           <p:nvPr/>
-        </p:nvCxnSpPr>
-        <p:spPr>
-          <a:xfrm flipH="1">
-            <a:off x="7341771" y="2369289"/>
-            <a:ext cx="731898" cy="665315"/>
+        </p:nvGrpSpPr>
+        <p:grpSpPr>
+          <a:xfrm>
+            <a:off x="848139" y="2193517"/>
+            <a:ext cx="4334826" cy="2470966"/>
+            <a:chOff x="6096000" y="1999160"/>
+            <a:chExt cx="4334826" cy="2470966"/>
           </a:xfrm>
-          <a:prstGeom prst="line">
-            <a:avLst/>
-          </a:prstGeom>
-        </p:spPr>
-        <p:style>
-          <a:lnRef idx="1">
-            <a:schemeClr val="accent1"/>
-          </a:lnRef>
-          <a:fillRef idx="0">
-            <a:schemeClr val="accent1"/>
-          </a:fillRef>
-          <a:effectRef idx="0">
-            <a:schemeClr val="accent1"/>
-          </a:effectRef>
-          <a:fontRef idx="minor">
-            <a:schemeClr val="tx1"/>
-          </a:fontRef>
-        </p:style>
-      </p:cxnSp>
-      <p:cxnSp>
-        <p:nvCxnSpPr>
-          <p:cNvPr id="43" name="Straight Connector 42">
-            <a:extLst>
-              <a:ext uri="{FF2B5EF4-FFF2-40B4-BE49-F238E27FC236}">
-                <a16:creationId xmlns:a16="http://schemas.microsoft.com/office/drawing/2014/main" id="{E16B1EE0-4521-884E-3875-F9ED1F7D281B}"/>
-              </a:ext>
-            </a:extLst>
-          </p:cNvPr>
-          <p:cNvCxnSpPr>
-            <a:cxnSpLocks/>
-            <a:stCxn id="46" idx="5"/>
-            <a:endCxn id="48" idx="1"/>
-          </p:cNvCxnSpPr>
-          <p:nvPr/>
-        </p:nvCxnSpPr>
-        <p:spPr>
-          <a:xfrm>
-            <a:off x="8390364" y="2369289"/>
-            <a:ext cx="829718" cy="665315"/>
-          </a:xfrm>
-          <a:prstGeom prst="line">
-            <a:avLst/>
-          </a:prstGeom>
-        </p:spPr>
-        <p:style>
-          <a:lnRef idx="1">
-            <a:schemeClr val="accent1"/>
-          </a:lnRef>
-          <a:fillRef idx="0">
-            <a:schemeClr val="accent1"/>
-          </a:fillRef>
-          <a:effectRef idx="0">
-            <a:schemeClr val="accent1"/>
-          </a:effectRef>
-          <a:fontRef idx="minor">
-            <a:schemeClr val="tx1"/>
-          </a:fontRef>
-        </p:style>
-      </p:cxnSp>
-      <p:cxnSp>
-        <p:nvCxnSpPr>
-          <p:cNvPr id="45" name="Straight Connector 44">
-            <a:extLst>
-              <a:ext uri="{FF2B5EF4-FFF2-40B4-BE49-F238E27FC236}">
-                <a16:creationId xmlns:a16="http://schemas.microsoft.com/office/drawing/2014/main" id="{C8DEF0AF-270B-B577-B9AC-921C189AE894}"/>
-              </a:ext>
-            </a:extLst>
-          </p:cNvPr>
-          <p:cNvCxnSpPr>
-            <a:cxnSpLocks/>
-            <a:stCxn id="47" idx="3"/>
-            <a:endCxn id="49" idx="0"/>
-          </p:cNvCxnSpPr>
-          <p:nvPr/>
-        </p:nvCxnSpPr>
-        <p:spPr>
-          <a:xfrm flipH="1">
-            <a:off x="6319938" y="3341229"/>
-            <a:ext cx="705138" cy="695264"/>
-          </a:xfrm>
-          <a:prstGeom prst="line">
-            <a:avLst/>
-          </a:prstGeom>
-        </p:spPr>
-        <p:style>
-          <a:lnRef idx="1">
-            <a:schemeClr val="accent1"/>
-          </a:lnRef>
-          <a:fillRef idx="0">
-            <a:schemeClr val="accent1"/>
-          </a:fillRef>
-          <a:effectRef idx="0">
-            <a:schemeClr val="accent1"/>
-          </a:effectRef>
-          <a:fontRef idx="minor">
-            <a:schemeClr val="tx1"/>
-          </a:fontRef>
-        </p:style>
-      </p:cxnSp>
-      <p:sp>
-        <p:nvSpPr>
-          <p:cNvPr id="46" name="Oval 45">
-            <a:extLst>
-              <a:ext uri="{FF2B5EF4-FFF2-40B4-BE49-F238E27FC236}">
-                <a16:creationId xmlns:a16="http://schemas.microsoft.com/office/drawing/2014/main" id="{BB1C3720-486D-1E02-71E0-CCC2CEB62422}"/>
-              </a:ext>
-            </a:extLst>
-          </p:cNvPr>
-          <p:cNvSpPr/>
-          <p:nvPr/>
-        </p:nvSpPr>
-        <p:spPr>
-          <a:xfrm>
-            <a:off x="8008079" y="1999160"/>
-            <a:ext cx="447875" cy="433633"/>
-          </a:xfrm>
-          <a:prstGeom prst="ellipse">
-            <a:avLst/>
-          </a:prstGeom>
-        </p:spPr>
-        <p:style>
-          <a:lnRef idx="2">
-            <a:schemeClr val="accent1">
-              <a:shade val="15000"/>
-            </a:schemeClr>
-          </a:lnRef>
-          <a:fillRef idx="1">
-            <a:schemeClr val="accent1"/>
-          </a:fillRef>
-          <a:effectRef idx="0">
-            <a:schemeClr val="accent1"/>
-          </a:effectRef>
-          <a:fontRef idx="minor">
-            <a:schemeClr val="lt1"/>
-          </a:fontRef>
-        </p:style>
-        <p:txBody>
-          <a:bodyPr rtlCol="0" anchor="ctr"/>
-          <a:lstStyle/>
-          <a:p>
-            <a:pPr algn="ctr"/>
-            <a:endParaRPr lang="en-US"/>
-          </a:p>
-        </p:txBody>
-      </p:sp>
-      <p:sp>
-        <p:nvSpPr>
-          <p:cNvPr id="47" name="Oval 46">
-            <a:extLst>
-              <a:ext uri="{FF2B5EF4-FFF2-40B4-BE49-F238E27FC236}">
-                <a16:creationId xmlns:a16="http://schemas.microsoft.com/office/drawing/2014/main" id="{9173A311-ABF4-4A32-9C10-23035E162318}"/>
-              </a:ext>
-            </a:extLst>
-          </p:cNvPr>
-          <p:cNvSpPr/>
-          <p:nvPr/>
-        </p:nvSpPr>
-        <p:spPr>
-          <a:xfrm>
-            <a:off x="6959486" y="2971100"/>
-            <a:ext cx="447875" cy="433633"/>
-          </a:xfrm>
-          <a:prstGeom prst="ellipse">
-            <a:avLst/>
-          </a:prstGeom>
-        </p:spPr>
-        <p:style>
-          <a:lnRef idx="2">
-            <a:schemeClr val="accent1">
-              <a:shade val="15000"/>
-            </a:schemeClr>
-          </a:lnRef>
-          <a:fillRef idx="1">
-            <a:schemeClr val="accent1"/>
-          </a:fillRef>
-          <a:effectRef idx="0">
-            <a:schemeClr val="accent1"/>
-          </a:effectRef>
-          <a:fontRef idx="minor">
-            <a:schemeClr val="lt1"/>
-          </a:fontRef>
-        </p:style>
-        <p:txBody>
-          <a:bodyPr rtlCol="0" anchor="ctr"/>
-          <a:lstStyle/>
-          <a:p>
-            <a:pPr algn="ctr"/>
-            <a:endParaRPr lang="en-US"/>
-          </a:p>
-        </p:txBody>
-      </p:sp>
-      <p:sp>
-        <p:nvSpPr>
-          <p:cNvPr id="48" name="Oval 47">
-            <a:extLst>
-              <a:ext uri="{FF2B5EF4-FFF2-40B4-BE49-F238E27FC236}">
-                <a16:creationId xmlns:a16="http://schemas.microsoft.com/office/drawing/2014/main" id="{6B559C78-BC6F-FFE6-1E71-AB073B562B63}"/>
-              </a:ext>
-            </a:extLst>
-          </p:cNvPr>
-          <p:cNvSpPr/>
-          <p:nvPr/>
-        </p:nvSpPr>
-        <p:spPr>
-          <a:xfrm>
-            <a:off x="9154492" y="2971100"/>
-            <a:ext cx="447875" cy="433633"/>
-          </a:xfrm>
-          <a:prstGeom prst="ellipse">
-            <a:avLst/>
-          </a:prstGeom>
-        </p:spPr>
-        <p:style>
-          <a:lnRef idx="2">
-            <a:schemeClr val="accent1">
-              <a:shade val="15000"/>
-            </a:schemeClr>
-          </a:lnRef>
-          <a:fillRef idx="1">
-            <a:schemeClr val="accent1"/>
-          </a:fillRef>
-          <a:effectRef idx="0">
-            <a:schemeClr val="accent1"/>
-          </a:effectRef>
-          <a:fontRef idx="minor">
-            <a:schemeClr val="lt1"/>
-          </a:fontRef>
-        </p:style>
-        <p:txBody>
-          <a:bodyPr rtlCol="0" anchor="ctr"/>
-          <a:lstStyle/>
-          <a:p>
-            <a:pPr algn="ctr"/>
-            <a:endParaRPr lang="en-US"/>
-          </a:p>
-        </p:txBody>
-      </p:sp>
-      <p:sp>
-        <p:nvSpPr>
-          <p:cNvPr id="49" name="Oval 48">
-            <a:extLst>
-              <a:ext uri="{FF2B5EF4-FFF2-40B4-BE49-F238E27FC236}">
-                <a16:creationId xmlns:a16="http://schemas.microsoft.com/office/drawing/2014/main" id="{42288E40-F4F8-6364-19BF-F17932CFC47B}"/>
-              </a:ext>
-            </a:extLst>
-          </p:cNvPr>
-          <p:cNvSpPr/>
-          <p:nvPr/>
-        </p:nvSpPr>
-        <p:spPr>
-          <a:xfrm>
-            <a:off x="6096000" y="4036493"/>
-            <a:ext cx="447875" cy="433633"/>
-          </a:xfrm>
-          <a:prstGeom prst="ellipse">
-            <a:avLst/>
-          </a:prstGeom>
-        </p:spPr>
-        <p:style>
-          <a:lnRef idx="2">
-            <a:schemeClr val="accent1">
-              <a:shade val="15000"/>
-            </a:schemeClr>
-          </a:lnRef>
-          <a:fillRef idx="1">
-            <a:schemeClr val="accent1"/>
-          </a:fillRef>
-          <a:effectRef idx="0">
-            <a:schemeClr val="accent1"/>
-          </a:effectRef>
-          <a:fontRef idx="minor">
-            <a:schemeClr val="lt1"/>
-          </a:fontRef>
-        </p:style>
-        <p:txBody>
-          <a:bodyPr rtlCol="0" anchor="ctr"/>
-          <a:lstStyle/>
-          <a:p>
-            <a:pPr algn="ctr"/>
-            <a:endParaRPr lang="en-US"/>
-          </a:p>
-        </p:txBody>
-      </p:sp>
-      <p:sp>
-        <p:nvSpPr>
-          <p:cNvPr id="50" name="Oval 49">
-            <a:extLst>
-              <a:ext uri="{FF2B5EF4-FFF2-40B4-BE49-F238E27FC236}">
-                <a16:creationId xmlns:a16="http://schemas.microsoft.com/office/drawing/2014/main" id="{B1E567A8-F64A-C77E-F190-1AF6A2EB6C6D}"/>
-              </a:ext>
-            </a:extLst>
-          </p:cNvPr>
-          <p:cNvSpPr/>
-          <p:nvPr/>
-        </p:nvSpPr>
-        <p:spPr>
-          <a:xfrm>
-            <a:off x="7560204" y="4036493"/>
-            <a:ext cx="447875" cy="433633"/>
-          </a:xfrm>
-          <a:prstGeom prst="ellipse">
-            <a:avLst/>
-          </a:prstGeom>
-        </p:spPr>
-        <p:style>
-          <a:lnRef idx="2">
-            <a:schemeClr val="accent1">
-              <a:shade val="15000"/>
-            </a:schemeClr>
-          </a:lnRef>
-          <a:fillRef idx="1">
-            <a:schemeClr val="accent1"/>
-          </a:fillRef>
-          <a:effectRef idx="0">
-            <a:schemeClr val="accent1"/>
-          </a:effectRef>
-          <a:fontRef idx="minor">
-            <a:schemeClr val="lt1"/>
-          </a:fontRef>
-        </p:style>
-        <p:txBody>
-          <a:bodyPr rtlCol="0" anchor="ctr"/>
-          <a:lstStyle/>
-          <a:p>
-            <a:pPr algn="ctr"/>
-            <a:endParaRPr lang="en-US"/>
-          </a:p>
-        </p:txBody>
-      </p:sp>
-      <p:sp>
-        <p:nvSpPr>
-          <p:cNvPr id="51" name="Oval 50">
-            <a:extLst>
-              <a:ext uri="{FF2B5EF4-FFF2-40B4-BE49-F238E27FC236}">
-                <a16:creationId xmlns:a16="http://schemas.microsoft.com/office/drawing/2014/main" id="{D8C332BE-CD81-CEAB-48AB-506942E6E007}"/>
-              </a:ext>
-            </a:extLst>
-          </p:cNvPr>
-          <p:cNvSpPr/>
-          <p:nvPr/>
-        </p:nvSpPr>
-        <p:spPr>
-          <a:xfrm>
-            <a:off x="8554995" y="4036491"/>
-            <a:ext cx="447875" cy="433633"/>
-          </a:xfrm>
-          <a:prstGeom prst="ellipse">
-            <a:avLst/>
-          </a:prstGeom>
-        </p:spPr>
-        <p:style>
-          <a:lnRef idx="2">
-            <a:schemeClr val="accent1">
-              <a:shade val="15000"/>
-            </a:schemeClr>
-          </a:lnRef>
-          <a:fillRef idx="1">
-            <a:schemeClr val="accent1"/>
-          </a:fillRef>
-          <a:effectRef idx="0">
-            <a:schemeClr val="accent1"/>
-          </a:effectRef>
-          <a:fontRef idx="minor">
-            <a:schemeClr val="lt1"/>
-          </a:fontRef>
-        </p:style>
-        <p:txBody>
-          <a:bodyPr rtlCol="0" anchor="ctr"/>
-          <a:lstStyle/>
-          <a:p>
-            <a:pPr algn="ctr"/>
-            <a:endParaRPr lang="en-US"/>
-          </a:p>
-        </p:txBody>
-      </p:sp>
-      <p:sp>
-        <p:nvSpPr>
-          <p:cNvPr id="52" name="Oval 51">
-            <a:extLst>
-              <a:ext uri="{FF2B5EF4-FFF2-40B4-BE49-F238E27FC236}">
-                <a16:creationId xmlns:a16="http://schemas.microsoft.com/office/drawing/2014/main" id="{0B0D4E2A-A92E-23B2-393A-37DEFE90CADA}"/>
-              </a:ext>
-            </a:extLst>
-          </p:cNvPr>
-          <p:cNvSpPr/>
-          <p:nvPr/>
-        </p:nvSpPr>
-        <p:spPr>
-          <a:xfrm>
-            <a:off x="9982951" y="4036492"/>
-            <a:ext cx="447875" cy="433633"/>
-          </a:xfrm>
-          <a:prstGeom prst="ellipse">
-            <a:avLst/>
-          </a:prstGeom>
-        </p:spPr>
-        <p:style>
-          <a:lnRef idx="2">
-            <a:schemeClr val="accent1">
-              <a:shade val="15000"/>
-            </a:schemeClr>
-          </a:lnRef>
-          <a:fillRef idx="1">
-            <a:schemeClr val="accent1"/>
-          </a:fillRef>
-          <a:effectRef idx="0">
-            <a:schemeClr val="accent1"/>
-          </a:effectRef>
-          <a:fontRef idx="minor">
-            <a:schemeClr val="lt1"/>
-          </a:fontRef>
-        </p:style>
-        <p:txBody>
-          <a:bodyPr rtlCol="0" anchor="ctr"/>
-          <a:lstStyle/>
-          <a:p>
-            <a:pPr algn="ctr"/>
-            <a:endParaRPr lang="en-US"/>
-          </a:p>
-        </p:txBody>
-      </p:sp>
-      <p:cxnSp>
-        <p:nvCxnSpPr>
-          <p:cNvPr id="65" name="Straight Connector 64">
-            <a:extLst>
-              <a:ext uri="{FF2B5EF4-FFF2-40B4-BE49-F238E27FC236}">
-                <a16:creationId xmlns:a16="http://schemas.microsoft.com/office/drawing/2014/main" id="{95D13572-C306-2D48-9EEB-9786A1CA0801}"/>
-              </a:ext>
-            </a:extLst>
-          </p:cNvPr>
-          <p:cNvCxnSpPr>
-            <a:stCxn id="47" idx="5"/>
-            <a:endCxn id="50" idx="0"/>
-          </p:cNvCxnSpPr>
-          <p:nvPr/>
-        </p:nvCxnSpPr>
-        <p:spPr>
-          <a:xfrm>
-            <a:off x="7341771" y="3341229"/>
-            <a:ext cx="442371" cy="695264"/>
-          </a:xfrm>
-          <a:prstGeom prst="line">
-            <a:avLst/>
-          </a:prstGeom>
-        </p:spPr>
-        <p:style>
-          <a:lnRef idx="1">
-            <a:schemeClr val="accent1"/>
-          </a:lnRef>
-          <a:fillRef idx="0">
-            <a:schemeClr val="accent1"/>
-          </a:fillRef>
-          <a:effectRef idx="0">
-            <a:schemeClr val="accent1"/>
-          </a:effectRef>
-          <a:fontRef idx="minor">
-            <a:schemeClr val="tx1"/>
-          </a:fontRef>
-        </p:style>
-      </p:cxnSp>
-      <p:cxnSp>
-        <p:nvCxnSpPr>
-          <p:cNvPr id="67" name="Straight Connector 66">
-            <a:extLst>
-              <a:ext uri="{FF2B5EF4-FFF2-40B4-BE49-F238E27FC236}">
-                <a16:creationId xmlns:a16="http://schemas.microsoft.com/office/drawing/2014/main" id="{64B2D99E-2DA0-A2AE-2775-DD97DB5B17AD}"/>
-              </a:ext>
-            </a:extLst>
-          </p:cNvPr>
-          <p:cNvCxnSpPr>
-            <a:stCxn id="48" idx="3"/>
-            <a:endCxn id="51" idx="0"/>
-          </p:cNvCxnSpPr>
-          <p:nvPr/>
-        </p:nvCxnSpPr>
-        <p:spPr>
-          <a:xfrm flipH="1">
-            <a:off x="8778933" y="3341229"/>
-            <a:ext cx="441149" cy="695262"/>
-          </a:xfrm>
-          <a:prstGeom prst="line">
-            <a:avLst/>
-          </a:prstGeom>
-        </p:spPr>
-        <p:style>
-          <a:lnRef idx="1">
-            <a:schemeClr val="accent1"/>
-          </a:lnRef>
-          <a:fillRef idx="0">
-            <a:schemeClr val="accent1"/>
-          </a:fillRef>
-          <a:effectRef idx="0">
-            <a:schemeClr val="accent1"/>
-          </a:effectRef>
-          <a:fontRef idx="minor">
-            <a:schemeClr val="tx1"/>
-          </a:fontRef>
-        </p:style>
-      </p:cxnSp>
-      <p:cxnSp>
-        <p:nvCxnSpPr>
-          <p:cNvPr id="69" name="Straight Connector 68">
-            <a:extLst>
-              <a:ext uri="{FF2B5EF4-FFF2-40B4-BE49-F238E27FC236}">
-                <a16:creationId xmlns:a16="http://schemas.microsoft.com/office/drawing/2014/main" id="{2B477199-D7CD-A20F-D817-8E2E09EC6B46}"/>
-              </a:ext>
-            </a:extLst>
-          </p:cNvPr>
-          <p:cNvCxnSpPr>
-            <a:cxnSpLocks/>
-            <a:stCxn id="48" idx="5"/>
-            <a:endCxn id="52" idx="0"/>
-          </p:cNvCxnSpPr>
-          <p:nvPr/>
-        </p:nvCxnSpPr>
-        <p:spPr>
-          <a:xfrm>
-            <a:off x="9536777" y="3341229"/>
-            <a:ext cx="670112" cy="695263"/>
-          </a:xfrm>
-          <a:prstGeom prst="line">
-            <a:avLst/>
-          </a:prstGeom>
-        </p:spPr>
-        <p:style>
-          <a:lnRef idx="1">
-            <a:schemeClr val="accent1"/>
-          </a:lnRef>
-          <a:fillRef idx="0">
-            <a:schemeClr val="accent1"/>
-          </a:fillRef>
-          <a:effectRef idx="0">
-            <a:schemeClr val="accent1"/>
-          </a:effectRef>
-          <a:fontRef idx="minor">
-            <a:schemeClr val="tx1"/>
-          </a:fontRef>
-        </p:style>
-      </p:cxnSp>
+        </p:grpSpPr>
+        <p:cxnSp>
+          <p:nvCxnSpPr>
+            <p:cNvPr id="41" name="Straight Connector 40">
+              <a:extLst>
+                <a:ext uri="{FF2B5EF4-FFF2-40B4-BE49-F238E27FC236}">
+                  <a16:creationId xmlns:a16="http://schemas.microsoft.com/office/drawing/2014/main" id="{73281497-A77F-B786-7787-3A09B226ADE2}"/>
+                </a:ext>
+              </a:extLst>
+            </p:cNvPr>
+            <p:cNvCxnSpPr>
+              <a:cxnSpLocks/>
+              <a:stCxn id="46" idx="3"/>
+              <a:endCxn id="47" idx="7"/>
+            </p:cNvCxnSpPr>
+            <p:nvPr/>
+          </p:nvCxnSpPr>
+          <p:spPr>
+            <a:xfrm flipH="1">
+              <a:off x="7341771" y="2369289"/>
+              <a:ext cx="731898" cy="665315"/>
+            </a:xfrm>
+            <a:prstGeom prst="line">
+              <a:avLst/>
+            </a:prstGeom>
+          </p:spPr>
+          <p:style>
+            <a:lnRef idx="1">
+              <a:schemeClr val="accent1"/>
+            </a:lnRef>
+            <a:fillRef idx="0">
+              <a:schemeClr val="accent1"/>
+            </a:fillRef>
+            <a:effectRef idx="0">
+              <a:schemeClr val="accent1"/>
+            </a:effectRef>
+            <a:fontRef idx="minor">
+              <a:schemeClr val="tx1"/>
+            </a:fontRef>
+          </p:style>
+        </p:cxnSp>
+        <p:cxnSp>
+          <p:nvCxnSpPr>
+            <p:cNvPr id="43" name="Straight Connector 42">
+              <a:extLst>
+                <a:ext uri="{FF2B5EF4-FFF2-40B4-BE49-F238E27FC236}">
+                  <a16:creationId xmlns:a16="http://schemas.microsoft.com/office/drawing/2014/main" id="{E16B1EE0-4521-884E-3875-F9ED1F7D281B}"/>
+                </a:ext>
+              </a:extLst>
+            </p:cNvPr>
+            <p:cNvCxnSpPr>
+              <a:cxnSpLocks/>
+              <a:stCxn id="46" idx="5"/>
+              <a:endCxn id="48" idx="1"/>
+            </p:cNvCxnSpPr>
+            <p:nvPr/>
+          </p:nvCxnSpPr>
+          <p:spPr>
+            <a:xfrm>
+              <a:off x="8390364" y="2369289"/>
+              <a:ext cx="829718" cy="665315"/>
+            </a:xfrm>
+            <a:prstGeom prst="line">
+              <a:avLst/>
+            </a:prstGeom>
+          </p:spPr>
+          <p:style>
+            <a:lnRef idx="1">
+              <a:schemeClr val="accent1"/>
+            </a:lnRef>
+            <a:fillRef idx="0">
+              <a:schemeClr val="accent1"/>
+            </a:fillRef>
+            <a:effectRef idx="0">
+              <a:schemeClr val="accent1"/>
+            </a:effectRef>
+            <a:fontRef idx="minor">
+              <a:schemeClr val="tx1"/>
+            </a:fontRef>
+          </p:style>
+        </p:cxnSp>
+        <p:cxnSp>
+          <p:nvCxnSpPr>
+            <p:cNvPr id="45" name="Straight Connector 44">
+              <a:extLst>
+                <a:ext uri="{FF2B5EF4-FFF2-40B4-BE49-F238E27FC236}">
+                  <a16:creationId xmlns:a16="http://schemas.microsoft.com/office/drawing/2014/main" id="{C8DEF0AF-270B-B577-B9AC-921C189AE894}"/>
+                </a:ext>
+              </a:extLst>
+            </p:cNvPr>
+            <p:cNvCxnSpPr>
+              <a:cxnSpLocks/>
+              <a:stCxn id="47" idx="3"/>
+              <a:endCxn id="49" idx="0"/>
+            </p:cNvCxnSpPr>
+            <p:nvPr/>
+          </p:nvCxnSpPr>
+          <p:spPr>
+            <a:xfrm flipH="1">
+              <a:off x="6319938" y="3341229"/>
+              <a:ext cx="705138" cy="695264"/>
+            </a:xfrm>
+            <a:prstGeom prst="line">
+              <a:avLst/>
+            </a:prstGeom>
+          </p:spPr>
+          <p:style>
+            <a:lnRef idx="1">
+              <a:schemeClr val="accent1"/>
+            </a:lnRef>
+            <a:fillRef idx="0">
+              <a:schemeClr val="accent1"/>
+            </a:fillRef>
+            <a:effectRef idx="0">
+              <a:schemeClr val="accent1"/>
+            </a:effectRef>
+            <a:fontRef idx="minor">
+              <a:schemeClr val="tx1"/>
+            </a:fontRef>
+          </p:style>
+        </p:cxnSp>
+        <p:sp>
+          <p:nvSpPr>
+            <p:cNvPr id="46" name="Oval 45">
+              <a:extLst>
+                <a:ext uri="{FF2B5EF4-FFF2-40B4-BE49-F238E27FC236}">
+                  <a16:creationId xmlns:a16="http://schemas.microsoft.com/office/drawing/2014/main" id="{BB1C3720-486D-1E02-71E0-CCC2CEB62422}"/>
+                </a:ext>
+              </a:extLst>
+            </p:cNvPr>
+            <p:cNvSpPr/>
+            <p:nvPr/>
+          </p:nvSpPr>
+          <p:spPr>
+            <a:xfrm>
+              <a:off x="8008079" y="1999160"/>
+              <a:ext cx="447875" cy="433633"/>
+            </a:xfrm>
+            <a:prstGeom prst="ellipse">
+              <a:avLst/>
+            </a:prstGeom>
+          </p:spPr>
+          <p:style>
+            <a:lnRef idx="2">
+              <a:schemeClr val="accent1">
+                <a:shade val="15000"/>
+              </a:schemeClr>
+            </a:lnRef>
+            <a:fillRef idx="1">
+              <a:schemeClr val="accent1"/>
+            </a:fillRef>
+            <a:effectRef idx="0">
+              <a:schemeClr val="accent1"/>
+            </a:effectRef>
+            <a:fontRef idx="minor">
+              <a:schemeClr val="lt1"/>
+            </a:fontRef>
+          </p:style>
+          <p:txBody>
+            <a:bodyPr rtlCol="0" anchor="ctr"/>
+            <a:lstStyle/>
+            <a:p>
+              <a:pPr algn="ctr"/>
+              <a:endParaRPr lang="en-US" dirty="0"/>
+            </a:p>
+          </p:txBody>
+        </p:sp>
+        <p:sp>
+          <p:nvSpPr>
+            <p:cNvPr id="47" name="Oval 46">
+              <a:extLst>
+                <a:ext uri="{FF2B5EF4-FFF2-40B4-BE49-F238E27FC236}">
+                  <a16:creationId xmlns:a16="http://schemas.microsoft.com/office/drawing/2014/main" id="{9173A311-ABF4-4A32-9C10-23035E162318}"/>
+                </a:ext>
+              </a:extLst>
+            </p:cNvPr>
+            <p:cNvSpPr/>
+            <p:nvPr/>
+          </p:nvSpPr>
+          <p:spPr>
+            <a:xfrm>
+              <a:off x="6959486" y="2971100"/>
+              <a:ext cx="447875" cy="433633"/>
+            </a:xfrm>
+            <a:prstGeom prst="ellipse">
+              <a:avLst/>
+            </a:prstGeom>
+          </p:spPr>
+          <p:style>
+            <a:lnRef idx="2">
+              <a:schemeClr val="accent1">
+                <a:shade val="15000"/>
+              </a:schemeClr>
+            </a:lnRef>
+            <a:fillRef idx="1">
+              <a:schemeClr val="accent1"/>
+            </a:fillRef>
+            <a:effectRef idx="0">
+              <a:schemeClr val="accent1"/>
+            </a:effectRef>
+            <a:fontRef idx="minor">
+              <a:schemeClr val="lt1"/>
+            </a:fontRef>
+          </p:style>
+          <p:txBody>
+            <a:bodyPr rtlCol="0" anchor="ctr"/>
+            <a:lstStyle/>
+            <a:p>
+              <a:pPr algn="ctr"/>
+              <a:endParaRPr lang="en-US"/>
+            </a:p>
+          </p:txBody>
+        </p:sp>
+        <p:sp>
+          <p:nvSpPr>
+            <p:cNvPr id="48" name="Oval 47">
+              <a:extLst>
+                <a:ext uri="{FF2B5EF4-FFF2-40B4-BE49-F238E27FC236}">
+                  <a16:creationId xmlns:a16="http://schemas.microsoft.com/office/drawing/2014/main" id="{6B559C78-BC6F-FFE6-1E71-AB073B562B63}"/>
+                </a:ext>
+              </a:extLst>
+            </p:cNvPr>
+            <p:cNvSpPr/>
+            <p:nvPr/>
+          </p:nvSpPr>
+          <p:spPr>
+            <a:xfrm>
+              <a:off x="9154492" y="2971100"/>
+              <a:ext cx="447875" cy="433633"/>
+            </a:xfrm>
+            <a:prstGeom prst="ellipse">
+              <a:avLst/>
+            </a:prstGeom>
+          </p:spPr>
+          <p:style>
+            <a:lnRef idx="2">
+              <a:schemeClr val="accent1">
+                <a:shade val="15000"/>
+              </a:schemeClr>
+            </a:lnRef>
+            <a:fillRef idx="1">
+              <a:schemeClr val="accent1"/>
+            </a:fillRef>
+            <a:effectRef idx="0">
+              <a:schemeClr val="accent1"/>
+            </a:effectRef>
+            <a:fontRef idx="minor">
+              <a:schemeClr val="lt1"/>
+            </a:fontRef>
+          </p:style>
+          <p:txBody>
+            <a:bodyPr rtlCol="0" anchor="ctr"/>
+            <a:lstStyle/>
+            <a:p>
+              <a:pPr algn="ctr"/>
+              <a:endParaRPr lang="en-US"/>
+            </a:p>
+          </p:txBody>
+        </p:sp>
+        <p:sp>
+          <p:nvSpPr>
+            <p:cNvPr id="49" name="Oval 48">
+              <a:extLst>
+                <a:ext uri="{FF2B5EF4-FFF2-40B4-BE49-F238E27FC236}">
+                  <a16:creationId xmlns:a16="http://schemas.microsoft.com/office/drawing/2014/main" id="{42288E40-F4F8-6364-19BF-F17932CFC47B}"/>
+                </a:ext>
+              </a:extLst>
+            </p:cNvPr>
+            <p:cNvSpPr/>
+            <p:nvPr/>
+          </p:nvSpPr>
+          <p:spPr>
+            <a:xfrm>
+              <a:off x="6096000" y="4036493"/>
+              <a:ext cx="447875" cy="433633"/>
+            </a:xfrm>
+            <a:prstGeom prst="ellipse">
+              <a:avLst/>
+            </a:prstGeom>
+          </p:spPr>
+          <p:style>
+            <a:lnRef idx="2">
+              <a:schemeClr val="accent1">
+                <a:shade val="15000"/>
+              </a:schemeClr>
+            </a:lnRef>
+            <a:fillRef idx="1">
+              <a:schemeClr val="accent1"/>
+            </a:fillRef>
+            <a:effectRef idx="0">
+              <a:schemeClr val="accent1"/>
+            </a:effectRef>
+            <a:fontRef idx="minor">
+              <a:schemeClr val="lt1"/>
+            </a:fontRef>
+          </p:style>
+          <p:txBody>
+            <a:bodyPr rtlCol="0" anchor="ctr"/>
+            <a:lstStyle/>
+            <a:p>
+              <a:pPr algn="ctr"/>
+              <a:endParaRPr lang="en-US"/>
+            </a:p>
+          </p:txBody>
+        </p:sp>
+        <p:sp>
+          <p:nvSpPr>
+            <p:cNvPr id="50" name="Oval 49">
+              <a:extLst>
+                <a:ext uri="{FF2B5EF4-FFF2-40B4-BE49-F238E27FC236}">
+                  <a16:creationId xmlns:a16="http://schemas.microsoft.com/office/drawing/2014/main" id="{B1E567A8-F64A-C77E-F190-1AF6A2EB6C6D}"/>
+                </a:ext>
+              </a:extLst>
+            </p:cNvPr>
+            <p:cNvSpPr/>
+            <p:nvPr/>
+          </p:nvSpPr>
+          <p:spPr>
+            <a:xfrm>
+              <a:off x="7560204" y="4036493"/>
+              <a:ext cx="447875" cy="433633"/>
+            </a:xfrm>
+            <a:prstGeom prst="ellipse">
+              <a:avLst/>
+            </a:prstGeom>
+          </p:spPr>
+          <p:style>
+            <a:lnRef idx="2">
+              <a:schemeClr val="accent1">
+                <a:shade val="15000"/>
+              </a:schemeClr>
+            </a:lnRef>
+            <a:fillRef idx="1">
+              <a:schemeClr val="accent1"/>
+            </a:fillRef>
+            <a:effectRef idx="0">
+              <a:schemeClr val="accent1"/>
+            </a:effectRef>
+            <a:fontRef idx="minor">
+              <a:schemeClr val="lt1"/>
+            </a:fontRef>
+          </p:style>
+          <p:txBody>
+            <a:bodyPr rtlCol="0" anchor="ctr"/>
+            <a:lstStyle/>
+            <a:p>
+              <a:pPr algn="ctr"/>
+              <a:endParaRPr lang="en-US"/>
+            </a:p>
+          </p:txBody>
+        </p:sp>
+        <p:sp>
+          <p:nvSpPr>
+            <p:cNvPr id="51" name="Oval 50">
+              <a:extLst>
+                <a:ext uri="{FF2B5EF4-FFF2-40B4-BE49-F238E27FC236}">
+                  <a16:creationId xmlns:a16="http://schemas.microsoft.com/office/drawing/2014/main" id="{D8C332BE-CD81-CEAB-48AB-506942E6E007}"/>
+                </a:ext>
+              </a:extLst>
+            </p:cNvPr>
+            <p:cNvSpPr/>
+            <p:nvPr/>
+          </p:nvSpPr>
+          <p:spPr>
+            <a:xfrm>
+              <a:off x="8554995" y="4036491"/>
+              <a:ext cx="447875" cy="433633"/>
+            </a:xfrm>
+            <a:prstGeom prst="ellipse">
+              <a:avLst/>
+            </a:prstGeom>
+          </p:spPr>
+          <p:style>
+            <a:lnRef idx="2">
+              <a:schemeClr val="accent1">
+                <a:shade val="15000"/>
+              </a:schemeClr>
+            </a:lnRef>
+            <a:fillRef idx="1">
+              <a:schemeClr val="accent1"/>
+            </a:fillRef>
+            <a:effectRef idx="0">
+              <a:schemeClr val="accent1"/>
+            </a:effectRef>
+            <a:fontRef idx="minor">
+              <a:schemeClr val="lt1"/>
+            </a:fontRef>
+          </p:style>
+          <p:txBody>
+            <a:bodyPr rtlCol="0" anchor="ctr"/>
+            <a:lstStyle/>
+            <a:p>
+              <a:pPr algn="ctr"/>
+              <a:endParaRPr lang="en-US"/>
+            </a:p>
+          </p:txBody>
+        </p:sp>
+        <p:sp>
+          <p:nvSpPr>
+            <p:cNvPr id="52" name="Oval 51">
+              <a:extLst>
+                <a:ext uri="{FF2B5EF4-FFF2-40B4-BE49-F238E27FC236}">
+                  <a16:creationId xmlns:a16="http://schemas.microsoft.com/office/drawing/2014/main" id="{0B0D4E2A-A92E-23B2-393A-37DEFE90CADA}"/>
+                </a:ext>
+              </a:extLst>
+            </p:cNvPr>
+            <p:cNvSpPr/>
+            <p:nvPr/>
+          </p:nvSpPr>
+          <p:spPr>
+            <a:xfrm>
+              <a:off x="9982951" y="4036492"/>
+              <a:ext cx="447875" cy="433633"/>
+            </a:xfrm>
+            <a:prstGeom prst="ellipse">
+              <a:avLst/>
+            </a:prstGeom>
+          </p:spPr>
+          <p:style>
+            <a:lnRef idx="2">
+              <a:schemeClr val="accent1">
+                <a:shade val="15000"/>
+              </a:schemeClr>
+            </a:lnRef>
+            <a:fillRef idx="1">
+              <a:schemeClr val="accent1"/>
+            </a:fillRef>
+            <a:effectRef idx="0">
+              <a:schemeClr val="accent1"/>
+            </a:effectRef>
+            <a:fontRef idx="minor">
+              <a:schemeClr val="lt1"/>
+            </a:fontRef>
+          </p:style>
+          <p:txBody>
+            <a:bodyPr rtlCol="0" anchor="ctr"/>
+            <a:lstStyle/>
+            <a:p>
+              <a:pPr algn="ctr"/>
+              <a:endParaRPr lang="en-US"/>
+            </a:p>
+          </p:txBody>
+        </p:sp>
+        <p:cxnSp>
+          <p:nvCxnSpPr>
+            <p:cNvPr id="65" name="Straight Connector 64">
+              <a:extLst>
+                <a:ext uri="{FF2B5EF4-FFF2-40B4-BE49-F238E27FC236}">
+                  <a16:creationId xmlns:a16="http://schemas.microsoft.com/office/drawing/2014/main" id="{95D13572-C306-2D48-9EEB-9786A1CA0801}"/>
+                </a:ext>
+              </a:extLst>
+            </p:cNvPr>
+            <p:cNvCxnSpPr>
+              <a:stCxn id="47" idx="5"/>
+              <a:endCxn id="50" idx="0"/>
+            </p:cNvCxnSpPr>
+            <p:nvPr/>
+          </p:nvCxnSpPr>
+          <p:spPr>
+            <a:xfrm>
+              <a:off x="7341771" y="3341229"/>
+              <a:ext cx="442371" cy="695264"/>
+            </a:xfrm>
+            <a:prstGeom prst="line">
+              <a:avLst/>
+            </a:prstGeom>
+          </p:spPr>
+          <p:style>
+            <a:lnRef idx="1">
+              <a:schemeClr val="accent1"/>
+            </a:lnRef>
+            <a:fillRef idx="0">
+              <a:schemeClr val="accent1"/>
+            </a:fillRef>
+            <a:effectRef idx="0">
+              <a:schemeClr val="accent1"/>
+            </a:effectRef>
+            <a:fontRef idx="minor">
+              <a:schemeClr val="tx1"/>
+            </a:fontRef>
+          </p:style>
+        </p:cxnSp>
+        <p:cxnSp>
+          <p:nvCxnSpPr>
+            <p:cNvPr id="67" name="Straight Connector 66">
+              <a:extLst>
+                <a:ext uri="{FF2B5EF4-FFF2-40B4-BE49-F238E27FC236}">
+                  <a16:creationId xmlns:a16="http://schemas.microsoft.com/office/drawing/2014/main" id="{64B2D99E-2DA0-A2AE-2775-DD97DB5B17AD}"/>
+                </a:ext>
+              </a:extLst>
+            </p:cNvPr>
+            <p:cNvCxnSpPr>
+              <a:stCxn id="48" idx="3"/>
+              <a:endCxn id="51" idx="0"/>
+            </p:cNvCxnSpPr>
+            <p:nvPr/>
+          </p:nvCxnSpPr>
+          <p:spPr>
+            <a:xfrm flipH="1">
+              <a:off x="8778933" y="3341229"/>
+              <a:ext cx="441149" cy="695262"/>
+            </a:xfrm>
+            <a:prstGeom prst="line">
+              <a:avLst/>
+            </a:prstGeom>
+          </p:spPr>
+          <p:style>
+            <a:lnRef idx="1">
+              <a:schemeClr val="accent1"/>
+            </a:lnRef>
+            <a:fillRef idx="0">
+              <a:schemeClr val="accent1"/>
+            </a:fillRef>
+            <a:effectRef idx="0">
+              <a:schemeClr val="accent1"/>
+            </a:effectRef>
+            <a:fontRef idx="minor">
+              <a:schemeClr val="tx1"/>
+            </a:fontRef>
+          </p:style>
+        </p:cxnSp>
+        <p:cxnSp>
+          <p:nvCxnSpPr>
+            <p:cNvPr id="69" name="Straight Connector 68">
+              <a:extLst>
+                <a:ext uri="{FF2B5EF4-FFF2-40B4-BE49-F238E27FC236}">
+                  <a16:creationId xmlns:a16="http://schemas.microsoft.com/office/drawing/2014/main" id="{2B477199-D7CD-A20F-D817-8E2E09EC6B46}"/>
+                </a:ext>
+              </a:extLst>
+            </p:cNvPr>
+            <p:cNvCxnSpPr>
+              <a:cxnSpLocks/>
+              <a:stCxn id="48" idx="5"/>
+              <a:endCxn id="52" idx="0"/>
+            </p:cNvCxnSpPr>
+            <p:nvPr/>
+          </p:nvCxnSpPr>
+          <p:spPr>
+            <a:xfrm>
+              <a:off x="9536777" y="3341229"/>
+              <a:ext cx="670112" cy="695263"/>
+            </a:xfrm>
+            <a:prstGeom prst="line">
+              <a:avLst/>
+            </a:prstGeom>
+          </p:spPr>
+          <p:style>
+            <a:lnRef idx="1">
+              <a:schemeClr val="accent1"/>
+            </a:lnRef>
+            <a:fillRef idx="0">
+              <a:schemeClr val="accent1"/>
+            </a:fillRef>
+            <a:effectRef idx="0">
+              <a:schemeClr val="accent1"/>
+            </a:effectRef>
+            <a:fontRef idx="minor">
+              <a:schemeClr val="tx1"/>
+            </a:fontRef>
+          </p:style>
+        </p:cxnSp>
+      </p:grpSp>
       <p:sp>
         <p:nvSpPr>
           <p:cNvPr id="74" name="TextBox 73">
@@ -5128,8 +5645,8 @@
         </p:nvSpPr>
         <p:spPr>
           <a:xfrm>
-            <a:off x="838199" y="2837376"/>
-            <a:ext cx="2960016" cy="1702967"/>
+            <a:off x="7009037" y="2616310"/>
+            <a:ext cx="3705346" cy="2610843"/>
           </a:xfrm>
           <a:prstGeom prst="rect">
             <a:avLst/>
@@ -5148,8 +5665,7 @@
               </a:lnSpc>
             </a:pPr>
             <a:r>
-              <a:rPr lang="en-US" dirty="0">
-                <a:latin typeface="Arial" panose="020B0604020202020204" pitchFamily="34" charset="0"/>
+              <a:rPr lang="en-US" sz="2800" dirty="0">
                 <a:cs typeface="Arial" panose="020B0604020202020204" pitchFamily="34" charset="0"/>
               </a:rPr>
               <a:t>Three Steps: </a:t>
@@ -5164,8 +5680,7 @@
               <a:buAutoNum type="arabicPeriod"/>
             </a:pPr>
             <a:r>
-              <a:rPr lang="en-US" dirty="0">
-                <a:latin typeface="Arial" panose="020B0604020202020204" pitchFamily="34" charset="0"/>
+              <a:rPr lang="en-US" sz="2800" dirty="0">
                 <a:cs typeface="Arial" panose="020B0604020202020204" pitchFamily="34" charset="0"/>
               </a:rPr>
               <a:t>Distribute Data</a:t>
@@ -5180,8 +5695,7 @@
               <a:buAutoNum type="arabicPeriod"/>
             </a:pPr>
             <a:r>
-              <a:rPr lang="en-US" dirty="0">
-                <a:latin typeface="Arial" panose="020B0604020202020204" pitchFamily="34" charset="0"/>
+              <a:rPr lang="en-US" sz="2800" dirty="0">
                 <a:cs typeface="Arial" panose="020B0604020202020204" pitchFamily="34" charset="0"/>
               </a:rPr>
               <a:t>Local Multiplication</a:t>
@@ -5196,8 +5710,7 @@
               <a:buAutoNum type="arabicPeriod"/>
             </a:pPr>
             <a:r>
-              <a:rPr lang="en-US" dirty="0">
-                <a:latin typeface="Arial" panose="020B0604020202020204" pitchFamily="34" charset="0"/>
+              <a:rPr lang="en-US" sz="2800" dirty="0">
                 <a:cs typeface="Arial" panose="020B0604020202020204" pitchFamily="34" charset="0"/>
               </a:rPr>
               <a:t>Collect Result</a:t>
@@ -5261,7 +5774,7 @@
         </p:nvSpPr>
         <p:spPr>
           <a:xfrm>
-            <a:off x="373267" y="215430"/>
+            <a:off x="373267" y="262564"/>
             <a:ext cx="5907464" cy="772998"/>
           </a:xfrm>
         </p:spPr>
@@ -9052,8 +9565,8 @@
             </p:nvSpPr>
             <p:spPr>
               <a:xfrm>
-                <a:off x="7615375" y="2077062"/>
-                <a:ext cx="4004842" cy="2885855"/>
+                <a:off x="6955114" y="2084372"/>
+                <a:ext cx="4665103" cy="2871235"/>
               </a:xfrm>
               <a:prstGeom prst="rect">
                 <a:avLst/>
@@ -9074,25 +9587,43 @@
                   <a:buChar char="•"/>
                 </a:pPr>
                 <a:r>
-                  <a:rPr lang="en-US" sz="2000" dirty="0">
-                    <a:latin typeface="Arial" panose="020B0604020202020204" pitchFamily="34" charset="0"/>
+                  <a:rPr lang="en-US" sz="2400" b="1" dirty="0">
                     <a:cs typeface="Arial" panose="020B0604020202020204" pitchFamily="34" charset="0"/>
                   </a:rPr>
-                  <a:t>Leader assembles </a:t>
+                  <a:t>Leader</a:t>
+                </a:r>
+                <a:r>
+                  <a:rPr lang="en-US" sz="2400" dirty="0">
+                    <a:cs typeface="Arial" panose="020B0604020202020204" pitchFamily="34" charset="0"/>
+                  </a:rPr>
+                  <a:t> </a:t>
+                </a:r>
+                <a:r>
+                  <a:rPr lang="en-US" sz="2400" dirty="0">
+                    <a:cs typeface="Arial" panose="020B0604020202020204" pitchFamily="34" charset="0"/>
+                    <a:hlinkClick r:id="rId2" action="ppaction://hlinksldjump"/>
+                  </a:rPr>
+                  <a:t>assembles</a:t>
+                </a:r>
+                <a:r>
+                  <a:rPr lang="en-US" sz="2400" dirty="0">
+                    <a:cs typeface="Arial" panose="020B0604020202020204" pitchFamily="34" charset="0"/>
+                  </a:rPr>
+                  <a:t> </a:t>
                 </a:r>
                 <a14:m>
                   <m:oMath xmlns:m="http://schemas.openxmlformats.org/officeDocument/2006/math">
                     <m:sSubSup>
                       <m:sSubSupPr>
                         <m:ctrlPr>
-                          <a:rPr lang="en-US" sz="2000" b="0" i="1" smtClean="0">
+                          <a:rPr lang="en-US" sz="2400" b="0" i="1" smtClean="0">
                             <a:latin typeface="Cambria Math" panose="02040503050406030204" pitchFamily="18" charset="0"/>
                           </a:rPr>
                         </m:ctrlPr>
                       </m:sSubSupPr>
                       <m:e>
                         <m:r>
-                          <a:rPr lang="en-US" sz="2000" b="0" i="1" smtClean="0">
+                          <a:rPr lang="en-US" sz="2400" b="0" i="1" smtClean="0">
                             <a:latin typeface="Cambria Math" panose="02040503050406030204" pitchFamily="18" charset="0"/>
                           </a:rPr>
                           <m:t>𝑀</m:t>
@@ -9100,7 +9631,7 @@
                       </m:e>
                       <m:sub>
                         <m:r>
-                          <a:rPr lang="en-US" sz="2000" b="0" i="1" smtClean="0">
+                          <a:rPr lang="en-US" sz="2400" b="0" i="1" smtClean="0">
                             <a:latin typeface="Cambria Math" panose="02040503050406030204" pitchFamily="18" charset="0"/>
                           </a:rPr>
                           <m:t>𝑖</m:t>
@@ -9108,7 +9639,7 @@
                       </m:sub>
                       <m:sup>
                         <m:r>
-                          <a:rPr lang="en-US" sz="2000" b="0" i="1" smtClean="0">
+                          <a:rPr lang="en-US" sz="2400" b="0" i="1" smtClean="0">
                             <a:latin typeface="Cambria Math" panose="02040503050406030204" pitchFamily="18" charset="0"/>
                           </a:rPr>
                           <m:t>𝐴</m:t>
@@ -9118,8 +9649,7 @@
                   </m:oMath>
                 </a14:m>
                 <a:r>
-                  <a:rPr lang="en-US" sz="2000" dirty="0">
-                    <a:latin typeface="Arial" panose="020B0604020202020204" pitchFamily="34" charset="0"/>
+                  <a:rPr lang="en-US" sz="2400" dirty="0">
                     <a:cs typeface="Arial" panose="020B0604020202020204" pitchFamily="34" charset="0"/>
                   </a:rPr>
                   <a:t> and </a:t>
@@ -9129,14 +9659,14 @@
                     <m:sSubSup>
                       <m:sSubSupPr>
                         <m:ctrlPr>
-                          <a:rPr lang="en-US" sz="2000" i="1">
+                          <a:rPr lang="en-US" sz="2400" i="1">
                             <a:latin typeface="Cambria Math" panose="02040503050406030204" pitchFamily="18" charset="0"/>
                           </a:rPr>
                         </m:ctrlPr>
                       </m:sSubSupPr>
                       <m:e>
                         <m:r>
-                          <a:rPr lang="en-US" sz="2000" i="1">
+                          <a:rPr lang="en-US" sz="2400" i="1">
                             <a:latin typeface="Cambria Math" panose="02040503050406030204" pitchFamily="18" charset="0"/>
                           </a:rPr>
                           <m:t>𝑀</m:t>
@@ -9144,7 +9674,7 @@
                       </m:e>
                       <m:sub>
                         <m:r>
-                          <a:rPr lang="en-US" sz="2000" i="1">
+                          <a:rPr lang="en-US" sz="2400" i="1">
                             <a:latin typeface="Cambria Math" panose="02040503050406030204" pitchFamily="18" charset="0"/>
                           </a:rPr>
                           <m:t>𝑖</m:t>
@@ -9152,7 +9682,7 @@
                       </m:sub>
                       <m:sup>
                         <m:r>
-                          <a:rPr lang="en-US" sz="2000" i="1">
+                          <a:rPr lang="en-US" sz="2400" i="1">
                             <a:latin typeface="Cambria Math" panose="02040503050406030204" pitchFamily="18" charset="0"/>
                           </a:rPr>
                           <m:t>𝐵</m:t>
@@ -9162,8 +9692,7 @@
                   </m:oMath>
                 </a14:m>
                 <a:r>
-                  <a:rPr lang="en-US" sz="2000" dirty="0">
-                    <a:latin typeface="Arial" panose="020B0604020202020204" pitchFamily="34" charset="0"/>
+                  <a:rPr lang="en-US" sz="2400" dirty="0">
                     <a:cs typeface="Arial" panose="020B0604020202020204" pitchFamily="34" charset="0"/>
                   </a:rPr>
                   <a:t> and sends to its workers.</a:t>
@@ -9178,25 +9707,30 @@
                   <a:buChar char="•"/>
                 </a:pPr>
                 <a:r>
-                  <a:rPr lang="en-US" sz="2000" dirty="0">
-                    <a:latin typeface="Arial" panose="020B0604020202020204" pitchFamily="34" charset="0"/>
+                  <a:rPr lang="en-US" sz="2400" b="1" dirty="0">
                     <a:cs typeface="Arial" panose="020B0604020202020204" pitchFamily="34" charset="0"/>
                   </a:rPr>
-                  <a:t>Workers receive its </a:t>
+                  <a:t>Workers</a:t>
+                </a:r>
+                <a:r>
+                  <a:rPr lang="en-US" sz="2400" dirty="0">
+                    <a:cs typeface="Arial" panose="020B0604020202020204" pitchFamily="34" charset="0"/>
+                  </a:rPr>
+                  <a:t> receive its </a:t>
                 </a:r>
                 <a14:m>
                   <m:oMath xmlns:m="http://schemas.openxmlformats.org/officeDocument/2006/math">
                     <m:sSubSup>
                       <m:sSubSupPr>
                         <m:ctrlPr>
-                          <a:rPr lang="en-US" sz="2000" b="0" i="1" smtClean="0">
+                          <a:rPr lang="en-US" sz="2400" b="0" i="1" smtClean="0">
                             <a:latin typeface="Cambria Math" panose="02040503050406030204" pitchFamily="18" charset="0"/>
                           </a:rPr>
                         </m:ctrlPr>
                       </m:sSubSupPr>
                       <m:e>
                         <m:r>
-                          <a:rPr lang="en-US" sz="2000" b="0" i="1" smtClean="0">
+                          <a:rPr lang="en-US" sz="2400" b="0" i="1" smtClean="0">
                             <a:latin typeface="Cambria Math" panose="02040503050406030204" pitchFamily="18" charset="0"/>
                           </a:rPr>
                           <m:t>𝑀</m:t>
@@ -9204,7 +9738,7 @@
                       </m:e>
                       <m:sub>
                         <m:r>
-                          <a:rPr lang="en-US" sz="2000" b="0" i="1" smtClean="0">
+                          <a:rPr lang="en-US" sz="2400" b="0" i="1" smtClean="0">
                             <a:latin typeface="Cambria Math" panose="02040503050406030204" pitchFamily="18" charset="0"/>
                           </a:rPr>
                           <m:t>𝑖</m:t>
@@ -9212,7 +9746,7 @@
                       </m:sub>
                       <m:sup>
                         <m:r>
-                          <a:rPr lang="en-US" sz="2000" b="0" i="1" smtClean="0">
+                          <a:rPr lang="en-US" sz="2400" b="0" i="1" smtClean="0">
                             <a:latin typeface="Cambria Math" panose="02040503050406030204" pitchFamily="18" charset="0"/>
                           </a:rPr>
                           <m:t>𝐴</m:t>
@@ -9222,8 +9756,7 @@
                   </m:oMath>
                 </a14:m>
                 <a:r>
-                  <a:rPr lang="en-US" sz="2000" dirty="0">
-                    <a:latin typeface="Arial" panose="020B0604020202020204" pitchFamily="34" charset="0"/>
+                  <a:rPr lang="en-US" sz="2400" dirty="0">
                     <a:cs typeface="Arial" panose="020B0604020202020204" pitchFamily="34" charset="0"/>
                   </a:rPr>
                   <a:t> and </a:t>
@@ -9233,14 +9766,14 @@
                     <m:sSubSup>
                       <m:sSubSupPr>
                         <m:ctrlPr>
-                          <a:rPr lang="en-US" sz="2000" i="1">
+                          <a:rPr lang="en-US" sz="2400" i="1">
                             <a:latin typeface="Cambria Math" panose="02040503050406030204" pitchFamily="18" charset="0"/>
                           </a:rPr>
                         </m:ctrlPr>
                       </m:sSubSupPr>
                       <m:e>
                         <m:r>
-                          <a:rPr lang="en-US" sz="2000" i="1">
+                          <a:rPr lang="en-US" sz="2400" i="1">
                             <a:latin typeface="Cambria Math" panose="02040503050406030204" pitchFamily="18" charset="0"/>
                           </a:rPr>
                           <m:t>𝑀</m:t>
@@ -9248,7 +9781,7 @@
                       </m:e>
                       <m:sub>
                         <m:r>
-                          <a:rPr lang="en-US" sz="2000" i="1">
+                          <a:rPr lang="en-US" sz="2400" i="1">
                             <a:latin typeface="Cambria Math" panose="02040503050406030204" pitchFamily="18" charset="0"/>
                           </a:rPr>
                           <m:t>𝑖</m:t>
@@ -9256,7 +9789,7 @@
                       </m:sub>
                       <m:sup>
                         <m:r>
-                          <a:rPr lang="en-US" sz="2000" i="1">
+                          <a:rPr lang="en-US" sz="2400" i="1">
                             <a:latin typeface="Cambria Math" panose="02040503050406030204" pitchFamily="18" charset="0"/>
                           </a:rPr>
                           <m:t>𝐵</m:t>
@@ -9266,8 +9799,7 @@
                   </m:oMath>
                 </a14:m>
                 <a:r>
-                  <a:rPr lang="en-US" sz="2000" dirty="0">
-                    <a:latin typeface="Arial" panose="020B0604020202020204" pitchFamily="34" charset="0"/>
+                  <a:rPr lang="en-US" sz="2400" dirty="0">
                     <a:cs typeface="Arial" panose="020B0604020202020204" pitchFamily="34" charset="0"/>
                   </a:rPr>
                   <a:t>.</a:t>
@@ -9282,8 +9814,7 @@
                   <a:buChar char="•"/>
                 </a:pPr>
                 <a:r>
-                  <a:rPr lang="en-US" sz="2000" dirty="0">
-                    <a:latin typeface="Arial" panose="020B0604020202020204" pitchFamily="34" charset="0"/>
+                  <a:rPr lang="en-US" sz="2400" dirty="0">
                     <a:cs typeface="Arial" panose="020B0604020202020204" pitchFamily="34" charset="0"/>
                   </a:rPr>
                   <a:t>Repeat until reach the target level.</a:t>
@@ -9309,16 +9840,16 @@
             </p:nvSpPr>
             <p:spPr>
               <a:xfrm>
-                <a:off x="7615375" y="2077062"/>
-                <a:ext cx="4004842" cy="2885855"/>
+                <a:off x="6955114" y="2084372"/>
+                <a:ext cx="4665103" cy="2871235"/>
               </a:xfrm>
               <a:prstGeom prst="rect">
                 <a:avLst/>
               </a:prstGeom>
               <a:blipFill>
-                <a:blip r:embed="rId2"/>
+                <a:blip r:embed="rId3"/>
                 <a:stretch>
-                  <a:fillRect l="-1266" b="-3509"/>
+                  <a:fillRect l="-1902" b="-3965"/>
                 </a:stretch>
               </a:blipFill>
             </p:spPr>
@@ -10937,8 +11468,8 @@
         </p:nvSpPr>
         <p:spPr>
           <a:xfrm>
-            <a:off x="7495263" y="3092684"/>
-            <a:ext cx="4004842" cy="958596"/>
+            <a:off x="7205870" y="3000447"/>
+            <a:ext cx="4294235" cy="1143070"/>
           </a:xfrm>
           <a:prstGeom prst="rect">
             <a:avLst/>
@@ -10959,11 +11490,16 @@
               <a:buChar char="•"/>
             </a:pPr>
             <a:r>
-              <a:rPr lang="en-US" sz="2000" dirty="0">
-                <a:latin typeface="Arial" panose="020B0604020202020204" pitchFamily="34" charset="0"/>
+              <a:rPr lang="en-US" sz="2400" b="1" dirty="0">
                 <a:cs typeface="Arial" panose="020B0604020202020204" pitchFamily="34" charset="0"/>
               </a:rPr>
-              <a:t>All processors run its local multiplication</a:t>
+              <a:t>All</a:t>
+            </a:r>
+            <a:r>
+              <a:rPr lang="en-US" sz="2400" dirty="0">
+                <a:cs typeface="Arial" panose="020B0604020202020204" pitchFamily="34" charset="0"/>
+              </a:rPr>
+              <a:t> processors run its local multiplication</a:t>
             </a:r>
           </a:p>
         </p:txBody>
@@ -13372,8 +13908,8 @@
             </p:nvSpPr>
             <p:spPr>
               <a:xfrm>
-                <a:off x="7615375" y="2809827"/>
-                <a:ext cx="4004842" cy="1420325"/>
+                <a:off x="7247200" y="2394457"/>
+                <a:ext cx="4373017" cy="2251065"/>
               </a:xfrm>
               <a:prstGeom prst="rect">
                 <a:avLst/>
@@ -13394,18 +13930,23 @@
                   <a:buChar char="•"/>
                 </a:pPr>
                 <a:r>
-                  <a:rPr lang="en-US" sz="2000" dirty="0">
-                    <a:latin typeface="Arial" panose="020B0604020202020204" pitchFamily="34" charset="0"/>
+                  <a:rPr lang="en-US" sz="2400" b="1" dirty="0">
                     <a:cs typeface="Arial" panose="020B0604020202020204" pitchFamily="34" charset="0"/>
                   </a:rPr>
-                  <a:t>Workers send results </a:t>
+                  <a:t>Workers</a:t>
+                </a:r>
+                <a:r>
+                  <a:rPr lang="en-US" sz="2400" dirty="0">
+                    <a:cs typeface="Arial" panose="020B0604020202020204" pitchFamily="34" charset="0"/>
+                  </a:rPr>
+                  <a:t> send results </a:t>
                 </a:r>
                 <a14:m>
                   <m:oMath xmlns:m="http://schemas.openxmlformats.org/officeDocument/2006/math">
                     <m:sSub>
                       <m:sSubPr>
                         <m:ctrlPr>
-                          <a:rPr lang="en-US" sz="2000" b="0" i="1" smtClean="0">
+                          <a:rPr lang="en-US" sz="2400" b="0" i="1" smtClean="0">
                             <a:latin typeface="Cambria Math" panose="02040503050406030204" pitchFamily="18" charset="0"/>
                             <a:cs typeface="Arial" panose="020B0604020202020204" pitchFamily="34" charset="0"/>
                           </a:rPr>
@@ -13413,7 +13954,7 @@
                       </m:sSubPr>
                       <m:e>
                         <m:r>
-                          <a:rPr lang="en-US" sz="2000" b="0" i="1" smtClean="0">
+                          <a:rPr lang="en-US" sz="2400" b="0" i="1" smtClean="0">
                             <a:latin typeface="Cambria Math" panose="02040503050406030204" pitchFamily="18" charset="0"/>
                             <a:cs typeface="Arial" panose="020B0604020202020204" pitchFamily="34" charset="0"/>
                           </a:rPr>
@@ -13422,7 +13963,7 @@
                       </m:e>
                       <m:sub>
                         <m:r>
-                          <a:rPr lang="en-US" sz="2000" b="0" i="1" smtClean="0">
+                          <a:rPr lang="en-US" sz="2400" b="0" i="1" smtClean="0">
                             <a:latin typeface="Cambria Math" panose="02040503050406030204" pitchFamily="18" charset="0"/>
                             <a:cs typeface="Arial" panose="020B0604020202020204" pitchFamily="34" charset="0"/>
                           </a:rPr>
@@ -13433,8 +13974,7 @@
                   </m:oMath>
                 </a14:m>
                 <a:r>
-                  <a:rPr lang="en-US" sz="2000" dirty="0">
-                    <a:latin typeface="Arial" panose="020B0604020202020204" pitchFamily="34" charset="0"/>
+                  <a:rPr lang="en-US" sz="2400" dirty="0">
                     <a:cs typeface="Arial" panose="020B0604020202020204" pitchFamily="34" charset="0"/>
                   </a:rPr>
                   <a:t>.</a:t>
@@ -13449,15 +13989,19 @@
                   <a:buChar char="•"/>
                 </a:pPr>
                 <a:r>
-                  <a:rPr lang="en-US" sz="2000" dirty="0">
-                    <a:latin typeface="Arial" panose="020B0604020202020204" pitchFamily="34" charset="0"/>
+                  <a:rPr lang="en-US" sz="2400" b="1" dirty="0">
                     <a:cs typeface="Arial" panose="020B0604020202020204" pitchFamily="34" charset="0"/>
                   </a:rPr>
-                  <a:t>Leader assembles to result </a:t>
+                  <a:t>Leader</a:t>
                 </a:r>
                 <a:r>
-                  <a:rPr lang="en-US" sz="2000" i="1" dirty="0">
-                    <a:latin typeface="Arial" panose="020B0604020202020204" pitchFamily="34" charset="0"/>
+                  <a:rPr lang="en-US" sz="2400" dirty="0">
+                    <a:cs typeface="Arial" panose="020B0604020202020204" pitchFamily="34" charset="0"/>
+                  </a:rPr>
+                  <a:t> receives and assembles into result </a:t>
+                </a:r>
+                <a:r>
+                  <a:rPr lang="en-US" sz="2400" i="1" dirty="0">
                     <a:cs typeface="Arial" panose="020B0604020202020204" pitchFamily="34" charset="0"/>
                   </a:rPr>
                   <a:t>C.</a:t>
@@ -13472,15 +14016,13 @@
                   <a:buChar char="•"/>
                 </a:pPr>
                 <a:r>
-                  <a:rPr lang="en-US" sz="2000" dirty="0">
-                    <a:latin typeface="Arial" panose="020B0604020202020204" pitchFamily="34" charset="0"/>
+                  <a:rPr lang="en-US" sz="2400" dirty="0">
                     <a:cs typeface="Arial" panose="020B0604020202020204" pitchFamily="34" charset="0"/>
                   </a:rPr>
                   <a:t>Repeat until reach the </a:t>
                 </a:r>
                 <a:r>
-                  <a:rPr lang="en-US" sz="2000" i="1" dirty="0">
-                    <a:latin typeface="Arial" panose="020B0604020202020204" pitchFamily="34" charset="0"/>
+                  <a:rPr lang="en-US" sz="2400" i="1" dirty="0">
                     <a:cs typeface="Arial" panose="020B0604020202020204" pitchFamily="34" charset="0"/>
                   </a:rPr>
                   <a:t>root.</a:t>
@@ -13506,8 +14048,8 @@
             </p:nvSpPr>
             <p:spPr>
               <a:xfrm>
-                <a:off x="7615375" y="2809827"/>
-                <a:ext cx="4004842" cy="1420325"/>
+                <a:off x="7247200" y="2394457"/>
+                <a:ext cx="4373017" cy="2251065"/>
               </a:xfrm>
               <a:prstGeom prst="rect">
                 <a:avLst/>
@@ -13515,7 +14057,7 @@
               <a:blipFill>
                 <a:blip r:embed="rId2"/>
                 <a:stretch>
-                  <a:fillRect l="-1266" b="-7080"/>
+                  <a:fillRect l="-1739" r="-2029" b="-5618"/>
                 </a:stretch>
               </a:blipFill>
             </p:spPr>
@@ -13604,7 +14146,7 @@
                 <a:latin typeface="Arial" panose="020B0604020202020204" pitchFamily="34" charset="0"/>
                 <a:cs typeface="Arial" panose="020B0604020202020204" pitchFamily="34" charset="0"/>
               </a:rPr>
-              <a:t>Tree </a:t>
+              <a:t>Static Leader-Worker Tree </a:t>
             </a:r>
             <a:r>
               <a:rPr lang="zh-CN" altLang="en-US" sz="3600" dirty="0">
@@ -13643,8 +14185,87 @@
           <a:p>
             <a:r>
               <a:rPr lang="en-US" dirty="0"/>
+              <a:t>Ranks determine </a:t>
+            </a:r>
+            <a:r>
+              <a:rPr lang="en-US" dirty="0">
+                <a:hlinkClick r:id="rId2" action="ppaction://hlinksldjump"/>
+              </a:rPr>
+              <a:t>a static Leader-Worker relationship</a:t>
+            </a:r>
+            <a:r>
+              <a:rPr lang="en-US" dirty="0"/>
+              <a:t>.</a:t>
+            </a:r>
+          </a:p>
+          <a:p>
+            <a:r>
+              <a:rPr lang="en-US" dirty="0"/>
               <a:t>Reuse leader as a worker.</a:t>
             </a:r>
+          </a:p>
+          <a:p>
+            <a:pPr marL="0" indent="0">
+              <a:buNone/>
+            </a:pPr>
+            <a:endParaRPr lang="en-US" dirty="0"/>
+          </a:p>
+          <a:p>
+            <a:pPr marL="0" indent="0">
+              <a:buNone/>
+            </a:pPr>
+            <a:r>
+              <a:rPr lang="en-US" b="1" dirty="0"/>
+              <a:t>Special Case</a:t>
+            </a:r>
+            <a:r>
+              <a:rPr lang="en-US" dirty="0"/>
+              <a:t>: </a:t>
+            </a:r>
+            <a:r>
+              <a:rPr lang="en-US" i="1" dirty="0"/>
+              <a:t>root</a:t>
+            </a:r>
+            <a:r>
+              <a:rPr lang="en-US" dirty="0"/>
+              <a:t> processor</a:t>
+            </a:r>
+          </a:p>
+          <a:p>
+            <a:r>
+              <a:rPr lang="en-US" b="0" i="0" dirty="0">
+                <a:solidFill>
+                  <a:srgbClr val="0F0F0F"/>
+                </a:solidFill>
+                <a:effectLst/>
+                <a:latin typeface="Söhne"/>
+              </a:rPr>
+              <a:t>a dual role as both sender and receiver, which </a:t>
+            </a:r>
+            <a:r>
+              <a:rPr lang="en-US" dirty="0"/>
+              <a:t>could lead to deadlock.</a:t>
+            </a:r>
+          </a:p>
+          <a:p>
+            <a:r>
+              <a:rPr lang="en-US" dirty="0"/>
+              <a:t>MPI data transfer is not necessary, </a:t>
+            </a:r>
+            <a:r>
+              <a:rPr lang="en-US" b="0" i="0" dirty="0">
+                <a:solidFill>
+                  <a:srgbClr val="0F0F0F"/>
+                </a:solidFill>
+                <a:effectLst/>
+                <a:latin typeface="Söhne"/>
+              </a:rPr>
+              <a:t>direct memory copying.</a:t>
+            </a:r>
+            <a:endParaRPr lang="en-US" dirty="0"/>
+          </a:p>
+          <a:p>
+            <a:endParaRPr lang="en-US" dirty="0"/>
           </a:p>
         </p:txBody>
       </p:sp>
@@ -13756,8 +14377,8 @@
         </p:blipFill>
         <p:spPr>
           <a:xfrm>
-            <a:off x="2457039" y="1925622"/>
-            <a:ext cx="7277922" cy="2744640"/>
+            <a:off x="1630249" y="1744882"/>
+            <a:ext cx="8358577" cy="3152175"/>
           </a:xfrm>
           <a:prstGeom prst="rect">
             <a:avLst/>

--- a/powerpoint/Pre.pptx
+++ b/powerpoint/Pre.pptx
@@ -13,13 +13,13 @@
     <p:sldId id="266" r:id="rId7"/>
     <p:sldId id="267" r:id="rId8"/>
     <p:sldId id="268" r:id="rId9"/>
-    <p:sldId id="259" r:id="rId10"/>
-    <p:sldId id="264" r:id="rId11"/>
-    <p:sldId id="260" r:id="rId12"/>
-    <p:sldId id="261" r:id="rId13"/>
-    <p:sldId id="271" r:id="rId14"/>
-    <p:sldId id="263" r:id="rId15"/>
-    <p:sldId id="270" r:id="rId16"/>
+    <p:sldId id="270" r:id="rId10"/>
+    <p:sldId id="259" r:id="rId11"/>
+    <p:sldId id="264" r:id="rId12"/>
+    <p:sldId id="260" r:id="rId13"/>
+    <p:sldId id="261" r:id="rId14"/>
+    <p:sldId id="271" r:id="rId15"/>
+    <p:sldId id="263" r:id="rId16"/>
   </p:sldIdLst>
   <p:sldSz cx="12192000" cy="6858000"/>
   <p:notesSz cx="6858000" cy="9144000"/>
@@ -273,7 +273,7 @@
           <a:p>
             <a:fld id="{768BF9F1-C7C5-AA4A-AEFB-089A28405F2B}" type="datetimeFigureOut">
               <a:rPr lang="en-US" smtClean="0"/>
-              <a:t>11/16/23</a:t>
+              <a:t>11/21/23</a:t>
             </a:fld>
             <a:endParaRPr lang="en-US"/>
           </a:p>
@@ -471,7 +471,7 @@
           <a:p>
             <a:fld id="{768BF9F1-C7C5-AA4A-AEFB-089A28405F2B}" type="datetimeFigureOut">
               <a:rPr lang="en-US" smtClean="0"/>
-              <a:t>11/16/23</a:t>
+              <a:t>11/21/23</a:t>
             </a:fld>
             <a:endParaRPr lang="en-US"/>
           </a:p>
@@ -679,7 +679,7 @@
           <a:p>
             <a:fld id="{768BF9F1-C7C5-AA4A-AEFB-089A28405F2B}" type="datetimeFigureOut">
               <a:rPr lang="en-US" smtClean="0"/>
-              <a:t>11/16/23</a:t>
+              <a:t>11/21/23</a:t>
             </a:fld>
             <a:endParaRPr lang="en-US"/>
           </a:p>
@@ -877,7 +877,7 @@
           <a:p>
             <a:fld id="{768BF9F1-C7C5-AA4A-AEFB-089A28405F2B}" type="datetimeFigureOut">
               <a:rPr lang="en-US" smtClean="0"/>
-              <a:t>11/16/23</a:t>
+              <a:t>11/21/23</a:t>
             </a:fld>
             <a:endParaRPr lang="en-US"/>
           </a:p>
@@ -1152,7 +1152,7 @@
           <a:p>
             <a:fld id="{768BF9F1-C7C5-AA4A-AEFB-089A28405F2B}" type="datetimeFigureOut">
               <a:rPr lang="en-US" smtClean="0"/>
-              <a:t>11/16/23</a:t>
+              <a:t>11/21/23</a:t>
             </a:fld>
             <a:endParaRPr lang="en-US"/>
           </a:p>
@@ -1417,7 +1417,7 @@
           <a:p>
             <a:fld id="{768BF9F1-C7C5-AA4A-AEFB-089A28405F2B}" type="datetimeFigureOut">
               <a:rPr lang="en-US" smtClean="0"/>
-              <a:t>11/16/23</a:t>
+              <a:t>11/21/23</a:t>
             </a:fld>
             <a:endParaRPr lang="en-US"/>
           </a:p>
@@ -1829,7 +1829,7 @@
           <a:p>
             <a:fld id="{768BF9F1-C7C5-AA4A-AEFB-089A28405F2B}" type="datetimeFigureOut">
               <a:rPr lang="en-US" smtClean="0"/>
-              <a:t>11/16/23</a:t>
+              <a:t>11/21/23</a:t>
             </a:fld>
             <a:endParaRPr lang="en-US"/>
           </a:p>
@@ -1970,7 +1970,7 @@
           <a:p>
             <a:fld id="{768BF9F1-C7C5-AA4A-AEFB-089A28405F2B}" type="datetimeFigureOut">
               <a:rPr lang="en-US" smtClean="0"/>
-              <a:t>11/16/23</a:t>
+              <a:t>11/21/23</a:t>
             </a:fld>
             <a:endParaRPr lang="en-US"/>
           </a:p>
@@ -2083,7 +2083,7 @@
           <a:p>
             <a:fld id="{768BF9F1-C7C5-AA4A-AEFB-089A28405F2B}" type="datetimeFigureOut">
               <a:rPr lang="en-US" smtClean="0"/>
-              <a:t>11/16/23</a:t>
+              <a:t>11/21/23</a:t>
             </a:fld>
             <a:endParaRPr lang="en-US"/>
           </a:p>
@@ -2394,7 +2394,7 @@
           <a:p>
             <a:fld id="{768BF9F1-C7C5-AA4A-AEFB-089A28405F2B}" type="datetimeFigureOut">
               <a:rPr lang="en-US" smtClean="0"/>
-              <a:t>11/16/23</a:t>
+              <a:t>11/21/23</a:t>
             </a:fld>
             <a:endParaRPr lang="en-US"/>
           </a:p>
@@ -2682,7 +2682,7 @@
           <a:p>
             <a:fld id="{768BF9F1-C7C5-AA4A-AEFB-089A28405F2B}" type="datetimeFigureOut">
               <a:rPr lang="en-US" smtClean="0"/>
-              <a:t>11/16/23</a:t>
+              <a:t>11/21/23</a:t>
             </a:fld>
             <a:endParaRPr lang="en-US"/>
           </a:p>
@@ -2923,7 +2923,7 @@
           <a:p>
             <a:fld id="{768BF9F1-C7C5-AA4A-AEFB-089A28405F2B}" type="datetimeFigureOut">
               <a:rPr lang="en-US" smtClean="0"/>
-              <a:t>11/16/23</a:t>
+              <a:t>11/21/23</a:t>
             </a:fld>
             <a:endParaRPr lang="en-US"/>
           </a:p>
@@ -3521,6 +3521,122 @@
       </p:sp>
       <p:pic>
         <p:nvPicPr>
+          <p:cNvPr id="9" name="Picture 8">
+            <a:extLst>
+              <a:ext uri="{FF2B5EF4-FFF2-40B4-BE49-F238E27FC236}">
+                <a16:creationId xmlns:a16="http://schemas.microsoft.com/office/drawing/2014/main" id="{134E58DA-906F-7EBA-6AAD-2EBE535EEC9C}"/>
+              </a:ext>
+            </a:extLst>
+          </p:cNvPr>
+          <p:cNvPicPr>
+            <a:picLocks noChangeAspect="1"/>
+          </p:cNvPicPr>
+          <p:nvPr/>
+        </p:nvPicPr>
+        <p:blipFill>
+          <a:blip r:embed="rId2"/>
+          <a:stretch>
+            <a:fillRect/>
+          </a:stretch>
+        </p:blipFill>
+        <p:spPr>
+          <a:xfrm>
+            <a:off x="1630249" y="1744882"/>
+            <a:ext cx="8358577" cy="3152175"/>
+          </a:xfrm>
+          <a:prstGeom prst="rect">
+            <a:avLst/>
+          </a:prstGeom>
+        </p:spPr>
+      </p:pic>
+    </p:spTree>
+    <p:extLst>
+      <p:ext uri="{BB962C8B-B14F-4D97-AF65-F5344CB8AC3E}">
+        <p14:creationId xmlns:p14="http://schemas.microsoft.com/office/powerpoint/2010/main" val="4263829749"/>
+      </p:ext>
+    </p:extLst>
+  </p:cSld>
+  <p:clrMapOvr>
+    <a:masterClrMapping/>
+  </p:clrMapOvr>
+</p:sld>
+</file>
+
+<file path=ppt/slides/slide11.xml><?xml version="1.0" encoding="utf-8"?>
+<p:sld xmlns:a="http://schemas.openxmlformats.org/drawingml/2006/main" xmlns:r="http://schemas.openxmlformats.org/officeDocument/2006/relationships" xmlns:p="http://schemas.openxmlformats.org/presentationml/2006/main">
+  <p:cSld>
+    <p:spTree>
+      <p:nvGrpSpPr>
+        <p:cNvPr id="1" name=""/>
+        <p:cNvGrpSpPr/>
+        <p:nvPr/>
+      </p:nvGrpSpPr>
+      <p:grpSpPr>
+        <a:xfrm>
+          <a:off x="0" y="0"/>
+          <a:ext cx="0" cy="0"/>
+          <a:chOff x="0" y="0"/>
+          <a:chExt cx="0" cy="0"/>
+        </a:xfrm>
+      </p:grpSpPr>
+      <p:sp>
+        <p:nvSpPr>
+          <p:cNvPr id="2" name="Title 1">
+            <a:extLst>
+              <a:ext uri="{FF2B5EF4-FFF2-40B4-BE49-F238E27FC236}">
+                <a16:creationId xmlns:a16="http://schemas.microsoft.com/office/drawing/2014/main" id="{37DEEDDB-8E55-1E79-AD0C-3DD8D1431819}"/>
+              </a:ext>
+            </a:extLst>
+          </p:cNvPr>
+          <p:cNvSpPr>
+            <a:spLocks noGrp="1"/>
+          </p:cNvSpPr>
+          <p:nvPr>
+            <p:ph type="title"/>
+          </p:nvPr>
+        </p:nvSpPr>
+        <p:spPr>
+          <a:xfrm>
+            <a:off x="188536" y="188536"/>
+            <a:ext cx="5907464" cy="772998"/>
+          </a:xfrm>
+        </p:spPr>
+        <p:txBody>
+          <a:bodyPr>
+            <a:normAutofit/>
+          </a:bodyPr>
+          <a:lstStyle/>
+          <a:p>
+            <a:r>
+              <a:rPr lang="zh-CN" altLang="en-US" sz="3600" dirty="0">
+                <a:latin typeface="Arial" panose="020B0604020202020204" pitchFamily="34" charset="0"/>
+                <a:cs typeface="Arial" panose="020B0604020202020204" pitchFamily="34" charset="0"/>
+              </a:rPr>
+              <a:t> </a:t>
+            </a:r>
+            <a:r>
+              <a:rPr lang="en-US" altLang="zh-CN" sz="3600" dirty="0">
+                <a:latin typeface="Arial" panose="020B0604020202020204" pitchFamily="34" charset="0"/>
+                <a:cs typeface="Arial" panose="020B0604020202020204" pitchFamily="34" charset="0"/>
+              </a:rPr>
+              <a:t>Results</a:t>
+            </a:r>
+            <a:r>
+              <a:rPr lang="zh-CN" altLang="en-US" sz="3600" dirty="0">
+                <a:latin typeface="Arial" panose="020B0604020202020204" pitchFamily="34" charset="0"/>
+                <a:cs typeface="Arial" panose="020B0604020202020204" pitchFamily="34" charset="0"/>
+              </a:rPr>
+              <a:t> </a:t>
+            </a:r>
+            <a:endParaRPr lang="en-US" sz="3600" dirty="0">
+              <a:latin typeface="Arial" panose="020B0604020202020204" pitchFamily="34" charset="0"/>
+              <a:cs typeface="Arial" panose="020B0604020202020204" pitchFamily="34" charset="0"/>
+            </a:endParaRPr>
+          </a:p>
+        </p:txBody>
+      </p:sp>
+      <p:pic>
+        <p:nvPicPr>
           <p:cNvPr id="5" name="Content Placeholder 4" descr="A graph with lines and dots&#10;&#10;Description automatically generated">
             <a:extLst>
               <a:ext uri="{FF2B5EF4-FFF2-40B4-BE49-F238E27FC236}">
@@ -3561,7 +3677,7 @@
 </p:sld>
 </file>
 
-<file path=ppt/slides/slide11.xml><?xml version="1.0" encoding="utf-8"?>
+<file path=ppt/slides/slide12.xml><?xml version="1.0" encoding="utf-8"?>
 <p:sld xmlns:a="http://schemas.openxmlformats.org/drawingml/2006/main" xmlns:r="http://schemas.openxmlformats.org/officeDocument/2006/relationships" xmlns:p="http://schemas.openxmlformats.org/presentationml/2006/main">
   <p:cSld>
     <p:spTree>
@@ -3658,7 +3774,7 @@
         </p:spPr>
         <p:txBody>
           <a:bodyPr>
-            <a:normAutofit fontScale="92500"/>
+            <a:normAutofit/>
           </a:bodyPr>
           <a:lstStyle/>
           <a:p>
@@ -3715,31 +3831,7 @@
                 <a:effectLst/>
                 <a:cs typeface="Arial" panose="020B0604020202020204" pitchFamily="34" charset="0"/>
               </a:rPr>
-              <a:t>Key Factors Affecting Trends</a:t>
-            </a:r>
-            <a:endParaRPr lang="en-US" b="0" i="0" dirty="0">
-              <a:solidFill>
-                <a:srgbClr val="0F0F0F"/>
-              </a:solidFill>
-              <a:effectLst/>
-              <a:cs typeface="Arial" panose="020B0604020202020204" pitchFamily="34" charset="0"/>
-            </a:endParaRPr>
-          </a:p>
-          <a:p>
-            <a:pPr lvl="1">
-              <a:lnSpc>
-                <a:spcPct val="150000"/>
-              </a:lnSpc>
-            </a:pPr>
-            <a:r>
-              <a:rPr lang="en-US" b="1" i="0" dirty="0">
-                <a:solidFill>
-                  <a:srgbClr val="0F0F0F"/>
-                </a:solidFill>
-                <a:effectLst/>
-                <a:cs typeface="Arial" panose="020B0604020202020204" pitchFamily="34" charset="0"/>
-              </a:rPr>
-              <a:t>Communication Overhead</a:t>
+              <a:t>Computation to Communication Ratio </a:t>
             </a:r>
             <a:r>
               <a:rPr lang="en-US" b="0" i="0" dirty="0">
@@ -3749,25 +3841,8 @@
                 <a:effectLst/>
                 <a:cs typeface="Arial" panose="020B0604020202020204" pitchFamily="34" charset="0"/>
               </a:rPr>
-              <a:t>: Bottleneck at high processor counts, significant for small </a:t>
+              <a:t>:</a:t>
             </a:r>
-            <a:r>
-              <a:rPr lang="en-US" b="0" i="1" dirty="0">
-                <a:solidFill>
-                  <a:srgbClr val="0F0F0F"/>
-                </a:solidFill>
-                <a:effectLst/>
-                <a:cs typeface="Arial" panose="020B0604020202020204" pitchFamily="34" charset="0"/>
-              </a:rPr>
-              <a:t>N.</a:t>
-            </a:r>
-            <a:endParaRPr lang="en-US" b="0" i="0" dirty="0">
-              <a:solidFill>
-                <a:srgbClr val="0F0F0F"/>
-              </a:solidFill>
-              <a:effectLst/>
-              <a:cs typeface="Arial" panose="020B0604020202020204" pitchFamily="34" charset="0"/>
-            </a:endParaRPr>
           </a:p>
           <a:p>
             <a:pPr lvl="1">
@@ -3775,16 +3850,6 @@
                 <a:spcPct val="150000"/>
               </a:lnSpc>
             </a:pPr>
-            <a:r>
-              <a:rPr lang="en-US" b="1" i="0" dirty="0">
-                <a:solidFill>
-                  <a:srgbClr val="0F0F0F"/>
-                </a:solidFill>
-                <a:effectLst/>
-                <a:cs typeface="Arial" panose="020B0604020202020204" pitchFamily="34" charset="0"/>
-              </a:rPr>
-              <a:t>Computation to Communication Ratio</a:t>
-            </a:r>
             <a:r>
               <a:rPr lang="en-US" b="0" i="0" dirty="0">
                 <a:solidFill>
@@ -3793,7 +3858,27 @@
                 <a:effectLst/>
                 <a:cs typeface="Arial" panose="020B0604020202020204" pitchFamily="34" charset="0"/>
               </a:rPr>
-              <a:t>: Better for large </a:t>
+              <a:t> </a:t>
+            </a:r>
+            <a:r>
+              <a:rPr lang="en-US" altLang="zh-CN" b="0" i="0" dirty="0">
+                <a:solidFill>
+                  <a:srgbClr val="0F0F0F"/>
+                </a:solidFill>
+                <a:effectLst/>
+                <a:latin typeface="Söhne"/>
+              </a:rPr>
+              <a:t>improves</a:t>
+            </a:r>
+            <a:r>
+              <a:rPr lang="en-US" b="0" i="0" dirty="0">
+                <a:solidFill>
+                  <a:srgbClr val="0F0F0F"/>
+                </a:solidFill>
+                <a:effectLst/>
+                <a:latin typeface="Söhne"/>
+              </a:rPr>
+              <a:t> as matrix size </a:t>
             </a:r>
             <a:r>
               <a:rPr lang="en-US" b="0" i="1" dirty="0">
@@ -3801,7 +3886,7 @@
                   <a:srgbClr val="0F0F0F"/>
                 </a:solidFill>
                 <a:effectLst/>
-                <a:cs typeface="Arial" panose="020B0604020202020204" pitchFamily="34" charset="0"/>
+                <a:latin typeface="KaTeX_Math"/>
               </a:rPr>
               <a:t>N</a:t>
             </a:r>
@@ -3811,10 +3896,17 @@
                   <a:srgbClr val="0F0F0F"/>
                 </a:solidFill>
                 <a:effectLst/>
-                <a:cs typeface="Arial" panose="020B0604020202020204" pitchFamily="34" charset="0"/>
+                <a:latin typeface="Söhne"/>
               </a:rPr>
-              <a:t>, leading to higher speedup</a:t>
+              <a:t> increases, contributing to a more notable speedup.</a:t>
             </a:r>
+            <a:endParaRPr lang="en-US" b="0" i="0" dirty="0">
+              <a:solidFill>
+                <a:srgbClr val="0F0F0F"/>
+              </a:solidFill>
+              <a:effectLst/>
+              <a:cs typeface="Arial" panose="020B0604020202020204" pitchFamily="34" charset="0"/>
+            </a:endParaRPr>
           </a:p>
           <a:p>
             <a:pPr algn="l">
@@ -3863,165 +3955,6 @@
     <p:extLst>
       <p:ext uri="{BB962C8B-B14F-4D97-AF65-F5344CB8AC3E}">
         <p14:creationId xmlns:p14="http://schemas.microsoft.com/office/powerpoint/2010/main" val="701092361"/>
-      </p:ext>
-    </p:extLst>
-  </p:cSld>
-  <p:clrMapOvr>
-    <a:masterClrMapping/>
-  </p:clrMapOvr>
-</p:sld>
-</file>
-
-<file path=ppt/slides/slide12.xml><?xml version="1.0" encoding="utf-8"?>
-<p:sld xmlns:a="http://schemas.openxmlformats.org/drawingml/2006/main" xmlns:r="http://schemas.openxmlformats.org/officeDocument/2006/relationships" xmlns:p="http://schemas.openxmlformats.org/presentationml/2006/main">
-  <p:cSld>
-    <p:spTree>
-      <p:nvGrpSpPr>
-        <p:cNvPr id="1" name=""/>
-        <p:cNvGrpSpPr/>
-        <p:nvPr/>
-      </p:nvGrpSpPr>
-      <p:grpSpPr>
-        <a:xfrm>
-          <a:off x="0" y="0"/>
-          <a:ext cx="0" cy="0"/>
-          <a:chOff x="0" y="0"/>
-          <a:chExt cx="0" cy="0"/>
-        </a:xfrm>
-      </p:grpSpPr>
-      <p:sp>
-        <p:nvSpPr>
-          <p:cNvPr id="2" name="Title 1">
-            <a:extLst>
-              <a:ext uri="{FF2B5EF4-FFF2-40B4-BE49-F238E27FC236}">
-                <a16:creationId xmlns:a16="http://schemas.microsoft.com/office/drawing/2014/main" id="{37DEEDDB-8E55-1E79-AD0C-3DD8D1431819}"/>
-              </a:ext>
-            </a:extLst>
-          </p:cNvPr>
-          <p:cNvSpPr>
-            <a:spLocks noGrp="1"/>
-          </p:cNvSpPr>
-          <p:nvPr>
-            <p:ph type="title"/>
-          </p:nvPr>
-        </p:nvSpPr>
-        <p:spPr>
-          <a:xfrm>
-            <a:off x="188536" y="188536"/>
-            <a:ext cx="5907464" cy="772998"/>
-          </a:xfrm>
-        </p:spPr>
-        <p:txBody>
-          <a:bodyPr>
-            <a:normAutofit/>
-          </a:bodyPr>
-          <a:lstStyle/>
-          <a:p>
-            <a:r>
-              <a:rPr lang="zh-CN" altLang="en-US" sz="3600" dirty="0">
-                <a:latin typeface="Arial" panose="020B0604020202020204" pitchFamily="34" charset="0"/>
-                <a:cs typeface="Arial" panose="020B0604020202020204" pitchFamily="34" charset="0"/>
-              </a:rPr>
-              <a:t> </a:t>
-            </a:r>
-            <a:r>
-              <a:rPr lang="en-US" altLang="zh-CN" sz="3600" dirty="0">
-                <a:latin typeface="Arial" panose="020B0604020202020204" pitchFamily="34" charset="0"/>
-                <a:cs typeface="Arial" panose="020B0604020202020204" pitchFamily="34" charset="0"/>
-              </a:rPr>
-              <a:t>Summary</a:t>
-            </a:r>
-            <a:r>
-              <a:rPr lang="zh-CN" altLang="en-US" sz="3600" dirty="0">
-                <a:latin typeface="Arial" panose="020B0604020202020204" pitchFamily="34" charset="0"/>
-                <a:cs typeface="Arial" panose="020B0604020202020204" pitchFamily="34" charset="0"/>
-              </a:rPr>
-              <a:t> </a:t>
-            </a:r>
-            <a:endParaRPr lang="en-US" sz="3600" dirty="0">
-              <a:latin typeface="Arial" panose="020B0604020202020204" pitchFamily="34" charset="0"/>
-              <a:cs typeface="Arial" panose="020B0604020202020204" pitchFamily="34" charset="0"/>
-            </a:endParaRPr>
-          </a:p>
-        </p:txBody>
-      </p:sp>
-      <p:sp>
-        <p:nvSpPr>
-          <p:cNvPr id="4" name="Content Placeholder 3">
-            <a:extLst>
-              <a:ext uri="{FF2B5EF4-FFF2-40B4-BE49-F238E27FC236}">
-                <a16:creationId xmlns:a16="http://schemas.microsoft.com/office/drawing/2014/main" id="{DAA59309-095E-0F63-5DF3-4C441C32538C}"/>
-              </a:ext>
-            </a:extLst>
-          </p:cNvPr>
-          <p:cNvSpPr>
-            <a:spLocks noGrp="1"/>
-          </p:cNvSpPr>
-          <p:nvPr>
-            <p:ph idx="1"/>
-          </p:nvPr>
-        </p:nvSpPr>
-        <p:spPr/>
-        <p:txBody>
-          <a:bodyPr anchor="ctr">
-            <a:normAutofit/>
-          </a:bodyPr>
-          <a:lstStyle/>
-          <a:p>
-            <a:pPr>
-              <a:lnSpc>
-                <a:spcPct val="150000"/>
-              </a:lnSpc>
-            </a:pPr>
-            <a:r>
-              <a:rPr lang="en-US" sz="2400" dirty="0">
-                <a:latin typeface="Arial" panose="020B0604020202020204" pitchFamily="34" charset="0"/>
-                <a:cs typeface="Arial" panose="020B0604020202020204" pitchFamily="34" charset="0"/>
-              </a:rPr>
-              <a:t>Successfully implement the 3 levels via multi-level master-slave network.</a:t>
-            </a:r>
-          </a:p>
-          <a:p>
-            <a:pPr>
-              <a:lnSpc>
-                <a:spcPct val="150000"/>
-              </a:lnSpc>
-            </a:pPr>
-            <a:r>
-              <a:rPr lang="en-US" sz="2400" dirty="0">
-                <a:latin typeface="Arial" panose="020B0604020202020204" pitchFamily="34" charset="0"/>
-                <a:cs typeface="Arial" panose="020B0604020202020204" pitchFamily="34" charset="0"/>
-              </a:rPr>
-              <a:t>Build a static recursive tree to determine leader-worker relationship.</a:t>
-            </a:r>
-          </a:p>
-          <a:p>
-            <a:pPr>
-              <a:lnSpc>
-                <a:spcPct val="150000"/>
-              </a:lnSpc>
-            </a:pPr>
-            <a:r>
-              <a:rPr lang="en-US" sz="2400" dirty="0">
-                <a:latin typeface="Arial" panose="020B0604020202020204" pitchFamily="34" charset="0"/>
-                <a:cs typeface="Arial" panose="020B0604020202020204" pitchFamily="34" charset="0"/>
-              </a:rPr>
-              <a:t>It could further apply to higher levels of Strassen’s. </a:t>
-            </a:r>
-            <a:endParaRPr lang="en-US" sz="2400" dirty="0"/>
-          </a:p>
-          <a:p>
-            <a:pPr marL="0" indent="0">
-              <a:buNone/>
-            </a:pPr>
-            <a:endParaRPr lang="en-US" sz="2400" dirty="0"/>
-          </a:p>
-        </p:txBody>
-      </p:sp>
-    </p:spTree>
-    <p:extLst>
-      <p:ext uri="{BB962C8B-B14F-4D97-AF65-F5344CB8AC3E}">
-        <p14:creationId xmlns:p14="http://schemas.microsoft.com/office/powerpoint/2010/main" val="632507341"/>
       </p:ext>
     </p:extLst>
   </p:cSld>
@@ -4077,6 +4010,212 @@
           <a:lstStyle/>
           <a:p>
             <a:r>
+              <a:rPr lang="zh-CN" altLang="en-US" sz="3600" dirty="0">
+                <a:latin typeface="Arial" panose="020B0604020202020204" pitchFamily="34" charset="0"/>
+                <a:cs typeface="Arial" panose="020B0604020202020204" pitchFamily="34" charset="0"/>
+              </a:rPr>
+              <a:t> </a:t>
+            </a:r>
+            <a:r>
+              <a:rPr lang="en-US" altLang="zh-CN" sz="3600" dirty="0">
+                <a:latin typeface="Arial" panose="020B0604020202020204" pitchFamily="34" charset="0"/>
+                <a:cs typeface="Arial" panose="020B0604020202020204" pitchFamily="34" charset="0"/>
+              </a:rPr>
+              <a:t>Summary</a:t>
+            </a:r>
+            <a:r>
+              <a:rPr lang="zh-CN" altLang="en-US" sz="3600" dirty="0">
+                <a:latin typeface="Arial" panose="020B0604020202020204" pitchFamily="34" charset="0"/>
+                <a:cs typeface="Arial" panose="020B0604020202020204" pitchFamily="34" charset="0"/>
+              </a:rPr>
+              <a:t> </a:t>
+            </a:r>
+            <a:endParaRPr lang="en-US" sz="3600" dirty="0">
+              <a:latin typeface="Arial" panose="020B0604020202020204" pitchFamily="34" charset="0"/>
+              <a:cs typeface="Arial" panose="020B0604020202020204" pitchFamily="34" charset="0"/>
+            </a:endParaRPr>
+          </a:p>
+        </p:txBody>
+      </p:sp>
+      <p:sp>
+        <p:nvSpPr>
+          <p:cNvPr id="4" name="Content Placeholder 3">
+            <a:extLst>
+              <a:ext uri="{FF2B5EF4-FFF2-40B4-BE49-F238E27FC236}">
+                <a16:creationId xmlns:a16="http://schemas.microsoft.com/office/drawing/2014/main" id="{DAA59309-095E-0F63-5DF3-4C441C32538C}"/>
+              </a:ext>
+            </a:extLst>
+          </p:cNvPr>
+          <p:cNvSpPr>
+            <a:spLocks noGrp="1"/>
+          </p:cNvSpPr>
+          <p:nvPr>
+            <p:ph idx="1"/>
+          </p:nvPr>
+        </p:nvSpPr>
+        <p:spPr>
+          <a:xfrm>
+            <a:off x="838200" y="1756051"/>
+            <a:ext cx="10515600" cy="4351338"/>
+          </a:xfrm>
+        </p:spPr>
+        <p:txBody>
+          <a:bodyPr anchor="ctr">
+            <a:normAutofit/>
+          </a:bodyPr>
+          <a:lstStyle/>
+          <a:p>
+            <a:pPr>
+              <a:lnSpc>
+                <a:spcPct val="150000"/>
+              </a:lnSpc>
+            </a:pPr>
+            <a:r>
+              <a:rPr lang="en-US" sz="2400" dirty="0">
+                <a:latin typeface="Arial" panose="020B0604020202020204" pitchFamily="34" charset="0"/>
+                <a:cs typeface="Arial" panose="020B0604020202020204" pitchFamily="34" charset="0"/>
+              </a:rPr>
+              <a:t>Successfully implement the 3 levels via </a:t>
+            </a:r>
+            <a:r>
+              <a:rPr lang="en-US" altLang="zh-CN" sz="2400" dirty="0">
+                <a:latin typeface="Arial" panose="020B0604020202020204" pitchFamily="34" charset="0"/>
+                <a:cs typeface="Arial" panose="020B0604020202020204" pitchFamily="34" charset="0"/>
+              </a:rPr>
+              <a:t>a </a:t>
+            </a:r>
+            <a:r>
+              <a:rPr lang="en-US" sz="2400" dirty="0">
+                <a:latin typeface="Arial" panose="020B0604020202020204" pitchFamily="34" charset="0"/>
+                <a:cs typeface="Arial" panose="020B0604020202020204" pitchFamily="34" charset="0"/>
+              </a:rPr>
+              <a:t>multi-level master-slave network.</a:t>
+            </a:r>
+          </a:p>
+          <a:p>
+            <a:pPr>
+              <a:lnSpc>
+                <a:spcPct val="150000"/>
+              </a:lnSpc>
+            </a:pPr>
+            <a:r>
+              <a:rPr lang="en-US" sz="2400" dirty="0">
+                <a:latin typeface="Arial" panose="020B0604020202020204" pitchFamily="34" charset="0"/>
+                <a:cs typeface="Arial" panose="020B0604020202020204" pitchFamily="34" charset="0"/>
+              </a:rPr>
+              <a:t>Build a static tree to determine </a:t>
+            </a:r>
+            <a:r>
+              <a:rPr lang="en-US" altLang="zh-CN" sz="2400" dirty="0">
+                <a:latin typeface="Arial" panose="020B0604020202020204" pitchFamily="34" charset="0"/>
+                <a:cs typeface="Arial" panose="020B0604020202020204" pitchFamily="34" charset="0"/>
+              </a:rPr>
+              <a:t>the </a:t>
+            </a:r>
+            <a:r>
+              <a:rPr lang="en-US" sz="2400" dirty="0">
+                <a:latin typeface="Arial" panose="020B0604020202020204" pitchFamily="34" charset="0"/>
+                <a:cs typeface="Arial" panose="020B0604020202020204" pitchFamily="34" charset="0"/>
+              </a:rPr>
+              <a:t>leader-worker relationship.</a:t>
+            </a:r>
+          </a:p>
+          <a:p>
+            <a:pPr>
+              <a:lnSpc>
+                <a:spcPct val="150000"/>
+              </a:lnSpc>
+            </a:pPr>
+            <a:r>
+              <a:rPr lang="en-US" sz="2400" dirty="0">
+                <a:latin typeface="Arial" panose="020B0604020202020204" pitchFamily="34" charset="0"/>
+                <a:cs typeface="Arial" panose="020B0604020202020204" pitchFamily="34" charset="0"/>
+              </a:rPr>
+              <a:t>Only necessary data is communicated.</a:t>
+            </a:r>
+          </a:p>
+          <a:p>
+            <a:pPr>
+              <a:lnSpc>
+                <a:spcPct val="150000"/>
+              </a:lnSpc>
+            </a:pPr>
+            <a:r>
+              <a:rPr lang="en-US" sz="2400" dirty="0">
+                <a:latin typeface="Arial" panose="020B0604020202020204" pitchFamily="34" charset="0"/>
+                <a:cs typeface="Arial" panose="020B0604020202020204" pitchFamily="34" charset="0"/>
+              </a:rPr>
+              <a:t>Scalable to higher levels of Strassen’s. </a:t>
+            </a:r>
+            <a:endParaRPr lang="en-US" sz="2400" dirty="0"/>
+          </a:p>
+          <a:p>
+            <a:pPr marL="0" indent="0">
+              <a:buNone/>
+            </a:pPr>
+            <a:endParaRPr lang="en-US" sz="2400" dirty="0"/>
+          </a:p>
+        </p:txBody>
+      </p:sp>
+    </p:spTree>
+    <p:extLst>
+      <p:ext uri="{BB962C8B-B14F-4D97-AF65-F5344CB8AC3E}">
+        <p14:creationId xmlns:p14="http://schemas.microsoft.com/office/powerpoint/2010/main" val="632507341"/>
+      </p:ext>
+    </p:extLst>
+  </p:cSld>
+  <p:clrMapOvr>
+    <a:masterClrMapping/>
+  </p:clrMapOvr>
+</p:sld>
+</file>
+
+<file path=ppt/slides/slide14.xml><?xml version="1.0" encoding="utf-8"?>
+<p:sld xmlns:a="http://schemas.openxmlformats.org/drawingml/2006/main" xmlns:r="http://schemas.openxmlformats.org/officeDocument/2006/relationships" xmlns:p="http://schemas.openxmlformats.org/presentationml/2006/main">
+  <p:cSld>
+    <p:spTree>
+      <p:nvGrpSpPr>
+        <p:cNvPr id="1" name=""/>
+        <p:cNvGrpSpPr/>
+        <p:nvPr/>
+      </p:nvGrpSpPr>
+      <p:grpSpPr>
+        <a:xfrm>
+          <a:off x="0" y="0"/>
+          <a:ext cx="0" cy="0"/>
+          <a:chOff x="0" y="0"/>
+          <a:chExt cx="0" cy="0"/>
+        </a:xfrm>
+      </p:grpSpPr>
+      <p:sp>
+        <p:nvSpPr>
+          <p:cNvPr id="2" name="Title 1">
+            <a:extLst>
+              <a:ext uri="{FF2B5EF4-FFF2-40B4-BE49-F238E27FC236}">
+                <a16:creationId xmlns:a16="http://schemas.microsoft.com/office/drawing/2014/main" id="{37DEEDDB-8E55-1E79-AD0C-3DD8D1431819}"/>
+              </a:ext>
+            </a:extLst>
+          </p:cNvPr>
+          <p:cNvSpPr>
+            <a:spLocks noGrp="1"/>
+          </p:cNvSpPr>
+          <p:nvPr>
+            <p:ph type="title"/>
+          </p:nvPr>
+        </p:nvSpPr>
+        <p:spPr>
+          <a:xfrm>
+            <a:off x="188536" y="188536"/>
+            <a:ext cx="5907464" cy="772998"/>
+          </a:xfrm>
+        </p:spPr>
+        <p:txBody>
+          <a:bodyPr>
+            <a:normAutofit/>
+          </a:bodyPr>
+          <a:lstStyle/>
+          <a:p>
+            <a:r>
               <a:rPr lang="en-US" sz="3600" dirty="0">
                 <a:latin typeface="Arial" panose="020B0604020202020204" pitchFamily="34" charset="0"/>
                 <a:cs typeface="Arial" panose="020B0604020202020204" pitchFamily="34" charset="0"/>
@@ -4140,7 +4279,7 @@
 </p:sld>
 </file>
 
-<file path=ppt/slides/slide14.xml><?xml version="1.0" encoding="utf-8"?>
+<file path=ppt/slides/slide15.xml><?xml version="1.0" encoding="utf-8"?>
 <p:sld xmlns:a="http://schemas.openxmlformats.org/drawingml/2006/main" xmlns:r="http://schemas.openxmlformats.org/officeDocument/2006/relationships" xmlns:p="http://schemas.openxmlformats.org/presentationml/2006/main">
   <p:cSld>
     <p:spTree>
@@ -4238,311 +4377,6 @@
 </p:sld>
 </file>
 
-<file path=ppt/slides/slide15.xml><?xml version="1.0" encoding="utf-8"?>
-<p:sld xmlns:a="http://schemas.openxmlformats.org/drawingml/2006/main" xmlns:r="http://schemas.openxmlformats.org/officeDocument/2006/relationships" xmlns:p="http://schemas.openxmlformats.org/presentationml/2006/main">
-  <p:cSld>
-    <p:spTree>
-      <p:nvGrpSpPr>
-        <p:cNvPr id="1" name=""/>
-        <p:cNvGrpSpPr/>
-        <p:nvPr/>
-      </p:nvGrpSpPr>
-      <p:grpSpPr>
-        <a:xfrm>
-          <a:off x="0" y="0"/>
-          <a:ext cx="0" cy="0"/>
-          <a:chOff x="0" y="0"/>
-          <a:chExt cx="0" cy="0"/>
-        </a:xfrm>
-      </p:grpSpPr>
-      <p:sp>
-        <p:nvSpPr>
-          <p:cNvPr id="2" name="Title 1">
-            <a:extLst>
-              <a:ext uri="{FF2B5EF4-FFF2-40B4-BE49-F238E27FC236}">
-                <a16:creationId xmlns:a16="http://schemas.microsoft.com/office/drawing/2014/main" id="{37DEEDDB-8E55-1E79-AD0C-3DD8D1431819}"/>
-              </a:ext>
-            </a:extLst>
-          </p:cNvPr>
-          <p:cNvSpPr>
-            <a:spLocks noGrp="1"/>
-          </p:cNvSpPr>
-          <p:nvPr>
-            <p:ph type="title"/>
-          </p:nvPr>
-        </p:nvSpPr>
-        <p:spPr>
-          <a:xfrm>
-            <a:off x="178596" y="277988"/>
-            <a:ext cx="8299481" cy="772998"/>
-          </a:xfrm>
-        </p:spPr>
-        <p:txBody>
-          <a:bodyPr>
-            <a:normAutofit fontScale="90000"/>
-          </a:bodyPr>
-          <a:lstStyle/>
-          <a:p>
-            <a:r>
-              <a:rPr lang="en-US" sz="3600" dirty="0">
-                <a:latin typeface="Arial" panose="020B0604020202020204" pitchFamily="34" charset="0"/>
-                <a:cs typeface="Arial" panose="020B0604020202020204" pitchFamily="34" charset="0"/>
-              </a:rPr>
-              <a:t>Appendix:</a:t>
-            </a:r>
-            <a:r>
-              <a:rPr lang="zh-CN" altLang="en-US" sz="3600" dirty="0">
-                <a:latin typeface="Arial" panose="020B0604020202020204" pitchFamily="34" charset="0"/>
-                <a:cs typeface="Arial" panose="020B0604020202020204" pitchFamily="34" charset="0"/>
-              </a:rPr>
-              <a:t> </a:t>
-            </a:r>
-            <a:r>
-              <a:rPr lang="en-US" altLang="zh-CN" sz="3600" dirty="0">
-                <a:latin typeface="Arial" panose="020B0604020202020204" pitchFamily="34" charset="0"/>
-                <a:cs typeface="Arial" panose="020B0604020202020204" pitchFamily="34" charset="0"/>
-              </a:rPr>
-              <a:t>Static Relationship Tree by Rank</a:t>
-            </a:r>
-            <a:endParaRPr lang="en-US" sz="3600" dirty="0">
-              <a:latin typeface="Arial" panose="020B0604020202020204" pitchFamily="34" charset="0"/>
-              <a:cs typeface="Arial" panose="020B0604020202020204" pitchFamily="34" charset="0"/>
-            </a:endParaRPr>
-          </a:p>
-        </p:txBody>
-      </p:sp>
-      <p:pic>
-        <p:nvPicPr>
-          <p:cNvPr id="5" name="Picture 4">
-            <a:extLst>
-              <a:ext uri="{FF2B5EF4-FFF2-40B4-BE49-F238E27FC236}">
-                <a16:creationId xmlns:a16="http://schemas.microsoft.com/office/drawing/2014/main" id="{9340D051-C4E0-0D23-9BEB-4C3E544FD6FF}"/>
-              </a:ext>
-            </a:extLst>
-          </p:cNvPr>
-          <p:cNvPicPr>
-            <a:picLocks noChangeAspect="1"/>
-          </p:cNvPicPr>
-          <p:nvPr/>
-        </p:nvPicPr>
-        <p:blipFill>
-          <a:blip r:embed="rId2"/>
-          <a:stretch>
-            <a:fillRect/>
-          </a:stretch>
-        </p:blipFill>
-        <p:spPr>
-          <a:xfrm>
-            <a:off x="571500" y="1683026"/>
-            <a:ext cx="5524500" cy="3352800"/>
-          </a:xfrm>
-          <a:prstGeom prst="rect">
-            <a:avLst/>
-          </a:prstGeom>
-        </p:spPr>
-      </p:pic>
-      <mc:AlternateContent xmlns:mc="http://schemas.openxmlformats.org/markup-compatibility/2006" xmlns:a14="http://schemas.microsoft.com/office/drawing/2010/main">
-        <mc:Choice Requires="a14">
-          <p:sp>
-            <p:nvSpPr>
-              <p:cNvPr id="6" name="TextBox 5">
-                <a:extLst>
-                  <a:ext uri="{FF2B5EF4-FFF2-40B4-BE49-F238E27FC236}">
-                    <a16:creationId xmlns:a16="http://schemas.microsoft.com/office/drawing/2014/main" id="{84A290D1-4BDC-D42A-5859-04E5672FC1DC}"/>
-                  </a:ext>
-                </a:extLst>
-              </p:cNvPr>
-              <p:cNvSpPr txBox="1"/>
-              <p:nvPr/>
-            </p:nvSpPr>
-            <p:spPr>
-              <a:xfrm>
-                <a:off x="6599583" y="2511373"/>
-                <a:ext cx="4909930" cy="1696105"/>
-              </a:xfrm>
-              <a:prstGeom prst="rect">
-                <a:avLst/>
-              </a:prstGeom>
-              <a:noFill/>
-            </p:spPr>
-            <p:txBody>
-              <a:bodyPr wrap="square" rtlCol="0">
-                <a:spAutoFit/>
-              </a:bodyPr>
-              <a:lstStyle/>
-              <a:p>
-                <a:pPr marL="285750" indent="-285750">
-                  <a:lnSpc>
-                    <a:spcPct val="150000"/>
-                  </a:lnSpc>
-                  <a:buFont typeface="Arial" panose="020B0604020202020204" pitchFamily="34" charset="0"/>
-                  <a:buChar char="•"/>
-                </a:pPr>
-                <a:r>
-                  <a:rPr lang="en-US" sz="2400" dirty="0"/>
-                  <a:t>Level-1 leader: 	</a:t>
-                </a:r>
-                <a14:m>
-                  <m:oMath xmlns:m="http://schemas.openxmlformats.org/officeDocument/2006/math">
-                    <m:r>
-                      <a:rPr lang="en-US" sz="2400" b="0" i="1" smtClean="0">
-                        <a:latin typeface="Cambria Math" panose="02040503050406030204" pitchFamily="18" charset="0"/>
-                      </a:rPr>
-                      <m:t>{0}</m:t>
-                    </m:r>
-                  </m:oMath>
-                </a14:m>
-                <a:endParaRPr lang="en-US" sz="2400" dirty="0"/>
-              </a:p>
-              <a:p>
-                <a:pPr marL="285750" indent="-285750">
-                  <a:lnSpc>
-                    <a:spcPct val="150000"/>
-                  </a:lnSpc>
-                  <a:buFont typeface="Arial" panose="020B0604020202020204" pitchFamily="34" charset="0"/>
-                  <a:buChar char="•"/>
-                </a:pPr>
-                <a:r>
-                  <a:rPr lang="en-US" sz="2400" dirty="0"/>
-                  <a:t>Level-2 Leaders:  	</a:t>
-                </a:r>
-                <a14:m>
-                  <m:oMath xmlns:m="http://schemas.openxmlformats.org/officeDocument/2006/math">
-                    <m:d>
-                      <m:dPr>
-                        <m:begChr m:val="{"/>
-                        <m:endChr m:val="}"/>
-                        <m:ctrlPr>
-                          <a:rPr lang="en-US" sz="2400" b="0" i="1" smtClean="0">
-                            <a:latin typeface="Cambria Math" panose="02040503050406030204" pitchFamily="18" charset="0"/>
-                          </a:rPr>
-                        </m:ctrlPr>
-                      </m:dPr>
-                      <m:e>
-                        <m:r>
-                          <a:rPr lang="en-US" sz="2400" b="0" i="1" smtClean="0">
-                            <a:latin typeface="Cambria Math" panose="02040503050406030204" pitchFamily="18" charset="0"/>
-                          </a:rPr>
-                          <m:t>0, </m:t>
-                        </m:r>
-                        <m:r>
-                          <a:rPr lang="en-US" sz="2400" b="0" i="1" smtClean="0">
-                            <a:latin typeface="Cambria Math" panose="02040503050406030204" pitchFamily="18" charset="0"/>
-                            <a:ea typeface="Cambria Math" panose="02040503050406030204" pitchFamily="18" charset="0"/>
-                          </a:rPr>
-                          <m:t>→6</m:t>
-                        </m:r>
-                      </m:e>
-                    </m:d>
-                  </m:oMath>
-                </a14:m>
-                <a:endParaRPr lang="en-US" sz="2400" dirty="0"/>
-              </a:p>
-              <a:p>
-                <a:pPr marL="285750" indent="-285750">
-                  <a:lnSpc>
-                    <a:spcPct val="150000"/>
-                  </a:lnSpc>
-                  <a:buFont typeface="Arial" panose="020B0604020202020204" pitchFamily="34" charset="0"/>
-                  <a:buChar char="•"/>
-                </a:pPr>
-                <a:r>
-                  <a:rPr lang="en-US" sz="2400" dirty="0"/>
-                  <a:t>Level-3 Leaders: 	</a:t>
-                </a:r>
-                <a14:m>
-                  <m:oMath xmlns:m="http://schemas.openxmlformats.org/officeDocument/2006/math">
-                    <m:d>
-                      <m:dPr>
-                        <m:begChr m:val="{"/>
-                        <m:endChr m:val="}"/>
-                        <m:ctrlPr>
-                          <a:rPr lang="en-US" sz="2400" b="0" i="1" smtClean="0">
-                            <a:latin typeface="Cambria Math" panose="02040503050406030204" pitchFamily="18" charset="0"/>
-                          </a:rPr>
-                        </m:ctrlPr>
-                      </m:dPr>
-                      <m:e>
-                        <m:r>
-                          <a:rPr lang="en-US" sz="2400" b="0" i="1" smtClean="0">
-                            <a:latin typeface="Cambria Math" panose="02040503050406030204" pitchFamily="18" charset="0"/>
-                          </a:rPr>
-                          <m:t>0, </m:t>
-                        </m:r>
-                        <m:r>
-                          <a:rPr lang="en-US" sz="2400" b="0" i="1" smtClean="0">
-                            <a:latin typeface="Cambria Math" panose="02040503050406030204" pitchFamily="18" charset="0"/>
-                            <a:ea typeface="Cambria Math" panose="02040503050406030204" pitchFamily="18" charset="0"/>
-                          </a:rPr>
-                          <m:t>→48</m:t>
-                        </m:r>
-                      </m:e>
-                    </m:d>
-                  </m:oMath>
-                </a14:m>
-                <a:endParaRPr lang="en-US" sz="2400" dirty="0"/>
-              </a:p>
-            </p:txBody>
-          </p:sp>
-        </mc:Choice>
-        <mc:Fallback xmlns="">
-          <p:sp>
-            <p:nvSpPr>
-              <p:cNvPr id="6" name="TextBox 5">
-                <a:extLst>
-                  <a:ext uri="{FF2B5EF4-FFF2-40B4-BE49-F238E27FC236}">
-                    <a16:creationId xmlns:a16="http://schemas.microsoft.com/office/drawing/2014/main" id="{84A290D1-4BDC-D42A-5859-04E5672FC1DC}"/>
-                  </a:ext>
-                </a:extLst>
-              </p:cNvPr>
-              <p:cNvSpPr txBox="1">
-                <a:spLocks noRot="1" noChangeAspect="1" noMove="1" noResize="1" noEditPoints="1" noAdjustHandles="1" noChangeArrowheads="1" noChangeShapeType="1" noTextEdit="1"/>
-              </p:cNvSpPr>
-              <p:nvPr/>
-            </p:nvSpPr>
-            <p:spPr>
-              <a:xfrm>
-                <a:off x="6599583" y="2511373"/>
-                <a:ext cx="4909930" cy="1696105"/>
-              </a:xfrm>
-              <a:prstGeom prst="rect">
-                <a:avLst/>
-              </a:prstGeom>
-              <a:blipFill>
-                <a:blip r:embed="rId3"/>
-                <a:stretch>
-                  <a:fillRect l="-1546" b="-7407"/>
-                </a:stretch>
-              </a:blipFill>
-            </p:spPr>
-            <p:txBody>
-              <a:bodyPr/>
-              <a:lstStyle/>
-              <a:p>
-                <a:r>
-                  <a:rPr lang="en-US">
-                    <a:noFill/>
-                  </a:rPr>
-                  <a:t> </a:t>
-                </a:r>
-              </a:p>
-            </p:txBody>
-          </p:sp>
-        </mc:Fallback>
-      </mc:AlternateContent>
-    </p:spTree>
-    <p:extLst>
-      <p:ext uri="{BB962C8B-B14F-4D97-AF65-F5344CB8AC3E}">
-        <p14:creationId xmlns:p14="http://schemas.microsoft.com/office/powerpoint/2010/main" val="2889821560"/>
-      </p:ext>
-    </p:extLst>
-  </p:cSld>
-  <p:clrMapOvr>
-    <a:masterClrMapping/>
-  </p:clrMapOvr>
-</p:sld>
-</file>
-
 <file path=ppt/slides/slide2.xml><?xml version="1.0" encoding="utf-8"?>
 <p:sld xmlns:a="http://schemas.openxmlformats.org/drawingml/2006/main" xmlns:r="http://schemas.openxmlformats.org/officeDocument/2006/relationships" xmlns:p="http://schemas.openxmlformats.org/presentationml/2006/main">
   <p:cSld>
@@ -4632,10 +4466,15 @@
             <p:ph idx="1"/>
           </p:nvPr>
         </p:nvSpPr>
-        <p:spPr/>
+        <p:spPr>
+          <a:xfrm>
+            <a:off x="838200" y="1253331"/>
+            <a:ext cx="10515600" cy="4351338"/>
+          </a:xfrm>
+        </p:spPr>
         <p:txBody>
           <a:bodyPr>
-            <a:normAutofit/>
+            <a:normAutofit fontScale="85000" lnSpcReduction="20000"/>
           </a:bodyPr>
           <a:lstStyle/>
           <a:p>
@@ -4710,14 +4549,8 @@
               </a:lnSpc>
             </a:pPr>
             <a:r>
-              <a:rPr lang="en-US" b="0" i="0" dirty="0">
-                <a:solidFill>
-                  <a:srgbClr val="0F0F0F"/>
-                </a:solidFill>
-                <a:effectLst/>
-                <a:latin typeface="Söhne"/>
-              </a:rPr>
-              <a:t>Parallel implementation of Strassen's to leverage efficiency.</a:t>
+              <a:rPr lang="en-US" dirty="0"/>
+              <a:t>Implements Strassen's algorithm in parallel to leverage efficiency.</a:t>
             </a:r>
           </a:p>
           <a:p>
@@ -4727,15 +4560,28 @@
               </a:lnSpc>
             </a:pPr>
             <a:r>
-              <a:rPr lang="en-US" b="0" i="0" dirty="0">
-                <a:solidFill>
-                  <a:srgbClr val="0F0F0F"/>
-                </a:solidFill>
-                <a:effectLst/>
-                <a:latin typeface="Söhne"/>
-              </a:rPr>
-              <a:t>Explores three levels of recursive Strassen’s decomposition.</a:t>
+              <a:rPr lang="en-US" dirty="0"/>
+              <a:t>Draws on insights from</a:t>
             </a:r>
+            <a:r>
+              <a:rPr lang="en-US" i="1" dirty="0"/>
+              <a:t> Chou, C. C., Deng, Y. F., Li, G., &amp; Wang, Y. (1995), </a:t>
+            </a:r>
+            <a:r>
+              <a:rPr lang="en-US" dirty="0"/>
+              <a:t>applying a </a:t>
+            </a:r>
+            <a:r>
+              <a:rPr lang="en-US" i="1" dirty="0"/>
+              <a:t>recursive</a:t>
+            </a:r>
+            <a:r>
+              <a:rPr lang="en-US" dirty="0"/>
+              <a:t> strategy for efficient data distribution and collection.</a:t>
+            </a:r>
+            <a:br>
+              <a:rPr lang="en-US" dirty="0"/>
+            </a:br>
             <a:endParaRPr lang="en-US" dirty="0"/>
           </a:p>
         </p:txBody>
@@ -5718,6 +5564,414 @@
           </a:p>
         </p:txBody>
       </p:sp>
+      <p:grpSp>
+        <p:nvGrpSpPr>
+          <p:cNvPr id="12" name="Group 11">
+            <a:extLst>
+              <a:ext uri="{FF2B5EF4-FFF2-40B4-BE49-F238E27FC236}">
+                <a16:creationId xmlns:a16="http://schemas.microsoft.com/office/drawing/2014/main" id="{B997FA49-2539-5105-54FA-6E9F5EB03187}"/>
+              </a:ext>
+            </a:extLst>
+          </p:cNvPr>
+          <p:cNvGrpSpPr/>
+          <p:nvPr/>
+        </p:nvGrpSpPr>
+        <p:grpSpPr>
+          <a:xfrm>
+            <a:off x="1688578" y="3243773"/>
+            <a:ext cx="2568770" cy="1394547"/>
+            <a:chOff x="1688578" y="3243773"/>
+            <a:chExt cx="2568770" cy="1394547"/>
+          </a:xfrm>
+        </p:grpSpPr>
+        <mc:AlternateContent xmlns:mc="http://schemas.openxmlformats.org/markup-compatibility/2006">
+          <mc:Choice xmlns:a14="http://schemas.microsoft.com/office/drawing/2010/main" Requires="a14">
+            <p:sp>
+              <p:nvSpPr>
+                <p:cNvPr id="5" name="TextBox 4">
+                  <a:extLst>
+                    <a:ext uri="{FF2B5EF4-FFF2-40B4-BE49-F238E27FC236}">
+                      <a16:creationId xmlns:a16="http://schemas.microsoft.com/office/drawing/2014/main" id="{E374330F-E943-593D-24C4-F17B4786BBCC}"/>
+                    </a:ext>
+                  </a:extLst>
+                </p:cNvPr>
+                <p:cNvSpPr txBox="1"/>
+                <p:nvPr/>
+              </p:nvSpPr>
+              <p:spPr>
+                <a:xfrm>
+                  <a:off x="2859121" y="3243773"/>
+                  <a:ext cx="250068" cy="276999"/>
+                </a:xfrm>
+                <a:prstGeom prst="rect">
+                  <a:avLst/>
+                </a:prstGeom>
+                <a:noFill/>
+              </p:spPr>
+              <p:txBody>
+                <a:bodyPr wrap="none" lIns="0" tIns="0" rIns="0" bIns="0" rtlCol="0">
+                  <a:spAutoFit/>
+                </a:bodyPr>
+                <a:lstStyle/>
+                <a:p>
+                  <a14:m>
+                    <m:oMathPara xmlns:m="http://schemas.openxmlformats.org/officeDocument/2006/math">
+                      <m:oMathParaPr>
+                        <m:jc m:val="centerGroup"/>
+                      </m:oMathParaPr>
+                      <m:oMath xmlns:m="http://schemas.openxmlformats.org/officeDocument/2006/math">
+                        <m:r>
+                          <a:rPr lang="en-US" i="1" smtClean="0">
+                            <a:latin typeface="Cambria Math" panose="02040503050406030204" pitchFamily="18" charset="0"/>
+                            <a:ea typeface="Cambria Math" panose="02040503050406030204" pitchFamily="18" charset="0"/>
+                          </a:rPr>
+                          <m:t>⋯</m:t>
+                        </m:r>
+                      </m:oMath>
+                    </m:oMathPara>
+                  </a14:m>
+                  <a:endParaRPr lang="en-US" dirty="0"/>
+                </a:p>
+              </p:txBody>
+            </p:sp>
+          </mc:Choice>
+          <mc:Fallback>
+            <p:sp>
+              <p:nvSpPr>
+                <p:cNvPr id="5" name="TextBox 4">
+                  <a:extLst>
+                    <a:ext uri="{FF2B5EF4-FFF2-40B4-BE49-F238E27FC236}">
+                      <a16:creationId xmlns:a16="http://schemas.microsoft.com/office/drawing/2014/main" id="{E374330F-E943-593D-24C4-F17B4786BBCC}"/>
+                    </a:ext>
+                  </a:extLst>
+                </p:cNvPr>
+                <p:cNvSpPr txBox="1">
+                  <a:spLocks noRot="1" noChangeAspect="1" noMove="1" noResize="1" noEditPoints="1" noAdjustHandles="1" noChangeArrowheads="1" noChangeShapeType="1" noTextEdit="1"/>
+                </p:cNvSpPr>
+                <p:nvPr/>
+              </p:nvSpPr>
+              <p:spPr>
+                <a:xfrm>
+                  <a:off x="2859121" y="3243773"/>
+                  <a:ext cx="250068" cy="276999"/>
+                </a:xfrm>
+                <a:prstGeom prst="rect">
+                  <a:avLst/>
+                </a:prstGeom>
+                <a:blipFill>
+                  <a:blip r:embed="rId2"/>
+                  <a:stretch>
+                    <a:fillRect l="-5000" r="-5000"/>
+                  </a:stretch>
+                </a:blipFill>
+              </p:spPr>
+              <p:txBody>
+                <a:bodyPr/>
+                <a:lstStyle/>
+                <a:p>
+                  <a:r>
+                    <a:rPr lang="en-US">
+                      <a:noFill/>
+                    </a:rPr>
+                    <a:t> </a:t>
+                  </a:r>
+                </a:p>
+              </p:txBody>
+            </p:sp>
+          </mc:Fallback>
+        </mc:AlternateContent>
+        <mc:AlternateContent xmlns:mc="http://schemas.openxmlformats.org/markup-compatibility/2006">
+          <mc:Choice xmlns:a14="http://schemas.microsoft.com/office/drawing/2010/main" Requires="a14">
+            <p:sp>
+              <p:nvSpPr>
+                <p:cNvPr id="7" name="TextBox 6">
+                  <a:extLst>
+                    <a:ext uri="{FF2B5EF4-FFF2-40B4-BE49-F238E27FC236}">
+                      <a16:creationId xmlns:a16="http://schemas.microsoft.com/office/drawing/2014/main" id="{B220D1F6-E5CE-3105-5DB4-5673D91F117E}"/>
+                    </a:ext>
+                  </a:extLst>
+                </p:cNvPr>
+                <p:cNvSpPr txBox="1"/>
+                <p:nvPr/>
+              </p:nvSpPr>
+              <p:spPr>
+                <a:xfrm>
+                  <a:off x="3972221" y="4262998"/>
+                  <a:ext cx="285127" cy="369332"/>
+                </a:xfrm>
+                <a:prstGeom prst="rect">
+                  <a:avLst/>
+                </a:prstGeom>
+                <a:noFill/>
+              </p:spPr>
+              <p:txBody>
+                <a:bodyPr wrap="square">
+                  <a:spAutoFit/>
+                </a:bodyPr>
+                <a:lstStyle/>
+                <a:p>
+                  <a:pPr/>
+                  <a14:m>
+                    <m:oMathPara xmlns:m="http://schemas.openxmlformats.org/officeDocument/2006/math">
+                      <m:oMathParaPr>
+                        <m:jc m:val="centerGroup"/>
+                      </m:oMathParaPr>
+                      <m:oMath xmlns:m="http://schemas.openxmlformats.org/officeDocument/2006/math">
+                        <m:r>
+                          <a:rPr lang="en-US" i="1" smtClean="0">
+                            <a:latin typeface="Cambria Math" panose="02040503050406030204" pitchFamily="18" charset="0"/>
+                            <a:ea typeface="Cambria Math" panose="02040503050406030204" pitchFamily="18" charset="0"/>
+                          </a:rPr>
+                          <m:t>⋯</m:t>
+                        </m:r>
+                      </m:oMath>
+                    </m:oMathPara>
+                  </a14:m>
+                  <a:endParaRPr lang="en-US" dirty="0"/>
+                </a:p>
+              </p:txBody>
+            </p:sp>
+          </mc:Choice>
+          <mc:Fallback>
+            <p:sp>
+              <p:nvSpPr>
+                <p:cNvPr id="7" name="TextBox 6">
+                  <a:extLst>
+                    <a:ext uri="{FF2B5EF4-FFF2-40B4-BE49-F238E27FC236}">
+                      <a16:creationId xmlns:a16="http://schemas.microsoft.com/office/drawing/2014/main" id="{B220D1F6-E5CE-3105-5DB4-5673D91F117E}"/>
+                    </a:ext>
+                  </a:extLst>
+                </p:cNvPr>
+                <p:cNvSpPr txBox="1">
+                  <a:spLocks noRot="1" noChangeAspect="1" noMove="1" noResize="1" noEditPoints="1" noAdjustHandles="1" noChangeArrowheads="1" noChangeShapeType="1" noTextEdit="1"/>
+                </p:cNvSpPr>
+                <p:nvPr/>
+              </p:nvSpPr>
+              <p:spPr>
+                <a:xfrm>
+                  <a:off x="3972221" y="4262998"/>
+                  <a:ext cx="285127" cy="369332"/>
+                </a:xfrm>
+                <a:prstGeom prst="rect">
+                  <a:avLst/>
+                </a:prstGeom>
+                <a:blipFill>
+                  <a:blip r:embed="rId3"/>
+                  <a:stretch>
+                    <a:fillRect r="-12500"/>
+                  </a:stretch>
+                </a:blipFill>
+              </p:spPr>
+              <p:txBody>
+                <a:bodyPr/>
+                <a:lstStyle/>
+                <a:p>
+                  <a:r>
+                    <a:rPr lang="en-US">
+                      <a:noFill/>
+                    </a:rPr>
+                    <a:t> </a:t>
+                  </a:r>
+                </a:p>
+              </p:txBody>
+            </p:sp>
+          </mc:Fallback>
+        </mc:AlternateContent>
+        <mc:AlternateContent xmlns:mc="http://schemas.openxmlformats.org/markup-compatibility/2006">
+          <mc:Choice xmlns:a14="http://schemas.microsoft.com/office/drawing/2010/main" Requires="a14">
+            <p:sp>
+              <p:nvSpPr>
+                <p:cNvPr id="9" name="TextBox 8">
+                  <a:extLst>
+                    <a:ext uri="{FF2B5EF4-FFF2-40B4-BE49-F238E27FC236}">
+                      <a16:creationId xmlns:a16="http://schemas.microsoft.com/office/drawing/2014/main" id="{959EFC3B-02E8-7BCB-1366-59F50D5C1089}"/>
+                    </a:ext>
+                  </a:extLst>
+                </p:cNvPr>
+                <p:cNvSpPr txBox="1"/>
+                <p:nvPr/>
+              </p:nvSpPr>
+              <p:spPr>
+                <a:xfrm>
+                  <a:off x="1688578" y="4264780"/>
+                  <a:ext cx="285127" cy="369332"/>
+                </a:xfrm>
+                <a:prstGeom prst="rect">
+                  <a:avLst/>
+                </a:prstGeom>
+                <a:noFill/>
+              </p:spPr>
+              <p:txBody>
+                <a:bodyPr wrap="square">
+                  <a:spAutoFit/>
+                </a:bodyPr>
+                <a:lstStyle/>
+                <a:p>
+                  <a:pPr/>
+                  <a14:m>
+                    <m:oMathPara xmlns:m="http://schemas.openxmlformats.org/officeDocument/2006/math">
+                      <m:oMathParaPr>
+                        <m:jc m:val="centerGroup"/>
+                      </m:oMathParaPr>
+                      <m:oMath xmlns:m="http://schemas.openxmlformats.org/officeDocument/2006/math">
+                        <m:r>
+                          <a:rPr lang="en-US" i="1" smtClean="0">
+                            <a:latin typeface="Cambria Math" panose="02040503050406030204" pitchFamily="18" charset="0"/>
+                            <a:ea typeface="Cambria Math" panose="02040503050406030204" pitchFamily="18" charset="0"/>
+                          </a:rPr>
+                          <m:t>⋯</m:t>
+                        </m:r>
+                      </m:oMath>
+                    </m:oMathPara>
+                  </a14:m>
+                  <a:endParaRPr lang="en-US" dirty="0"/>
+                </a:p>
+              </p:txBody>
+            </p:sp>
+          </mc:Choice>
+          <mc:Fallback>
+            <p:sp>
+              <p:nvSpPr>
+                <p:cNvPr id="9" name="TextBox 8">
+                  <a:extLst>
+                    <a:ext uri="{FF2B5EF4-FFF2-40B4-BE49-F238E27FC236}">
+                      <a16:creationId xmlns:a16="http://schemas.microsoft.com/office/drawing/2014/main" id="{959EFC3B-02E8-7BCB-1366-59F50D5C1089}"/>
+                    </a:ext>
+                  </a:extLst>
+                </p:cNvPr>
+                <p:cNvSpPr txBox="1">
+                  <a:spLocks noRot="1" noChangeAspect="1" noMove="1" noResize="1" noEditPoints="1" noAdjustHandles="1" noChangeArrowheads="1" noChangeShapeType="1" noTextEdit="1"/>
+                </p:cNvSpPr>
+                <p:nvPr/>
+              </p:nvSpPr>
+              <p:spPr>
+                <a:xfrm>
+                  <a:off x="1688578" y="4264780"/>
+                  <a:ext cx="285127" cy="369332"/>
+                </a:xfrm>
+                <a:prstGeom prst="rect">
+                  <a:avLst/>
+                </a:prstGeom>
+                <a:blipFill>
+                  <a:blip r:embed="rId4"/>
+                  <a:stretch>
+                    <a:fillRect r="-12500"/>
+                  </a:stretch>
+                </a:blipFill>
+              </p:spPr>
+              <p:txBody>
+                <a:bodyPr/>
+                <a:lstStyle/>
+                <a:p>
+                  <a:r>
+                    <a:rPr lang="en-US">
+                      <a:noFill/>
+                    </a:rPr>
+                    <a:t> </a:t>
+                  </a:r>
+                </a:p>
+              </p:txBody>
+            </p:sp>
+          </mc:Fallback>
+        </mc:AlternateContent>
+        <mc:AlternateContent xmlns:mc="http://schemas.openxmlformats.org/markup-compatibility/2006">
+          <mc:Choice xmlns:a14="http://schemas.microsoft.com/office/drawing/2010/main" Requires="a14">
+            <p:sp>
+              <p:nvSpPr>
+                <p:cNvPr id="11" name="TextBox 10">
+                  <a:extLst>
+                    <a:ext uri="{FF2B5EF4-FFF2-40B4-BE49-F238E27FC236}">
+                      <a16:creationId xmlns:a16="http://schemas.microsoft.com/office/drawing/2014/main" id="{0D6703E1-96D7-B2DD-AD31-41C3260617C0}"/>
+                    </a:ext>
+                  </a:extLst>
+                </p:cNvPr>
+                <p:cNvSpPr txBox="1"/>
+                <p:nvPr/>
+              </p:nvSpPr>
+              <p:spPr>
+                <a:xfrm>
+                  <a:off x="2795213" y="4268988"/>
+                  <a:ext cx="377884" cy="369332"/>
+                </a:xfrm>
+                <a:prstGeom prst="rect">
+                  <a:avLst/>
+                </a:prstGeom>
+                <a:noFill/>
+              </p:spPr>
+              <p:txBody>
+                <a:bodyPr wrap="square">
+                  <a:spAutoFit/>
+                </a:bodyPr>
+                <a:lstStyle/>
+                <a:p>
+                  <a:pPr/>
+                  <a14:m>
+                    <m:oMathPara xmlns:m="http://schemas.openxmlformats.org/officeDocument/2006/math">
+                      <m:oMathParaPr>
+                        <m:jc m:val="centerGroup"/>
+                      </m:oMathParaPr>
+                      <m:oMath xmlns:m="http://schemas.openxmlformats.org/officeDocument/2006/math">
+                        <m:r>
+                          <a:rPr lang="en-US" i="1" smtClean="0">
+                            <a:latin typeface="Cambria Math" panose="02040503050406030204" pitchFamily="18" charset="0"/>
+                            <a:ea typeface="Cambria Math" panose="02040503050406030204" pitchFamily="18" charset="0"/>
+                          </a:rPr>
+                          <m:t>⋯</m:t>
+                        </m:r>
+                      </m:oMath>
+                    </m:oMathPara>
+                  </a14:m>
+                  <a:endParaRPr lang="en-US" dirty="0"/>
+                </a:p>
+              </p:txBody>
+            </p:sp>
+          </mc:Choice>
+          <mc:Fallback>
+            <p:sp>
+              <p:nvSpPr>
+                <p:cNvPr id="11" name="TextBox 10">
+                  <a:extLst>
+                    <a:ext uri="{FF2B5EF4-FFF2-40B4-BE49-F238E27FC236}">
+                      <a16:creationId xmlns:a16="http://schemas.microsoft.com/office/drawing/2014/main" id="{0D6703E1-96D7-B2DD-AD31-41C3260617C0}"/>
+                    </a:ext>
+                  </a:extLst>
+                </p:cNvPr>
+                <p:cNvSpPr txBox="1">
+                  <a:spLocks noRot="1" noChangeAspect="1" noMove="1" noResize="1" noEditPoints="1" noAdjustHandles="1" noChangeArrowheads="1" noChangeShapeType="1" noTextEdit="1"/>
+                </p:cNvSpPr>
+                <p:nvPr/>
+              </p:nvSpPr>
+              <p:spPr>
+                <a:xfrm>
+                  <a:off x="2795213" y="4268988"/>
+                  <a:ext cx="377884" cy="369332"/>
+                </a:xfrm>
+                <a:prstGeom prst="rect">
+                  <a:avLst/>
+                </a:prstGeom>
+                <a:blipFill>
+                  <a:blip r:embed="rId5"/>
+                  <a:stretch>
+                    <a:fillRect/>
+                  </a:stretch>
+                </a:blipFill>
+              </p:spPr>
+              <p:txBody>
+                <a:bodyPr/>
+                <a:lstStyle/>
+                <a:p>
+                  <a:r>
+                    <a:rPr lang="en-US">
+                      <a:noFill/>
+                    </a:rPr>
+                    <a:t> </a:t>
+                  </a:r>
+                </a:p>
+              </p:txBody>
+            </p:sp>
+          </mc:Fallback>
+        </mc:AlternateContent>
+      </p:grpSp>
     </p:spTree>
     <p:extLst>
       <p:ext uri="{BB962C8B-B14F-4D97-AF65-F5344CB8AC3E}">
@@ -9549,8 +9803,8 @@
           </a:p>
         </p:txBody>
       </p:sp>
-      <mc:AlternateContent xmlns:mc="http://schemas.openxmlformats.org/markup-compatibility/2006">
-        <mc:Choice xmlns:a14="http://schemas.microsoft.com/office/drawing/2010/main" Requires="a14">
+      <mc:AlternateContent xmlns:mc="http://schemas.openxmlformats.org/markup-compatibility/2006" xmlns:a14="http://schemas.microsoft.com/office/drawing/2010/main">
+        <mc:Choice Requires="a14">
           <p:sp>
             <p:nvSpPr>
               <p:cNvPr id="84" name="TextBox 83">
@@ -9823,7 +10077,7 @@
             </p:txBody>
           </p:sp>
         </mc:Choice>
-        <mc:Fallback>
+        <mc:Fallback xmlns="">
           <p:sp>
             <p:nvSpPr>
               <p:cNvPr id="84" name="TextBox 83">
@@ -9868,6 +10122,414 @@
           </p:sp>
         </mc:Fallback>
       </mc:AlternateContent>
+      <p:grpSp>
+        <p:nvGrpSpPr>
+          <p:cNvPr id="3" name="Group 2">
+            <a:extLst>
+              <a:ext uri="{FF2B5EF4-FFF2-40B4-BE49-F238E27FC236}">
+                <a16:creationId xmlns:a16="http://schemas.microsoft.com/office/drawing/2014/main" id="{EDD8094B-CF85-BF0C-69AD-B256BEDFE064}"/>
+              </a:ext>
+            </a:extLst>
+          </p:cNvPr>
+          <p:cNvGrpSpPr/>
+          <p:nvPr/>
+        </p:nvGrpSpPr>
+        <p:grpSpPr>
+          <a:xfrm>
+            <a:off x="3106230" y="3673545"/>
+            <a:ext cx="2568770" cy="1394547"/>
+            <a:chOff x="1688578" y="3243773"/>
+            <a:chExt cx="2568770" cy="1394547"/>
+          </a:xfrm>
+        </p:grpSpPr>
+        <mc:AlternateContent xmlns:mc="http://schemas.openxmlformats.org/markup-compatibility/2006">
+          <mc:Choice xmlns:a14="http://schemas.microsoft.com/office/drawing/2010/main" Requires="a14">
+            <p:sp>
+              <p:nvSpPr>
+                <p:cNvPr id="4" name="TextBox 3">
+                  <a:extLst>
+                    <a:ext uri="{FF2B5EF4-FFF2-40B4-BE49-F238E27FC236}">
+                      <a16:creationId xmlns:a16="http://schemas.microsoft.com/office/drawing/2014/main" id="{FF7F5ED6-6BB4-E4F9-620E-CD1FF46425D0}"/>
+                    </a:ext>
+                  </a:extLst>
+                </p:cNvPr>
+                <p:cNvSpPr txBox="1"/>
+                <p:nvPr/>
+              </p:nvSpPr>
+              <p:spPr>
+                <a:xfrm>
+                  <a:off x="2859121" y="3243773"/>
+                  <a:ext cx="250068" cy="276999"/>
+                </a:xfrm>
+                <a:prstGeom prst="rect">
+                  <a:avLst/>
+                </a:prstGeom>
+                <a:noFill/>
+              </p:spPr>
+              <p:txBody>
+                <a:bodyPr wrap="none" lIns="0" tIns="0" rIns="0" bIns="0" rtlCol="0">
+                  <a:spAutoFit/>
+                </a:bodyPr>
+                <a:lstStyle/>
+                <a:p>
+                  <a14:m>
+                    <m:oMathPara xmlns:m="http://schemas.openxmlformats.org/officeDocument/2006/math">
+                      <m:oMathParaPr>
+                        <m:jc m:val="centerGroup"/>
+                      </m:oMathParaPr>
+                      <m:oMath xmlns:m="http://schemas.openxmlformats.org/officeDocument/2006/math">
+                        <m:r>
+                          <a:rPr lang="en-US" i="1" smtClean="0">
+                            <a:latin typeface="Cambria Math" panose="02040503050406030204" pitchFamily="18" charset="0"/>
+                            <a:ea typeface="Cambria Math" panose="02040503050406030204" pitchFamily="18" charset="0"/>
+                          </a:rPr>
+                          <m:t>⋯</m:t>
+                        </m:r>
+                      </m:oMath>
+                    </m:oMathPara>
+                  </a14:m>
+                  <a:endParaRPr lang="en-US" dirty="0"/>
+                </a:p>
+              </p:txBody>
+            </p:sp>
+          </mc:Choice>
+          <mc:Fallback>
+            <p:sp>
+              <p:nvSpPr>
+                <p:cNvPr id="4" name="TextBox 3">
+                  <a:extLst>
+                    <a:ext uri="{FF2B5EF4-FFF2-40B4-BE49-F238E27FC236}">
+                      <a16:creationId xmlns:a16="http://schemas.microsoft.com/office/drawing/2014/main" id="{FF7F5ED6-6BB4-E4F9-620E-CD1FF46425D0}"/>
+                    </a:ext>
+                  </a:extLst>
+                </p:cNvPr>
+                <p:cNvSpPr txBox="1">
+                  <a:spLocks noRot="1" noChangeAspect="1" noMove="1" noResize="1" noEditPoints="1" noAdjustHandles="1" noChangeArrowheads="1" noChangeShapeType="1" noTextEdit="1"/>
+                </p:cNvSpPr>
+                <p:nvPr/>
+              </p:nvSpPr>
+              <p:spPr>
+                <a:xfrm>
+                  <a:off x="2859121" y="3243773"/>
+                  <a:ext cx="250068" cy="276999"/>
+                </a:xfrm>
+                <a:prstGeom prst="rect">
+                  <a:avLst/>
+                </a:prstGeom>
+                <a:blipFill>
+                  <a:blip r:embed="rId4"/>
+                  <a:stretch>
+                    <a:fillRect l="-4762" r="-4762"/>
+                  </a:stretch>
+                </a:blipFill>
+              </p:spPr>
+              <p:txBody>
+                <a:bodyPr/>
+                <a:lstStyle/>
+                <a:p>
+                  <a:r>
+                    <a:rPr lang="en-US">
+                      <a:noFill/>
+                    </a:rPr>
+                    <a:t> </a:t>
+                  </a:r>
+                </a:p>
+              </p:txBody>
+            </p:sp>
+          </mc:Fallback>
+        </mc:AlternateContent>
+        <mc:AlternateContent xmlns:mc="http://schemas.openxmlformats.org/markup-compatibility/2006">
+          <mc:Choice xmlns:a14="http://schemas.microsoft.com/office/drawing/2010/main" Requires="a14">
+            <p:sp>
+              <p:nvSpPr>
+                <p:cNvPr id="5" name="TextBox 4">
+                  <a:extLst>
+                    <a:ext uri="{FF2B5EF4-FFF2-40B4-BE49-F238E27FC236}">
+                      <a16:creationId xmlns:a16="http://schemas.microsoft.com/office/drawing/2014/main" id="{34A743BE-AD39-0CDB-0801-D26E86A036EF}"/>
+                    </a:ext>
+                  </a:extLst>
+                </p:cNvPr>
+                <p:cNvSpPr txBox="1"/>
+                <p:nvPr/>
+              </p:nvSpPr>
+              <p:spPr>
+                <a:xfrm>
+                  <a:off x="3972221" y="4262998"/>
+                  <a:ext cx="285127" cy="369332"/>
+                </a:xfrm>
+                <a:prstGeom prst="rect">
+                  <a:avLst/>
+                </a:prstGeom>
+                <a:noFill/>
+              </p:spPr>
+              <p:txBody>
+                <a:bodyPr wrap="square">
+                  <a:spAutoFit/>
+                </a:bodyPr>
+                <a:lstStyle/>
+                <a:p>
+                  <a:pPr/>
+                  <a14:m>
+                    <m:oMathPara xmlns:m="http://schemas.openxmlformats.org/officeDocument/2006/math">
+                      <m:oMathParaPr>
+                        <m:jc m:val="centerGroup"/>
+                      </m:oMathParaPr>
+                      <m:oMath xmlns:m="http://schemas.openxmlformats.org/officeDocument/2006/math">
+                        <m:r>
+                          <a:rPr lang="en-US" i="1" smtClean="0">
+                            <a:latin typeface="Cambria Math" panose="02040503050406030204" pitchFamily="18" charset="0"/>
+                            <a:ea typeface="Cambria Math" panose="02040503050406030204" pitchFamily="18" charset="0"/>
+                          </a:rPr>
+                          <m:t>⋯</m:t>
+                        </m:r>
+                      </m:oMath>
+                    </m:oMathPara>
+                  </a14:m>
+                  <a:endParaRPr lang="en-US" dirty="0"/>
+                </a:p>
+              </p:txBody>
+            </p:sp>
+          </mc:Choice>
+          <mc:Fallback>
+            <p:sp>
+              <p:nvSpPr>
+                <p:cNvPr id="5" name="TextBox 4">
+                  <a:extLst>
+                    <a:ext uri="{FF2B5EF4-FFF2-40B4-BE49-F238E27FC236}">
+                      <a16:creationId xmlns:a16="http://schemas.microsoft.com/office/drawing/2014/main" id="{34A743BE-AD39-0CDB-0801-D26E86A036EF}"/>
+                    </a:ext>
+                  </a:extLst>
+                </p:cNvPr>
+                <p:cNvSpPr txBox="1">
+                  <a:spLocks noRot="1" noChangeAspect="1" noMove="1" noResize="1" noEditPoints="1" noAdjustHandles="1" noChangeArrowheads="1" noChangeShapeType="1" noTextEdit="1"/>
+                </p:cNvSpPr>
+                <p:nvPr/>
+              </p:nvSpPr>
+              <p:spPr>
+                <a:xfrm>
+                  <a:off x="3972221" y="4262998"/>
+                  <a:ext cx="285127" cy="369332"/>
+                </a:xfrm>
+                <a:prstGeom prst="rect">
+                  <a:avLst/>
+                </a:prstGeom>
+                <a:blipFill>
+                  <a:blip r:embed="rId5"/>
+                  <a:stretch>
+                    <a:fillRect r="-17391"/>
+                  </a:stretch>
+                </a:blipFill>
+              </p:spPr>
+              <p:txBody>
+                <a:bodyPr/>
+                <a:lstStyle/>
+                <a:p>
+                  <a:r>
+                    <a:rPr lang="en-US">
+                      <a:noFill/>
+                    </a:rPr>
+                    <a:t> </a:t>
+                  </a:r>
+                </a:p>
+              </p:txBody>
+            </p:sp>
+          </mc:Fallback>
+        </mc:AlternateContent>
+        <mc:AlternateContent xmlns:mc="http://schemas.openxmlformats.org/markup-compatibility/2006">
+          <mc:Choice xmlns:a14="http://schemas.microsoft.com/office/drawing/2010/main" Requires="a14">
+            <p:sp>
+              <p:nvSpPr>
+                <p:cNvPr id="11" name="TextBox 10">
+                  <a:extLst>
+                    <a:ext uri="{FF2B5EF4-FFF2-40B4-BE49-F238E27FC236}">
+                      <a16:creationId xmlns:a16="http://schemas.microsoft.com/office/drawing/2014/main" id="{F2E14A45-BB43-DA92-689D-57770B873305}"/>
+                    </a:ext>
+                  </a:extLst>
+                </p:cNvPr>
+                <p:cNvSpPr txBox="1"/>
+                <p:nvPr/>
+              </p:nvSpPr>
+              <p:spPr>
+                <a:xfrm>
+                  <a:off x="1688578" y="4264780"/>
+                  <a:ext cx="285127" cy="369332"/>
+                </a:xfrm>
+                <a:prstGeom prst="rect">
+                  <a:avLst/>
+                </a:prstGeom>
+                <a:noFill/>
+              </p:spPr>
+              <p:txBody>
+                <a:bodyPr wrap="square">
+                  <a:spAutoFit/>
+                </a:bodyPr>
+                <a:lstStyle/>
+                <a:p>
+                  <a:pPr/>
+                  <a14:m>
+                    <m:oMathPara xmlns:m="http://schemas.openxmlformats.org/officeDocument/2006/math">
+                      <m:oMathParaPr>
+                        <m:jc m:val="centerGroup"/>
+                      </m:oMathParaPr>
+                      <m:oMath xmlns:m="http://schemas.openxmlformats.org/officeDocument/2006/math">
+                        <m:r>
+                          <a:rPr lang="en-US" i="1" smtClean="0">
+                            <a:latin typeface="Cambria Math" panose="02040503050406030204" pitchFamily="18" charset="0"/>
+                            <a:ea typeface="Cambria Math" panose="02040503050406030204" pitchFamily="18" charset="0"/>
+                          </a:rPr>
+                          <m:t>⋯</m:t>
+                        </m:r>
+                      </m:oMath>
+                    </m:oMathPara>
+                  </a14:m>
+                  <a:endParaRPr lang="en-US" dirty="0"/>
+                </a:p>
+              </p:txBody>
+            </p:sp>
+          </mc:Choice>
+          <mc:Fallback>
+            <p:sp>
+              <p:nvSpPr>
+                <p:cNvPr id="11" name="TextBox 10">
+                  <a:extLst>
+                    <a:ext uri="{FF2B5EF4-FFF2-40B4-BE49-F238E27FC236}">
+                      <a16:creationId xmlns:a16="http://schemas.microsoft.com/office/drawing/2014/main" id="{F2E14A45-BB43-DA92-689D-57770B873305}"/>
+                    </a:ext>
+                  </a:extLst>
+                </p:cNvPr>
+                <p:cNvSpPr txBox="1">
+                  <a:spLocks noRot="1" noChangeAspect="1" noMove="1" noResize="1" noEditPoints="1" noAdjustHandles="1" noChangeArrowheads="1" noChangeShapeType="1" noTextEdit="1"/>
+                </p:cNvSpPr>
+                <p:nvPr/>
+              </p:nvSpPr>
+              <p:spPr>
+                <a:xfrm>
+                  <a:off x="1688578" y="4264780"/>
+                  <a:ext cx="285127" cy="369332"/>
+                </a:xfrm>
+                <a:prstGeom prst="rect">
+                  <a:avLst/>
+                </a:prstGeom>
+                <a:blipFill>
+                  <a:blip r:embed="rId6"/>
+                  <a:stretch>
+                    <a:fillRect r="-17391"/>
+                  </a:stretch>
+                </a:blipFill>
+              </p:spPr>
+              <p:txBody>
+                <a:bodyPr/>
+                <a:lstStyle/>
+                <a:p>
+                  <a:r>
+                    <a:rPr lang="en-US">
+                      <a:noFill/>
+                    </a:rPr>
+                    <a:t> </a:t>
+                  </a:r>
+                </a:p>
+              </p:txBody>
+            </p:sp>
+          </mc:Fallback>
+        </mc:AlternateContent>
+        <mc:AlternateContent xmlns:mc="http://schemas.openxmlformats.org/markup-compatibility/2006">
+          <mc:Choice xmlns:a14="http://schemas.microsoft.com/office/drawing/2010/main" Requires="a14">
+            <p:sp>
+              <p:nvSpPr>
+                <p:cNvPr id="12" name="TextBox 11">
+                  <a:extLst>
+                    <a:ext uri="{FF2B5EF4-FFF2-40B4-BE49-F238E27FC236}">
+                      <a16:creationId xmlns:a16="http://schemas.microsoft.com/office/drawing/2014/main" id="{C22CB3F5-788E-7CAD-2EE6-FC3AEA35037E}"/>
+                    </a:ext>
+                  </a:extLst>
+                </p:cNvPr>
+                <p:cNvSpPr txBox="1"/>
+                <p:nvPr/>
+              </p:nvSpPr>
+              <p:spPr>
+                <a:xfrm>
+                  <a:off x="2795213" y="4268988"/>
+                  <a:ext cx="377884" cy="369332"/>
+                </a:xfrm>
+                <a:prstGeom prst="rect">
+                  <a:avLst/>
+                </a:prstGeom>
+                <a:noFill/>
+              </p:spPr>
+              <p:txBody>
+                <a:bodyPr wrap="square">
+                  <a:spAutoFit/>
+                </a:bodyPr>
+                <a:lstStyle/>
+                <a:p>
+                  <a:pPr/>
+                  <a14:m>
+                    <m:oMathPara xmlns:m="http://schemas.openxmlformats.org/officeDocument/2006/math">
+                      <m:oMathParaPr>
+                        <m:jc m:val="centerGroup"/>
+                      </m:oMathParaPr>
+                      <m:oMath xmlns:m="http://schemas.openxmlformats.org/officeDocument/2006/math">
+                        <m:r>
+                          <a:rPr lang="en-US" i="1" smtClean="0">
+                            <a:latin typeface="Cambria Math" panose="02040503050406030204" pitchFamily="18" charset="0"/>
+                            <a:ea typeface="Cambria Math" panose="02040503050406030204" pitchFamily="18" charset="0"/>
+                          </a:rPr>
+                          <m:t>⋯</m:t>
+                        </m:r>
+                      </m:oMath>
+                    </m:oMathPara>
+                  </a14:m>
+                  <a:endParaRPr lang="en-US" dirty="0"/>
+                </a:p>
+              </p:txBody>
+            </p:sp>
+          </mc:Choice>
+          <mc:Fallback>
+            <p:sp>
+              <p:nvSpPr>
+                <p:cNvPr id="12" name="TextBox 11">
+                  <a:extLst>
+                    <a:ext uri="{FF2B5EF4-FFF2-40B4-BE49-F238E27FC236}">
+                      <a16:creationId xmlns:a16="http://schemas.microsoft.com/office/drawing/2014/main" id="{C22CB3F5-788E-7CAD-2EE6-FC3AEA35037E}"/>
+                    </a:ext>
+                  </a:extLst>
+                </p:cNvPr>
+                <p:cNvSpPr txBox="1">
+                  <a:spLocks noRot="1" noChangeAspect="1" noMove="1" noResize="1" noEditPoints="1" noAdjustHandles="1" noChangeArrowheads="1" noChangeShapeType="1" noTextEdit="1"/>
+                </p:cNvSpPr>
+                <p:nvPr/>
+              </p:nvSpPr>
+              <p:spPr>
+                <a:xfrm>
+                  <a:off x="2795213" y="4268988"/>
+                  <a:ext cx="377884" cy="369332"/>
+                </a:xfrm>
+                <a:prstGeom prst="rect">
+                  <a:avLst/>
+                </a:prstGeom>
+                <a:blipFill>
+                  <a:blip r:embed="rId7"/>
+                  <a:stretch>
+                    <a:fillRect/>
+                  </a:stretch>
+                </a:blipFill>
+              </p:spPr>
+              <p:txBody>
+                <a:bodyPr/>
+                <a:lstStyle/>
+                <a:p>
+                  <a:r>
+                    <a:rPr lang="en-US">
+                      <a:noFill/>
+                    </a:rPr>
+                    <a:t> </a:t>
+                  </a:r>
+                </a:p>
+              </p:txBody>
+            </p:sp>
+          </mc:Fallback>
+        </mc:AlternateContent>
+      </p:grpSp>
     </p:spTree>
     <p:extLst>
       <p:ext uri="{BB962C8B-B14F-4D97-AF65-F5344CB8AC3E}">
@@ -11504,6 +12166,414 @@
           </a:p>
         </p:txBody>
       </p:sp>
+      <p:grpSp>
+        <p:nvGrpSpPr>
+          <p:cNvPr id="4" name="Group 3">
+            <a:extLst>
+              <a:ext uri="{FF2B5EF4-FFF2-40B4-BE49-F238E27FC236}">
+                <a16:creationId xmlns:a16="http://schemas.microsoft.com/office/drawing/2014/main" id="{B45AD568-DEF1-3E71-F9D0-7FFFFA2004AC}"/>
+              </a:ext>
+            </a:extLst>
+          </p:cNvPr>
+          <p:cNvGrpSpPr/>
+          <p:nvPr/>
+        </p:nvGrpSpPr>
+        <p:grpSpPr>
+          <a:xfrm>
+            <a:off x="3058223" y="3449486"/>
+            <a:ext cx="2568770" cy="1394547"/>
+            <a:chOff x="1688578" y="3243773"/>
+            <a:chExt cx="2568770" cy="1394547"/>
+          </a:xfrm>
+        </p:grpSpPr>
+        <mc:AlternateContent xmlns:mc="http://schemas.openxmlformats.org/markup-compatibility/2006">
+          <mc:Choice xmlns:a14="http://schemas.microsoft.com/office/drawing/2010/main" Requires="a14">
+            <p:sp>
+              <p:nvSpPr>
+                <p:cNvPr id="6" name="TextBox 5">
+                  <a:extLst>
+                    <a:ext uri="{FF2B5EF4-FFF2-40B4-BE49-F238E27FC236}">
+                      <a16:creationId xmlns:a16="http://schemas.microsoft.com/office/drawing/2014/main" id="{C581B4C3-2F1E-31BA-5822-791D18B36E40}"/>
+                    </a:ext>
+                  </a:extLst>
+                </p:cNvPr>
+                <p:cNvSpPr txBox="1"/>
+                <p:nvPr/>
+              </p:nvSpPr>
+              <p:spPr>
+                <a:xfrm>
+                  <a:off x="2859121" y="3243773"/>
+                  <a:ext cx="250068" cy="276999"/>
+                </a:xfrm>
+                <a:prstGeom prst="rect">
+                  <a:avLst/>
+                </a:prstGeom>
+                <a:noFill/>
+              </p:spPr>
+              <p:txBody>
+                <a:bodyPr wrap="none" lIns="0" tIns="0" rIns="0" bIns="0" rtlCol="0">
+                  <a:spAutoFit/>
+                </a:bodyPr>
+                <a:lstStyle/>
+                <a:p>
+                  <a14:m>
+                    <m:oMathPara xmlns:m="http://schemas.openxmlformats.org/officeDocument/2006/math">
+                      <m:oMathParaPr>
+                        <m:jc m:val="centerGroup"/>
+                      </m:oMathParaPr>
+                      <m:oMath xmlns:m="http://schemas.openxmlformats.org/officeDocument/2006/math">
+                        <m:r>
+                          <a:rPr lang="en-US" i="1" smtClean="0">
+                            <a:latin typeface="Cambria Math" panose="02040503050406030204" pitchFamily="18" charset="0"/>
+                            <a:ea typeface="Cambria Math" panose="02040503050406030204" pitchFamily="18" charset="0"/>
+                          </a:rPr>
+                          <m:t>⋯</m:t>
+                        </m:r>
+                      </m:oMath>
+                    </m:oMathPara>
+                  </a14:m>
+                  <a:endParaRPr lang="en-US" dirty="0"/>
+                </a:p>
+              </p:txBody>
+            </p:sp>
+          </mc:Choice>
+          <mc:Fallback>
+            <p:sp>
+              <p:nvSpPr>
+                <p:cNvPr id="6" name="TextBox 5">
+                  <a:extLst>
+                    <a:ext uri="{FF2B5EF4-FFF2-40B4-BE49-F238E27FC236}">
+                      <a16:creationId xmlns:a16="http://schemas.microsoft.com/office/drawing/2014/main" id="{C581B4C3-2F1E-31BA-5822-791D18B36E40}"/>
+                    </a:ext>
+                  </a:extLst>
+                </p:cNvPr>
+                <p:cNvSpPr txBox="1">
+                  <a:spLocks noRot="1" noChangeAspect="1" noMove="1" noResize="1" noEditPoints="1" noAdjustHandles="1" noChangeArrowheads="1" noChangeShapeType="1" noTextEdit="1"/>
+                </p:cNvSpPr>
+                <p:nvPr/>
+              </p:nvSpPr>
+              <p:spPr>
+                <a:xfrm>
+                  <a:off x="2859121" y="3243773"/>
+                  <a:ext cx="250068" cy="276999"/>
+                </a:xfrm>
+                <a:prstGeom prst="rect">
+                  <a:avLst/>
+                </a:prstGeom>
+                <a:blipFill>
+                  <a:blip r:embed="rId4"/>
+                  <a:stretch>
+                    <a:fillRect l="-10000" r="-5000"/>
+                  </a:stretch>
+                </a:blipFill>
+              </p:spPr>
+              <p:txBody>
+                <a:bodyPr/>
+                <a:lstStyle/>
+                <a:p>
+                  <a:r>
+                    <a:rPr lang="en-US">
+                      <a:noFill/>
+                    </a:rPr>
+                    <a:t> </a:t>
+                  </a:r>
+                </a:p>
+              </p:txBody>
+            </p:sp>
+          </mc:Fallback>
+        </mc:AlternateContent>
+        <mc:AlternateContent xmlns:mc="http://schemas.openxmlformats.org/markup-compatibility/2006">
+          <mc:Choice xmlns:a14="http://schemas.microsoft.com/office/drawing/2010/main" Requires="a14">
+            <p:sp>
+              <p:nvSpPr>
+                <p:cNvPr id="7" name="TextBox 6">
+                  <a:extLst>
+                    <a:ext uri="{FF2B5EF4-FFF2-40B4-BE49-F238E27FC236}">
+                      <a16:creationId xmlns:a16="http://schemas.microsoft.com/office/drawing/2014/main" id="{6A6817B5-6FEC-45E7-9634-031208143F31}"/>
+                    </a:ext>
+                  </a:extLst>
+                </p:cNvPr>
+                <p:cNvSpPr txBox="1"/>
+                <p:nvPr/>
+              </p:nvSpPr>
+              <p:spPr>
+                <a:xfrm>
+                  <a:off x="3972221" y="4262998"/>
+                  <a:ext cx="285127" cy="369332"/>
+                </a:xfrm>
+                <a:prstGeom prst="rect">
+                  <a:avLst/>
+                </a:prstGeom>
+                <a:noFill/>
+              </p:spPr>
+              <p:txBody>
+                <a:bodyPr wrap="square">
+                  <a:spAutoFit/>
+                </a:bodyPr>
+                <a:lstStyle/>
+                <a:p>
+                  <a:pPr/>
+                  <a14:m>
+                    <m:oMathPara xmlns:m="http://schemas.openxmlformats.org/officeDocument/2006/math">
+                      <m:oMathParaPr>
+                        <m:jc m:val="centerGroup"/>
+                      </m:oMathParaPr>
+                      <m:oMath xmlns:m="http://schemas.openxmlformats.org/officeDocument/2006/math">
+                        <m:r>
+                          <a:rPr lang="en-US" i="1" smtClean="0">
+                            <a:latin typeface="Cambria Math" panose="02040503050406030204" pitchFamily="18" charset="0"/>
+                            <a:ea typeface="Cambria Math" panose="02040503050406030204" pitchFamily="18" charset="0"/>
+                          </a:rPr>
+                          <m:t>⋯</m:t>
+                        </m:r>
+                      </m:oMath>
+                    </m:oMathPara>
+                  </a14:m>
+                  <a:endParaRPr lang="en-US" dirty="0"/>
+                </a:p>
+              </p:txBody>
+            </p:sp>
+          </mc:Choice>
+          <mc:Fallback>
+            <p:sp>
+              <p:nvSpPr>
+                <p:cNvPr id="7" name="TextBox 6">
+                  <a:extLst>
+                    <a:ext uri="{FF2B5EF4-FFF2-40B4-BE49-F238E27FC236}">
+                      <a16:creationId xmlns:a16="http://schemas.microsoft.com/office/drawing/2014/main" id="{6A6817B5-6FEC-45E7-9634-031208143F31}"/>
+                    </a:ext>
+                  </a:extLst>
+                </p:cNvPr>
+                <p:cNvSpPr txBox="1">
+                  <a:spLocks noRot="1" noChangeAspect="1" noMove="1" noResize="1" noEditPoints="1" noAdjustHandles="1" noChangeArrowheads="1" noChangeShapeType="1" noTextEdit="1"/>
+                </p:cNvSpPr>
+                <p:nvPr/>
+              </p:nvSpPr>
+              <p:spPr>
+                <a:xfrm>
+                  <a:off x="3972221" y="4262998"/>
+                  <a:ext cx="285127" cy="369332"/>
+                </a:xfrm>
+                <a:prstGeom prst="rect">
+                  <a:avLst/>
+                </a:prstGeom>
+                <a:blipFill>
+                  <a:blip r:embed="rId5"/>
+                  <a:stretch>
+                    <a:fillRect r="-12500"/>
+                  </a:stretch>
+                </a:blipFill>
+              </p:spPr>
+              <p:txBody>
+                <a:bodyPr/>
+                <a:lstStyle/>
+                <a:p>
+                  <a:r>
+                    <a:rPr lang="en-US">
+                      <a:noFill/>
+                    </a:rPr>
+                    <a:t> </a:t>
+                  </a:r>
+                </a:p>
+              </p:txBody>
+            </p:sp>
+          </mc:Fallback>
+        </mc:AlternateContent>
+        <mc:AlternateContent xmlns:mc="http://schemas.openxmlformats.org/markup-compatibility/2006">
+          <mc:Choice xmlns:a14="http://schemas.microsoft.com/office/drawing/2010/main" Requires="a14">
+            <p:sp>
+              <p:nvSpPr>
+                <p:cNvPr id="8" name="TextBox 7">
+                  <a:extLst>
+                    <a:ext uri="{FF2B5EF4-FFF2-40B4-BE49-F238E27FC236}">
+                      <a16:creationId xmlns:a16="http://schemas.microsoft.com/office/drawing/2014/main" id="{F5DBF0F3-2114-4546-EB36-829642946D6D}"/>
+                    </a:ext>
+                  </a:extLst>
+                </p:cNvPr>
+                <p:cNvSpPr txBox="1"/>
+                <p:nvPr/>
+              </p:nvSpPr>
+              <p:spPr>
+                <a:xfrm>
+                  <a:off x="1688578" y="4264780"/>
+                  <a:ext cx="285127" cy="369332"/>
+                </a:xfrm>
+                <a:prstGeom prst="rect">
+                  <a:avLst/>
+                </a:prstGeom>
+                <a:noFill/>
+              </p:spPr>
+              <p:txBody>
+                <a:bodyPr wrap="square">
+                  <a:spAutoFit/>
+                </a:bodyPr>
+                <a:lstStyle/>
+                <a:p>
+                  <a:pPr/>
+                  <a14:m>
+                    <m:oMathPara xmlns:m="http://schemas.openxmlformats.org/officeDocument/2006/math">
+                      <m:oMathParaPr>
+                        <m:jc m:val="centerGroup"/>
+                      </m:oMathParaPr>
+                      <m:oMath xmlns:m="http://schemas.openxmlformats.org/officeDocument/2006/math">
+                        <m:r>
+                          <a:rPr lang="en-US" i="1" smtClean="0">
+                            <a:latin typeface="Cambria Math" panose="02040503050406030204" pitchFamily="18" charset="0"/>
+                            <a:ea typeface="Cambria Math" panose="02040503050406030204" pitchFamily="18" charset="0"/>
+                          </a:rPr>
+                          <m:t>⋯</m:t>
+                        </m:r>
+                      </m:oMath>
+                    </m:oMathPara>
+                  </a14:m>
+                  <a:endParaRPr lang="en-US" dirty="0"/>
+                </a:p>
+              </p:txBody>
+            </p:sp>
+          </mc:Choice>
+          <mc:Fallback>
+            <p:sp>
+              <p:nvSpPr>
+                <p:cNvPr id="8" name="TextBox 7">
+                  <a:extLst>
+                    <a:ext uri="{FF2B5EF4-FFF2-40B4-BE49-F238E27FC236}">
+                      <a16:creationId xmlns:a16="http://schemas.microsoft.com/office/drawing/2014/main" id="{F5DBF0F3-2114-4546-EB36-829642946D6D}"/>
+                    </a:ext>
+                  </a:extLst>
+                </p:cNvPr>
+                <p:cNvSpPr txBox="1">
+                  <a:spLocks noRot="1" noChangeAspect="1" noMove="1" noResize="1" noEditPoints="1" noAdjustHandles="1" noChangeArrowheads="1" noChangeShapeType="1" noTextEdit="1"/>
+                </p:cNvSpPr>
+                <p:nvPr/>
+              </p:nvSpPr>
+              <p:spPr>
+                <a:xfrm>
+                  <a:off x="1688578" y="4264780"/>
+                  <a:ext cx="285127" cy="369332"/>
+                </a:xfrm>
+                <a:prstGeom prst="rect">
+                  <a:avLst/>
+                </a:prstGeom>
+                <a:blipFill>
+                  <a:blip r:embed="rId5"/>
+                  <a:stretch>
+                    <a:fillRect r="-12500"/>
+                  </a:stretch>
+                </a:blipFill>
+              </p:spPr>
+              <p:txBody>
+                <a:bodyPr/>
+                <a:lstStyle/>
+                <a:p>
+                  <a:r>
+                    <a:rPr lang="en-US">
+                      <a:noFill/>
+                    </a:rPr>
+                    <a:t> </a:t>
+                  </a:r>
+                </a:p>
+              </p:txBody>
+            </p:sp>
+          </mc:Fallback>
+        </mc:AlternateContent>
+        <mc:AlternateContent xmlns:mc="http://schemas.openxmlformats.org/markup-compatibility/2006">
+          <mc:Choice xmlns:a14="http://schemas.microsoft.com/office/drawing/2010/main" Requires="a14">
+            <p:sp>
+              <p:nvSpPr>
+                <p:cNvPr id="9" name="TextBox 8">
+                  <a:extLst>
+                    <a:ext uri="{FF2B5EF4-FFF2-40B4-BE49-F238E27FC236}">
+                      <a16:creationId xmlns:a16="http://schemas.microsoft.com/office/drawing/2014/main" id="{A4CAD9C6-6EF8-1F25-4D88-CE120DB43E3E}"/>
+                    </a:ext>
+                  </a:extLst>
+                </p:cNvPr>
+                <p:cNvSpPr txBox="1"/>
+                <p:nvPr/>
+              </p:nvSpPr>
+              <p:spPr>
+                <a:xfrm>
+                  <a:off x="2795213" y="4268988"/>
+                  <a:ext cx="377884" cy="369332"/>
+                </a:xfrm>
+                <a:prstGeom prst="rect">
+                  <a:avLst/>
+                </a:prstGeom>
+                <a:noFill/>
+              </p:spPr>
+              <p:txBody>
+                <a:bodyPr wrap="square">
+                  <a:spAutoFit/>
+                </a:bodyPr>
+                <a:lstStyle/>
+                <a:p>
+                  <a:pPr/>
+                  <a14:m>
+                    <m:oMathPara xmlns:m="http://schemas.openxmlformats.org/officeDocument/2006/math">
+                      <m:oMathParaPr>
+                        <m:jc m:val="centerGroup"/>
+                      </m:oMathParaPr>
+                      <m:oMath xmlns:m="http://schemas.openxmlformats.org/officeDocument/2006/math">
+                        <m:r>
+                          <a:rPr lang="en-US" i="1" smtClean="0">
+                            <a:latin typeface="Cambria Math" panose="02040503050406030204" pitchFamily="18" charset="0"/>
+                            <a:ea typeface="Cambria Math" panose="02040503050406030204" pitchFamily="18" charset="0"/>
+                          </a:rPr>
+                          <m:t>⋯</m:t>
+                        </m:r>
+                      </m:oMath>
+                    </m:oMathPara>
+                  </a14:m>
+                  <a:endParaRPr lang="en-US" dirty="0"/>
+                </a:p>
+              </p:txBody>
+            </p:sp>
+          </mc:Choice>
+          <mc:Fallback>
+            <p:sp>
+              <p:nvSpPr>
+                <p:cNvPr id="9" name="TextBox 8">
+                  <a:extLst>
+                    <a:ext uri="{FF2B5EF4-FFF2-40B4-BE49-F238E27FC236}">
+                      <a16:creationId xmlns:a16="http://schemas.microsoft.com/office/drawing/2014/main" id="{A4CAD9C6-6EF8-1F25-4D88-CE120DB43E3E}"/>
+                    </a:ext>
+                  </a:extLst>
+                </p:cNvPr>
+                <p:cNvSpPr txBox="1">
+                  <a:spLocks noRot="1" noChangeAspect="1" noMove="1" noResize="1" noEditPoints="1" noAdjustHandles="1" noChangeArrowheads="1" noChangeShapeType="1" noTextEdit="1"/>
+                </p:cNvSpPr>
+                <p:nvPr/>
+              </p:nvSpPr>
+              <p:spPr>
+                <a:xfrm>
+                  <a:off x="2795213" y="4268988"/>
+                  <a:ext cx="377884" cy="369332"/>
+                </a:xfrm>
+                <a:prstGeom prst="rect">
+                  <a:avLst/>
+                </a:prstGeom>
+                <a:blipFill>
+                  <a:blip r:embed="rId6"/>
+                  <a:stretch>
+                    <a:fillRect/>
+                  </a:stretch>
+                </a:blipFill>
+              </p:spPr>
+              <p:txBody>
+                <a:bodyPr/>
+                <a:lstStyle/>
+                <a:p>
+                  <a:r>
+                    <a:rPr lang="en-US">
+                      <a:noFill/>
+                    </a:rPr>
+                    <a:t> </a:t>
+                  </a:r>
+                </a:p>
+              </p:txBody>
+            </p:sp>
+          </mc:Fallback>
+        </mc:AlternateContent>
+      </p:grpSp>
     </p:spTree>
     <p:extLst>
       <p:ext uri="{BB962C8B-B14F-4D97-AF65-F5344CB8AC3E}">
@@ -13892,8 +14962,8 @@
           </a:p>
         </p:txBody>
       </p:sp>
-      <mc:AlternateContent xmlns:mc="http://schemas.openxmlformats.org/markup-compatibility/2006">
-        <mc:Choice xmlns:a14="http://schemas.microsoft.com/office/drawing/2010/main" Requires="a14">
+      <mc:AlternateContent xmlns:mc="http://schemas.openxmlformats.org/markup-compatibility/2006" xmlns:a14="http://schemas.microsoft.com/office/drawing/2010/main">
+        <mc:Choice Requires="a14">
           <p:sp>
             <p:nvSpPr>
               <p:cNvPr id="36" name="TextBox 35">
@@ -14031,7 +15101,7 @@
             </p:txBody>
           </p:sp>
         </mc:Choice>
-        <mc:Fallback>
+        <mc:Fallback xmlns="">
           <p:sp>
             <p:nvSpPr>
               <p:cNvPr id="36" name="TextBox 35">
@@ -14076,6 +15146,414 @@
           </p:sp>
         </mc:Fallback>
       </mc:AlternateContent>
+      <p:grpSp>
+        <p:nvGrpSpPr>
+          <p:cNvPr id="6" name="Group 5">
+            <a:extLst>
+              <a:ext uri="{FF2B5EF4-FFF2-40B4-BE49-F238E27FC236}">
+                <a16:creationId xmlns:a16="http://schemas.microsoft.com/office/drawing/2014/main" id="{DF853F87-BF6D-C40D-9335-8A76981FB1AF}"/>
+              </a:ext>
+            </a:extLst>
+          </p:cNvPr>
+          <p:cNvGrpSpPr/>
+          <p:nvPr/>
+        </p:nvGrpSpPr>
+        <p:grpSpPr>
+          <a:xfrm>
+            <a:off x="2789032" y="3550739"/>
+            <a:ext cx="2568770" cy="1394547"/>
+            <a:chOff x="1688578" y="3243773"/>
+            <a:chExt cx="2568770" cy="1394547"/>
+          </a:xfrm>
+        </p:grpSpPr>
+        <mc:AlternateContent xmlns:mc="http://schemas.openxmlformats.org/markup-compatibility/2006">
+          <mc:Choice xmlns:a14="http://schemas.microsoft.com/office/drawing/2010/main" Requires="a14">
+            <p:sp>
+              <p:nvSpPr>
+                <p:cNvPr id="7" name="TextBox 6">
+                  <a:extLst>
+                    <a:ext uri="{FF2B5EF4-FFF2-40B4-BE49-F238E27FC236}">
+                      <a16:creationId xmlns:a16="http://schemas.microsoft.com/office/drawing/2014/main" id="{81F55EE8-1B15-4502-6491-0A7D131E114A}"/>
+                    </a:ext>
+                  </a:extLst>
+                </p:cNvPr>
+                <p:cNvSpPr txBox="1"/>
+                <p:nvPr/>
+              </p:nvSpPr>
+              <p:spPr>
+                <a:xfrm>
+                  <a:off x="2859121" y="3243773"/>
+                  <a:ext cx="250068" cy="276999"/>
+                </a:xfrm>
+                <a:prstGeom prst="rect">
+                  <a:avLst/>
+                </a:prstGeom>
+                <a:noFill/>
+              </p:spPr>
+              <p:txBody>
+                <a:bodyPr wrap="none" lIns="0" tIns="0" rIns="0" bIns="0" rtlCol="0">
+                  <a:spAutoFit/>
+                </a:bodyPr>
+                <a:lstStyle/>
+                <a:p>
+                  <a14:m>
+                    <m:oMathPara xmlns:m="http://schemas.openxmlformats.org/officeDocument/2006/math">
+                      <m:oMathParaPr>
+                        <m:jc m:val="centerGroup"/>
+                      </m:oMathParaPr>
+                      <m:oMath xmlns:m="http://schemas.openxmlformats.org/officeDocument/2006/math">
+                        <m:r>
+                          <a:rPr lang="en-US" i="1" smtClean="0">
+                            <a:latin typeface="Cambria Math" panose="02040503050406030204" pitchFamily="18" charset="0"/>
+                            <a:ea typeface="Cambria Math" panose="02040503050406030204" pitchFamily="18" charset="0"/>
+                          </a:rPr>
+                          <m:t>⋯</m:t>
+                        </m:r>
+                      </m:oMath>
+                    </m:oMathPara>
+                  </a14:m>
+                  <a:endParaRPr lang="en-US" dirty="0"/>
+                </a:p>
+              </p:txBody>
+            </p:sp>
+          </mc:Choice>
+          <mc:Fallback>
+            <p:sp>
+              <p:nvSpPr>
+                <p:cNvPr id="7" name="TextBox 6">
+                  <a:extLst>
+                    <a:ext uri="{FF2B5EF4-FFF2-40B4-BE49-F238E27FC236}">
+                      <a16:creationId xmlns:a16="http://schemas.microsoft.com/office/drawing/2014/main" id="{81F55EE8-1B15-4502-6491-0A7D131E114A}"/>
+                    </a:ext>
+                  </a:extLst>
+                </p:cNvPr>
+                <p:cNvSpPr txBox="1">
+                  <a:spLocks noRot="1" noChangeAspect="1" noMove="1" noResize="1" noEditPoints="1" noAdjustHandles="1" noChangeArrowheads="1" noChangeShapeType="1" noTextEdit="1"/>
+                </p:cNvSpPr>
+                <p:nvPr/>
+              </p:nvSpPr>
+              <p:spPr>
+                <a:xfrm>
+                  <a:off x="2859121" y="3243773"/>
+                  <a:ext cx="250068" cy="276999"/>
+                </a:xfrm>
+                <a:prstGeom prst="rect">
+                  <a:avLst/>
+                </a:prstGeom>
+                <a:blipFill>
+                  <a:blip r:embed="rId3"/>
+                  <a:stretch>
+                    <a:fillRect l="-10000" r="-5000"/>
+                  </a:stretch>
+                </a:blipFill>
+              </p:spPr>
+              <p:txBody>
+                <a:bodyPr/>
+                <a:lstStyle/>
+                <a:p>
+                  <a:r>
+                    <a:rPr lang="en-US">
+                      <a:noFill/>
+                    </a:rPr>
+                    <a:t> </a:t>
+                  </a:r>
+                </a:p>
+              </p:txBody>
+            </p:sp>
+          </mc:Fallback>
+        </mc:AlternateContent>
+        <mc:AlternateContent xmlns:mc="http://schemas.openxmlformats.org/markup-compatibility/2006">
+          <mc:Choice xmlns:a14="http://schemas.microsoft.com/office/drawing/2010/main" Requires="a14">
+            <p:sp>
+              <p:nvSpPr>
+                <p:cNvPr id="8" name="TextBox 7">
+                  <a:extLst>
+                    <a:ext uri="{FF2B5EF4-FFF2-40B4-BE49-F238E27FC236}">
+                      <a16:creationId xmlns:a16="http://schemas.microsoft.com/office/drawing/2014/main" id="{9FAF74B2-52FC-4D9C-C493-9DF6203D33C5}"/>
+                    </a:ext>
+                  </a:extLst>
+                </p:cNvPr>
+                <p:cNvSpPr txBox="1"/>
+                <p:nvPr/>
+              </p:nvSpPr>
+              <p:spPr>
+                <a:xfrm>
+                  <a:off x="3972221" y="4262998"/>
+                  <a:ext cx="285127" cy="369332"/>
+                </a:xfrm>
+                <a:prstGeom prst="rect">
+                  <a:avLst/>
+                </a:prstGeom>
+                <a:noFill/>
+              </p:spPr>
+              <p:txBody>
+                <a:bodyPr wrap="square">
+                  <a:spAutoFit/>
+                </a:bodyPr>
+                <a:lstStyle/>
+                <a:p>
+                  <a:pPr/>
+                  <a14:m>
+                    <m:oMathPara xmlns:m="http://schemas.openxmlformats.org/officeDocument/2006/math">
+                      <m:oMathParaPr>
+                        <m:jc m:val="centerGroup"/>
+                      </m:oMathParaPr>
+                      <m:oMath xmlns:m="http://schemas.openxmlformats.org/officeDocument/2006/math">
+                        <m:r>
+                          <a:rPr lang="en-US" i="1" smtClean="0">
+                            <a:latin typeface="Cambria Math" panose="02040503050406030204" pitchFamily="18" charset="0"/>
+                            <a:ea typeface="Cambria Math" panose="02040503050406030204" pitchFamily="18" charset="0"/>
+                          </a:rPr>
+                          <m:t>⋯</m:t>
+                        </m:r>
+                      </m:oMath>
+                    </m:oMathPara>
+                  </a14:m>
+                  <a:endParaRPr lang="en-US" dirty="0"/>
+                </a:p>
+              </p:txBody>
+            </p:sp>
+          </mc:Choice>
+          <mc:Fallback>
+            <p:sp>
+              <p:nvSpPr>
+                <p:cNvPr id="8" name="TextBox 7">
+                  <a:extLst>
+                    <a:ext uri="{FF2B5EF4-FFF2-40B4-BE49-F238E27FC236}">
+                      <a16:creationId xmlns:a16="http://schemas.microsoft.com/office/drawing/2014/main" id="{9FAF74B2-52FC-4D9C-C493-9DF6203D33C5}"/>
+                    </a:ext>
+                  </a:extLst>
+                </p:cNvPr>
+                <p:cNvSpPr txBox="1">
+                  <a:spLocks noRot="1" noChangeAspect="1" noMove="1" noResize="1" noEditPoints="1" noAdjustHandles="1" noChangeArrowheads="1" noChangeShapeType="1" noTextEdit="1"/>
+                </p:cNvSpPr>
+                <p:nvPr/>
+              </p:nvSpPr>
+              <p:spPr>
+                <a:xfrm>
+                  <a:off x="3972221" y="4262998"/>
+                  <a:ext cx="285127" cy="369332"/>
+                </a:xfrm>
+                <a:prstGeom prst="rect">
+                  <a:avLst/>
+                </a:prstGeom>
+                <a:blipFill>
+                  <a:blip r:embed="rId4"/>
+                  <a:stretch>
+                    <a:fillRect r="-17391"/>
+                  </a:stretch>
+                </a:blipFill>
+              </p:spPr>
+              <p:txBody>
+                <a:bodyPr/>
+                <a:lstStyle/>
+                <a:p>
+                  <a:r>
+                    <a:rPr lang="en-US">
+                      <a:noFill/>
+                    </a:rPr>
+                    <a:t> </a:t>
+                  </a:r>
+                </a:p>
+              </p:txBody>
+            </p:sp>
+          </mc:Fallback>
+        </mc:AlternateContent>
+        <mc:AlternateContent xmlns:mc="http://schemas.openxmlformats.org/markup-compatibility/2006">
+          <mc:Choice xmlns:a14="http://schemas.microsoft.com/office/drawing/2010/main" Requires="a14">
+            <p:sp>
+              <p:nvSpPr>
+                <p:cNvPr id="9" name="TextBox 8">
+                  <a:extLst>
+                    <a:ext uri="{FF2B5EF4-FFF2-40B4-BE49-F238E27FC236}">
+                      <a16:creationId xmlns:a16="http://schemas.microsoft.com/office/drawing/2014/main" id="{76BB0084-E22A-C0DF-06C7-F6FE319410A1}"/>
+                    </a:ext>
+                  </a:extLst>
+                </p:cNvPr>
+                <p:cNvSpPr txBox="1"/>
+                <p:nvPr/>
+              </p:nvSpPr>
+              <p:spPr>
+                <a:xfrm>
+                  <a:off x="1688578" y="4264780"/>
+                  <a:ext cx="285127" cy="369332"/>
+                </a:xfrm>
+                <a:prstGeom prst="rect">
+                  <a:avLst/>
+                </a:prstGeom>
+                <a:noFill/>
+              </p:spPr>
+              <p:txBody>
+                <a:bodyPr wrap="square">
+                  <a:spAutoFit/>
+                </a:bodyPr>
+                <a:lstStyle/>
+                <a:p>
+                  <a:pPr/>
+                  <a14:m>
+                    <m:oMathPara xmlns:m="http://schemas.openxmlformats.org/officeDocument/2006/math">
+                      <m:oMathParaPr>
+                        <m:jc m:val="centerGroup"/>
+                      </m:oMathParaPr>
+                      <m:oMath xmlns:m="http://schemas.openxmlformats.org/officeDocument/2006/math">
+                        <m:r>
+                          <a:rPr lang="en-US" i="1" smtClean="0">
+                            <a:latin typeface="Cambria Math" panose="02040503050406030204" pitchFamily="18" charset="0"/>
+                            <a:ea typeface="Cambria Math" panose="02040503050406030204" pitchFamily="18" charset="0"/>
+                          </a:rPr>
+                          <m:t>⋯</m:t>
+                        </m:r>
+                      </m:oMath>
+                    </m:oMathPara>
+                  </a14:m>
+                  <a:endParaRPr lang="en-US" dirty="0"/>
+                </a:p>
+              </p:txBody>
+            </p:sp>
+          </mc:Choice>
+          <mc:Fallback>
+            <p:sp>
+              <p:nvSpPr>
+                <p:cNvPr id="9" name="TextBox 8">
+                  <a:extLst>
+                    <a:ext uri="{FF2B5EF4-FFF2-40B4-BE49-F238E27FC236}">
+                      <a16:creationId xmlns:a16="http://schemas.microsoft.com/office/drawing/2014/main" id="{76BB0084-E22A-C0DF-06C7-F6FE319410A1}"/>
+                    </a:ext>
+                  </a:extLst>
+                </p:cNvPr>
+                <p:cNvSpPr txBox="1">
+                  <a:spLocks noRot="1" noChangeAspect="1" noMove="1" noResize="1" noEditPoints="1" noAdjustHandles="1" noChangeArrowheads="1" noChangeShapeType="1" noTextEdit="1"/>
+                </p:cNvSpPr>
+                <p:nvPr/>
+              </p:nvSpPr>
+              <p:spPr>
+                <a:xfrm>
+                  <a:off x="1688578" y="4264780"/>
+                  <a:ext cx="285127" cy="369332"/>
+                </a:xfrm>
+                <a:prstGeom prst="rect">
+                  <a:avLst/>
+                </a:prstGeom>
+                <a:blipFill>
+                  <a:blip r:embed="rId5"/>
+                  <a:stretch>
+                    <a:fillRect r="-17391"/>
+                  </a:stretch>
+                </a:blipFill>
+              </p:spPr>
+              <p:txBody>
+                <a:bodyPr/>
+                <a:lstStyle/>
+                <a:p>
+                  <a:r>
+                    <a:rPr lang="en-US">
+                      <a:noFill/>
+                    </a:rPr>
+                    <a:t> </a:t>
+                  </a:r>
+                </a:p>
+              </p:txBody>
+            </p:sp>
+          </mc:Fallback>
+        </mc:AlternateContent>
+        <mc:AlternateContent xmlns:mc="http://schemas.openxmlformats.org/markup-compatibility/2006">
+          <mc:Choice xmlns:a14="http://schemas.microsoft.com/office/drawing/2010/main" Requires="a14">
+            <p:sp>
+              <p:nvSpPr>
+                <p:cNvPr id="10" name="TextBox 9">
+                  <a:extLst>
+                    <a:ext uri="{FF2B5EF4-FFF2-40B4-BE49-F238E27FC236}">
+                      <a16:creationId xmlns:a16="http://schemas.microsoft.com/office/drawing/2014/main" id="{A3EF635E-A5B8-2642-DDC4-8E154B230A01}"/>
+                    </a:ext>
+                  </a:extLst>
+                </p:cNvPr>
+                <p:cNvSpPr txBox="1"/>
+                <p:nvPr/>
+              </p:nvSpPr>
+              <p:spPr>
+                <a:xfrm>
+                  <a:off x="2795213" y="4268988"/>
+                  <a:ext cx="377884" cy="369332"/>
+                </a:xfrm>
+                <a:prstGeom prst="rect">
+                  <a:avLst/>
+                </a:prstGeom>
+                <a:noFill/>
+              </p:spPr>
+              <p:txBody>
+                <a:bodyPr wrap="square">
+                  <a:spAutoFit/>
+                </a:bodyPr>
+                <a:lstStyle/>
+                <a:p>
+                  <a:pPr/>
+                  <a14:m>
+                    <m:oMathPara xmlns:m="http://schemas.openxmlformats.org/officeDocument/2006/math">
+                      <m:oMathParaPr>
+                        <m:jc m:val="centerGroup"/>
+                      </m:oMathParaPr>
+                      <m:oMath xmlns:m="http://schemas.openxmlformats.org/officeDocument/2006/math">
+                        <m:r>
+                          <a:rPr lang="en-US" i="1" smtClean="0">
+                            <a:latin typeface="Cambria Math" panose="02040503050406030204" pitchFamily="18" charset="0"/>
+                            <a:ea typeface="Cambria Math" panose="02040503050406030204" pitchFamily="18" charset="0"/>
+                          </a:rPr>
+                          <m:t>⋯</m:t>
+                        </m:r>
+                      </m:oMath>
+                    </m:oMathPara>
+                  </a14:m>
+                  <a:endParaRPr lang="en-US" dirty="0"/>
+                </a:p>
+              </p:txBody>
+            </p:sp>
+          </mc:Choice>
+          <mc:Fallback>
+            <p:sp>
+              <p:nvSpPr>
+                <p:cNvPr id="10" name="TextBox 9">
+                  <a:extLst>
+                    <a:ext uri="{FF2B5EF4-FFF2-40B4-BE49-F238E27FC236}">
+                      <a16:creationId xmlns:a16="http://schemas.microsoft.com/office/drawing/2014/main" id="{A3EF635E-A5B8-2642-DDC4-8E154B230A01}"/>
+                    </a:ext>
+                  </a:extLst>
+                </p:cNvPr>
+                <p:cNvSpPr txBox="1">
+                  <a:spLocks noRot="1" noChangeAspect="1" noMove="1" noResize="1" noEditPoints="1" noAdjustHandles="1" noChangeArrowheads="1" noChangeShapeType="1" noTextEdit="1"/>
+                </p:cNvSpPr>
+                <p:nvPr/>
+              </p:nvSpPr>
+              <p:spPr>
+                <a:xfrm>
+                  <a:off x="2795213" y="4268988"/>
+                  <a:ext cx="377884" cy="369332"/>
+                </a:xfrm>
+                <a:prstGeom prst="rect">
+                  <a:avLst/>
+                </a:prstGeom>
+                <a:blipFill>
+                  <a:blip r:embed="rId6"/>
+                  <a:stretch>
+                    <a:fillRect/>
+                  </a:stretch>
+                </a:blipFill>
+              </p:spPr>
+              <p:txBody>
+                <a:bodyPr/>
+                <a:lstStyle/>
+                <a:p>
+                  <a:r>
+                    <a:rPr lang="en-US">
+                      <a:noFill/>
+                    </a:rPr>
+                    <a:t> </a:t>
+                  </a:r>
+                </a:p>
+              </p:txBody>
+            </p:sp>
+          </mc:Fallback>
+        </mc:AlternateContent>
+      </p:grpSp>
     </p:spTree>
     <p:extLst>
       <p:ext uri="{BB962C8B-B14F-4D97-AF65-F5344CB8AC3E}">
@@ -14317,8 +15795,8 @@
         </p:nvSpPr>
         <p:spPr>
           <a:xfrm>
-            <a:off x="188536" y="188536"/>
-            <a:ext cx="5907464" cy="772998"/>
+            <a:off x="178596" y="277988"/>
+            <a:ext cx="8299481" cy="772998"/>
           </a:xfrm>
         </p:spPr>
         <p:txBody>
@@ -14328,25 +15806,11 @@
           <a:lstStyle/>
           <a:p>
             <a:r>
-              <a:rPr lang="zh-CN" altLang="en-US" sz="3600" dirty="0">
-                <a:latin typeface="Arial" panose="020B0604020202020204" pitchFamily="34" charset="0"/>
-                <a:cs typeface="Arial" panose="020B0604020202020204" pitchFamily="34" charset="0"/>
-              </a:rPr>
-              <a:t> </a:t>
-            </a:r>
-            <a:r>
               <a:rPr lang="en-US" altLang="zh-CN" sz="3600" dirty="0">
                 <a:latin typeface="Arial" panose="020B0604020202020204" pitchFamily="34" charset="0"/>
                 <a:cs typeface="Arial" panose="020B0604020202020204" pitchFamily="34" charset="0"/>
               </a:rPr>
-              <a:t>Results</a:t>
-            </a:r>
-            <a:r>
-              <a:rPr lang="zh-CN" altLang="en-US" sz="3600" dirty="0">
-                <a:latin typeface="Arial" panose="020B0604020202020204" pitchFamily="34" charset="0"/>
-                <a:cs typeface="Arial" panose="020B0604020202020204" pitchFamily="34" charset="0"/>
-              </a:rPr>
-              <a:t> </a:t>
+              <a:t>Static Relationship Tree by Rank</a:t>
             </a:r>
             <a:endParaRPr lang="en-US" sz="3600" dirty="0">
               <a:latin typeface="Arial" panose="020B0604020202020204" pitchFamily="34" charset="0"/>
@@ -14357,10 +15821,10 @@
       </p:sp>
       <p:pic>
         <p:nvPicPr>
-          <p:cNvPr id="9" name="Picture 8">
-            <a:extLst>
-              <a:ext uri="{FF2B5EF4-FFF2-40B4-BE49-F238E27FC236}">
-                <a16:creationId xmlns:a16="http://schemas.microsoft.com/office/drawing/2014/main" id="{134E58DA-906F-7EBA-6AAD-2EBE535EEC9C}"/>
+          <p:cNvPr id="5" name="Picture 4">
+            <a:extLst>
+              <a:ext uri="{FF2B5EF4-FFF2-40B4-BE49-F238E27FC236}">
+                <a16:creationId xmlns:a16="http://schemas.microsoft.com/office/drawing/2014/main" id="{9340D051-C4E0-0D23-9BEB-4C3E544FD6FF}"/>
               </a:ext>
             </a:extLst>
           </p:cNvPr>
@@ -14377,18 +15841,207 @@
         </p:blipFill>
         <p:spPr>
           <a:xfrm>
-            <a:off x="1630249" y="1744882"/>
-            <a:ext cx="8358577" cy="3152175"/>
+            <a:off x="571500" y="1683025"/>
+            <a:ext cx="6218320" cy="3773877"/>
           </a:xfrm>
           <a:prstGeom prst="rect">
             <a:avLst/>
           </a:prstGeom>
         </p:spPr>
       </p:pic>
+      <mc:AlternateContent xmlns:mc="http://schemas.openxmlformats.org/markup-compatibility/2006">
+        <mc:Choice xmlns:a14="http://schemas.microsoft.com/office/drawing/2010/main" Requires="a14">
+          <p:sp>
+            <p:nvSpPr>
+              <p:cNvPr id="6" name="TextBox 5">
+                <a:extLst>
+                  <a:ext uri="{FF2B5EF4-FFF2-40B4-BE49-F238E27FC236}">
+                    <a16:creationId xmlns:a16="http://schemas.microsoft.com/office/drawing/2014/main" id="{84A290D1-4BDC-D42A-5859-04E5672FC1DC}"/>
+                  </a:ext>
+                </a:extLst>
+              </p:cNvPr>
+              <p:cNvSpPr txBox="1"/>
+              <p:nvPr/>
+            </p:nvSpPr>
+            <p:spPr>
+              <a:xfrm>
+                <a:off x="7128387" y="2511373"/>
+                <a:ext cx="4381126" cy="1696105"/>
+              </a:xfrm>
+              <a:prstGeom prst="rect">
+                <a:avLst/>
+              </a:prstGeom>
+              <a:noFill/>
+            </p:spPr>
+            <p:txBody>
+              <a:bodyPr wrap="square" rtlCol="0">
+                <a:spAutoFit/>
+              </a:bodyPr>
+              <a:lstStyle/>
+              <a:p>
+                <a:pPr marL="285750" indent="-285750">
+                  <a:lnSpc>
+                    <a:spcPct val="150000"/>
+                  </a:lnSpc>
+                  <a:buFont typeface="Arial" panose="020B0604020202020204" pitchFamily="34" charset="0"/>
+                  <a:buChar char="•"/>
+                </a:pPr>
+                <a:r>
+                  <a:rPr lang="en-US" sz="2400" dirty="0"/>
+                  <a:t>Level-1 leader: 	</a:t>
+                </a:r>
+                <a14:m>
+                  <m:oMath xmlns:m="http://schemas.openxmlformats.org/officeDocument/2006/math">
+                    <m:r>
+                      <a:rPr lang="en-US" sz="2400" b="0" i="1" smtClean="0">
+                        <a:latin typeface="Cambria Math" panose="02040503050406030204" pitchFamily="18" charset="0"/>
+                      </a:rPr>
+                      <m:t>{0}</m:t>
+                    </m:r>
+                  </m:oMath>
+                </a14:m>
+                <a:endParaRPr lang="en-US" sz="2400" dirty="0"/>
+              </a:p>
+              <a:p>
+                <a:pPr marL="285750" indent="-285750">
+                  <a:lnSpc>
+                    <a:spcPct val="150000"/>
+                  </a:lnSpc>
+                  <a:buFont typeface="Arial" panose="020B0604020202020204" pitchFamily="34" charset="0"/>
+                  <a:buChar char="•"/>
+                </a:pPr>
+                <a:r>
+                  <a:rPr lang="en-US" sz="2400" dirty="0"/>
+                  <a:t>Level-2 leaders:  	</a:t>
+                </a:r>
+                <a14:m>
+                  <m:oMath xmlns:m="http://schemas.openxmlformats.org/officeDocument/2006/math">
+                    <m:d>
+                      <m:dPr>
+                        <m:begChr m:val="{"/>
+                        <m:endChr m:val="}"/>
+                        <m:ctrlPr>
+                          <a:rPr lang="en-US" sz="2400" b="0" i="1" smtClean="0">
+                            <a:latin typeface="Cambria Math" panose="02040503050406030204" pitchFamily="18" charset="0"/>
+                          </a:rPr>
+                        </m:ctrlPr>
+                      </m:dPr>
+                      <m:e>
+                        <m:r>
+                          <a:rPr lang="en-US" sz="2400" b="0" i="1" smtClean="0">
+                            <a:latin typeface="Cambria Math" panose="02040503050406030204" pitchFamily="18" charset="0"/>
+                          </a:rPr>
+                          <m:t>0, </m:t>
+                        </m:r>
+                        <m:r>
+                          <a:rPr lang="en-US" sz="2400" b="0" i="1" smtClean="0">
+                            <a:latin typeface="Cambria Math" panose="02040503050406030204" pitchFamily="18" charset="0"/>
+                            <a:ea typeface="Cambria Math" panose="02040503050406030204" pitchFamily="18" charset="0"/>
+                          </a:rPr>
+                          <m:t>→6</m:t>
+                        </m:r>
+                      </m:e>
+                    </m:d>
+                  </m:oMath>
+                </a14:m>
+                <a:endParaRPr lang="en-US" sz="2400" dirty="0"/>
+              </a:p>
+              <a:p>
+                <a:pPr marL="285750" indent="-285750">
+                  <a:lnSpc>
+                    <a:spcPct val="150000"/>
+                  </a:lnSpc>
+                  <a:buFont typeface="Arial" panose="020B0604020202020204" pitchFamily="34" charset="0"/>
+                  <a:buChar char="•"/>
+                </a:pPr>
+                <a:r>
+                  <a:rPr lang="en-US" sz="2400" dirty="0"/>
+                  <a:t>Level-3 leaders: 	</a:t>
+                </a:r>
+                <a14:m>
+                  <m:oMath xmlns:m="http://schemas.openxmlformats.org/officeDocument/2006/math">
+                    <m:d>
+                      <m:dPr>
+                        <m:begChr m:val="{"/>
+                        <m:endChr m:val="}"/>
+                        <m:ctrlPr>
+                          <a:rPr lang="en-US" sz="2400" b="0" i="1" smtClean="0">
+                            <a:latin typeface="Cambria Math" panose="02040503050406030204" pitchFamily="18" charset="0"/>
+                          </a:rPr>
+                        </m:ctrlPr>
+                      </m:dPr>
+                      <m:e>
+                        <m:r>
+                          <a:rPr lang="en-US" sz="2400" b="0" i="1" smtClean="0">
+                            <a:latin typeface="Cambria Math" panose="02040503050406030204" pitchFamily="18" charset="0"/>
+                          </a:rPr>
+                          <m:t>0, </m:t>
+                        </m:r>
+                        <m:r>
+                          <a:rPr lang="en-US" sz="2400" b="0" i="1" smtClean="0">
+                            <a:latin typeface="Cambria Math" panose="02040503050406030204" pitchFamily="18" charset="0"/>
+                            <a:ea typeface="Cambria Math" panose="02040503050406030204" pitchFamily="18" charset="0"/>
+                          </a:rPr>
+                          <m:t>→48</m:t>
+                        </m:r>
+                      </m:e>
+                    </m:d>
+                  </m:oMath>
+                </a14:m>
+                <a:endParaRPr lang="en-US" sz="2400" dirty="0"/>
+              </a:p>
+            </p:txBody>
+          </p:sp>
+        </mc:Choice>
+        <mc:Fallback>
+          <p:sp>
+            <p:nvSpPr>
+              <p:cNvPr id="6" name="TextBox 5">
+                <a:extLst>
+                  <a:ext uri="{FF2B5EF4-FFF2-40B4-BE49-F238E27FC236}">
+                    <a16:creationId xmlns:a16="http://schemas.microsoft.com/office/drawing/2014/main" id="{84A290D1-4BDC-D42A-5859-04E5672FC1DC}"/>
+                  </a:ext>
+                </a:extLst>
+              </p:cNvPr>
+              <p:cNvSpPr txBox="1">
+                <a:spLocks noRot="1" noChangeAspect="1" noMove="1" noResize="1" noEditPoints="1" noAdjustHandles="1" noChangeArrowheads="1" noChangeShapeType="1" noTextEdit="1"/>
+              </p:cNvSpPr>
+              <p:nvPr/>
+            </p:nvSpPr>
+            <p:spPr>
+              <a:xfrm>
+                <a:off x="7128387" y="2511373"/>
+                <a:ext cx="4381126" cy="1696105"/>
+              </a:xfrm>
+              <a:prstGeom prst="rect">
+                <a:avLst/>
+              </a:prstGeom>
+              <a:blipFill>
+                <a:blip r:embed="rId3"/>
+                <a:stretch>
+                  <a:fillRect l="-2023" b="-7407"/>
+                </a:stretch>
+              </a:blipFill>
+            </p:spPr>
+            <p:txBody>
+              <a:bodyPr/>
+              <a:lstStyle/>
+              <a:p>
+                <a:r>
+                  <a:rPr lang="en-US">
+                    <a:noFill/>
+                  </a:rPr>
+                  <a:t> </a:t>
+                </a:r>
+              </a:p>
+            </p:txBody>
+          </p:sp>
+        </mc:Fallback>
+      </mc:AlternateContent>
     </p:spTree>
     <p:extLst>
       <p:ext uri="{BB962C8B-B14F-4D97-AF65-F5344CB8AC3E}">
-        <p14:creationId xmlns:p14="http://schemas.microsoft.com/office/powerpoint/2010/main" val="4263829749"/>
+        <p14:creationId xmlns:p14="http://schemas.microsoft.com/office/powerpoint/2010/main" val="2889821560"/>
       </p:ext>
     </p:extLst>
   </p:cSld>

--- a/powerpoint/Pre.pptx
+++ b/powerpoint/Pre.pptx
@@ -4,6 +4,9 @@
   <p:sldMasterIdLst>
     <p:sldMasterId id="2147483648" r:id="rId1"/>
   </p:sldMasterIdLst>
+  <p:notesMasterIdLst>
+    <p:notesMasterId r:id="rId17"/>
+  </p:notesMasterIdLst>
   <p:sldIdLst>
     <p:sldId id="256" r:id="rId2"/>
     <p:sldId id="257" r:id="rId3"/>
@@ -126,6 +129,355 @@
 </p:presentation>
 </file>
 
+<file path=ppt/notesMasters/notesMaster1.xml><?xml version="1.0" encoding="utf-8"?>
+<p:notesMaster xmlns:a="http://schemas.openxmlformats.org/drawingml/2006/main" xmlns:r="http://schemas.openxmlformats.org/officeDocument/2006/relationships" xmlns:p="http://schemas.openxmlformats.org/presentationml/2006/main">
+  <p:cSld>
+    <p:bg>
+      <p:bgRef idx="1001">
+        <a:schemeClr val="bg1"/>
+      </p:bgRef>
+    </p:bg>
+    <p:spTree>
+      <p:nvGrpSpPr>
+        <p:cNvPr id="1" name=""/>
+        <p:cNvGrpSpPr/>
+        <p:nvPr/>
+      </p:nvGrpSpPr>
+      <p:grpSpPr>
+        <a:xfrm>
+          <a:off x="0" y="0"/>
+          <a:ext cx="0" cy="0"/>
+          <a:chOff x="0" y="0"/>
+          <a:chExt cx="0" cy="0"/>
+        </a:xfrm>
+      </p:grpSpPr>
+      <p:sp>
+        <p:nvSpPr>
+          <p:cNvPr id="2" name="Header Placeholder 1"/>
+          <p:cNvSpPr>
+            <a:spLocks noGrp="1"/>
+          </p:cNvSpPr>
+          <p:nvPr>
+            <p:ph type="hdr" sz="quarter"/>
+          </p:nvPr>
+        </p:nvSpPr>
+        <p:spPr>
+          <a:xfrm>
+            <a:off x="0" y="0"/>
+            <a:ext cx="2971800" cy="458788"/>
+          </a:xfrm>
+          <a:prstGeom prst="rect">
+            <a:avLst/>
+          </a:prstGeom>
+        </p:spPr>
+        <p:txBody>
+          <a:bodyPr vert="horz" lIns="91440" tIns="45720" rIns="91440" bIns="45720" rtlCol="0"/>
+          <a:lstStyle>
+            <a:lvl1pPr algn="l">
+              <a:defRPr sz="1200"/>
+            </a:lvl1pPr>
+          </a:lstStyle>
+          <a:p>
+            <a:endParaRPr lang="en-US"/>
+          </a:p>
+        </p:txBody>
+      </p:sp>
+      <p:sp>
+        <p:nvSpPr>
+          <p:cNvPr id="3" name="Date Placeholder 2"/>
+          <p:cNvSpPr>
+            <a:spLocks noGrp="1"/>
+          </p:cNvSpPr>
+          <p:nvPr>
+            <p:ph type="dt" idx="1"/>
+          </p:nvPr>
+        </p:nvSpPr>
+        <p:spPr>
+          <a:xfrm>
+            <a:off x="3884613" y="0"/>
+            <a:ext cx="2971800" cy="458788"/>
+          </a:xfrm>
+          <a:prstGeom prst="rect">
+            <a:avLst/>
+          </a:prstGeom>
+        </p:spPr>
+        <p:txBody>
+          <a:bodyPr vert="horz" lIns="91440" tIns="45720" rIns="91440" bIns="45720" rtlCol="0"/>
+          <a:lstStyle>
+            <a:lvl1pPr algn="r">
+              <a:defRPr sz="1200"/>
+            </a:lvl1pPr>
+          </a:lstStyle>
+          <a:p>
+            <a:fld id="{A1B6EC56-3874-AD4B-8EAD-329C4B56B81C}" type="datetimeFigureOut">
+              <a:rPr lang="en-US" smtClean="0"/>
+              <a:t>11/23/23</a:t>
+            </a:fld>
+            <a:endParaRPr lang="en-US"/>
+          </a:p>
+        </p:txBody>
+      </p:sp>
+      <p:sp>
+        <p:nvSpPr>
+          <p:cNvPr id="4" name="Slide Image Placeholder 3"/>
+          <p:cNvSpPr>
+            <a:spLocks noGrp="1" noRot="1" noChangeAspect="1"/>
+          </p:cNvSpPr>
+          <p:nvPr>
+            <p:ph type="sldImg" idx="2"/>
+          </p:nvPr>
+        </p:nvSpPr>
+        <p:spPr>
+          <a:xfrm>
+            <a:off x="685800" y="1143000"/>
+            <a:ext cx="5486400" cy="3086100"/>
+          </a:xfrm>
+          <a:prstGeom prst="rect">
+            <a:avLst/>
+          </a:prstGeom>
+          <a:noFill/>
+          <a:ln w="12700">
+            <a:solidFill>
+              <a:prstClr val="black"/>
+            </a:solidFill>
+          </a:ln>
+        </p:spPr>
+        <p:txBody>
+          <a:bodyPr vert="horz" lIns="91440" tIns="45720" rIns="91440" bIns="45720" rtlCol="0" anchor="ctr"/>
+          <a:lstStyle/>
+          <a:p>
+            <a:endParaRPr lang="en-US"/>
+          </a:p>
+        </p:txBody>
+      </p:sp>
+      <p:sp>
+        <p:nvSpPr>
+          <p:cNvPr id="5" name="Notes Placeholder 4"/>
+          <p:cNvSpPr>
+            <a:spLocks noGrp="1"/>
+          </p:cNvSpPr>
+          <p:nvPr>
+            <p:ph type="body" sz="quarter" idx="3"/>
+          </p:nvPr>
+        </p:nvSpPr>
+        <p:spPr>
+          <a:xfrm>
+            <a:off x="685800" y="4400550"/>
+            <a:ext cx="5486400" cy="3600450"/>
+          </a:xfrm>
+          <a:prstGeom prst="rect">
+            <a:avLst/>
+          </a:prstGeom>
+        </p:spPr>
+        <p:txBody>
+          <a:bodyPr vert="horz" lIns="91440" tIns="45720" rIns="91440" bIns="45720" rtlCol="0"/>
+          <a:lstStyle/>
+          <a:p>
+            <a:pPr lvl="0"/>
+            <a:r>
+              <a:rPr lang="en-US"/>
+              <a:t>Click to edit Master text styles</a:t>
+            </a:r>
+          </a:p>
+          <a:p>
+            <a:pPr lvl="1"/>
+            <a:r>
+              <a:rPr lang="en-US"/>
+              <a:t>Second level</a:t>
+            </a:r>
+          </a:p>
+          <a:p>
+            <a:pPr lvl="2"/>
+            <a:r>
+              <a:rPr lang="en-US"/>
+              <a:t>Third level</a:t>
+            </a:r>
+          </a:p>
+          <a:p>
+            <a:pPr lvl="3"/>
+            <a:r>
+              <a:rPr lang="en-US"/>
+              <a:t>Fourth level</a:t>
+            </a:r>
+          </a:p>
+          <a:p>
+            <a:pPr lvl="4"/>
+            <a:r>
+              <a:rPr lang="en-US"/>
+              <a:t>Fifth level</a:t>
+            </a:r>
+          </a:p>
+        </p:txBody>
+      </p:sp>
+      <p:sp>
+        <p:nvSpPr>
+          <p:cNvPr id="6" name="Footer Placeholder 5"/>
+          <p:cNvSpPr>
+            <a:spLocks noGrp="1"/>
+          </p:cNvSpPr>
+          <p:nvPr>
+            <p:ph type="ftr" sz="quarter" idx="4"/>
+          </p:nvPr>
+        </p:nvSpPr>
+        <p:spPr>
+          <a:xfrm>
+            <a:off x="0" y="8685213"/>
+            <a:ext cx="2971800" cy="458787"/>
+          </a:xfrm>
+          <a:prstGeom prst="rect">
+            <a:avLst/>
+          </a:prstGeom>
+        </p:spPr>
+        <p:txBody>
+          <a:bodyPr vert="horz" lIns="91440" tIns="45720" rIns="91440" bIns="45720" rtlCol="0" anchor="b"/>
+          <a:lstStyle>
+            <a:lvl1pPr algn="l">
+              <a:defRPr sz="1200"/>
+            </a:lvl1pPr>
+          </a:lstStyle>
+          <a:p>
+            <a:endParaRPr lang="en-US"/>
+          </a:p>
+        </p:txBody>
+      </p:sp>
+      <p:sp>
+        <p:nvSpPr>
+          <p:cNvPr id="7" name="Slide Number Placeholder 6"/>
+          <p:cNvSpPr>
+            <a:spLocks noGrp="1"/>
+          </p:cNvSpPr>
+          <p:nvPr>
+            <p:ph type="sldNum" sz="quarter" idx="5"/>
+          </p:nvPr>
+        </p:nvSpPr>
+        <p:spPr>
+          <a:xfrm>
+            <a:off x="3884613" y="8685213"/>
+            <a:ext cx="2971800" cy="458787"/>
+          </a:xfrm>
+          <a:prstGeom prst="rect">
+            <a:avLst/>
+          </a:prstGeom>
+        </p:spPr>
+        <p:txBody>
+          <a:bodyPr vert="horz" lIns="91440" tIns="45720" rIns="91440" bIns="45720" rtlCol="0" anchor="b"/>
+          <a:lstStyle>
+            <a:lvl1pPr algn="r">
+              <a:defRPr sz="1200"/>
+            </a:lvl1pPr>
+          </a:lstStyle>
+          <a:p>
+            <a:fld id="{359B46E2-1ADA-614D-B80F-381337009CBF}" type="slidenum">
+              <a:rPr lang="en-US" smtClean="0"/>
+              <a:t>‹#›</a:t>
+            </a:fld>
+            <a:endParaRPr lang="en-US"/>
+          </a:p>
+        </p:txBody>
+      </p:sp>
+    </p:spTree>
+    <p:extLst>
+      <p:ext uri="{BB962C8B-B14F-4D97-AF65-F5344CB8AC3E}">
+        <p14:creationId xmlns:p14="http://schemas.microsoft.com/office/powerpoint/2010/main" val="2999882393"/>
+      </p:ext>
+    </p:extLst>
+  </p:cSld>
+  <p:clrMap bg1="lt1" tx1="dk1" bg2="lt2" tx2="dk2" accent1="accent1" accent2="accent2" accent3="accent3" accent4="accent4" accent5="accent5" accent6="accent6" hlink="hlink" folHlink="folHlink"/>
+  <p:notesStyle>
+    <a:lvl1pPr marL="0" algn="l" defTabSz="914400" rtl="0" eaLnBrk="1" latinLnBrk="0" hangingPunct="1">
+      <a:defRPr sz="1200" kern="1200">
+        <a:solidFill>
+          <a:schemeClr val="tx1"/>
+        </a:solidFill>
+        <a:latin typeface="+mn-lt"/>
+        <a:ea typeface="+mn-ea"/>
+        <a:cs typeface="+mn-cs"/>
+      </a:defRPr>
+    </a:lvl1pPr>
+    <a:lvl2pPr marL="457200" algn="l" defTabSz="914400" rtl="0" eaLnBrk="1" latinLnBrk="0" hangingPunct="1">
+      <a:defRPr sz="1200" kern="1200">
+        <a:solidFill>
+          <a:schemeClr val="tx1"/>
+        </a:solidFill>
+        <a:latin typeface="+mn-lt"/>
+        <a:ea typeface="+mn-ea"/>
+        <a:cs typeface="+mn-cs"/>
+      </a:defRPr>
+    </a:lvl2pPr>
+    <a:lvl3pPr marL="914400" algn="l" defTabSz="914400" rtl="0" eaLnBrk="1" latinLnBrk="0" hangingPunct="1">
+      <a:defRPr sz="1200" kern="1200">
+        <a:solidFill>
+          <a:schemeClr val="tx1"/>
+        </a:solidFill>
+        <a:latin typeface="+mn-lt"/>
+        <a:ea typeface="+mn-ea"/>
+        <a:cs typeface="+mn-cs"/>
+      </a:defRPr>
+    </a:lvl3pPr>
+    <a:lvl4pPr marL="1371600" algn="l" defTabSz="914400" rtl="0" eaLnBrk="1" latinLnBrk="0" hangingPunct="1">
+      <a:defRPr sz="1200" kern="1200">
+        <a:solidFill>
+          <a:schemeClr val="tx1"/>
+        </a:solidFill>
+        <a:latin typeface="+mn-lt"/>
+        <a:ea typeface="+mn-ea"/>
+        <a:cs typeface="+mn-cs"/>
+      </a:defRPr>
+    </a:lvl4pPr>
+    <a:lvl5pPr marL="1828800" algn="l" defTabSz="914400" rtl="0" eaLnBrk="1" latinLnBrk="0" hangingPunct="1">
+      <a:defRPr sz="1200" kern="1200">
+        <a:solidFill>
+          <a:schemeClr val="tx1"/>
+        </a:solidFill>
+        <a:latin typeface="+mn-lt"/>
+        <a:ea typeface="+mn-ea"/>
+        <a:cs typeface="+mn-cs"/>
+      </a:defRPr>
+    </a:lvl5pPr>
+    <a:lvl6pPr marL="2286000" algn="l" defTabSz="914400" rtl="0" eaLnBrk="1" latinLnBrk="0" hangingPunct="1">
+      <a:defRPr sz="1200" kern="1200">
+        <a:solidFill>
+          <a:schemeClr val="tx1"/>
+        </a:solidFill>
+        <a:latin typeface="+mn-lt"/>
+        <a:ea typeface="+mn-ea"/>
+        <a:cs typeface="+mn-cs"/>
+      </a:defRPr>
+    </a:lvl6pPr>
+    <a:lvl7pPr marL="2743200" algn="l" defTabSz="914400" rtl="0" eaLnBrk="1" latinLnBrk="0" hangingPunct="1">
+      <a:defRPr sz="1200" kern="1200">
+        <a:solidFill>
+          <a:schemeClr val="tx1"/>
+        </a:solidFill>
+        <a:latin typeface="+mn-lt"/>
+        <a:ea typeface="+mn-ea"/>
+        <a:cs typeface="+mn-cs"/>
+      </a:defRPr>
+    </a:lvl7pPr>
+    <a:lvl8pPr marL="3200400" algn="l" defTabSz="914400" rtl="0" eaLnBrk="1" latinLnBrk="0" hangingPunct="1">
+      <a:defRPr sz="1200" kern="1200">
+        <a:solidFill>
+          <a:schemeClr val="tx1"/>
+        </a:solidFill>
+        <a:latin typeface="+mn-lt"/>
+        <a:ea typeface="+mn-ea"/>
+        <a:cs typeface="+mn-cs"/>
+      </a:defRPr>
+    </a:lvl8pPr>
+    <a:lvl9pPr marL="3657600" algn="l" defTabSz="914400" rtl="0" eaLnBrk="1" latinLnBrk="0" hangingPunct="1">
+      <a:defRPr sz="1200" kern="1200">
+        <a:solidFill>
+          <a:schemeClr val="tx1"/>
+        </a:solidFill>
+        <a:latin typeface="+mn-lt"/>
+        <a:ea typeface="+mn-ea"/>
+        <a:cs typeface="+mn-cs"/>
+      </a:defRPr>
+    </a:lvl9pPr>
+  </p:notesStyle>
+</p:notesMaster>
+</file>
+
 <file path=ppt/slideLayouts/slideLayout1.xml><?xml version="1.0" encoding="utf-8"?>
 <p:sldLayout xmlns:a="http://schemas.openxmlformats.org/drawingml/2006/main" xmlns:r="http://schemas.openxmlformats.org/officeDocument/2006/relationships" xmlns:p="http://schemas.openxmlformats.org/presentationml/2006/main" type="title" preserve="1">
   <p:cSld name="Title Slide">
@@ -273,7 +625,7 @@
           <a:p>
             <a:fld id="{768BF9F1-C7C5-AA4A-AEFB-089A28405F2B}" type="datetimeFigureOut">
               <a:rPr lang="en-US" smtClean="0"/>
-              <a:t>11/21/23</a:t>
+              <a:t>11/23/23</a:t>
             </a:fld>
             <a:endParaRPr lang="en-US"/>
           </a:p>
@@ -471,7 +823,7 @@
           <a:p>
             <a:fld id="{768BF9F1-C7C5-AA4A-AEFB-089A28405F2B}" type="datetimeFigureOut">
               <a:rPr lang="en-US" smtClean="0"/>
-              <a:t>11/21/23</a:t>
+              <a:t>11/23/23</a:t>
             </a:fld>
             <a:endParaRPr lang="en-US"/>
           </a:p>
@@ -679,7 +1031,7 @@
           <a:p>
             <a:fld id="{768BF9F1-C7C5-AA4A-AEFB-089A28405F2B}" type="datetimeFigureOut">
               <a:rPr lang="en-US" smtClean="0"/>
-              <a:t>11/21/23</a:t>
+              <a:t>11/23/23</a:t>
             </a:fld>
             <a:endParaRPr lang="en-US"/>
           </a:p>
@@ -877,7 +1229,7 @@
           <a:p>
             <a:fld id="{768BF9F1-C7C5-AA4A-AEFB-089A28405F2B}" type="datetimeFigureOut">
               <a:rPr lang="en-US" smtClean="0"/>
-              <a:t>11/21/23</a:t>
+              <a:t>11/23/23</a:t>
             </a:fld>
             <a:endParaRPr lang="en-US"/>
           </a:p>
@@ -1152,7 +1504,7 @@
           <a:p>
             <a:fld id="{768BF9F1-C7C5-AA4A-AEFB-089A28405F2B}" type="datetimeFigureOut">
               <a:rPr lang="en-US" smtClean="0"/>
-              <a:t>11/21/23</a:t>
+              <a:t>11/23/23</a:t>
             </a:fld>
             <a:endParaRPr lang="en-US"/>
           </a:p>
@@ -1417,7 +1769,7 @@
           <a:p>
             <a:fld id="{768BF9F1-C7C5-AA4A-AEFB-089A28405F2B}" type="datetimeFigureOut">
               <a:rPr lang="en-US" smtClean="0"/>
-              <a:t>11/21/23</a:t>
+              <a:t>11/23/23</a:t>
             </a:fld>
             <a:endParaRPr lang="en-US"/>
           </a:p>
@@ -1829,7 +2181,7 @@
           <a:p>
             <a:fld id="{768BF9F1-C7C5-AA4A-AEFB-089A28405F2B}" type="datetimeFigureOut">
               <a:rPr lang="en-US" smtClean="0"/>
-              <a:t>11/21/23</a:t>
+              <a:t>11/23/23</a:t>
             </a:fld>
             <a:endParaRPr lang="en-US"/>
           </a:p>
@@ -1970,7 +2322,7 @@
           <a:p>
             <a:fld id="{768BF9F1-C7C5-AA4A-AEFB-089A28405F2B}" type="datetimeFigureOut">
               <a:rPr lang="en-US" smtClean="0"/>
-              <a:t>11/21/23</a:t>
+              <a:t>11/23/23</a:t>
             </a:fld>
             <a:endParaRPr lang="en-US"/>
           </a:p>
@@ -2083,7 +2435,7 @@
           <a:p>
             <a:fld id="{768BF9F1-C7C5-AA4A-AEFB-089A28405F2B}" type="datetimeFigureOut">
               <a:rPr lang="en-US" smtClean="0"/>
-              <a:t>11/21/23</a:t>
+              <a:t>11/23/23</a:t>
             </a:fld>
             <a:endParaRPr lang="en-US"/>
           </a:p>
@@ -2394,7 +2746,7 @@
           <a:p>
             <a:fld id="{768BF9F1-C7C5-AA4A-AEFB-089A28405F2B}" type="datetimeFigureOut">
               <a:rPr lang="en-US" smtClean="0"/>
-              <a:t>11/21/23</a:t>
+              <a:t>11/23/23</a:t>
             </a:fld>
             <a:endParaRPr lang="en-US"/>
           </a:p>
@@ -2682,7 +3034,7 @@
           <a:p>
             <a:fld id="{768BF9F1-C7C5-AA4A-AEFB-089A28405F2B}" type="datetimeFigureOut">
               <a:rPr lang="en-US" smtClean="0"/>
-              <a:t>11/21/23</a:t>
+              <a:t>11/23/23</a:t>
             </a:fld>
             <a:endParaRPr lang="en-US"/>
           </a:p>
@@ -2923,7 +3275,7 @@
           <a:p>
             <a:fld id="{768BF9F1-C7C5-AA4A-AEFB-089A28405F2B}" type="datetimeFigureOut">
               <a:rPr lang="en-US" smtClean="0"/>
-              <a:t>11/21/23</a:t>
+              <a:t>11/23/23</a:t>
             </a:fld>
             <a:endParaRPr lang="en-US"/>
           </a:p>
@@ -3659,11 +4011,44 @@
         </p:blipFill>
         <p:spPr>
           <a:xfrm>
-            <a:off x="2879888" y="961534"/>
+            <a:off x="2827134" y="781439"/>
             <a:ext cx="7060161" cy="5295121"/>
           </a:xfrm>
         </p:spPr>
       </p:pic>
+      <p:sp>
+        <p:nvSpPr>
+          <p:cNvPr id="4" name="Footer Placeholder 3">
+            <a:extLst>
+              <a:ext uri="{FF2B5EF4-FFF2-40B4-BE49-F238E27FC236}">
+                <a16:creationId xmlns:a16="http://schemas.microsoft.com/office/drawing/2014/main" id="{F1953252-F583-8D97-C570-C2E647222CEF}"/>
+              </a:ext>
+            </a:extLst>
+          </p:cNvPr>
+          <p:cNvSpPr>
+            <a:spLocks noGrp="1"/>
+          </p:cNvSpPr>
+          <p:nvPr>
+            <p:ph type="ftr" sz="quarter" idx="11"/>
+          </p:nvPr>
+        </p:nvSpPr>
+        <p:spPr>
+          <a:xfrm>
+            <a:off x="4214822" y="6304338"/>
+            <a:ext cx="4284784" cy="365125"/>
+          </a:xfrm>
+        </p:spPr>
+        <p:txBody>
+          <a:bodyPr/>
+          <a:lstStyle/>
+          <a:p>
+            <a:r>
+              <a:rPr lang="en-US" sz="1400" dirty="0"/>
+              <a:t>We take (P = 7) as the baseline to compare performance</a:t>
+            </a:r>
+          </a:p>
+        </p:txBody>
+      </p:sp>
     </p:spTree>
     <p:extLst>
       <p:ext uri="{BB962C8B-B14F-4D97-AF65-F5344CB8AC3E}">
@@ -4565,14 +4950,24 @@
             </a:r>
             <a:r>
               <a:rPr lang="en-US" i="1" dirty="0"/>
-              <a:t> Chou, C. C., Deng, Y. F., Li, G., &amp; Wang, Y. (1995), </a:t>
+              <a:t> </a:t>
+            </a:r>
+            <a:r>
+              <a:rPr lang="en-US" i="1" dirty="0">
+                <a:hlinkClick r:id="rId3"/>
+              </a:rPr>
+              <a:t>Chou, C. C., Deng, Y. F., Li, G., &amp; Wang, Y. (1995), </a:t>
+            </a:r>
+            <a:r>
+              <a:rPr lang="en-US" b="1" i="1" dirty="0"/>
+              <a:t>but </a:t>
             </a:r>
             <a:r>
               <a:rPr lang="en-US" dirty="0"/>
-              <a:t>applying a </a:t>
+              <a:t>applies a </a:t>
             </a:r>
             <a:r>
-              <a:rPr lang="en-US" i="1" dirty="0"/>
+              <a:rPr lang="en-US" b="1" i="1" dirty="0"/>
               <a:t>recursive</a:t>
             </a:r>
             <a:r>
@@ -4940,6 +5335,7 @@
             <a:prstGeom prst="line">
               <a:avLst/>
             </a:prstGeom>
+            <a:ln w="12700"/>
           </p:spPr>
           <p:style>
             <a:lnRef idx="1">
@@ -4980,6 +5376,7 @@
             <a:prstGeom prst="line">
               <a:avLst/>
             </a:prstGeom>
+            <a:ln w="12700"/>
           </p:spPr>
           <p:style>
             <a:lnRef idx="1">
@@ -5020,6 +5417,7 @@
             <a:prstGeom prst="line">
               <a:avLst/>
             </a:prstGeom>
+            <a:ln w="12700"/>
           </p:spPr>
           <p:style>
             <a:lnRef idx="1">
@@ -5381,6 +5779,7 @@
             <a:prstGeom prst="line">
               <a:avLst/>
             </a:prstGeom>
+            <a:ln w="12700"/>
           </p:spPr>
           <p:style>
             <a:lnRef idx="1">
@@ -5420,6 +5819,7 @@
             <a:prstGeom prst="line">
               <a:avLst/>
             </a:prstGeom>
+            <a:ln w="12700"/>
           </p:spPr>
           <p:style>
             <a:lnRef idx="1">
@@ -5460,6 +5860,7 @@
             <a:prstGeom prst="line">
               <a:avLst/>
             </a:prstGeom>
+            <a:ln w="12700"/>
           </p:spPr>
           <p:style>
             <a:lnRef idx="1">
@@ -5584,8 +5985,8 @@
             <a:chExt cx="2568770" cy="1394547"/>
           </a:xfrm>
         </p:grpSpPr>
-        <mc:AlternateContent xmlns:mc="http://schemas.openxmlformats.org/markup-compatibility/2006">
-          <mc:Choice xmlns:a14="http://schemas.microsoft.com/office/drawing/2010/main" Requires="a14">
+        <mc:AlternateContent xmlns:mc="http://schemas.openxmlformats.org/markup-compatibility/2006" xmlns:a14="http://schemas.microsoft.com/office/drawing/2010/main">
+          <mc:Choice Requires="a14">
             <p:sp>
               <p:nvSpPr>
                 <p:cNvPr id="5" name="TextBox 4">
@@ -5614,6 +6015,7 @@
                 </a:bodyPr>
                 <a:lstStyle/>
                 <a:p>
+                  <a:pPr/>
                   <a14:m>
                     <m:oMathPara xmlns:m="http://schemas.openxmlformats.org/officeDocument/2006/math">
                       <m:oMathParaPr>
@@ -5635,7 +6037,7 @@
               </p:txBody>
             </p:sp>
           </mc:Choice>
-          <mc:Fallback>
+          <mc:Fallback xmlns="">
             <p:sp>
               <p:nvSpPr>
                 <p:cNvPr id="5" name="TextBox 4">
@@ -5680,8 +6082,8 @@
             </p:sp>
           </mc:Fallback>
         </mc:AlternateContent>
-        <mc:AlternateContent xmlns:mc="http://schemas.openxmlformats.org/markup-compatibility/2006">
-          <mc:Choice xmlns:a14="http://schemas.microsoft.com/office/drawing/2010/main" Requires="a14">
+        <mc:AlternateContent xmlns:mc="http://schemas.openxmlformats.org/markup-compatibility/2006" xmlns:a14="http://schemas.microsoft.com/office/drawing/2010/main">
+          <mc:Choice Requires="a14">
             <p:sp>
               <p:nvSpPr>
                 <p:cNvPr id="7" name="TextBox 6">
@@ -5732,7 +6134,7 @@
               </p:txBody>
             </p:sp>
           </mc:Choice>
-          <mc:Fallback>
+          <mc:Fallback xmlns="">
             <p:sp>
               <p:nvSpPr>
                 <p:cNvPr id="7" name="TextBox 6">
@@ -5777,8 +6179,8 @@
             </p:sp>
           </mc:Fallback>
         </mc:AlternateContent>
-        <mc:AlternateContent xmlns:mc="http://schemas.openxmlformats.org/markup-compatibility/2006">
-          <mc:Choice xmlns:a14="http://schemas.microsoft.com/office/drawing/2010/main" Requires="a14">
+        <mc:AlternateContent xmlns:mc="http://schemas.openxmlformats.org/markup-compatibility/2006" xmlns:a14="http://schemas.microsoft.com/office/drawing/2010/main">
+          <mc:Choice Requires="a14">
             <p:sp>
               <p:nvSpPr>
                 <p:cNvPr id="9" name="TextBox 8">
@@ -5829,7 +6231,7 @@
               </p:txBody>
             </p:sp>
           </mc:Choice>
-          <mc:Fallback>
+          <mc:Fallback xmlns="">
             <p:sp>
               <p:nvSpPr>
                 <p:cNvPr id="9" name="TextBox 8">
@@ -5874,8 +6276,8 @@
             </p:sp>
           </mc:Fallback>
         </mc:AlternateContent>
-        <mc:AlternateContent xmlns:mc="http://schemas.openxmlformats.org/markup-compatibility/2006">
-          <mc:Choice xmlns:a14="http://schemas.microsoft.com/office/drawing/2010/main" Requires="a14">
+        <mc:AlternateContent xmlns:mc="http://schemas.openxmlformats.org/markup-compatibility/2006" xmlns:a14="http://schemas.microsoft.com/office/drawing/2010/main">
+          <mc:Choice Requires="a14">
             <p:sp>
               <p:nvSpPr>
                 <p:cNvPr id="11" name="TextBox 10">
@@ -5926,7 +6328,7 @@
               </p:txBody>
             </p:sp>
           </mc:Choice>
-          <mc:Fallback>
+          <mc:Fallback xmlns="">
             <p:sp>
               <p:nvSpPr>
                 <p:cNvPr id="11" name="TextBox 10">
@@ -6072,6 +6474,7 @@
           <a:prstGeom prst="line">
             <a:avLst/>
           </a:prstGeom>
+          <a:ln w="12700"/>
         </p:spPr>
         <p:style>
           <a:lnRef idx="1">
@@ -6112,6 +6515,7 @@
           <a:prstGeom prst="line">
             <a:avLst/>
           </a:prstGeom>
+          <a:ln w="12700"/>
         </p:spPr>
         <p:style>
           <a:lnRef idx="1">
@@ -6152,6 +6556,7 @@
           <a:prstGeom prst="line">
             <a:avLst/>
           </a:prstGeom>
+          <a:ln w="12700"/>
         </p:spPr>
         <p:style>
           <a:lnRef idx="1">
@@ -6513,6 +6918,7 @@
           <a:prstGeom prst="line">
             <a:avLst/>
           </a:prstGeom>
+          <a:ln w="12700"/>
         </p:spPr>
         <p:style>
           <a:lnRef idx="1">
@@ -6552,6 +6958,7 @@
           <a:prstGeom prst="line">
             <a:avLst/>
           </a:prstGeom>
+          <a:ln w="12700"/>
         </p:spPr>
         <p:style>
           <a:lnRef idx="1">
@@ -6592,6 +6999,7 @@
           <a:prstGeom prst="line">
             <a:avLst/>
           </a:prstGeom>
+          <a:ln w="12700"/>
         </p:spPr>
         <p:style>
           <a:lnRef idx="1">
@@ -10142,8 +10550,8 @@
             <a:chExt cx="2568770" cy="1394547"/>
           </a:xfrm>
         </p:grpSpPr>
-        <mc:AlternateContent xmlns:mc="http://schemas.openxmlformats.org/markup-compatibility/2006">
-          <mc:Choice xmlns:a14="http://schemas.microsoft.com/office/drawing/2010/main" Requires="a14">
+        <mc:AlternateContent xmlns:mc="http://schemas.openxmlformats.org/markup-compatibility/2006" xmlns:a14="http://schemas.microsoft.com/office/drawing/2010/main">
+          <mc:Choice Requires="a14">
             <p:sp>
               <p:nvSpPr>
                 <p:cNvPr id="4" name="TextBox 3">
@@ -10172,6 +10580,7 @@
                 </a:bodyPr>
                 <a:lstStyle/>
                 <a:p>
+                  <a:pPr/>
                   <a14:m>
                     <m:oMathPara xmlns:m="http://schemas.openxmlformats.org/officeDocument/2006/math">
                       <m:oMathParaPr>
@@ -10193,7 +10602,7 @@
               </p:txBody>
             </p:sp>
           </mc:Choice>
-          <mc:Fallback>
+          <mc:Fallback xmlns="">
             <p:sp>
               <p:nvSpPr>
                 <p:cNvPr id="4" name="TextBox 3">
@@ -10238,8 +10647,8 @@
             </p:sp>
           </mc:Fallback>
         </mc:AlternateContent>
-        <mc:AlternateContent xmlns:mc="http://schemas.openxmlformats.org/markup-compatibility/2006">
-          <mc:Choice xmlns:a14="http://schemas.microsoft.com/office/drawing/2010/main" Requires="a14">
+        <mc:AlternateContent xmlns:mc="http://schemas.openxmlformats.org/markup-compatibility/2006" xmlns:a14="http://schemas.microsoft.com/office/drawing/2010/main">
+          <mc:Choice Requires="a14">
             <p:sp>
               <p:nvSpPr>
                 <p:cNvPr id="5" name="TextBox 4">
@@ -10290,7 +10699,7 @@
               </p:txBody>
             </p:sp>
           </mc:Choice>
-          <mc:Fallback>
+          <mc:Fallback xmlns="">
             <p:sp>
               <p:nvSpPr>
                 <p:cNvPr id="5" name="TextBox 4">
@@ -10335,8 +10744,8 @@
             </p:sp>
           </mc:Fallback>
         </mc:AlternateContent>
-        <mc:AlternateContent xmlns:mc="http://schemas.openxmlformats.org/markup-compatibility/2006">
-          <mc:Choice xmlns:a14="http://schemas.microsoft.com/office/drawing/2010/main" Requires="a14">
+        <mc:AlternateContent xmlns:mc="http://schemas.openxmlformats.org/markup-compatibility/2006" xmlns:a14="http://schemas.microsoft.com/office/drawing/2010/main">
+          <mc:Choice Requires="a14">
             <p:sp>
               <p:nvSpPr>
                 <p:cNvPr id="11" name="TextBox 10">
@@ -10387,7 +10796,7 @@
               </p:txBody>
             </p:sp>
           </mc:Choice>
-          <mc:Fallback>
+          <mc:Fallback xmlns="">
             <p:sp>
               <p:nvSpPr>
                 <p:cNvPr id="11" name="TextBox 10">
@@ -10432,8 +10841,8 @@
             </p:sp>
           </mc:Fallback>
         </mc:AlternateContent>
-        <mc:AlternateContent xmlns:mc="http://schemas.openxmlformats.org/markup-compatibility/2006">
-          <mc:Choice xmlns:a14="http://schemas.microsoft.com/office/drawing/2010/main" Requires="a14">
+        <mc:AlternateContent xmlns:mc="http://schemas.openxmlformats.org/markup-compatibility/2006" xmlns:a14="http://schemas.microsoft.com/office/drawing/2010/main">
+          <mc:Choice Requires="a14">
             <p:sp>
               <p:nvSpPr>
                 <p:cNvPr id="12" name="TextBox 11">
@@ -10484,7 +10893,7 @@
               </p:txBody>
             </p:sp>
           </mc:Choice>
-          <mc:Fallback>
+          <mc:Fallback xmlns="">
             <p:sp>
               <p:nvSpPr>
                 <p:cNvPr id="12" name="TextBox 11">
@@ -10530,6 +10939,54 @@
           </mc:Fallback>
         </mc:AlternateContent>
       </p:grpSp>
+      <p:sp>
+        <p:nvSpPr>
+          <p:cNvPr id="15" name="Footer Placeholder 14">
+            <a:extLst>
+              <a:ext uri="{FF2B5EF4-FFF2-40B4-BE49-F238E27FC236}">
+                <a16:creationId xmlns:a16="http://schemas.microsoft.com/office/drawing/2014/main" id="{601F9CBE-4909-D452-3E33-FCDB2E0BE287}"/>
+              </a:ext>
+            </a:extLst>
+          </p:cNvPr>
+          <p:cNvSpPr>
+            <a:spLocks noGrp="1"/>
+          </p:cNvSpPr>
+          <p:nvPr>
+            <p:ph type="ftr" sz="quarter" idx="11"/>
+          </p:nvPr>
+        </p:nvSpPr>
+        <p:spPr>
+          <a:xfrm>
+            <a:off x="2231857" y="6311089"/>
+            <a:ext cx="7149988" cy="365125"/>
+          </a:xfrm>
+        </p:spPr>
+        <p:txBody>
+          <a:bodyPr/>
+          <a:lstStyle/>
+          <a:p>
+            <a:r>
+              <a:rPr lang="en-US" sz="1400" b="0" i="1" dirty="0">
+                <a:solidFill>
+                  <a:schemeClr val="bg2">
+                    <a:lumMod val="50000"/>
+                  </a:schemeClr>
+                </a:solidFill>
+                <a:effectLst/>
+                <a:latin typeface="Söhne"/>
+              </a:rPr>
+              <a:t>Note: The parallelization focuses on the multiplication steps, with addition and subtraction processes being handled sequentially by the leader nodes.</a:t>
+            </a:r>
+            <a:endParaRPr lang="en-US" sz="1400" dirty="0">
+              <a:solidFill>
+                <a:schemeClr val="bg2">
+                  <a:lumMod val="50000"/>
+                </a:schemeClr>
+              </a:solidFill>
+            </a:endParaRPr>
+          </a:p>
+        </p:txBody>
+      </p:sp>
     </p:spTree>
     <p:extLst>
       <p:ext uri="{BB962C8B-B14F-4D97-AF65-F5344CB8AC3E}">
@@ -10622,6 +11079,7 @@
           <a:prstGeom prst="line">
             <a:avLst/>
           </a:prstGeom>
+          <a:ln w="12700"/>
         </p:spPr>
         <p:style>
           <a:lnRef idx="1">
@@ -10662,6 +11120,7 @@
           <a:prstGeom prst="line">
             <a:avLst/>
           </a:prstGeom>
+          <a:ln w="12700"/>
         </p:spPr>
         <p:style>
           <a:lnRef idx="1">
@@ -10702,6 +11161,7 @@
           <a:prstGeom prst="line">
             <a:avLst/>
           </a:prstGeom>
+          <a:ln w="12700"/>
         </p:spPr>
         <p:style>
           <a:lnRef idx="1">
@@ -11063,6 +11523,7 @@
           <a:prstGeom prst="line">
             <a:avLst/>
           </a:prstGeom>
+          <a:ln w="12700"/>
         </p:spPr>
         <p:style>
           <a:lnRef idx="1">
@@ -11102,6 +11563,7 @@
           <a:prstGeom prst="line">
             <a:avLst/>
           </a:prstGeom>
+          <a:ln w="12700"/>
         </p:spPr>
         <p:style>
           <a:lnRef idx="1">
@@ -11142,6 +11604,7 @@
           <a:prstGeom prst="line">
             <a:avLst/>
           </a:prstGeom>
+          <a:ln w="12700"/>
         </p:spPr>
         <p:style>
           <a:lnRef idx="1">
@@ -12186,8 +12649,8 @@
             <a:chExt cx="2568770" cy="1394547"/>
           </a:xfrm>
         </p:grpSpPr>
-        <mc:AlternateContent xmlns:mc="http://schemas.openxmlformats.org/markup-compatibility/2006">
-          <mc:Choice xmlns:a14="http://schemas.microsoft.com/office/drawing/2010/main" Requires="a14">
+        <mc:AlternateContent xmlns:mc="http://schemas.openxmlformats.org/markup-compatibility/2006" xmlns:a14="http://schemas.microsoft.com/office/drawing/2010/main">
+          <mc:Choice Requires="a14">
             <p:sp>
               <p:nvSpPr>
                 <p:cNvPr id="6" name="TextBox 5">
@@ -12216,6 +12679,7 @@
                 </a:bodyPr>
                 <a:lstStyle/>
                 <a:p>
+                  <a:pPr/>
                   <a14:m>
                     <m:oMathPara xmlns:m="http://schemas.openxmlformats.org/officeDocument/2006/math">
                       <m:oMathParaPr>
@@ -12237,7 +12701,7 @@
               </p:txBody>
             </p:sp>
           </mc:Choice>
-          <mc:Fallback>
+          <mc:Fallback xmlns="">
             <p:sp>
               <p:nvSpPr>
                 <p:cNvPr id="6" name="TextBox 5">
@@ -12282,8 +12746,8 @@
             </p:sp>
           </mc:Fallback>
         </mc:AlternateContent>
-        <mc:AlternateContent xmlns:mc="http://schemas.openxmlformats.org/markup-compatibility/2006">
-          <mc:Choice xmlns:a14="http://schemas.microsoft.com/office/drawing/2010/main" Requires="a14">
+        <mc:AlternateContent xmlns:mc="http://schemas.openxmlformats.org/markup-compatibility/2006" xmlns:a14="http://schemas.microsoft.com/office/drawing/2010/main">
+          <mc:Choice Requires="a14">
             <p:sp>
               <p:nvSpPr>
                 <p:cNvPr id="7" name="TextBox 6">
@@ -12334,7 +12798,7 @@
               </p:txBody>
             </p:sp>
           </mc:Choice>
-          <mc:Fallback>
+          <mc:Fallback xmlns="">
             <p:sp>
               <p:nvSpPr>
                 <p:cNvPr id="7" name="TextBox 6">
@@ -12379,8 +12843,8 @@
             </p:sp>
           </mc:Fallback>
         </mc:AlternateContent>
-        <mc:AlternateContent xmlns:mc="http://schemas.openxmlformats.org/markup-compatibility/2006">
-          <mc:Choice xmlns:a14="http://schemas.microsoft.com/office/drawing/2010/main" Requires="a14">
+        <mc:AlternateContent xmlns:mc="http://schemas.openxmlformats.org/markup-compatibility/2006" xmlns:a14="http://schemas.microsoft.com/office/drawing/2010/main">
+          <mc:Choice Requires="a14">
             <p:sp>
               <p:nvSpPr>
                 <p:cNvPr id="8" name="TextBox 7">
@@ -12431,7 +12895,7 @@
               </p:txBody>
             </p:sp>
           </mc:Choice>
-          <mc:Fallback>
+          <mc:Fallback xmlns="">
             <p:sp>
               <p:nvSpPr>
                 <p:cNvPr id="8" name="TextBox 7">
@@ -12476,8 +12940,8 @@
             </p:sp>
           </mc:Fallback>
         </mc:AlternateContent>
-        <mc:AlternateContent xmlns:mc="http://schemas.openxmlformats.org/markup-compatibility/2006">
-          <mc:Choice xmlns:a14="http://schemas.microsoft.com/office/drawing/2010/main" Requires="a14">
+        <mc:AlternateContent xmlns:mc="http://schemas.openxmlformats.org/markup-compatibility/2006" xmlns:a14="http://schemas.microsoft.com/office/drawing/2010/main">
+          <mc:Choice Requires="a14">
             <p:sp>
               <p:nvSpPr>
                 <p:cNvPr id="9" name="TextBox 8">
@@ -12528,7 +12992,7 @@
               </p:txBody>
             </p:sp>
           </mc:Choice>
-          <mc:Fallback>
+          <mc:Fallback xmlns="">
             <p:sp>
               <p:nvSpPr>
                 <p:cNvPr id="9" name="TextBox 8">
@@ -12666,6 +13130,7 @@
           <a:prstGeom prst="line">
             <a:avLst/>
           </a:prstGeom>
+          <a:ln w="12700"/>
         </p:spPr>
         <p:style>
           <a:lnRef idx="1">
@@ -12706,6 +13171,7 @@
           <a:prstGeom prst="line">
             <a:avLst/>
           </a:prstGeom>
+          <a:ln w="12700"/>
         </p:spPr>
         <p:style>
           <a:lnRef idx="1">
@@ -12746,6 +13212,7 @@
           <a:prstGeom prst="line">
             <a:avLst/>
           </a:prstGeom>
+          <a:ln w="12700"/>
         </p:spPr>
         <p:style>
           <a:lnRef idx="1">
@@ -13107,6 +13574,7 @@
           <a:prstGeom prst="line">
             <a:avLst/>
           </a:prstGeom>
+          <a:ln w="12700"/>
         </p:spPr>
         <p:style>
           <a:lnRef idx="1">
@@ -13146,6 +13614,7 @@
           <a:prstGeom prst="line">
             <a:avLst/>
           </a:prstGeom>
+          <a:ln w="12700"/>
         </p:spPr>
         <p:style>
           <a:lnRef idx="1">
@@ -13186,6 +13655,7 @@
           <a:prstGeom prst="line">
             <a:avLst/>
           </a:prstGeom>
+          <a:ln w="12700"/>
         </p:spPr>
         <p:style>
           <a:lnRef idx="1">
@@ -15166,8 +15636,8 @@
             <a:chExt cx="2568770" cy="1394547"/>
           </a:xfrm>
         </p:grpSpPr>
-        <mc:AlternateContent xmlns:mc="http://schemas.openxmlformats.org/markup-compatibility/2006">
-          <mc:Choice xmlns:a14="http://schemas.microsoft.com/office/drawing/2010/main" Requires="a14">
+        <mc:AlternateContent xmlns:mc="http://schemas.openxmlformats.org/markup-compatibility/2006" xmlns:a14="http://schemas.microsoft.com/office/drawing/2010/main">
+          <mc:Choice Requires="a14">
             <p:sp>
               <p:nvSpPr>
                 <p:cNvPr id="7" name="TextBox 6">
@@ -15196,6 +15666,7 @@
                 </a:bodyPr>
                 <a:lstStyle/>
                 <a:p>
+                  <a:pPr/>
                   <a14:m>
                     <m:oMathPara xmlns:m="http://schemas.openxmlformats.org/officeDocument/2006/math">
                       <m:oMathParaPr>
@@ -15217,7 +15688,7 @@
               </p:txBody>
             </p:sp>
           </mc:Choice>
-          <mc:Fallback>
+          <mc:Fallback xmlns="">
             <p:sp>
               <p:nvSpPr>
                 <p:cNvPr id="7" name="TextBox 6">
@@ -15262,8 +15733,8 @@
             </p:sp>
           </mc:Fallback>
         </mc:AlternateContent>
-        <mc:AlternateContent xmlns:mc="http://schemas.openxmlformats.org/markup-compatibility/2006">
-          <mc:Choice xmlns:a14="http://schemas.microsoft.com/office/drawing/2010/main" Requires="a14">
+        <mc:AlternateContent xmlns:mc="http://schemas.openxmlformats.org/markup-compatibility/2006" xmlns:a14="http://schemas.microsoft.com/office/drawing/2010/main">
+          <mc:Choice Requires="a14">
             <p:sp>
               <p:nvSpPr>
                 <p:cNvPr id="8" name="TextBox 7">
@@ -15314,7 +15785,7 @@
               </p:txBody>
             </p:sp>
           </mc:Choice>
-          <mc:Fallback>
+          <mc:Fallback xmlns="">
             <p:sp>
               <p:nvSpPr>
                 <p:cNvPr id="8" name="TextBox 7">
@@ -15359,8 +15830,8 @@
             </p:sp>
           </mc:Fallback>
         </mc:AlternateContent>
-        <mc:AlternateContent xmlns:mc="http://schemas.openxmlformats.org/markup-compatibility/2006">
-          <mc:Choice xmlns:a14="http://schemas.microsoft.com/office/drawing/2010/main" Requires="a14">
+        <mc:AlternateContent xmlns:mc="http://schemas.openxmlformats.org/markup-compatibility/2006" xmlns:a14="http://schemas.microsoft.com/office/drawing/2010/main">
+          <mc:Choice Requires="a14">
             <p:sp>
               <p:nvSpPr>
                 <p:cNvPr id="9" name="TextBox 8">
@@ -15411,7 +15882,7 @@
               </p:txBody>
             </p:sp>
           </mc:Choice>
-          <mc:Fallback>
+          <mc:Fallback xmlns="">
             <p:sp>
               <p:nvSpPr>
                 <p:cNvPr id="9" name="TextBox 8">
@@ -15456,8 +15927,8 @@
             </p:sp>
           </mc:Fallback>
         </mc:AlternateContent>
-        <mc:AlternateContent xmlns:mc="http://schemas.openxmlformats.org/markup-compatibility/2006">
-          <mc:Choice xmlns:a14="http://schemas.microsoft.com/office/drawing/2010/main" Requires="a14">
+        <mc:AlternateContent xmlns:mc="http://schemas.openxmlformats.org/markup-compatibility/2006" xmlns:a14="http://schemas.microsoft.com/office/drawing/2010/main">
+          <mc:Choice Requires="a14">
             <p:sp>
               <p:nvSpPr>
                 <p:cNvPr id="10" name="TextBox 9">
@@ -15508,7 +15979,7 @@
               </p:txBody>
             </p:sp>
           </mc:Choice>
-          <mc:Fallback>
+          <mc:Fallback xmlns="">
             <p:sp>
               <p:nvSpPr>
                 <p:cNvPr id="10" name="TextBox 9">
@@ -15849,8 +16320,8 @@
           </a:prstGeom>
         </p:spPr>
       </p:pic>
-      <mc:AlternateContent xmlns:mc="http://schemas.openxmlformats.org/markup-compatibility/2006">
-        <mc:Choice xmlns:a14="http://schemas.microsoft.com/office/drawing/2010/main" Requires="a14">
+      <mc:AlternateContent xmlns:mc="http://schemas.openxmlformats.org/markup-compatibility/2006" xmlns:a14="http://schemas.microsoft.com/office/drawing/2010/main">
+        <mc:Choice Requires="a14">
           <p:sp>
             <p:nvSpPr>
               <p:cNvPr id="6" name="TextBox 5">
@@ -15993,7 +16464,7 @@
             </p:txBody>
           </p:sp>
         </mc:Choice>
-        <mc:Fallback>
+        <mc:Fallback xmlns="">
           <p:sp>
             <p:nvSpPr>
               <p:cNvPr id="6" name="TextBox 5">
@@ -16344,4 +16815,299 @@
     </a:ext>
   </a:extLst>
 </a:theme>
+</file>
+
+<file path=ppt/theme/theme2.xml><?xml version="1.0" encoding="utf-8"?>
+<a:theme xmlns:a="http://schemas.openxmlformats.org/drawingml/2006/main" name="Office Theme">
+  <a:themeElements>
+    <a:clrScheme name="Office">
+      <a:dk1>
+        <a:sysClr val="windowText" lastClr="000000"/>
+      </a:dk1>
+      <a:lt1>
+        <a:sysClr val="window" lastClr="FFFFFF"/>
+      </a:lt1>
+      <a:dk2>
+        <a:srgbClr val="44546A"/>
+      </a:dk2>
+      <a:lt2>
+        <a:srgbClr val="E7E6E6"/>
+      </a:lt2>
+      <a:accent1>
+        <a:srgbClr val="4472C4"/>
+      </a:accent1>
+      <a:accent2>
+        <a:srgbClr val="ED7D31"/>
+      </a:accent2>
+      <a:accent3>
+        <a:srgbClr val="A5A5A5"/>
+      </a:accent3>
+      <a:accent4>
+        <a:srgbClr val="FFC000"/>
+      </a:accent4>
+      <a:accent5>
+        <a:srgbClr val="5B9BD5"/>
+      </a:accent5>
+      <a:accent6>
+        <a:srgbClr val="70AD47"/>
+      </a:accent6>
+      <a:hlink>
+        <a:srgbClr val="0563C1"/>
+      </a:hlink>
+      <a:folHlink>
+        <a:srgbClr val="954F72"/>
+      </a:folHlink>
+    </a:clrScheme>
+    <a:fontScheme name="Office">
+      <a:majorFont>
+        <a:latin typeface="Calibri Light" panose="020F0302020204030204"/>
+        <a:ea typeface=""/>
+        <a:cs typeface=""/>
+        <a:font script="Jpan" typeface="游ゴシック Light"/>
+        <a:font script="Hang" typeface="맑은 고딕"/>
+        <a:font script="Hans" typeface="等线 Light"/>
+        <a:font script="Hant" typeface="新細明體"/>
+        <a:font script="Arab" typeface="Times New Roman"/>
+        <a:font script="Hebr" typeface="Times New Roman"/>
+        <a:font script="Thai" typeface="Angsana New"/>
+        <a:font script="Ethi" typeface="Nyala"/>
+        <a:font script="Beng" typeface="Vrinda"/>
+        <a:font script="Gujr" typeface="Shruti"/>
+        <a:font script="Khmr" typeface="MoolBoran"/>
+        <a:font script="Knda" typeface="Tunga"/>
+        <a:font script="Guru" typeface="Raavi"/>
+        <a:font script="Cans" typeface="Euphemia"/>
+        <a:font script="Cher" typeface="Plantagenet Cherokee"/>
+        <a:font script="Yiii" typeface="Microsoft Yi Baiti"/>
+        <a:font script="Tibt" typeface="Microsoft Himalaya"/>
+        <a:font script="Thaa" typeface="MV Boli"/>
+        <a:font script="Deva" typeface="Mangal"/>
+        <a:font script="Telu" typeface="Gautami"/>
+        <a:font script="Taml" typeface="Latha"/>
+        <a:font script="Syrc" typeface="Estrangelo Edessa"/>
+        <a:font script="Orya" typeface="Kalinga"/>
+        <a:font script="Mlym" typeface="Kartika"/>
+        <a:font script="Laoo" typeface="DokChampa"/>
+        <a:font script="Sinh" typeface="Iskoola Pota"/>
+        <a:font script="Mong" typeface="Mongolian Baiti"/>
+        <a:font script="Viet" typeface="Times New Roman"/>
+        <a:font script="Uigh" typeface="Microsoft Uighur"/>
+        <a:font script="Geor" typeface="Sylfaen"/>
+        <a:font script="Armn" typeface="Arial"/>
+        <a:font script="Bugi" typeface="Leelawadee UI"/>
+        <a:font script="Bopo" typeface="Microsoft JhengHei"/>
+        <a:font script="Java" typeface="Javanese Text"/>
+        <a:font script="Lisu" typeface="Segoe UI"/>
+        <a:font script="Mymr" typeface="Myanmar Text"/>
+        <a:font script="Nkoo" typeface="Ebrima"/>
+        <a:font script="Olck" typeface="Nirmala UI"/>
+        <a:font script="Osma" typeface="Ebrima"/>
+        <a:font script="Phag" typeface="Phagspa"/>
+        <a:font script="Syrn" typeface="Estrangelo Edessa"/>
+        <a:font script="Syrj" typeface="Estrangelo Edessa"/>
+        <a:font script="Syre" typeface="Estrangelo Edessa"/>
+        <a:font script="Sora" typeface="Nirmala UI"/>
+        <a:font script="Tale" typeface="Microsoft Tai Le"/>
+        <a:font script="Talu" typeface="Microsoft New Tai Lue"/>
+        <a:font script="Tfng" typeface="Ebrima"/>
+      </a:majorFont>
+      <a:minorFont>
+        <a:latin typeface="Calibri" panose="020F0502020204030204"/>
+        <a:ea typeface=""/>
+        <a:cs typeface=""/>
+        <a:font script="Jpan" typeface="游ゴシック"/>
+        <a:font script="Hang" typeface="맑은 고딕"/>
+        <a:font script="Hans" typeface="等线"/>
+        <a:font script="Hant" typeface="新細明體"/>
+        <a:font script="Arab" typeface="Arial"/>
+        <a:font script="Hebr" typeface="Arial"/>
+        <a:font script="Thai" typeface="Cordia New"/>
+        <a:font script="Ethi" typeface="Nyala"/>
+        <a:font script="Beng" typeface="Vrinda"/>
+        <a:font script="Gujr" typeface="Shruti"/>
+        <a:font script="Khmr" typeface="DaunPenh"/>
+        <a:font script="Knda" typeface="Tunga"/>
+        <a:font script="Guru" typeface="Raavi"/>
+        <a:font script="Cans" typeface="Euphemia"/>
+        <a:font script="Cher" typeface="Plantagenet Cherokee"/>
+        <a:font script="Yiii" typeface="Microsoft Yi Baiti"/>
+        <a:font script="Tibt" typeface="Microsoft Himalaya"/>
+        <a:font script="Thaa" typeface="MV Boli"/>
+        <a:font script="Deva" typeface="Mangal"/>
+        <a:font script="Telu" typeface="Gautami"/>
+        <a:font script="Taml" typeface="Latha"/>
+        <a:font script="Syrc" typeface="Estrangelo Edessa"/>
+        <a:font script="Orya" typeface="Kalinga"/>
+        <a:font script="Mlym" typeface="Kartika"/>
+        <a:font script="Laoo" typeface="DokChampa"/>
+        <a:font script="Sinh" typeface="Iskoola Pota"/>
+        <a:font script="Mong" typeface="Mongolian Baiti"/>
+        <a:font script="Viet" typeface="Arial"/>
+        <a:font script="Uigh" typeface="Microsoft Uighur"/>
+        <a:font script="Geor" typeface="Sylfaen"/>
+        <a:font script="Armn" typeface="Arial"/>
+        <a:font script="Bugi" typeface="Leelawadee UI"/>
+        <a:font script="Bopo" typeface="Microsoft JhengHei"/>
+        <a:font script="Java" typeface="Javanese Text"/>
+        <a:font script="Lisu" typeface="Segoe UI"/>
+        <a:font script="Mymr" typeface="Myanmar Text"/>
+        <a:font script="Nkoo" typeface="Ebrima"/>
+        <a:font script="Olck" typeface="Nirmala UI"/>
+        <a:font script="Osma" typeface="Ebrima"/>
+        <a:font script="Phag" typeface="Phagspa"/>
+        <a:font script="Syrn" typeface="Estrangelo Edessa"/>
+        <a:font script="Syrj" typeface="Estrangelo Edessa"/>
+        <a:font script="Syre" typeface="Estrangelo Edessa"/>
+        <a:font script="Sora" typeface="Nirmala UI"/>
+        <a:font script="Tale" typeface="Microsoft Tai Le"/>
+        <a:font script="Talu" typeface="Microsoft New Tai Lue"/>
+        <a:font script="Tfng" typeface="Ebrima"/>
+      </a:minorFont>
+    </a:fontScheme>
+    <a:fmtScheme name="Office">
+      <a:fillStyleLst>
+        <a:solidFill>
+          <a:schemeClr val="phClr"/>
+        </a:solidFill>
+        <a:gradFill rotWithShape="1">
+          <a:gsLst>
+            <a:gs pos="0">
+              <a:schemeClr val="phClr">
+                <a:lumMod val="110000"/>
+                <a:satMod val="105000"/>
+                <a:tint val="67000"/>
+              </a:schemeClr>
+            </a:gs>
+            <a:gs pos="50000">
+              <a:schemeClr val="phClr">
+                <a:lumMod val="105000"/>
+                <a:satMod val="103000"/>
+                <a:tint val="73000"/>
+              </a:schemeClr>
+            </a:gs>
+            <a:gs pos="100000">
+              <a:schemeClr val="phClr">
+                <a:lumMod val="105000"/>
+                <a:satMod val="109000"/>
+                <a:tint val="81000"/>
+              </a:schemeClr>
+            </a:gs>
+          </a:gsLst>
+          <a:lin ang="5400000" scaled="0"/>
+        </a:gradFill>
+        <a:gradFill rotWithShape="1">
+          <a:gsLst>
+            <a:gs pos="0">
+              <a:schemeClr val="phClr">
+                <a:satMod val="103000"/>
+                <a:lumMod val="102000"/>
+                <a:tint val="94000"/>
+              </a:schemeClr>
+            </a:gs>
+            <a:gs pos="50000">
+              <a:schemeClr val="phClr">
+                <a:satMod val="110000"/>
+                <a:lumMod val="100000"/>
+                <a:shade val="100000"/>
+              </a:schemeClr>
+            </a:gs>
+            <a:gs pos="100000">
+              <a:schemeClr val="phClr">
+                <a:lumMod val="99000"/>
+                <a:satMod val="120000"/>
+                <a:shade val="78000"/>
+              </a:schemeClr>
+            </a:gs>
+          </a:gsLst>
+          <a:lin ang="5400000" scaled="0"/>
+        </a:gradFill>
+      </a:fillStyleLst>
+      <a:lnStyleLst>
+        <a:ln w="6350" cap="flat" cmpd="sng" algn="ctr">
+          <a:solidFill>
+            <a:schemeClr val="phClr"/>
+          </a:solidFill>
+          <a:prstDash val="solid"/>
+          <a:miter lim="800000"/>
+        </a:ln>
+        <a:ln w="12700" cap="flat" cmpd="sng" algn="ctr">
+          <a:solidFill>
+            <a:schemeClr val="phClr"/>
+          </a:solidFill>
+          <a:prstDash val="solid"/>
+          <a:miter lim="800000"/>
+        </a:ln>
+        <a:ln w="19050" cap="flat" cmpd="sng" algn="ctr">
+          <a:solidFill>
+            <a:schemeClr val="phClr"/>
+          </a:solidFill>
+          <a:prstDash val="solid"/>
+          <a:miter lim="800000"/>
+        </a:ln>
+      </a:lnStyleLst>
+      <a:effectStyleLst>
+        <a:effectStyle>
+          <a:effectLst/>
+        </a:effectStyle>
+        <a:effectStyle>
+          <a:effectLst/>
+        </a:effectStyle>
+        <a:effectStyle>
+          <a:effectLst>
+            <a:outerShdw blurRad="57150" dist="19050" dir="5400000" algn="ctr" rotWithShape="0">
+              <a:srgbClr val="000000">
+                <a:alpha val="63000"/>
+              </a:srgbClr>
+            </a:outerShdw>
+          </a:effectLst>
+        </a:effectStyle>
+      </a:effectStyleLst>
+      <a:bgFillStyleLst>
+        <a:solidFill>
+          <a:schemeClr val="phClr"/>
+        </a:solidFill>
+        <a:solidFill>
+          <a:schemeClr val="phClr">
+            <a:tint val="95000"/>
+            <a:satMod val="170000"/>
+          </a:schemeClr>
+        </a:solidFill>
+        <a:gradFill rotWithShape="1">
+          <a:gsLst>
+            <a:gs pos="0">
+              <a:schemeClr val="phClr">
+                <a:tint val="93000"/>
+                <a:satMod val="150000"/>
+                <a:shade val="98000"/>
+                <a:lumMod val="102000"/>
+              </a:schemeClr>
+            </a:gs>
+            <a:gs pos="50000">
+              <a:schemeClr val="phClr">
+                <a:tint val="98000"/>
+                <a:satMod val="130000"/>
+                <a:shade val="90000"/>
+                <a:lumMod val="103000"/>
+              </a:schemeClr>
+            </a:gs>
+            <a:gs pos="100000">
+              <a:schemeClr val="phClr">
+                <a:shade val="63000"/>
+                <a:satMod val="120000"/>
+              </a:schemeClr>
+            </a:gs>
+          </a:gsLst>
+          <a:lin ang="5400000" scaled="0"/>
+        </a:gradFill>
+      </a:bgFillStyleLst>
+    </a:fmtScheme>
+  </a:themeElements>
+  <a:objectDefaults/>
+  <a:extraClrSchemeLst/>
+  <a:extLst>
+    <a:ext uri="{05A4C25C-085E-4340-85A3-A5531E510DB2}">
+      <thm15:themeFamily xmlns:thm15="http://schemas.microsoft.com/office/thememl/2012/main" name="Office Theme" id="{62F939B6-93AF-4DB8-9C6B-D6C7DFDC589F}" vid="{4A3C46E8-61CC-4603-A589-7422A47A8E4A}"/>
+    </a:ext>
+  </a:extLst>
+</a:theme>
 </file>
--- a/powerpoint/Pre.pptx
+++ b/powerpoint/Pre.pptx
@@ -211,7 +211,7 @@
           <a:p>
             <a:fld id="{A1B6EC56-3874-AD4B-8EAD-329C4B56B81C}" type="datetimeFigureOut">
               <a:rPr lang="en-US" smtClean="0"/>
-              <a:t>11/23/23</a:t>
+              <a:t>12/1/23</a:t>
             </a:fld>
             <a:endParaRPr lang="en-US"/>
           </a:p>
@@ -625,7 +625,7 @@
           <a:p>
             <a:fld id="{768BF9F1-C7C5-AA4A-AEFB-089A28405F2B}" type="datetimeFigureOut">
               <a:rPr lang="en-US" smtClean="0"/>
-              <a:t>11/23/23</a:t>
+              <a:t>12/1/23</a:t>
             </a:fld>
             <a:endParaRPr lang="en-US"/>
           </a:p>
@@ -823,7 +823,7 @@
           <a:p>
             <a:fld id="{768BF9F1-C7C5-AA4A-AEFB-089A28405F2B}" type="datetimeFigureOut">
               <a:rPr lang="en-US" smtClean="0"/>
-              <a:t>11/23/23</a:t>
+              <a:t>12/1/23</a:t>
             </a:fld>
             <a:endParaRPr lang="en-US"/>
           </a:p>
@@ -1031,7 +1031,7 @@
           <a:p>
             <a:fld id="{768BF9F1-C7C5-AA4A-AEFB-089A28405F2B}" type="datetimeFigureOut">
               <a:rPr lang="en-US" smtClean="0"/>
-              <a:t>11/23/23</a:t>
+              <a:t>12/1/23</a:t>
             </a:fld>
             <a:endParaRPr lang="en-US"/>
           </a:p>
@@ -1229,7 +1229,7 @@
           <a:p>
             <a:fld id="{768BF9F1-C7C5-AA4A-AEFB-089A28405F2B}" type="datetimeFigureOut">
               <a:rPr lang="en-US" smtClean="0"/>
-              <a:t>11/23/23</a:t>
+              <a:t>12/1/23</a:t>
             </a:fld>
             <a:endParaRPr lang="en-US"/>
           </a:p>
@@ -1504,7 +1504,7 @@
           <a:p>
             <a:fld id="{768BF9F1-C7C5-AA4A-AEFB-089A28405F2B}" type="datetimeFigureOut">
               <a:rPr lang="en-US" smtClean="0"/>
-              <a:t>11/23/23</a:t>
+              <a:t>12/1/23</a:t>
             </a:fld>
             <a:endParaRPr lang="en-US"/>
           </a:p>
@@ -1769,7 +1769,7 @@
           <a:p>
             <a:fld id="{768BF9F1-C7C5-AA4A-AEFB-089A28405F2B}" type="datetimeFigureOut">
               <a:rPr lang="en-US" smtClean="0"/>
-              <a:t>11/23/23</a:t>
+              <a:t>12/1/23</a:t>
             </a:fld>
             <a:endParaRPr lang="en-US"/>
           </a:p>
@@ -2181,7 +2181,7 @@
           <a:p>
             <a:fld id="{768BF9F1-C7C5-AA4A-AEFB-089A28405F2B}" type="datetimeFigureOut">
               <a:rPr lang="en-US" smtClean="0"/>
-              <a:t>11/23/23</a:t>
+              <a:t>12/1/23</a:t>
             </a:fld>
             <a:endParaRPr lang="en-US"/>
           </a:p>
@@ -2322,7 +2322,7 @@
           <a:p>
             <a:fld id="{768BF9F1-C7C5-AA4A-AEFB-089A28405F2B}" type="datetimeFigureOut">
               <a:rPr lang="en-US" smtClean="0"/>
-              <a:t>11/23/23</a:t>
+              <a:t>12/1/23</a:t>
             </a:fld>
             <a:endParaRPr lang="en-US"/>
           </a:p>
@@ -2435,7 +2435,7 @@
           <a:p>
             <a:fld id="{768BF9F1-C7C5-AA4A-AEFB-089A28405F2B}" type="datetimeFigureOut">
               <a:rPr lang="en-US" smtClean="0"/>
-              <a:t>11/23/23</a:t>
+              <a:t>12/1/23</a:t>
             </a:fld>
             <a:endParaRPr lang="en-US"/>
           </a:p>
@@ -2746,7 +2746,7 @@
           <a:p>
             <a:fld id="{768BF9F1-C7C5-AA4A-AEFB-089A28405F2B}" type="datetimeFigureOut">
               <a:rPr lang="en-US" smtClean="0"/>
-              <a:t>11/23/23</a:t>
+              <a:t>12/1/23</a:t>
             </a:fld>
             <a:endParaRPr lang="en-US"/>
           </a:p>
@@ -3034,7 +3034,7 @@
           <a:p>
             <a:fld id="{768BF9F1-C7C5-AA4A-AEFB-089A28405F2B}" type="datetimeFigureOut">
               <a:rPr lang="en-US" smtClean="0"/>
-              <a:t>11/23/23</a:t>
+              <a:t>12/1/23</a:t>
             </a:fld>
             <a:endParaRPr lang="en-US"/>
           </a:p>
@@ -3275,7 +3275,7 @@
           <a:p>
             <a:fld id="{768BF9F1-C7C5-AA4A-AEFB-089A28405F2B}" type="datetimeFigureOut">
               <a:rPr lang="en-US" smtClean="0"/>
-              <a:t>11/23/23</a:t>
+              <a:t>12/1/23</a:t>
             </a:fld>
             <a:endParaRPr lang="en-US"/>
           </a:p>
@@ -4034,8 +4034,8 @@
         </p:nvSpPr>
         <p:spPr>
           <a:xfrm>
-            <a:off x="4214822" y="6304338"/>
-            <a:ext cx="4284784" cy="365125"/>
+            <a:off x="2592142" y="6304338"/>
+            <a:ext cx="5907464" cy="365125"/>
           </a:xfrm>
         </p:spPr>
         <p:txBody>
@@ -4043,7 +4043,7 @@
           <a:lstStyle/>
           <a:p>
             <a:r>
-              <a:rPr lang="en-US" sz="1400" dirty="0"/>
+              <a:rPr lang="en-US" sz="1800" dirty="0"/>
               <a:t>We take (P = 7) as the baseline to compare performance</a:t>
             </a:r>
           </a:p>
@@ -4135,207 +4135,345 @@
           </a:p>
         </p:txBody>
       </p:sp>
-      <p:sp>
-        <p:nvSpPr>
-          <p:cNvPr id="4" name="Content Placeholder 3">
-            <a:extLst>
-              <a:ext uri="{FF2B5EF4-FFF2-40B4-BE49-F238E27FC236}">
-                <a16:creationId xmlns:a16="http://schemas.microsoft.com/office/drawing/2014/main" id="{DAA59309-095E-0F63-5DF3-4C441C32538C}"/>
-              </a:ext>
-            </a:extLst>
-          </p:cNvPr>
-          <p:cNvSpPr>
-            <a:spLocks noGrp="1"/>
-          </p:cNvSpPr>
-          <p:nvPr>
-            <p:ph idx="1"/>
-          </p:nvPr>
-        </p:nvSpPr>
-        <p:spPr>
-          <a:xfrm>
-            <a:off x="715617" y="1272208"/>
-            <a:ext cx="10760765" cy="5198166"/>
-          </a:xfrm>
-        </p:spPr>
-        <p:txBody>
-          <a:bodyPr>
-            <a:normAutofit/>
-          </a:bodyPr>
-          <a:lstStyle/>
-          <a:p>
-            <a:pPr algn="l">
-              <a:lnSpc>
-                <a:spcPct val="150000"/>
-              </a:lnSpc>
-            </a:pPr>
-            <a:r>
-              <a:rPr lang="en-US" b="1" i="0" dirty="0">
-                <a:solidFill>
-                  <a:srgbClr val="0F0F0F"/>
-                </a:solidFill>
-                <a:effectLst/>
-                <a:cs typeface="Arial" panose="020B0604020202020204" pitchFamily="34" charset="0"/>
-              </a:rPr>
-              <a:t>Trends</a:t>
-            </a:r>
-          </a:p>
-          <a:p>
-            <a:pPr lvl="1">
-              <a:lnSpc>
-                <a:spcPct val="150000"/>
-              </a:lnSpc>
-            </a:pPr>
-            <a:r>
-              <a:rPr lang="en-US" dirty="0">
-                <a:solidFill>
-                  <a:srgbClr val="0F0F0F"/>
-                </a:solidFill>
-                <a:cs typeface="Arial" panose="020B0604020202020204" pitchFamily="34" charset="0"/>
-              </a:rPr>
-              <a:t>Speedup improves when matrices become larger.</a:t>
-            </a:r>
-            <a:endParaRPr lang="en-US" i="0" dirty="0">
-              <a:solidFill>
-                <a:srgbClr val="0F0F0F"/>
-              </a:solidFill>
-              <a:effectLst/>
-              <a:cs typeface="Arial" panose="020B0604020202020204" pitchFamily="34" charset="0"/>
-            </a:endParaRPr>
-          </a:p>
-          <a:p>
-            <a:pPr algn="l">
-              <a:lnSpc>
-                <a:spcPct val="150000"/>
-              </a:lnSpc>
-            </a:pPr>
-            <a:r>
-              <a:rPr lang="en-US" b="1" i="0" dirty="0">
-                <a:solidFill>
-                  <a:srgbClr val="0F0F0F"/>
-                </a:solidFill>
-                <a:effectLst/>
-                <a:cs typeface="Arial" panose="020B0604020202020204" pitchFamily="34" charset="0"/>
-              </a:rPr>
-              <a:t>Computation to Communication Ratio </a:t>
-            </a:r>
-            <a:r>
-              <a:rPr lang="en-US" b="0" i="0" dirty="0">
-                <a:solidFill>
-                  <a:srgbClr val="0F0F0F"/>
-                </a:solidFill>
-                <a:effectLst/>
-                <a:cs typeface="Arial" panose="020B0604020202020204" pitchFamily="34" charset="0"/>
-              </a:rPr>
-              <a:t>:</a:t>
-            </a:r>
-          </a:p>
-          <a:p>
-            <a:pPr lvl="1">
-              <a:lnSpc>
-                <a:spcPct val="150000"/>
-              </a:lnSpc>
-            </a:pPr>
-            <a:r>
-              <a:rPr lang="en-US" b="0" i="0" dirty="0">
-                <a:solidFill>
-                  <a:srgbClr val="0F0F0F"/>
-                </a:solidFill>
-                <a:effectLst/>
-                <a:cs typeface="Arial" panose="020B0604020202020204" pitchFamily="34" charset="0"/>
-              </a:rPr>
-              <a:t> </a:t>
-            </a:r>
-            <a:r>
-              <a:rPr lang="en-US" altLang="zh-CN" b="0" i="0" dirty="0">
-                <a:solidFill>
-                  <a:srgbClr val="0F0F0F"/>
-                </a:solidFill>
-                <a:effectLst/>
-                <a:latin typeface="Söhne"/>
-              </a:rPr>
-              <a:t>improves</a:t>
-            </a:r>
-            <a:r>
-              <a:rPr lang="en-US" b="0" i="0" dirty="0">
-                <a:solidFill>
-                  <a:srgbClr val="0F0F0F"/>
-                </a:solidFill>
-                <a:effectLst/>
-                <a:latin typeface="Söhne"/>
-              </a:rPr>
-              <a:t> as matrix size </a:t>
-            </a:r>
-            <a:r>
-              <a:rPr lang="en-US" b="0" i="1" dirty="0">
-                <a:solidFill>
-                  <a:srgbClr val="0F0F0F"/>
-                </a:solidFill>
-                <a:effectLst/>
-                <a:latin typeface="KaTeX_Math"/>
-              </a:rPr>
-              <a:t>N</a:t>
-            </a:r>
-            <a:r>
-              <a:rPr lang="en-US" b="0" i="0" dirty="0">
-                <a:solidFill>
-                  <a:srgbClr val="0F0F0F"/>
-                </a:solidFill>
-                <a:effectLst/>
-                <a:latin typeface="Söhne"/>
-              </a:rPr>
-              <a:t> increases, contributing to a more notable speedup.</a:t>
-            </a:r>
-            <a:endParaRPr lang="en-US" b="0" i="0" dirty="0">
-              <a:solidFill>
-                <a:srgbClr val="0F0F0F"/>
-              </a:solidFill>
-              <a:effectLst/>
-              <a:cs typeface="Arial" panose="020B0604020202020204" pitchFamily="34" charset="0"/>
-            </a:endParaRPr>
-          </a:p>
-          <a:p>
-            <a:pPr algn="l">
-              <a:lnSpc>
-                <a:spcPct val="150000"/>
-              </a:lnSpc>
-            </a:pPr>
-            <a:r>
-              <a:rPr lang="en-US" b="1" i="0" dirty="0">
-                <a:solidFill>
-                  <a:srgbClr val="0F0F0F"/>
-                </a:solidFill>
-                <a:effectLst/>
-                <a:cs typeface="Arial" panose="020B0604020202020204" pitchFamily="34" charset="0"/>
-              </a:rPr>
-              <a:t>Future Optimization</a:t>
-            </a:r>
-            <a:endParaRPr lang="en-US" b="0" i="0" dirty="0">
-              <a:solidFill>
-                <a:srgbClr val="0F0F0F"/>
-              </a:solidFill>
-              <a:effectLst/>
-              <a:cs typeface="Arial" panose="020B0604020202020204" pitchFamily="34" charset="0"/>
-            </a:endParaRPr>
-          </a:p>
-          <a:p>
-            <a:pPr lvl="1">
-              <a:lnSpc>
-                <a:spcPct val="150000"/>
-              </a:lnSpc>
-            </a:pPr>
-            <a:r>
-              <a:rPr lang="en-US" b="0" i="0" dirty="0">
-                <a:solidFill>
-                  <a:srgbClr val="0F0F0F"/>
-                </a:solidFill>
-                <a:effectLst/>
-                <a:cs typeface="Arial" panose="020B0604020202020204" pitchFamily="34" charset="0"/>
-              </a:rPr>
-              <a:t>Improve load distribution among processors</a:t>
-            </a:r>
-          </a:p>
-        </p:txBody>
-      </p:sp>
+      <mc:AlternateContent xmlns:mc="http://schemas.openxmlformats.org/markup-compatibility/2006" xmlns:a14="http://schemas.microsoft.com/office/drawing/2010/main">
+        <mc:Choice Requires="a14">
+          <p:sp>
+            <p:nvSpPr>
+              <p:cNvPr id="4" name="Content Placeholder 3">
+                <a:extLst>
+                  <a:ext uri="{FF2B5EF4-FFF2-40B4-BE49-F238E27FC236}">
+                    <a16:creationId xmlns:a16="http://schemas.microsoft.com/office/drawing/2014/main" id="{DAA59309-095E-0F63-5DF3-4C441C32538C}"/>
+                  </a:ext>
+                </a:extLst>
+              </p:cNvPr>
+              <p:cNvSpPr>
+                <a:spLocks noGrp="1"/>
+              </p:cNvSpPr>
+              <p:nvPr>
+                <p:ph idx="1"/>
+              </p:nvPr>
+            </p:nvSpPr>
+            <p:spPr>
+              <a:xfrm>
+                <a:off x="715617" y="1272208"/>
+                <a:ext cx="10760765" cy="5198166"/>
+              </a:xfrm>
+            </p:spPr>
+            <p:txBody>
+              <a:bodyPr>
+                <a:normAutofit/>
+              </a:bodyPr>
+              <a:lstStyle/>
+              <a:p>
+                <a:pPr algn="l">
+                  <a:lnSpc>
+                    <a:spcPct val="150000"/>
+                  </a:lnSpc>
+                </a:pPr>
+                <a:r>
+                  <a:rPr lang="en-US" b="1" i="0" dirty="0">
+                    <a:solidFill>
+                      <a:srgbClr val="0F0F0F"/>
+                    </a:solidFill>
+                    <a:effectLst/>
+                    <a:cs typeface="Arial" panose="020B0604020202020204" pitchFamily="34" charset="0"/>
+                  </a:rPr>
+                  <a:t>Trends</a:t>
+                </a:r>
+              </a:p>
+              <a:p>
+                <a:pPr lvl="1">
+                  <a:lnSpc>
+                    <a:spcPct val="150000"/>
+                  </a:lnSpc>
+                </a:pPr>
+                <a:r>
+                  <a:rPr lang="en-US" dirty="0">
+                    <a:solidFill>
+                      <a:srgbClr val="0F0F0F"/>
+                    </a:solidFill>
+                    <a:cs typeface="Arial" panose="020B0604020202020204" pitchFamily="34" charset="0"/>
+                  </a:rPr>
+                  <a:t>Speedup improves when matrices become larger.</a:t>
+                </a:r>
+                <a:endParaRPr lang="en-US" i="0" dirty="0">
+                  <a:solidFill>
+                    <a:srgbClr val="0F0F0F"/>
+                  </a:solidFill>
+                  <a:effectLst/>
+                  <a:cs typeface="Arial" panose="020B0604020202020204" pitchFamily="34" charset="0"/>
+                </a:endParaRPr>
+              </a:p>
+              <a:p>
+                <a:pPr algn="l">
+                  <a:lnSpc>
+                    <a:spcPct val="150000"/>
+                  </a:lnSpc>
+                </a:pPr>
+                <a:r>
+                  <a:rPr lang="en-US" b="1" i="0" dirty="0">
+                    <a:solidFill>
+                      <a:srgbClr val="0F0F0F"/>
+                    </a:solidFill>
+                    <a:effectLst/>
+                    <a:cs typeface="Arial" panose="020B0604020202020204" pitchFamily="34" charset="0"/>
+                  </a:rPr>
+                  <a:t>Computation to Communication Ratio </a:t>
+                </a:r>
+                <a:r>
+                  <a:rPr lang="en-US" b="0" i="0" dirty="0">
+                    <a:solidFill>
+                      <a:srgbClr val="0F0F0F"/>
+                    </a:solidFill>
+                    <a:effectLst/>
+                    <a:cs typeface="Arial" panose="020B0604020202020204" pitchFamily="34" charset="0"/>
+                  </a:rPr>
+                  <a:t>:</a:t>
+                </a:r>
+              </a:p>
+              <a:p>
+                <a:pPr lvl="1">
+                  <a:lnSpc>
+                    <a:spcPct val="150000"/>
+                  </a:lnSpc>
+                </a:pPr>
+                <a:r>
+                  <a:rPr lang="en-US" b="0" i="0" dirty="0">
+                    <a:solidFill>
+                      <a:srgbClr val="0F0F0F"/>
+                    </a:solidFill>
+                    <a:effectLst/>
+                    <a:latin typeface="Söhne"/>
+                  </a:rPr>
+                  <a:t>Grows as matrix size </a:t>
+                </a:r>
+                <a:r>
+                  <a:rPr lang="en-US" b="0" i="1" dirty="0">
+                    <a:solidFill>
+                      <a:srgbClr val="0F0F0F"/>
+                    </a:solidFill>
+                    <a:effectLst/>
+                    <a:latin typeface="KaTeX_Math"/>
+                  </a:rPr>
+                  <a:t>N</a:t>
+                </a:r>
+                <a:r>
+                  <a:rPr lang="en-US" b="0" i="0" dirty="0">
+                    <a:solidFill>
+                      <a:srgbClr val="0F0F0F"/>
+                    </a:solidFill>
+                    <a:effectLst/>
+                    <a:latin typeface="Söhne"/>
+                  </a:rPr>
+                  <a:t> increases, contributing to a more notable speedup.</a:t>
+                </a:r>
+                <a:endParaRPr lang="en-US" b="0" i="0" dirty="0">
+                  <a:solidFill>
+                    <a:srgbClr val="0F0F0F"/>
+                  </a:solidFill>
+                  <a:effectLst/>
+                  <a:cs typeface="Arial" panose="020B0604020202020204" pitchFamily="34" charset="0"/>
+                </a:endParaRPr>
+              </a:p>
+              <a:p>
+                <a:pPr algn="l">
+                  <a:lnSpc>
+                    <a:spcPct val="150000"/>
+                  </a:lnSpc>
+                </a:pPr>
+                <a:r>
+                  <a:rPr lang="en-US" b="1" i="0" dirty="0">
+                    <a:solidFill>
+                      <a:srgbClr val="0F0F0F"/>
+                    </a:solidFill>
+                    <a:effectLst/>
+                    <a:cs typeface="Arial" panose="020B0604020202020204" pitchFamily="34" charset="0"/>
+                  </a:rPr>
+                  <a:t>Future Optimization</a:t>
+                </a:r>
+                <a:endParaRPr lang="en-US" b="0" i="0" dirty="0">
+                  <a:solidFill>
+                    <a:srgbClr val="0F0F0F"/>
+                  </a:solidFill>
+                  <a:effectLst/>
+                  <a:cs typeface="Arial" panose="020B0604020202020204" pitchFamily="34" charset="0"/>
+                </a:endParaRPr>
+              </a:p>
+              <a:p>
+                <a:pPr lvl="1">
+                  <a:lnSpc>
+                    <a:spcPct val="150000"/>
+                  </a:lnSpc>
+                </a:pPr>
+                <a:r>
+                  <a:rPr lang="en-US" dirty="0">
+                    <a:solidFill>
+                      <a:srgbClr val="374151"/>
+                    </a:solidFill>
+                    <a:latin typeface="Söhne"/>
+                  </a:rPr>
+                  <a:t>Improve </a:t>
+                </a:r>
+                <a:r>
+                  <a:rPr lang="en-US" b="0" i="0" dirty="0">
+                    <a:solidFill>
+                      <a:srgbClr val="374151"/>
+                    </a:solidFill>
+                    <a:effectLst/>
+                    <a:latin typeface="Söhne"/>
+                  </a:rPr>
+                  <a:t>adaptability to support </a:t>
+                </a:r>
+                <a:r>
+                  <a:rPr lang="en-US" b="0" i="1" dirty="0">
+                    <a:solidFill>
+                      <a:srgbClr val="374151"/>
+                    </a:solidFill>
+                    <a:effectLst/>
+                    <a:latin typeface="Söhne"/>
+                  </a:rPr>
+                  <a:t>dynamic</a:t>
+                </a:r>
+                <a:r>
+                  <a:rPr lang="en-US" b="0" i="0" dirty="0">
+                    <a:solidFill>
+                      <a:srgbClr val="374151"/>
+                    </a:solidFill>
+                    <a:effectLst/>
+                    <a:latin typeface="Söhne"/>
+                  </a:rPr>
+                  <a:t> core allocation beyond the rigid  </a:t>
+                </a:r>
+                <a14:m>
+                  <m:oMath xmlns:m="http://schemas.openxmlformats.org/officeDocument/2006/math">
+                    <m:sSup>
+                      <m:sSupPr>
+                        <m:ctrlPr>
+                          <a:rPr lang="en-US" b="0" i="1" smtClean="0">
+                            <a:solidFill>
+                              <a:srgbClr val="374151"/>
+                            </a:solidFill>
+                            <a:effectLst/>
+                            <a:latin typeface="Cambria Math" panose="02040503050406030204" pitchFamily="18" charset="0"/>
+                          </a:rPr>
+                        </m:ctrlPr>
+                      </m:sSupPr>
+                      <m:e>
+                        <m:r>
+                          <a:rPr lang="en-US" b="0" i="1" smtClean="0">
+                            <a:solidFill>
+                              <a:srgbClr val="374151"/>
+                            </a:solidFill>
+                            <a:effectLst/>
+                            <a:latin typeface="Cambria Math" panose="02040503050406030204" pitchFamily="18" charset="0"/>
+                          </a:rPr>
+                          <m:t>7</m:t>
+                        </m:r>
+                      </m:e>
+                      <m:sup>
+                        <m:r>
+                          <a:rPr lang="en-US" b="0" i="1" smtClean="0">
+                            <a:solidFill>
+                              <a:srgbClr val="374151"/>
+                            </a:solidFill>
+                            <a:effectLst/>
+                            <a:latin typeface="Cambria Math" panose="02040503050406030204" pitchFamily="18" charset="0"/>
+                          </a:rPr>
+                          <m:t>𝑙𝑒𝑣𝑒𝑙</m:t>
+                        </m:r>
+                      </m:sup>
+                    </m:sSup>
+                  </m:oMath>
+                </a14:m>
+                <a:endParaRPr lang="en-US" b="0" i="0" dirty="0">
+                  <a:solidFill>
+                    <a:srgbClr val="374151"/>
+                  </a:solidFill>
+                  <a:effectLst/>
+                  <a:latin typeface="Söhne"/>
+                </a:endParaRPr>
+              </a:p>
+              <a:p>
+                <a:pPr marL="457200" lvl="1" indent="0">
+                  <a:lnSpc>
+                    <a:spcPct val="150000"/>
+                  </a:lnSpc>
+                  <a:buNone/>
+                </a:pPr>
+                <a:r>
+                  <a:rPr lang="en-US" dirty="0">
+                    <a:solidFill>
+                      <a:srgbClr val="374151"/>
+                    </a:solidFill>
+                    <a:latin typeface="Söhne"/>
+                  </a:rPr>
+                  <a:t>r</a:t>
+                </a:r>
+                <a:r>
+                  <a:rPr lang="en-US" b="0" i="0" dirty="0">
+                    <a:solidFill>
+                      <a:srgbClr val="374151"/>
+                    </a:solidFill>
+                    <a:effectLst/>
+                    <a:latin typeface="Söhne"/>
+                  </a:rPr>
+                  <a:t>equirement.</a:t>
+                </a:r>
+                <a:endParaRPr lang="en-US" b="0" i="0" dirty="0">
+                  <a:solidFill>
+                    <a:srgbClr val="0F0F0F"/>
+                  </a:solidFill>
+                  <a:effectLst/>
+                  <a:cs typeface="Arial" panose="020B0604020202020204" pitchFamily="34" charset="0"/>
+                </a:endParaRPr>
+              </a:p>
+            </p:txBody>
+          </p:sp>
+        </mc:Choice>
+        <mc:Fallback xmlns="">
+          <p:sp>
+            <p:nvSpPr>
+              <p:cNvPr id="4" name="Content Placeholder 3">
+                <a:extLst>
+                  <a:ext uri="{FF2B5EF4-FFF2-40B4-BE49-F238E27FC236}">
+                    <a16:creationId xmlns:a16="http://schemas.microsoft.com/office/drawing/2014/main" id="{DAA59309-095E-0F63-5DF3-4C441C32538C}"/>
+                  </a:ext>
+                </a:extLst>
+              </p:cNvPr>
+              <p:cNvSpPr>
+                <a:spLocks noGrp="1" noRot="1" noChangeAspect="1" noMove="1" noResize="1" noEditPoints="1" noAdjustHandles="1" noChangeArrowheads="1" noChangeShapeType="1" noTextEdit="1"/>
+              </p:cNvSpPr>
+              <p:nvPr>
+                <p:ph idx="1"/>
+              </p:nvPr>
+            </p:nvSpPr>
+            <p:spPr>
+              <a:xfrm>
+                <a:off x="715617" y="1272208"/>
+                <a:ext cx="10760765" cy="5198166"/>
+              </a:xfrm>
+              <a:blipFill>
+                <a:blip r:embed="rId2"/>
+                <a:stretch>
+                  <a:fillRect l="-943"/>
+                </a:stretch>
+              </a:blipFill>
+            </p:spPr>
+            <p:txBody>
+              <a:bodyPr/>
+              <a:lstStyle/>
+              <a:p>
+                <a:r>
+                  <a:rPr lang="en-US">
+                    <a:noFill/>
+                  </a:rPr>
+                  <a:t> </a:t>
+                </a:r>
+              </a:p>
+            </p:txBody>
+          </p:sp>
+        </mc:Fallback>
+      </mc:AlternateContent>
     </p:spTree>
     <p:extLst>
       <p:ext uri="{BB962C8B-B14F-4D97-AF65-F5344CB8AC3E}">
@@ -4457,21 +4595,18 @@
             </a:pPr>
             <a:r>
               <a:rPr lang="en-US" sz="2400" dirty="0">
-                <a:latin typeface="Arial" panose="020B0604020202020204" pitchFamily="34" charset="0"/>
                 <a:cs typeface="Arial" panose="020B0604020202020204" pitchFamily="34" charset="0"/>
               </a:rPr>
               <a:t>Successfully implement the 3 levels via </a:t>
             </a:r>
             <a:r>
               <a:rPr lang="en-US" altLang="zh-CN" sz="2400" dirty="0">
-                <a:latin typeface="Arial" panose="020B0604020202020204" pitchFamily="34" charset="0"/>
                 <a:cs typeface="Arial" panose="020B0604020202020204" pitchFamily="34" charset="0"/>
               </a:rPr>
               <a:t>a </a:t>
             </a:r>
             <a:r>
               <a:rPr lang="en-US" sz="2400" dirty="0">
-                <a:latin typeface="Arial" panose="020B0604020202020204" pitchFamily="34" charset="0"/>
                 <a:cs typeface="Arial" panose="020B0604020202020204" pitchFamily="34" charset="0"/>
               </a:rPr>
               <a:t>multi-level master-slave network.</a:t>
@@ -4485,21 +4620,18 @@
             </a:pPr>
             <a:r>
               <a:rPr lang="en-US" sz="2400" dirty="0">
-                <a:latin typeface="Arial" panose="020B0604020202020204" pitchFamily="34" charset="0"/>
                 <a:cs typeface="Arial" panose="020B0604020202020204" pitchFamily="34" charset="0"/>
               </a:rPr>
               <a:t>Build a static tree to determine </a:t>
             </a:r>
             <a:r>
               <a:rPr lang="en-US" altLang="zh-CN" sz="2400" dirty="0">
-                <a:latin typeface="Arial" panose="020B0604020202020204" pitchFamily="34" charset="0"/>
                 <a:cs typeface="Arial" panose="020B0604020202020204" pitchFamily="34" charset="0"/>
               </a:rPr>
               <a:t>the </a:t>
             </a:r>
             <a:r>
               <a:rPr lang="en-US" sz="2400" dirty="0">
-                <a:latin typeface="Arial" panose="020B0604020202020204" pitchFamily="34" charset="0"/>
                 <a:cs typeface="Arial" panose="020B0604020202020204" pitchFamily="34" charset="0"/>
               </a:rPr>
               <a:t>leader-worker relationship.</a:t>
@@ -4513,7 +4645,6 @@
             </a:pPr>
             <a:r>
               <a:rPr lang="en-US" sz="2400" dirty="0">
-                <a:latin typeface="Arial" panose="020B0604020202020204" pitchFamily="34" charset="0"/>
                 <a:cs typeface="Arial" panose="020B0604020202020204" pitchFamily="34" charset="0"/>
               </a:rPr>
               <a:t>Only necessary data is communicated.</a:t>
@@ -4527,12 +4658,10 @@
             </a:pPr>
             <a:r>
               <a:rPr lang="en-US" sz="2400" dirty="0">
-                <a:latin typeface="Arial" panose="020B0604020202020204" pitchFamily="34" charset="0"/>
                 <a:cs typeface="Arial" panose="020B0604020202020204" pitchFamily="34" charset="0"/>
               </a:rPr>
-              <a:t>Scalable to higher levels of Strassen’s. </a:t>
+              <a:t>Scalable to even higher levels of Strassen’s Algorithm. </a:t>
             </a:r>
-            <a:endParaRPr lang="en-US" sz="2400" dirty="0"/>
           </a:p>
           <a:p>
             <a:pPr marL="0" indent="0">
@@ -5257,7 +5386,7 @@
         </p:spPr>
         <p:txBody>
           <a:bodyPr>
-            <a:normAutofit fontScale="92500" lnSpcReduction="10000"/>
+            <a:normAutofit fontScale="62500" lnSpcReduction="20000"/>
           </a:bodyPr>
           <a:lstStyle/>
           <a:p>
@@ -5265,7 +5394,7 @@
               <a:buNone/>
             </a:pPr>
             <a:r>
-              <a:rPr lang="en-US" sz="2400" dirty="0">
+              <a:rPr lang="en-US" sz="4000" dirty="0">
                 <a:cs typeface="Arial" panose="020B0604020202020204" pitchFamily="34" charset="0"/>
               </a:rPr>
               <a:t>Multi Level Master-Slave</a:t>
@@ -5276,7 +5405,7 @@
               <a:buNone/>
             </a:pPr>
             <a:r>
-              <a:rPr lang="en-US" sz="2400" dirty="0">
+              <a:rPr lang="en-US" sz="4000" dirty="0">
                 <a:cs typeface="Arial" panose="020B0604020202020204" pitchFamily="34" charset="0"/>
               </a:rPr>
               <a:t>(Leader-Worker) network</a:t>
@@ -5291,593 +5420,6 @@
           </a:p>
         </p:txBody>
       </p:sp>
-      <p:grpSp>
-        <p:nvGrpSpPr>
-          <p:cNvPr id="4" name="Group 3">
-            <a:extLst>
-              <a:ext uri="{FF2B5EF4-FFF2-40B4-BE49-F238E27FC236}">
-                <a16:creationId xmlns:a16="http://schemas.microsoft.com/office/drawing/2014/main" id="{FD335EE1-4545-252F-3FF5-3229EB6D8E93}"/>
-              </a:ext>
-            </a:extLst>
-          </p:cNvPr>
-          <p:cNvGrpSpPr/>
-          <p:nvPr/>
-        </p:nvGrpSpPr>
-        <p:grpSpPr>
-          <a:xfrm>
-            <a:off x="848139" y="2193517"/>
-            <a:ext cx="4334826" cy="2470966"/>
-            <a:chOff x="6096000" y="1999160"/>
-            <a:chExt cx="4334826" cy="2470966"/>
-          </a:xfrm>
-        </p:grpSpPr>
-        <p:cxnSp>
-          <p:nvCxnSpPr>
-            <p:cNvPr id="41" name="Straight Connector 40">
-              <a:extLst>
-                <a:ext uri="{FF2B5EF4-FFF2-40B4-BE49-F238E27FC236}">
-                  <a16:creationId xmlns:a16="http://schemas.microsoft.com/office/drawing/2014/main" id="{73281497-A77F-B786-7787-3A09B226ADE2}"/>
-                </a:ext>
-              </a:extLst>
-            </p:cNvPr>
-            <p:cNvCxnSpPr>
-              <a:cxnSpLocks/>
-              <a:stCxn id="46" idx="3"/>
-              <a:endCxn id="47" idx="7"/>
-            </p:cNvCxnSpPr>
-            <p:nvPr/>
-          </p:nvCxnSpPr>
-          <p:spPr>
-            <a:xfrm flipH="1">
-              <a:off x="7341771" y="2369289"/>
-              <a:ext cx="731898" cy="665315"/>
-            </a:xfrm>
-            <a:prstGeom prst="line">
-              <a:avLst/>
-            </a:prstGeom>
-            <a:ln w="12700"/>
-          </p:spPr>
-          <p:style>
-            <a:lnRef idx="1">
-              <a:schemeClr val="accent1"/>
-            </a:lnRef>
-            <a:fillRef idx="0">
-              <a:schemeClr val="accent1"/>
-            </a:fillRef>
-            <a:effectRef idx="0">
-              <a:schemeClr val="accent1"/>
-            </a:effectRef>
-            <a:fontRef idx="minor">
-              <a:schemeClr val="tx1"/>
-            </a:fontRef>
-          </p:style>
-        </p:cxnSp>
-        <p:cxnSp>
-          <p:nvCxnSpPr>
-            <p:cNvPr id="43" name="Straight Connector 42">
-              <a:extLst>
-                <a:ext uri="{FF2B5EF4-FFF2-40B4-BE49-F238E27FC236}">
-                  <a16:creationId xmlns:a16="http://schemas.microsoft.com/office/drawing/2014/main" id="{E16B1EE0-4521-884E-3875-F9ED1F7D281B}"/>
-                </a:ext>
-              </a:extLst>
-            </p:cNvPr>
-            <p:cNvCxnSpPr>
-              <a:cxnSpLocks/>
-              <a:stCxn id="46" idx="5"/>
-              <a:endCxn id="48" idx="1"/>
-            </p:cNvCxnSpPr>
-            <p:nvPr/>
-          </p:nvCxnSpPr>
-          <p:spPr>
-            <a:xfrm>
-              <a:off x="8390364" y="2369289"/>
-              <a:ext cx="829718" cy="665315"/>
-            </a:xfrm>
-            <a:prstGeom prst="line">
-              <a:avLst/>
-            </a:prstGeom>
-            <a:ln w="12700"/>
-          </p:spPr>
-          <p:style>
-            <a:lnRef idx="1">
-              <a:schemeClr val="accent1"/>
-            </a:lnRef>
-            <a:fillRef idx="0">
-              <a:schemeClr val="accent1"/>
-            </a:fillRef>
-            <a:effectRef idx="0">
-              <a:schemeClr val="accent1"/>
-            </a:effectRef>
-            <a:fontRef idx="minor">
-              <a:schemeClr val="tx1"/>
-            </a:fontRef>
-          </p:style>
-        </p:cxnSp>
-        <p:cxnSp>
-          <p:nvCxnSpPr>
-            <p:cNvPr id="45" name="Straight Connector 44">
-              <a:extLst>
-                <a:ext uri="{FF2B5EF4-FFF2-40B4-BE49-F238E27FC236}">
-                  <a16:creationId xmlns:a16="http://schemas.microsoft.com/office/drawing/2014/main" id="{C8DEF0AF-270B-B577-B9AC-921C189AE894}"/>
-                </a:ext>
-              </a:extLst>
-            </p:cNvPr>
-            <p:cNvCxnSpPr>
-              <a:cxnSpLocks/>
-              <a:stCxn id="47" idx="3"/>
-              <a:endCxn id="49" idx="0"/>
-            </p:cNvCxnSpPr>
-            <p:nvPr/>
-          </p:nvCxnSpPr>
-          <p:spPr>
-            <a:xfrm flipH="1">
-              <a:off x="6319938" y="3341229"/>
-              <a:ext cx="705138" cy="695264"/>
-            </a:xfrm>
-            <a:prstGeom prst="line">
-              <a:avLst/>
-            </a:prstGeom>
-            <a:ln w="12700"/>
-          </p:spPr>
-          <p:style>
-            <a:lnRef idx="1">
-              <a:schemeClr val="accent1"/>
-            </a:lnRef>
-            <a:fillRef idx="0">
-              <a:schemeClr val="accent1"/>
-            </a:fillRef>
-            <a:effectRef idx="0">
-              <a:schemeClr val="accent1"/>
-            </a:effectRef>
-            <a:fontRef idx="minor">
-              <a:schemeClr val="tx1"/>
-            </a:fontRef>
-          </p:style>
-        </p:cxnSp>
-        <p:sp>
-          <p:nvSpPr>
-            <p:cNvPr id="46" name="Oval 45">
-              <a:extLst>
-                <a:ext uri="{FF2B5EF4-FFF2-40B4-BE49-F238E27FC236}">
-                  <a16:creationId xmlns:a16="http://schemas.microsoft.com/office/drawing/2014/main" id="{BB1C3720-486D-1E02-71E0-CCC2CEB62422}"/>
-                </a:ext>
-              </a:extLst>
-            </p:cNvPr>
-            <p:cNvSpPr/>
-            <p:nvPr/>
-          </p:nvSpPr>
-          <p:spPr>
-            <a:xfrm>
-              <a:off x="8008079" y="1999160"/>
-              <a:ext cx="447875" cy="433633"/>
-            </a:xfrm>
-            <a:prstGeom prst="ellipse">
-              <a:avLst/>
-            </a:prstGeom>
-          </p:spPr>
-          <p:style>
-            <a:lnRef idx="2">
-              <a:schemeClr val="accent1">
-                <a:shade val="15000"/>
-              </a:schemeClr>
-            </a:lnRef>
-            <a:fillRef idx="1">
-              <a:schemeClr val="accent1"/>
-            </a:fillRef>
-            <a:effectRef idx="0">
-              <a:schemeClr val="accent1"/>
-            </a:effectRef>
-            <a:fontRef idx="minor">
-              <a:schemeClr val="lt1"/>
-            </a:fontRef>
-          </p:style>
-          <p:txBody>
-            <a:bodyPr rtlCol="0" anchor="ctr"/>
-            <a:lstStyle/>
-            <a:p>
-              <a:pPr algn="ctr"/>
-              <a:endParaRPr lang="en-US" dirty="0"/>
-            </a:p>
-          </p:txBody>
-        </p:sp>
-        <p:sp>
-          <p:nvSpPr>
-            <p:cNvPr id="47" name="Oval 46">
-              <a:extLst>
-                <a:ext uri="{FF2B5EF4-FFF2-40B4-BE49-F238E27FC236}">
-                  <a16:creationId xmlns:a16="http://schemas.microsoft.com/office/drawing/2014/main" id="{9173A311-ABF4-4A32-9C10-23035E162318}"/>
-                </a:ext>
-              </a:extLst>
-            </p:cNvPr>
-            <p:cNvSpPr/>
-            <p:nvPr/>
-          </p:nvSpPr>
-          <p:spPr>
-            <a:xfrm>
-              <a:off x="6959486" y="2971100"/>
-              <a:ext cx="447875" cy="433633"/>
-            </a:xfrm>
-            <a:prstGeom prst="ellipse">
-              <a:avLst/>
-            </a:prstGeom>
-          </p:spPr>
-          <p:style>
-            <a:lnRef idx="2">
-              <a:schemeClr val="accent1">
-                <a:shade val="15000"/>
-              </a:schemeClr>
-            </a:lnRef>
-            <a:fillRef idx="1">
-              <a:schemeClr val="accent1"/>
-            </a:fillRef>
-            <a:effectRef idx="0">
-              <a:schemeClr val="accent1"/>
-            </a:effectRef>
-            <a:fontRef idx="minor">
-              <a:schemeClr val="lt1"/>
-            </a:fontRef>
-          </p:style>
-          <p:txBody>
-            <a:bodyPr rtlCol="0" anchor="ctr"/>
-            <a:lstStyle/>
-            <a:p>
-              <a:pPr algn="ctr"/>
-              <a:endParaRPr lang="en-US"/>
-            </a:p>
-          </p:txBody>
-        </p:sp>
-        <p:sp>
-          <p:nvSpPr>
-            <p:cNvPr id="48" name="Oval 47">
-              <a:extLst>
-                <a:ext uri="{FF2B5EF4-FFF2-40B4-BE49-F238E27FC236}">
-                  <a16:creationId xmlns:a16="http://schemas.microsoft.com/office/drawing/2014/main" id="{6B559C78-BC6F-FFE6-1E71-AB073B562B63}"/>
-                </a:ext>
-              </a:extLst>
-            </p:cNvPr>
-            <p:cNvSpPr/>
-            <p:nvPr/>
-          </p:nvSpPr>
-          <p:spPr>
-            <a:xfrm>
-              <a:off x="9154492" y="2971100"/>
-              <a:ext cx="447875" cy="433633"/>
-            </a:xfrm>
-            <a:prstGeom prst="ellipse">
-              <a:avLst/>
-            </a:prstGeom>
-          </p:spPr>
-          <p:style>
-            <a:lnRef idx="2">
-              <a:schemeClr val="accent1">
-                <a:shade val="15000"/>
-              </a:schemeClr>
-            </a:lnRef>
-            <a:fillRef idx="1">
-              <a:schemeClr val="accent1"/>
-            </a:fillRef>
-            <a:effectRef idx="0">
-              <a:schemeClr val="accent1"/>
-            </a:effectRef>
-            <a:fontRef idx="minor">
-              <a:schemeClr val="lt1"/>
-            </a:fontRef>
-          </p:style>
-          <p:txBody>
-            <a:bodyPr rtlCol="0" anchor="ctr"/>
-            <a:lstStyle/>
-            <a:p>
-              <a:pPr algn="ctr"/>
-              <a:endParaRPr lang="en-US"/>
-            </a:p>
-          </p:txBody>
-        </p:sp>
-        <p:sp>
-          <p:nvSpPr>
-            <p:cNvPr id="49" name="Oval 48">
-              <a:extLst>
-                <a:ext uri="{FF2B5EF4-FFF2-40B4-BE49-F238E27FC236}">
-                  <a16:creationId xmlns:a16="http://schemas.microsoft.com/office/drawing/2014/main" id="{42288E40-F4F8-6364-19BF-F17932CFC47B}"/>
-                </a:ext>
-              </a:extLst>
-            </p:cNvPr>
-            <p:cNvSpPr/>
-            <p:nvPr/>
-          </p:nvSpPr>
-          <p:spPr>
-            <a:xfrm>
-              <a:off x="6096000" y="4036493"/>
-              <a:ext cx="447875" cy="433633"/>
-            </a:xfrm>
-            <a:prstGeom prst="ellipse">
-              <a:avLst/>
-            </a:prstGeom>
-          </p:spPr>
-          <p:style>
-            <a:lnRef idx="2">
-              <a:schemeClr val="accent1">
-                <a:shade val="15000"/>
-              </a:schemeClr>
-            </a:lnRef>
-            <a:fillRef idx="1">
-              <a:schemeClr val="accent1"/>
-            </a:fillRef>
-            <a:effectRef idx="0">
-              <a:schemeClr val="accent1"/>
-            </a:effectRef>
-            <a:fontRef idx="minor">
-              <a:schemeClr val="lt1"/>
-            </a:fontRef>
-          </p:style>
-          <p:txBody>
-            <a:bodyPr rtlCol="0" anchor="ctr"/>
-            <a:lstStyle/>
-            <a:p>
-              <a:pPr algn="ctr"/>
-              <a:endParaRPr lang="en-US"/>
-            </a:p>
-          </p:txBody>
-        </p:sp>
-        <p:sp>
-          <p:nvSpPr>
-            <p:cNvPr id="50" name="Oval 49">
-              <a:extLst>
-                <a:ext uri="{FF2B5EF4-FFF2-40B4-BE49-F238E27FC236}">
-                  <a16:creationId xmlns:a16="http://schemas.microsoft.com/office/drawing/2014/main" id="{B1E567A8-F64A-C77E-F190-1AF6A2EB6C6D}"/>
-                </a:ext>
-              </a:extLst>
-            </p:cNvPr>
-            <p:cNvSpPr/>
-            <p:nvPr/>
-          </p:nvSpPr>
-          <p:spPr>
-            <a:xfrm>
-              <a:off x="7560204" y="4036493"/>
-              <a:ext cx="447875" cy="433633"/>
-            </a:xfrm>
-            <a:prstGeom prst="ellipse">
-              <a:avLst/>
-            </a:prstGeom>
-          </p:spPr>
-          <p:style>
-            <a:lnRef idx="2">
-              <a:schemeClr val="accent1">
-                <a:shade val="15000"/>
-              </a:schemeClr>
-            </a:lnRef>
-            <a:fillRef idx="1">
-              <a:schemeClr val="accent1"/>
-            </a:fillRef>
-            <a:effectRef idx="0">
-              <a:schemeClr val="accent1"/>
-            </a:effectRef>
-            <a:fontRef idx="minor">
-              <a:schemeClr val="lt1"/>
-            </a:fontRef>
-          </p:style>
-          <p:txBody>
-            <a:bodyPr rtlCol="0" anchor="ctr"/>
-            <a:lstStyle/>
-            <a:p>
-              <a:pPr algn="ctr"/>
-              <a:endParaRPr lang="en-US"/>
-            </a:p>
-          </p:txBody>
-        </p:sp>
-        <p:sp>
-          <p:nvSpPr>
-            <p:cNvPr id="51" name="Oval 50">
-              <a:extLst>
-                <a:ext uri="{FF2B5EF4-FFF2-40B4-BE49-F238E27FC236}">
-                  <a16:creationId xmlns:a16="http://schemas.microsoft.com/office/drawing/2014/main" id="{D8C332BE-CD81-CEAB-48AB-506942E6E007}"/>
-                </a:ext>
-              </a:extLst>
-            </p:cNvPr>
-            <p:cNvSpPr/>
-            <p:nvPr/>
-          </p:nvSpPr>
-          <p:spPr>
-            <a:xfrm>
-              <a:off x="8554995" y="4036491"/>
-              <a:ext cx="447875" cy="433633"/>
-            </a:xfrm>
-            <a:prstGeom prst="ellipse">
-              <a:avLst/>
-            </a:prstGeom>
-          </p:spPr>
-          <p:style>
-            <a:lnRef idx="2">
-              <a:schemeClr val="accent1">
-                <a:shade val="15000"/>
-              </a:schemeClr>
-            </a:lnRef>
-            <a:fillRef idx="1">
-              <a:schemeClr val="accent1"/>
-            </a:fillRef>
-            <a:effectRef idx="0">
-              <a:schemeClr val="accent1"/>
-            </a:effectRef>
-            <a:fontRef idx="minor">
-              <a:schemeClr val="lt1"/>
-            </a:fontRef>
-          </p:style>
-          <p:txBody>
-            <a:bodyPr rtlCol="0" anchor="ctr"/>
-            <a:lstStyle/>
-            <a:p>
-              <a:pPr algn="ctr"/>
-              <a:endParaRPr lang="en-US"/>
-            </a:p>
-          </p:txBody>
-        </p:sp>
-        <p:sp>
-          <p:nvSpPr>
-            <p:cNvPr id="52" name="Oval 51">
-              <a:extLst>
-                <a:ext uri="{FF2B5EF4-FFF2-40B4-BE49-F238E27FC236}">
-                  <a16:creationId xmlns:a16="http://schemas.microsoft.com/office/drawing/2014/main" id="{0B0D4E2A-A92E-23B2-393A-37DEFE90CADA}"/>
-                </a:ext>
-              </a:extLst>
-            </p:cNvPr>
-            <p:cNvSpPr/>
-            <p:nvPr/>
-          </p:nvSpPr>
-          <p:spPr>
-            <a:xfrm>
-              <a:off x="9982951" y="4036492"/>
-              <a:ext cx="447875" cy="433633"/>
-            </a:xfrm>
-            <a:prstGeom prst="ellipse">
-              <a:avLst/>
-            </a:prstGeom>
-          </p:spPr>
-          <p:style>
-            <a:lnRef idx="2">
-              <a:schemeClr val="accent1">
-                <a:shade val="15000"/>
-              </a:schemeClr>
-            </a:lnRef>
-            <a:fillRef idx="1">
-              <a:schemeClr val="accent1"/>
-            </a:fillRef>
-            <a:effectRef idx="0">
-              <a:schemeClr val="accent1"/>
-            </a:effectRef>
-            <a:fontRef idx="minor">
-              <a:schemeClr val="lt1"/>
-            </a:fontRef>
-          </p:style>
-          <p:txBody>
-            <a:bodyPr rtlCol="0" anchor="ctr"/>
-            <a:lstStyle/>
-            <a:p>
-              <a:pPr algn="ctr"/>
-              <a:endParaRPr lang="en-US"/>
-            </a:p>
-          </p:txBody>
-        </p:sp>
-        <p:cxnSp>
-          <p:nvCxnSpPr>
-            <p:cNvPr id="65" name="Straight Connector 64">
-              <a:extLst>
-                <a:ext uri="{FF2B5EF4-FFF2-40B4-BE49-F238E27FC236}">
-                  <a16:creationId xmlns:a16="http://schemas.microsoft.com/office/drawing/2014/main" id="{95D13572-C306-2D48-9EEB-9786A1CA0801}"/>
-                </a:ext>
-              </a:extLst>
-            </p:cNvPr>
-            <p:cNvCxnSpPr>
-              <a:stCxn id="47" idx="5"/>
-              <a:endCxn id="50" idx="0"/>
-            </p:cNvCxnSpPr>
-            <p:nvPr/>
-          </p:nvCxnSpPr>
-          <p:spPr>
-            <a:xfrm>
-              <a:off x="7341771" y="3341229"/>
-              <a:ext cx="442371" cy="695264"/>
-            </a:xfrm>
-            <a:prstGeom prst="line">
-              <a:avLst/>
-            </a:prstGeom>
-            <a:ln w="12700"/>
-          </p:spPr>
-          <p:style>
-            <a:lnRef idx="1">
-              <a:schemeClr val="accent1"/>
-            </a:lnRef>
-            <a:fillRef idx="0">
-              <a:schemeClr val="accent1"/>
-            </a:fillRef>
-            <a:effectRef idx="0">
-              <a:schemeClr val="accent1"/>
-            </a:effectRef>
-            <a:fontRef idx="minor">
-              <a:schemeClr val="tx1"/>
-            </a:fontRef>
-          </p:style>
-        </p:cxnSp>
-        <p:cxnSp>
-          <p:nvCxnSpPr>
-            <p:cNvPr id="67" name="Straight Connector 66">
-              <a:extLst>
-                <a:ext uri="{FF2B5EF4-FFF2-40B4-BE49-F238E27FC236}">
-                  <a16:creationId xmlns:a16="http://schemas.microsoft.com/office/drawing/2014/main" id="{64B2D99E-2DA0-A2AE-2775-DD97DB5B17AD}"/>
-                </a:ext>
-              </a:extLst>
-            </p:cNvPr>
-            <p:cNvCxnSpPr>
-              <a:stCxn id="48" idx="3"/>
-              <a:endCxn id="51" idx="0"/>
-            </p:cNvCxnSpPr>
-            <p:nvPr/>
-          </p:nvCxnSpPr>
-          <p:spPr>
-            <a:xfrm flipH="1">
-              <a:off x="8778933" y="3341229"/>
-              <a:ext cx="441149" cy="695262"/>
-            </a:xfrm>
-            <a:prstGeom prst="line">
-              <a:avLst/>
-            </a:prstGeom>
-            <a:ln w="12700"/>
-          </p:spPr>
-          <p:style>
-            <a:lnRef idx="1">
-              <a:schemeClr val="accent1"/>
-            </a:lnRef>
-            <a:fillRef idx="0">
-              <a:schemeClr val="accent1"/>
-            </a:fillRef>
-            <a:effectRef idx="0">
-              <a:schemeClr val="accent1"/>
-            </a:effectRef>
-            <a:fontRef idx="minor">
-              <a:schemeClr val="tx1"/>
-            </a:fontRef>
-          </p:style>
-        </p:cxnSp>
-        <p:cxnSp>
-          <p:nvCxnSpPr>
-            <p:cNvPr id="69" name="Straight Connector 68">
-              <a:extLst>
-                <a:ext uri="{FF2B5EF4-FFF2-40B4-BE49-F238E27FC236}">
-                  <a16:creationId xmlns:a16="http://schemas.microsoft.com/office/drawing/2014/main" id="{2B477199-D7CD-A20F-D817-8E2E09EC6B46}"/>
-                </a:ext>
-              </a:extLst>
-            </p:cNvPr>
-            <p:cNvCxnSpPr>
-              <a:cxnSpLocks/>
-              <a:stCxn id="48" idx="5"/>
-              <a:endCxn id="52" idx="0"/>
-            </p:cNvCxnSpPr>
-            <p:nvPr/>
-          </p:nvCxnSpPr>
-          <p:spPr>
-            <a:xfrm>
-              <a:off x="9536777" y="3341229"/>
-              <a:ext cx="670112" cy="695263"/>
-            </a:xfrm>
-            <a:prstGeom prst="line">
-              <a:avLst/>
-            </a:prstGeom>
-            <a:ln w="12700"/>
-          </p:spPr>
-          <p:style>
-            <a:lnRef idx="1">
-              <a:schemeClr val="accent1"/>
-            </a:lnRef>
-            <a:fillRef idx="0">
-              <a:schemeClr val="accent1"/>
-            </a:fillRef>
-            <a:effectRef idx="0">
-              <a:schemeClr val="accent1"/>
-            </a:effectRef>
-            <a:fontRef idx="minor">
-              <a:schemeClr val="tx1"/>
-            </a:fontRef>
-          </p:style>
-        </p:cxnSp>
-      </p:grpSp>
       <p:sp>
         <p:nvSpPr>
           <p:cNvPr id="74" name="TextBox 73">
@@ -5965,415 +5507,642 @@
           </a:p>
         </p:txBody>
       </p:sp>
-      <p:grpSp>
-        <p:nvGrpSpPr>
-          <p:cNvPr id="12" name="Group 11">
-            <a:extLst>
-              <a:ext uri="{FF2B5EF4-FFF2-40B4-BE49-F238E27FC236}">
-                <a16:creationId xmlns:a16="http://schemas.microsoft.com/office/drawing/2014/main" id="{B997FA49-2539-5105-54FA-6E9F5EB03187}"/>
-              </a:ext>
-            </a:extLst>
-          </p:cNvPr>
-          <p:cNvGrpSpPr/>
+      <p:cxnSp>
+        <p:nvCxnSpPr>
+          <p:cNvPr id="116" name="Straight Connector 115">
+            <a:extLst>
+              <a:ext uri="{FF2B5EF4-FFF2-40B4-BE49-F238E27FC236}">
+                <a16:creationId xmlns:a16="http://schemas.microsoft.com/office/drawing/2014/main" id="{FE7AA05E-5322-F0EC-6B08-1D0CF5AAB52F}"/>
+              </a:ext>
+            </a:extLst>
+          </p:cNvPr>
+          <p:cNvCxnSpPr>
+            <a:cxnSpLocks/>
+            <a:stCxn id="119" idx="3"/>
+            <a:endCxn id="120" idx="7"/>
+          </p:cNvCxnSpPr>
           <p:nvPr/>
-        </p:nvGrpSpPr>
-        <p:grpSpPr>
+        </p:nvCxnSpPr>
+        <p:spPr>
+          <a:xfrm flipH="1">
+            <a:off x="3462444" y="2967257"/>
+            <a:ext cx="731898" cy="665315"/>
+          </a:xfrm>
+          <a:prstGeom prst="line">
+            <a:avLst/>
+          </a:prstGeom>
+          <a:ln w="12700"/>
+        </p:spPr>
+        <p:style>
+          <a:lnRef idx="1">
+            <a:schemeClr val="accent1"/>
+          </a:lnRef>
+          <a:fillRef idx="0">
+            <a:schemeClr val="accent1"/>
+          </a:fillRef>
+          <a:effectRef idx="0">
+            <a:schemeClr val="accent1"/>
+          </a:effectRef>
+          <a:fontRef idx="minor">
+            <a:schemeClr val="tx1"/>
+          </a:fontRef>
+        </p:style>
+      </p:cxnSp>
+      <p:cxnSp>
+        <p:nvCxnSpPr>
+          <p:cNvPr id="117" name="Straight Connector 116">
+            <a:extLst>
+              <a:ext uri="{FF2B5EF4-FFF2-40B4-BE49-F238E27FC236}">
+                <a16:creationId xmlns:a16="http://schemas.microsoft.com/office/drawing/2014/main" id="{90B3615F-920F-056A-51E6-B9C2E6EBA245}"/>
+              </a:ext>
+            </a:extLst>
+          </p:cNvPr>
+          <p:cNvCxnSpPr>
+            <a:cxnSpLocks/>
+            <a:stCxn id="119" idx="5"/>
+            <a:endCxn id="121" idx="1"/>
+          </p:cNvCxnSpPr>
+          <p:nvPr/>
+        </p:nvCxnSpPr>
+        <p:spPr>
           <a:xfrm>
-            <a:off x="1688578" y="3243773"/>
-            <a:ext cx="2568770" cy="1394547"/>
-            <a:chOff x="1688578" y="3243773"/>
-            <a:chExt cx="2568770" cy="1394547"/>
+            <a:off x="4511037" y="2967257"/>
+            <a:ext cx="829718" cy="665315"/>
           </a:xfrm>
-        </p:grpSpPr>
-        <mc:AlternateContent xmlns:mc="http://schemas.openxmlformats.org/markup-compatibility/2006" xmlns:a14="http://schemas.microsoft.com/office/drawing/2010/main">
-          <mc:Choice Requires="a14">
-            <p:sp>
-              <p:nvSpPr>
-                <p:cNvPr id="5" name="TextBox 4">
-                  <a:extLst>
-                    <a:ext uri="{FF2B5EF4-FFF2-40B4-BE49-F238E27FC236}">
-                      <a16:creationId xmlns:a16="http://schemas.microsoft.com/office/drawing/2014/main" id="{E374330F-E943-593D-24C4-F17B4786BBCC}"/>
-                    </a:ext>
-                  </a:extLst>
-                </p:cNvPr>
-                <p:cNvSpPr txBox="1"/>
-                <p:nvPr/>
-              </p:nvSpPr>
-              <p:spPr>
-                <a:xfrm>
-                  <a:off x="2859121" y="3243773"/>
-                  <a:ext cx="250068" cy="276999"/>
-                </a:xfrm>
-                <a:prstGeom prst="rect">
-                  <a:avLst/>
-                </a:prstGeom>
-                <a:noFill/>
-              </p:spPr>
-              <p:txBody>
-                <a:bodyPr wrap="none" lIns="0" tIns="0" rIns="0" bIns="0" rtlCol="0">
-                  <a:spAutoFit/>
-                </a:bodyPr>
-                <a:lstStyle/>
-                <a:p>
-                  <a:pPr/>
-                  <a14:m>
-                    <m:oMathPara xmlns:m="http://schemas.openxmlformats.org/officeDocument/2006/math">
-                      <m:oMathParaPr>
-                        <m:jc m:val="centerGroup"/>
-                      </m:oMathParaPr>
-                      <m:oMath xmlns:m="http://schemas.openxmlformats.org/officeDocument/2006/math">
-                        <m:r>
-                          <a:rPr lang="en-US" i="1" smtClean="0">
-                            <a:latin typeface="Cambria Math" panose="02040503050406030204" pitchFamily="18" charset="0"/>
-                            <a:ea typeface="Cambria Math" panose="02040503050406030204" pitchFamily="18" charset="0"/>
-                          </a:rPr>
-                          <m:t>⋯</m:t>
-                        </m:r>
-                      </m:oMath>
-                    </m:oMathPara>
-                  </a14:m>
-                  <a:endParaRPr lang="en-US" dirty="0"/>
-                </a:p>
-              </p:txBody>
-            </p:sp>
-          </mc:Choice>
-          <mc:Fallback xmlns="">
-            <p:sp>
-              <p:nvSpPr>
-                <p:cNvPr id="5" name="TextBox 4">
-                  <a:extLst>
-                    <a:ext uri="{FF2B5EF4-FFF2-40B4-BE49-F238E27FC236}">
-                      <a16:creationId xmlns:a16="http://schemas.microsoft.com/office/drawing/2014/main" id="{E374330F-E943-593D-24C4-F17B4786BBCC}"/>
-                    </a:ext>
-                  </a:extLst>
-                </p:cNvPr>
-                <p:cNvSpPr txBox="1">
-                  <a:spLocks noRot="1" noChangeAspect="1" noMove="1" noResize="1" noEditPoints="1" noAdjustHandles="1" noChangeArrowheads="1" noChangeShapeType="1" noTextEdit="1"/>
-                </p:cNvSpPr>
-                <p:nvPr/>
-              </p:nvSpPr>
-              <p:spPr>
-                <a:xfrm>
-                  <a:off x="2859121" y="3243773"/>
-                  <a:ext cx="250068" cy="276999"/>
-                </a:xfrm>
-                <a:prstGeom prst="rect">
-                  <a:avLst/>
-                </a:prstGeom>
-                <a:blipFill>
-                  <a:blip r:embed="rId2"/>
-                  <a:stretch>
-                    <a:fillRect l="-5000" r="-5000"/>
-                  </a:stretch>
-                </a:blipFill>
-              </p:spPr>
-              <p:txBody>
-                <a:bodyPr/>
-                <a:lstStyle/>
-                <a:p>
-                  <a:r>
-                    <a:rPr lang="en-US">
-                      <a:noFill/>
-                    </a:rPr>
-                    <a:t> </a:t>
-                  </a:r>
-                </a:p>
-              </p:txBody>
-            </p:sp>
-          </mc:Fallback>
-        </mc:AlternateContent>
-        <mc:AlternateContent xmlns:mc="http://schemas.openxmlformats.org/markup-compatibility/2006" xmlns:a14="http://schemas.microsoft.com/office/drawing/2010/main">
-          <mc:Choice Requires="a14">
-            <p:sp>
-              <p:nvSpPr>
-                <p:cNvPr id="7" name="TextBox 6">
-                  <a:extLst>
-                    <a:ext uri="{FF2B5EF4-FFF2-40B4-BE49-F238E27FC236}">
-                      <a16:creationId xmlns:a16="http://schemas.microsoft.com/office/drawing/2014/main" id="{B220D1F6-E5CE-3105-5DB4-5673D91F117E}"/>
-                    </a:ext>
-                  </a:extLst>
-                </p:cNvPr>
-                <p:cNvSpPr txBox="1"/>
-                <p:nvPr/>
-              </p:nvSpPr>
-              <p:spPr>
-                <a:xfrm>
-                  <a:off x="3972221" y="4262998"/>
-                  <a:ext cx="285127" cy="369332"/>
-                </a:xfrm>
-                <a:prstGeom prst="rect">
-                  <a:avLst/>
-                </a:prstGeom>
-                <a:noFill/>
-              </p:spPr>
-              <p:txBody>
-                <a:bodyPr wrap="square">
-                  <a:spAutoFit/>
-                </a:bodyPr>
-                <a:lstStyle/>
-                <a:p>
-                  <a:pPr/>
-                  <a14:m>
-                    <m:oMathPara xmlns:m="http://schemas.openxmlformats.org/officeDocument/2006/math">
-                      <m:oMathParaPr>
-                        <m:jc m:val="centerGroup"/>
-                      </m:oMathParaPr>
-                      <m:oMath xmlns:m="http://schemas.openxmlformats.org/officeDocument/2006/math">
-                        <m:r>
-                          <a:rPr lang="en-US" i="1" smtClean="0">
-                            <a:latin typeface="Cambria Math" panose="02040503050406030204" pitchFamily="18" charset="0"/>
-                            <a:ea typeface="Cambria Math" panose="02040503050406030204" pitchFamily="18" charset="0"/>
-                          </a:rPr>
-                          <m:t>⋯</m:t>
-                        </m:r>
-                      </m:oMath>
-                    </m:oMathPara>
-                  </a14:m>
-                  <a:endParaRPr lang="en-US" dirty="0"/>
-                </a:p>
-              </p:txBody>
-            </p:sp>
-          </mc:Choice>
-          <mc:Fallback xmlns="">
-            <p:sp>
-              <p:nvSpPr>
-                <p:cNvPr id="7" name="TextBox 6">
-                  <a:extLst>
-                    <a:ext uri="{FF2B5EF4-FFF2-40B4-BE49-F238E27FC236}">
-                      <a16:creationId xmlns:a16="http://schemas.microsoft.com/office/drawing/2014/main" id="{B220D1F6-E5CE-3105-5DB4-5673D91F117E}"/>
-                    </a:ext>
-                  </a:extLst>
-                </p:cNvPr>
-                <p:cNvSpPr txBox="1">
-                  <a:spLocks noRot="1" noChangeAspect="1" noMove="1" noResize="1" noEditPoints="1" noAdjustHandles="1" noChangeArrowheads="1" noChangeShapeType="1" noTextEdit="1"/>
-                </p:cNvSpPr>
-                <p:nvPr/>
-              </p:nvSpPr>
-              <p:spPr>
-                <a:xfrm>
-                  <a:off x="3972221" y="4262998"/>
-                  <a:ext cx="285127" cy="369332"/>
-                </a:xfrm>
-                <a:prstGeom prst="rect">
-                  <a:avLst/>
-                </a:prstGeom>
-                <a:blipFill>
-                  <a:blip r:embed="rId3"/>
-                  <a:stretch>
-                    <a:fillRect r="-12500"/>
-                  </a:stretch>
-                </a:blipFill>
-              </p:spPr>
-              <p:txBody>
-                <a:bodyPr/>
-                <a:lstStyle/>
-                <a:p>
-                  <a:r>
-                    <a:rPr lang="en-US">
-                      <a:noFill/>
-                    </a:rPr>
-                    <a:t> </a:t>
-                  </a:r>
-                </a:p>
-              </p:txBody>
-            </p:sp>
-          </mc:Fallback>
-        </mc:AlternateContent>
-        <mc:AlternateContent xmlns:mc="http://schemas.openxmlformats.org/markup-compatibility/2006" xmlns:a14="http://schemas.microsoft.com/office/drawing/2010/main">
-          <mc:Choice Requires="a14">
-            <p:sp>
-              <p:nvSpPr>
-                <p:cNvPr id="9" name="TextBox 8">
-                  <a:extLst>
-                    <a:ext uri="{FF2B5EF4-FFF2-40B4-BE49-F238E27FC236}">
-                      <a16:creationId xmlns:a16="http://schemas.microsoft.com/office/drawing/2014/main" id="{959EFC3B-02E8-7BCB-1366-59F50D5C1089}"/>
-                    </a:ext>
-                  </a:extLst>
-                </p:cNvPr>
-                <p:cNvSpPr txBox="1"/>
-                <p:nvPr/>
-              </p:nvSpPr>
-              <p:spPr>
-                <a:xfrm>
-                  <a:off x="1688578" y="4264780"/>
-                  <a:ext cx="285127" cy="369332"/>
-                </a:xfrm>
-                <a:prstGeom prst="rect">
-                  <a:avLst/>
-                </a:prstGeom>
-                <a:noFill/>
-              </p:spPr>
-              <p:txBody>
-                <a:bodyPr wrap="square">
-                  <a:spAutoFit/>
-                </a:bodyPr>
-                <a:lstStyle/>
-                <a:p>
-                  <a:pPr/>
-                  <a14:m>
-                    <m:oMathPara xmlns:m="http://schemas.openxmlformats.org/officeDocument/2006/math">
-                      <m:oMathParaPr>
-                        <m:jc m:val="centerGroup"/>
-                      </m:oMathParaPr>
-                      <m:oMath xmlns:m="http://schemas.openxmlformats.org/officeDocument/2006/math">
-                        <m:r>
-                          <a:rPr lang="en-US" i="1" smtClean="0">
-                            <a:latin typeface="Cambria Math" panose="02040503050406030204" pitchFamily="18" charset="0"/>
-                            <a:ea typeface="Cambria Math" panose="02040503050406030204" pitchFamily="18" charset="0"/>
-                          </a:rPr>
-                          <m:t>⋯</m:t>
-                        </m:r>
-                      </m:oMath>
-                    </m:oMathPara>
-                  </a14:m>
-                  <a:endParaRPr lang="en-US" dirty="0"/>
-                </a:p>
-              </p:txBody>
-            </p:sp>
-          </mc:Choice>
-          <mc:Fallback xmlns="">
-            <p:sp>
-              <p:nvSpPr>
-                <p:cNvPr id="9" name="TextBox 8">
-                  <a:extLst>
-                    <a:ext uri="{FF2B5EF4-FFF2-40B4-BE49-F238E27FC236}">
-                      <a16:creationId xmlns:a16="http://schemas.microsoft.com/office/drawing/2014/main" id="{959EFC3B-02E8-7BCB-1366-59F50D5C1089}"/>
-                    </a:ext>
-                  </a:extLst>
-                </p:cNvPr>
-                <p:cNvSpPr txBox="1">
-                  <a:spLocks noRot="1" noChangeAspect="1" noMove="1" noResize="1" noEditPoints="1" noAdjustHandles="1" noChangeArrowheads="1" noChangeShapeType="1" noTextEdit="1"/>
-                </p:cNvSpPr>
-                <p:nvPr/>
-              </p:nvSpPr>
-              <p:spPr>
-                <a:xfrm>
-                  <a:off x="1688578" y="4264780"/>
-                  <a:ext cx="285127" cy="369332"/>
-                </a:xfrm>
-                <a:prstGeom prst="rect">
-                  <a:avLst/>
-                </a:prstGeom>
-                <a:blipFill>
-                  <a:blip r:embed="rId4"/>
-                  <a:stretch>
-                    <a:fillRect r="-12500"/>
-                  </a:stretch>
-                </a:blipFill>
-              </p:spPr>
-              <p:txBody>
-                <a:bodyPr/>
-                <a:lstStyle/>
-                <a:p>
-                  <a:r>
-                    <a:rPr lang="en-US">
-                      <a:noFill/>
-                    </a:rPr>
-                    <a:t> </a:t>
-                  </a:r>
-                </a:p>
-              </p:txBody>
-            </p:sp>
-          </mc:Fallback>
-        </mc:AlternateContent>
-        <mc:AlternateContent xmlns:mc="http://schemas.openxmlformats.org/markup-compatibility/2006" xmlns:a14="http://schemas.microsoft.com/office/drawing/2010/main">
-          <mc:Choice Requires="a14">
-            <p:sp>
-              <p:nvSpPr>
-                <p:cNvPr id="11" name="TextBox 10">
-                  <a:extLst>
-                    <a:ext uri="{FF2B5EF4-FFF2-40B4-BE49-F238E27FC236}">
-                      <a16:creationId xmlns:a16="http://schemas.microsoft.com/office/drawing/2014/main" id="{0D6703E1-96D7-B2DD-AD31-41C3260617C0}"/>
-                    </a:ext>
-                  </a:extLst>
-                </p:cNvPr>
-                <p:cNvSpPr txBox="1"/>
-                <p:nvPr/>
-              </p:nvSpPr>
-              <p:spPr>
-                <a:xfrm>
-                  <a:off x="2795213" y="4268988"/>
-                  <a:ext cx="377884" cy="369332"/>
-                </a:xfrm>
-                <a:prstGeom prst="rect">
-                  <a:avLst/>
-                </a:prstGeom>
-                <a:noFill/>
-              </p:spPr>
-              <p:txBody>
-                <a:bodyPr wrap="square">
-                  <a:spAutoFit/>
-                </a:bodyPr>
-                <a:lstStyle/>
-                <a:p>
-                  <a:pPr/>
-                  <a14:m>
-                    <m:oMathPara xmlns:m="http://schemas.openxmlformats.org/officeDocument/2006/math">
-                      <m:oMathParaPr>
-                        <m:jc m:val="centerGroup"/>
-                      </m:oMathParaPr>
-                      <m:oMath xmlns:m="http://schemas.openxmlformats.org/officeDocument/2006/math">
-                        <m:r>
-                          <a:rPr lang="en-US" i="1" smtClean="0">
-                            <a:latin typeface="Cambria Math" panose="02040503050406030204" pitchFamily="18" charset="0"/>
-                            <a:ea typeface="Cambria Math" panose="02040503050406030204" pitchFamily="18" charset="0"/>
-                          </a:rPr>
-                          <m:t>⋯</m:t>
-                        </m:r>
-                      </m:oMath>
-                    </m:oMathPara>
-                  </a14:m>
-                  <a:endParaRPr lang="en-US" dirty="0"/>
-                </a:p>
-              </p:txBody>
-            </p:sp>
-          </mc:Choice>
-          <mc:Fallback xmlns="">
-            <p:sp>
-              <p:nvSpPr>
-                <p:cNvPr id="11" name="TextBox 10">
-                  <a:extLst>
-                    <a:ext uri="{FF2B5EF4-FFF2-40B4-BE49-F238E27FC236}">
-                      <a16:creationId xmlns:a16="http://schemas.microsoft.com/office/drawing/2014/main" id="{0D6703E1-96D7-B2DD-AD31-41C3260617C0}"/>
-                    </a:ext>
-                  </a:extLst>
-                </p:cNvPr>
-                <p:cNvSpPr txBox="1">
-                  <a:spLocks noRot="1" noChangeAspect="1" noMove="1" noResize="1" noEditPoints="1" noAdjustHandles="1" noChangeArrowheads="1" noChangeShapeType="1" noTextEdit="1"/>
-                </p:cNvSpPr>
-                <p:nvPr/>
-              </p:nvSpPr>
-              <p:spPr>
-                <a:xfrm>
-                  <a:off x="2795213" y="4268988"/>
-                  <a:ext cx="377884" cy="369332"/>
-                </a:xfrm>
-                <a:prstGeom prst="rect">
-                  <a:avLst/>
-                </a:prstGeom>
-                <a:blipFill>
-                  <a:blip r:embed="rId5"/>
-                  <a:stretch>
-                    <a:fillRect/>
-                  </a:stretch>
-                </a:blipFill>
-              </p:spPr>
-              <p:txBody>
-                <a:bodyPr/>
-                <a:lstStyle/>
-                <a:p>
-                  <a:r>
-                    <a:rPr lang="en-US">
-                      <a:noFill/>
-                    </a:rPr>
-                    <a:t> </a:t>
-                  </a:r>
-                </a:p>
-              </p:txBody>
-            </p:sp>
-          </mc:Fallback>
-        </mc:AlternateContent>
-      </p:grpSp>
+          <a:prstGeom prst="line">
+            <a:avLst/>
+          </a:prstGeom>
+          <a:ln w="12700"/>
+        </p:spPr>
+        <p:style>
+          <a:lnRef idx="1">
+            <a:schemeClr val="accent1"/>
+          </a:lnRef>
+          <a:fillRef idx="0">
+            <a:schemeClr val="accent1"/>
+          </a:fillRef>
+          <a:effectRef idx="0">
+            <a:schemeClr val="accent1"/>
+          </a:effectRef>
+          <a:fontRef idx="minor">
+            <a:schemeClr val="tx1"/>
+          </a:fontRef>
+        </p:style>
+      </p:cxnSp>
+      <p:cxnSp>
+        <p:nvCxnSpPr>
+          <p:cNvPr id="118" name="Straight Connector 117">
+            <a:extLst>
+              <a:ext uri="{FF2B5EF4-FFF2-40B4-BE49-F238E27FC236}">
+                <a16:creationId xmlns:a16="http://schemas.microsoft.com/office/drawing/2014/main" id="{AA148867-DC98-6EF1-D39E-C11326F76719}"/>
+              </a:ext>
+            </a:extLst>
+          </p:cNvPr>
+          <p:cNvCxnSpPr>
+            <a:cxnSpLocks/>
+            <a:stCxn id="120" idx="3"/>
+            <a:endCxn id="122" idx="0"/>
+          </p:cNvCxnSpPr>
+          <p:nvPr/>
+        </p:nvCxnSpPr>
+        <p:spPr>
+          <a:xfrm flipH="1">
+            <a:off x="2440611" y="3939197"/>
+            <a:ext cx="705138" cy="695264"/>
+          </a:xfrm>
+          <a:prstGeom prst="line">
+            <a:avLst/>
+          </a:prstGeom>
+          <a:ln w="12700"/>
+        </p:spPr>
+        <p:style>
+          <a:lnRef idx="1">
+            <a:schemeClr val="accent1"/>
+          </a:lnRef>
+          <a:fillRef idx="0">
+            <a:schemeClr val="accent1"/>
+          </a:fillRef>
+          <a:effectRef idx="0">
+            <a:schemeClr val="accent1"/>
+          </a:effectRef>
+          <a:fontRef idx="minor">
+            <a:schemeClr val="tx1"/>
+          </a:fontRef>
+        </p:style>
+      </p:cxnSp>
+      <p:sp>
+        <p:nvSpPr>
+          <p:cNvPr id="119" name="Oval 118">
+            <a:extLst>
+              <a:ext uri="{FF2B5EF4-FFF2-40B4-BE49-F238E27FC236}">
+                <a16:creationId xmlns:a16="http://schemas.microsoft.com/office/drawing/2014/main" id="{5FD9993B-17F1-0509-2BFD-5A68BBD0EAE8}"/>
+              </a:ext>
+            </a:extLst>
+          </p:cNvPr>
+          <p:cNvSpPr/>
+          <p:nvPr/>
+        </p:nvSpPr>
+        <p:spPr>
+          <a:xfrm>
+            <a:off x="4128752" y="2597128"/>
+            <a:ext cx="447875" cy="433633"/>
+          </a:xfrm>
+          <a:prstGeom prst="ellipse">
+            <a:avLst/>
+          </a:prstGeom>
+        </p:spPr>
+        <p:style>
+          <a:lnRef idx="2">
+            <a:schemeClr val="accent1">
+              <a:shade val="15000"/>
+            </a:schemeClr>
+          </a:lnRef>
+          <a:fillRef idx="1">
+            <a:schemeClr val="accent1"/>
+          </a:fillRef>
+          <a:effectRef idx="0">
+            <a:schemeClr val="accent1"/>
+          </a:effectRef>
+          <a:fontRef idx="minor">
+            <a:schemeClr val="lt1"/>
+          </a:fontRef>
+        </p:style>
+        <p:txBody>
+          <a:bodyPr rtlCol="0" anchor="ctr"/>
+          <a:lstStyle/>
+          <a:p>
+            <a:pPr algn="ctr"/>
+            <a:endParaRPr lang="en-US"/>
+          </a:p>
+        </p:txBody>
+      </p:sp>
+      <p:sp>
+        <p:nvSpPr>
+          <p:cNvPr id="120" name="Oval 119">
+            <a:extLst>
+              <a:ext uri="{FF2B5EF4-FFF2-40B4-BE49-F238E27FC236}">
+                <a16:creationId xmlns:a16="http://schemas.microsoft.com/office/drawing/2014/main" id="{0586D8B4-8D36-E969-F30E-4A3813A1A498}"/>
+              </a:ext>
+            </a:extLst>
+          </p:cNvPr>
+          <p:cNvSpPr/>
+          <p:nvPr/>
+        </p:nvSpPr>
+        <p:spPr>
+          <a:xfrm>
+            <a:off x="3080159" y="3569068"/>
+            <a:ext cx="447875" cy="433633"/>
+          </a:xfrm>
+          <a:prstGeom prst="ellipse">
+            <a:avLst/>
+          </a:prstGeom>
+        </p:spPr>
+        <p:style>
+          <a:lnRef idx="2">
+            <a:schemeClr val="accent1">
+              <a:shade val="15000"/>
+            </a:schemeClr>
+          </a:lnRef>
+          <a:fillRef idx="1">
+            <a:schemeClr val="accent1"/>
+          </a:fillRef>
+          <a:effectRef idx="0">
+            <a:schemeClr val="accent1"/>
+          </a:effectRef>
+          <a:fontRef idx="minor">
+            <a:schemeClr val="lt1"/>
+          </a:fontRef>
+        </p:style>
+        <p:txBody>
+          <a:bodyPr rtlCol="0" anchor="ctr"/>
+          <a:lstStyle/>
+          <a:p>
+            <a:pPr algn="ctr"/>
+            <a:endParaRPr lang="en-US"/>
+          </a:p>
+        </p:txBody>
+      </p:sp>
+      <p:sp>
+        <p:nvSpPr>
+          <p:cNvPr id="121" name="Oval 120">
+            <a:extLst>
+              <a:ext uri="{FF2B5EF4-FFF2-40B4-BE49-F238E27FC236}">
+                <a16:creationId xmlns:a16="http://schemas.microsoft.com/office/drawing/2014/main" id="{D525CF60-AB9C-BD8E-BB4A-E3158C4AF92F}"/>
+              </a:ext>
+            </a:extLst>
+          </p:cNvPr>
+          <p:cNvSpPr/>
+          <p:nvPr/>
+        </p:nvSpPr>
+        <p:spPr>
+          <a:xfrm>
+            <a:off x="5275165" y="3569068"/>
+            <a:ext cx="447875" cy="433633"/>
+          </a:xfrm>
+          <a:prstGeom prst="ellipse">
+            <a:avLst/>
+          </a:prstGeom>
+        </p:spPr>
+        <p:style>
+          <a:lnRef idx="2">
+            <a:schemeClr val="accent1">
+              <a:shade val="15000"/>
+            </a:schemeClr>
+          </a:lnRef>
+          <a:fillRef idx="1">
+            <a:schemeClr val="accent1"/>
+          </a:fillRef>
+          <a:effectRef idx="0">
+            <a:schemeClr val="accent1"/>
+          </a:effectRef>
+          <a:fontRef idx="minor">
+            <a:schemeClr val="lt1"/>
+          </a:fontRef>
+        </p:style>
+        <p:txBody>
+          <a:bodyPr rtlCol="0" anchor="ctr"/>
+          <a:lstStyle/>
+          <a:p>
+            <a:pPr algn="ctr"/>
+            <a:endParaRPr lang="en-US"/>
+          </a:p>
+        </p:txBody>
+      </p:sp>
+      <p:sp>
+        <p:nvSpPr>
+          <p:cNvPr id="122" name="Oval 121">
+            <a:extLst>
+              <a:ext uri="{FF2B5EF4-FFF2-40B4-BE49-F238E27FC236}">
+                <a16:creationId xmlns:a16="http://schemas.microsoft.com/office/drawing/2014/main" id="{3EC8188D-65F9-1923-081B-322E4738D57B}"/>
+              </a:ext>
+            </a:extLst>
+          </p:cNvPr>
+          <p:cNvSpPr/>
+          <p:nvPr/>
+        </p:nvSpPr>
+        <p:spPr>
+          <a:xfrm>
+            <a:off x="2216673" y="4634461"/>
+            <a:ext cx="447875" cy="433633"/>
+          </a:xfrm>
+          <a:prstGeom prst="ellipse">
+            <a:avLst/>
+          </a:prstGeom>
+        </p:spPr>
+        <p:style>
+          <a:lnRef idx="2">
+            <a:schemeClr val="accent1">
+              <a:shade val="15000"/>
+            </a:schemeClr>
+          </a:lnRef>
+          <a:fillRef idx="1">
+            <a:schemeClr val="accent1"/>
+          </a:fillRef>
+          <a:effectRef idx="0">
+            <a:schemeClr val="accent1"/>
+          </a:effectRef>
+          <a:fontRef idx="minor">
+            <a:schemeClr val="lt1"/>
+          </a:fontRef>
+        </p:style>
+        <p:txBody>
+          <a:bodyPr rtlCol="0" anchor="ctr"/>
+          <a:lstStyle/>
+          <a:p>
+            <a:pPr algn="ctr"/>
+            <a:endParaRPr lang="en-US"/>
+          </a:p>
+        </p:txBody>
+      </p:sp>
+      <p:sp>
+        <p:nvSpPr>
+          <p:cNvPr id="123" name="Oval 122">
+            <a:extLst>
+              <a:ext uri="{FF2B5EF4-FFF2-40B4-BE49-F238E27FC236}">
+                <a16:creationId xmlns:a16="http://schemas.microsoft.com/office/drawing/2014/main" id="{E6F7FBD4-712C-A55B-C4FF-E33B043EBDA6}"/>
+              </a:ext>
+            </a:extLst>
+          </p:cNvPr>
+          <p:cNvSpPr/>
+          <p:nvPr/>
+        </p:nvSpPr>
+        <p:spPr>
+          <a:xfrm>
+            <a:off x="3680877" y="4634461"/>
+            <a:ext cx="447875" cy="433633"/>
+          </a:xfrm>
+          <a:prstGeom prst="ellipse">
+            <a:avLst/>
+          </a:prstGeom>
+        </p:spPr>
+        <p:style>
+          <a:lnRef idx="2">
+            <a:schemeClr val="accent1">
+              <a:shade val="15000"/>
+            </a:schemeClr>
+          </a:lnRef>
+          <a:fillRef idx="1">
+            <a:schemeClr val="accent1"/>
+          </a:fillRef>
+          <a:effectRef idx="0">
+            <a:schemeClr val="accent1"/>
+          </a:effectRef>
+          <a:fontRef idx="minor">
+            <a:schemeClr val="lt1"/>
+          </a:fontRef>
+        </p:style>
+        <p:txBody>
+          <a:bodyPr rtlCol="0" anchor="ctr"/>
+          <a:lstStyle/>
+          <a:p>
+            <a:pPr algn="ctr"/>
+            <a:endParaRPr lang="en-US"/>
+          </a:p>
+        </p:txBody>
+      </p:sp>
+      <p:sp>
+        <p:nvSpPr>
+          <p:cNvPr id="124" name="Oval 123">
+            <a:extLst>
+              <a:ext uri="{FF2B5EF4-FFF2-40B4-BE49-F238E27FC236}">
+                <a16:creationId xmlns:a16="http://schemas.microsoft.com/office/drawing/2014/main" id="{B305FCE4-DF31-C45D-F575-FCC16C9C05C9}"/>
+              </a:ext>
+            </a:extLst>
+          </p:cNvPr>
+          <p:cNvSpPr/>
+          <p:nvPr/>
+        </p:nvSpPr>
+        <p:spPr>
+          <a:xfrm>
+            <a:off x="4675668" y="4634459"/>
+            <a:ext cx="447875" cy="433633"/>
+          </a:xfrm>
+          <a:prstGeom prst="ellipse">
+            <a:avLst/>
+          </a:prstGeom>
+        </p:spPr>
+        <p:style>
+          <a:lnRef idx="2">
+            <a:schemeClr val="accent1">
+              <a:shade val="15000"/>
+            </a:schemeClr>
+          </a:lnRef>
+          <a:fillRef idx="1">
+            <a:schemeClr val="accent1"/>
+          </a:fillRef>
+          <a:effectRef idx="0">
+            <a:schemeClr val="accent1"/>
+          </a:effectRef>
+          <a:fontRef idx="minor">
+            <a:schemeClr val="lt1"/>
+          </a:fontRef>
+        </p:style>
+        <p:txBody>
+          <a:bodyPr rtlCol="0" anchor="ctr"/>
+          <a:lstStyle/>
+          <a:p>
+            <a:pPr algn="ctr"/>
+            <a:endParaRPr lang="en-US"/>
+          </a:p>
+        </p:txBody>
+      </p:sp>
+      <p:sp>
+        <p:nvSpPr>
+          <p:cNvPr id="125" name="Oval 124">
+            <a:extLst>
+              <a:ext uri="{FF2B5EF4-FFF2-40B4-BE49-F238E27FC236}">
+                <a16:creationId xmlns:a16="http://schemas.microsoft.com/office/drawing/2014/main" id="{F60B4687-E114-0C3A-57C3-EF9563832254}"/>
+              </a:ext>
+            </a:extLst>
+          </p:cNvPr>
+          <p:cNvSpPr/>
+          <p:nvPr/>
+        </p:nvSpPr>
+        <p:spPr>
+          <a:xfrm>
+            <a:off x="6103624" y="4634460"/>
+            <a:ext cx="447875" cy="433633"/>
+          </a:xfrm>
+          <a:prstGeom prst="ellipse">
+            <a:avLst/>
+          </a:prstGeom>
+        </p:spPr>
+        <p:style>
+          <a:lnRef idx="2">
+            <a:schemeClr val="accent1">
+              <a:shade val="15000"/>
+            </a:schemeClr>
+          </a:lnRef>
+          <a:fillRef idx="1">
+            <a:schemeClr val="accent1"/>
+          </a:fillRef>
+          <a:effectRef idx="0">
+            <a:schemeClr val="accent1"/>
+          </a:effectRef>
+          <a:fontRef idx="minor">
+            <a:schemeClr val="lt1"/>
+          </a:fontRef>
+        </p:style>
+        <p:txBody>
+          <a:bodyPr rtlCol="0" anchor="ctr"/>
+          <a:lstStyle/>
+          <a:p>
+            <a:pPr algn="ctr"/>
+            <a:endParaRPr lang="en-US"/>
+          </a:p>
+        </p:txBody>
+      </p:sp>
+      <p:cxnSp>
+        <p:nvCxnSpPr>
+          <p:cNvPr id="126" name="Straight Connector 125">
+            <a:extLst>
+              <a:ext uri="{FF2B5EF4-FFF2-40B4-BE49-F238E27FC236}">
+                <a16:creationId xmlns:a16="http://schemas.microsoft.com/office/drawing/2014/main" id="{542D6C62-2C08-6B7F-CD81-9F41C547B4CC}"/>
+              </a:ext>
+            </a:extLst>
+          </p:cNvPr>
+          <p:cNvCxnSpPr>
+            <a:stCxn id="120" idx="5"/>
+            <a:endCxn id="123" idx="0"/>
+          </p:cNvCxnSpPr>
+          <p:nvPr/>
+        </p:nvCxnSpPr>
+        <p:spPr>
+          <a:xfrm>
+            <a:off x="3462444" y="3939197"/>
+            <a:ext cx="442371" cy="695264"/>
+          </a:xfrm>
+          <a:prstGeom prst="line">
+            <a:avLst/>
+          </a:prstGeom>
+          <a:ln w="12700"/>
+        </p:spPr>
+        <p:style>
+          <a:lnRef idx="1">
+            <a:schemeClr val="accent1"/>
+          </a:lnRef>
+          <a:fillRef idx="0">
+            <a:schemeClr val="accent1"/>
+          </a:fillRef>
+          <a:effectRef idx="0">
+            <a:schemeClr val="accent1"/>
+          </a:effectRef>
+          <a:fontRef idx="minor">
+            <a:schemeClr val="tx1"/>
+          </a:fontRef>
+        </p:style>
+      </p:cxnSp>
+      <p:cxnSp>
+        <p:nvCxnSpPr>
+          <p:cNvPr id="127" name="Straight Connector 126">
+            <a:extLst>
+              <a:ext uri="{FF2B5EF4-FFF2-40B4-BE49-F238E27FC236}">
+                <a16:creationId xmlns:a16="http://schemas.microsoft.com/office/drawing/2014/main" id="{A774559A-3F88-1128-9E9A-F5B751BE0A41}"/>
+              </a:ext>
+            </a:extLst>
+          </p:cNvPr>
+          <p:cNvCxnSpPr>
+            <a:stCxn id="121" idx="3"/>
+            <a:endCxn id="124" idx="0"/>
+          </p:cNvCxnSpPr>
+          <p:nvPr/>
+        </p:nvCxnSpPr>
+        <p:spPr>
+          <a:xfrm flipH="1">
+            <a:off x="4899606" y="3939197"/>
+            <a:ext cx="441149" cy="695262"/>
+          </a:xfrm>
+          <a:prstGeom prst="line">
+            <a:avLst/>
+          </a:prstGeom>
+          <a:ln w="12700"/>
+        </p:spPr>
+        <p:style>
+          <a:lnRef idx="1">
+            <a:schemeClr val="accent1"/>
+          </a:lnRef>
+          <a:fillRef idx="0">
+            <a:schemeClr val="accent1"/>
+          </a:fillRef>
+          <a:effectRef idx="0">
+            <a:schemeClr val="accent1"/>
+          </a:effectRef>
+          <a:fontRef idx="minor">
+            <a:schemeClr val="tx1"/>
+          </a:fontRef>
+        </p:style>
+      </p:cxnSp>
+      <p:cxnSp>
+        <p:nvCxnSpPr>
+          <p:cNvPr id="128" name="Straight Connector 127">
+            <a:extLst>
+              <a:ext uri="{FF2B5EF4-FFF2-40B4-BE49-F238E27FC236}">
+                <a16:creationId xmlns:a16="http://schemas.microsoft.com/office/drawing/2014/main" id="{DB22A6EE-20BB-C071-55D7-0FB931FBC497}"/>
+              </a:ext>
+            </a:extLst>
+          </p:cNvPr>
+          <p:cNvCxnSpPr>
+            <a:cxnSpLocks/>
+            <a:stCxn id="121" idx="5"/>
+            <a:endCxn id="125" idx="0"/>
+          </p:cNvCxnSpPr>
+          <p:nvPr/>
+        </p:nvCxnSpPr>
+        <p:spPr>
+          <a:xfrm>
+            <a:off x="5657450" y="3939197"/>
+            <a:ext cx="670112" cy="695263"/>
+          </a:xfrm>
+          <a:prstGeom prst="line">
+            <a:avLst/>
+          </a:prstGeom>
+          <a:ln w="12700"/>
+        </p:spPr>
+        <p:style>
+          <a:lnRef idx="1">
+            <a:schemeClr val="accent1"/>
+          </a:lnRef>
+          <a:fillRef idx="0">
+            <a:schemeClr val="accent1"/>
+          </a:fillRef>
+          <a:effectRef idx="0">
+            <a:schemeClr val="accent1"/>
+          </a:effectRef>
+          <a:fontRef idx="minor">
+            <a:schemeClr val="tx1"/>
+          </a:fontRef>
+        </p:style>
+      </p:cxnSp>
+      <p:sp>
+        <p:nvSpPr>
+          <p:cNvPr id="201" name="TextBox 200">
+            <a:extLst>
+              <a:ext uri="{FF2B5EF4-FFF2-40B4-BE49-F238E27FC236}">
+                <a16:creationId xmlns:a16="http://schemas.microsoft.com/office/drawing/2014/main" id="{6DCE0FE5-3C2F-FE75-B5E4-9364D684F856}"/>
+              </a:ext>
+            </a:extLst>
+          </p:cNvPr>
+          <p:cNvSpPr txBox="1"/>
+          <p:nvPr/>
+        </p:nvSpPr>
+        <p:spPr>
+          <a:xfrm>
+            <a:off x="714334" y="2560951"/>
+            <a:ext cx="895456" cy="369332"/>
+          </a:xfrm>
+          <a:prstGeom prst="rect">
+            <a:avLst/>
+          </a:prstGeom>
+          <a:noFill/>
+        </p:spPr>
+        <p:txBody>
+          <a:bodyPr wrap="square" rtlCol="0">
+            <a:spAutoFit/>
+          </a:bodyPr>
+          <a:lstStyle/>
+          <a:p>
+            <a:r>
+              <a:rPr lang="en-US" i="1" dirty="0"/>
+              <a:t>root</a:t>
+            </a:r>
+          </a:p>
+        </p:txBody>
+      </p:sp>
+      <p:sp>
+        <p:nvSpPr>
+          <p:cNvPr id="202" name="TextBox 201">
+            <a:extLst>
+              <a:ext uri="{FF2B5EF4-FFF2-40B4-BE49-F238E27FC236}">
+                <a16:creationId xmlns:a16="http://schemas.microsoft.com/office/drawing/2014/main" id="{515EC39D-1548-BC4E-88E6-DAA75819D61A}"/>
+              </a:ext>
+            </a:extLst>
+          </p:cNvPr>
+          <p:cNvSpPr txBox="1"/>
+          <p:nvPr/>
+        </p:nvSpPr>
+        <p:spPr>
+          <a:xfrm>
+            <a:off x="373267" y="4698760"/>
+            <a:ext cx="1236523" cy="369332"/>
+          </a:xfrm>
+          <a:prstGeom prst="rect">
+            <a:avLst/>
+          </a:prstGeom>
+          <a:noFill/>
+        </p:spPr>
+        <p:txBody>
+          <a:bodyPr wrap="square">
+            <a:spAutoFit/>
+          </a:bodyPr>
+          <a:lstStyle/>
+          <a:p>
+            <a:r>
+              <a:rPr lang="en-US" dirty="0"/>
+              <a:t>target level</a:t>
+            </a:r>
+          </a:p>
+        </p:txBody>
+      </p:sp>
     </p:spTree>
     <p:extLst>
       <p:ext uri="{BB962C8B-B14F-4D97-AF65-F5344CB8AC3E}">
@@ -10957,8 +10726,8 @@
         </p:nvSpPr>
         <p:spPr>
           <a:xfrm>
-            <a:off x="2231857" y="6311089"/>
-            <a:ext cx="7149988" cy="365125"/>
+            <a:off x="714335" y="6334610"/>
+            <a:ext cx="10905882" cy="365125"/>
           </a:xfrm>
         </p:spPr>
         <p:txBody>
@@ -10966,7 +10735,7 @@
           <a:lstStyle/>
           <a:p>
             <a:r>
-              <a:rPr lang="en-US" sz="1400" b="0" i="1" dirty="0">
+              <a:rPr lang="en-US" sz="1800" b="0" i="1" dirty="0">
                 <a:solidFill>
                   <a:schemeClr val="bg2">
                     <a:lumMod val="50000"/>
@@ -10975,9 +10744,13 @@
                 <a:effectLst/>
                 <a:latin typeface="Söhne"/>
               </a:rPr>
-              <a:t>Note: The parallelization focuses on the multiplication steps, with addition and subtraction processes being handled sequentially by the leader nodes.</a:t>
+              <a:t>Note: </a:t>
             </a:r>
-            <a:endParaRPr lang="en-US" sz="1400" dirty="0">
+            <a:r>
+              <a:rPr lang="en-US" sz="1800" dirty="0"/>
+              <a:t>Only Multiplication is parallelized; addition and subtraction are sequentially computed on leaders.</a:t>
+            </a:r>
+            <a:endParaRPr lang="en-US" sz="1800" dirty="0">
               <a:solidFill>
                 <a:schemeClr val="bg2">
                   <a:lumMod val="50000"/>
@@ -16182,24 +15955,13 @@
           </a:p>
           <a:p>
             <a:r>
-              <a:rPr lang="en-US" b="0" i="0" dirty="0">
+              <a:rPr lang="en-US" dirty="0">
                 <a:solidFill>
                   <a:srgbClr val="0F0F0F"/>
                 </a:solidFill>
-                <a:effectLst/>
                 <a:latin typeface="Söhne"/>
               </a:rPr>
-              <a:t>a dual role as both sender and receiver, which </a:t>
-            </a:r>
-            <a:r>
-              <a:rPr lang="en-US" dirty="0"/>
-              <a:t>could lead to deadlock.</a:t>
-            </a:r>
-          </a:p>
-          <a:p>
-            <a:r>
-              <a:rPr lang="en-US" dirty="0"/>
-              <a:t>MPI data transfer is not necessary, </a:t>
+              <a:t>A</a:t>
             </a:r>
             <a:r>
               <a:rPr lang="en-US" b="0" i="0" dirty="0">
@@ -16209,11 +15971,36 @@
                 <a:effectLst/>
                 <a:latin typeface="Söhne"/>
               </a:rPr>
-              <a:t>direct memory copying.</a:t>
+              <a:t> dual role as both sender and receiver, which </a:t>
             </a:r>
-            <a:endParaRPr lang="en-US" dirty="0"/>
-          </a:p>
-          <a:p>
+            <a:r>
+              <a:rPr lang="en-US" dirty="0"/>
+              <a:t>could lead to </a:t>
+            </a:r>
+            <a:r>
+              <a:rPr lang="en-US" i="1" dirty="0"/>
+              <a:t>deadlock</a:t>
+            </a:r>
+            <a:r>
+              <a:rPr lang="en-US" dirty="0"/>
+              <a:t>.</a:t>
+            </a:r>
+          </a:p>
+          <a:p>
+            <a:r>
+              <a:rPr lang="en-US" dirty="0"/>
+              <a:t>Instead, it p</a:t>
+            </a:r>
+            <a:r>
+              <a:rPr lang="en-US" b="0" i="0" dirty="0">
+                <a:solidFill>
+                  <a:srgbClr val="374151"/>
+                </a:solidFill>
+                <a:effectLst/>
+                <a:latin typeface="Söhne"/>
+              </a:rPr>
+              <a:t>erforms direct memory copying of the data it requires.</a:t>
+            </a:r>
             <a:endParaRPr lang="en-US" dirty="0"/>
           </a:p>
         </p:txBody>
@@ -16336,8 +16123,8 @@
             </p:nvSpPr>
             <p:spPr>
               <a:xfrm>
-                <a:off x="7128387" y="2511373"/>
-                <a:ext cx="4381126" cy="1696105"/>
+                <a:off x="7180853" y="1290268"/>
+                <a:ext cx="4381126" cy="4559390"/>
               </a:xfrm>
               <a:prstGeom prst="rect">
                 <a:avLst/>
@@ -16359,22 +16146,11 @@
                 </a:pPr>
                 <a:r>
                   <a:rPr lang="en-US" sz="2400" dirty="0"/>
-                  <a:t>Level-1 leader: 	</a:t>
+                  <a:t>Level-1 </a:t>
                 </a:r>
-                <a14:m>
-                  <m:oMath xmlns:m="http://schemas.openxmlformats.org/officeDocument/2006/math">
-                    <m:r>
-                      <a:rPr lang="en-US" sz="2400" b="0" i="1" smtClean="0">
-                        <a:latin typeface="Cambria Math" panose="02040503050406030204" pitchFamily="18" charset="0"/>
-                      </a:rPr>
-                      <m:t>{0}</m:t>
-                    </m:r>
-                  </m:oMath>
-                </a14:m>
-                <a:endParaRPr lang="en-US" sz="2400" dirty="0"/>
               </a:p>
               <a:p>
-                <a:pPr marL="285750" indent="-285750">
+                <a:pPr marL="742950" lvl="1" indent="-285750">
                   <a:lnSpc>
                     <a:spcPct val="150000"/>
                   </a:lnSpc>
@@ -16382,8 +16158,32 @@
                   <a:buChar char="•"/>
                 </a:pPr>
                 <a:r>
-                  <a:rPr lang="en-US" sz="2400" dirty="0"/>
-                  <a:t>Level-2 leaders:  	</a:t>
+                  <a:rPr lang="en-US" sz="2000" dirty="0"/>
+                  <a:t>Leader:	</a:t>
+                </a:r>
+                <a14:m>
+                  <m:oMath xmlns:m="http://schemas.openxmlformats.org/officeDocument/2006/math">
+                    <m:r>
+                      <a:rPr lang="en-US" sz="2000" b="0" i="1" smtClean="0">
+                        <a:latin typeface="Cambria Math" panose="02040503050406030204" pitchFamily="18" charset="0"/>
+                      </a:rPr>
+                      <m:t>{0}</m:t>
+                    </m:r>
+                  </m:oMath>
+                </a14:m>
+                <a:endParaRPr lang="en-US" sz="2000" dirty="0"/>
+              </a:p>
+              <a:p>
+                <a:pPr marL="742950" lvl="1" indent="-285750">
+                  <a:lnSpc>
+                    <a:spcPct val="150000"/>
+                  </a:lnSpc>
+                  <a:buFont typeface="Arial" panose="020B0604020202020204" pitchFamily="34" charset="0"/>
+                  <a:buChar char="•"/>
+                </a:pPr>
+                <a:r>
+                  <a:rPr lang="en-US" sz="2000" dirty="0"/>
+                  <a:t>Workers:	</a:t>
                 </a:r>
                 <a14:m>
                   <m:oMath xmlns:m="http://schemas.openxmlformats.org/officeDocument/2006/math">
@@ -16392,20 +16192,20 @@
                         <m:begChr m:val="{"/>
                         <m:endChr m:val="}"/>
                         <m:ctrlPr>
-                          <a:rPr lang="en-US" sz="2400" b="0" i="1" smtClean="0">
+                          <a:rPr lang="en-US" sz="2000" b="0" i="1" smtClean="0">
                             <a:latin typeface="Cambria Math" panose="02040503050406030204" pitchFamily="18" charset="0"/>
                           </a:rPr>
                         </m:ctrlPr>
                       </m:dPr>
                       <m:e>
                         <m:r>
-                          <a:rPr lang="en-US" sz="2400" b="0" i="1" smtClean="0">
+                          <a:rPr lang="en-US" sz="2000" b="0" i="1" smtClean="0">
                             <a:latin typeface="Cambria Math" panose="02040503050406030204" pitchFamily="18" charset="0"/>
                           </a:rPr>
                           <m:t>0, </m:t>
                         </m:r>
                         <m:r>
-                          <a:rPr lang="en-US" sz="2400" b="0" i="1" smtClean="0">
+                          <a:rPr lang="en-US" sz="2000" b="0" i="1" smtClean="0">
                             <a:latin typeface="Cambria Math" panose="02040503050406030204" pitchFamily="18" charset="0"/>
                             <a:ea typeface="Cambria Math" panose="02040503050406030204" pitchFamily="18" charset="0"/>
                           </a:rPr>
@@ -16427,7 +16227,24 @@
                 </a:pPr>
                 <a:r>
                   <a:rPr lang="en-US" sz="2400" dirty="0"/>
-                  <a:t>Level-3 leaders: 	</a:t>
+                  <a:t>Level-2 </a:t>
+                </a:r>
+              </a:p>
+              <a:p>
+                <a:pPr marL="742950" lvl="1" indent="-285750">
+                  <a:lnSpc>
+                    <a:spcPct val="150000"/>
+                  </a:lnSpc>
+                  <a:buFont typeface="Arial" panose="020B0604020202020204" pitchFamily="34" charset="0"/>
+                  <a:buChar char="•"/>
+                </a:pPr>
+                <a:r>
+                  <a:rPr lang="en-US" sz="2000" dirty="0"/>
+                  <a:t>Leaders:</a:t>
+                </a:r>
+                <a:r>
+                  <a:rPr lang="en-US" sz="2000" b="0" dirty="0"/>
+                  <a:t>  </a:t>
                 </a:r>
                 <a14:m>
                   <m:oMath xmlns:m="http://schemas.openxmlformats.org/officeDocument/2006/math">
@@ -16436,20 +16253,132 @@
                         <m:begChr m:val="{"/>
                         <m:endChr m:val="}"/>
                         <m:ctrlPr>
-                          <a:rPr lang="en-US" sz="2400" b="0" i="1" smtClean="0">
+                          <a:rPr lang="en-US" sz="2000" b="0" i="1" smtClean="0">
                             <a:latin typeface="Cambria Math" panose="02040503050406030204" pitchFamily="18" charset="0"/>
                           </a:rPr>
                         </m:ctrlPr>
                       </m:dPr>
                       <m:e>
                         <m:r>
-                          <a:rPr lang="en-US" sz="2400" b="0" i="1" smtClean="0">
+                          <a:rPr lang="en-US" sz="2000" b="0" i="1" smtClean="0">
                             <a:latin typeface="Cambria Math" panose="02040503050406030204" pitchFamily="18" charset="0"/>
                           </a:rPr>
                           <m:t>0, </m:t>
                         </m:r>
                         <m:r>
-                          <a:rPr lang="en-US" sz="2400" b="0" i="1" smtClean="0">
+                          <a:rPr lang="en-US" sz="2000" b="0" i="1" smtClean="0">
+                            <a:latin typeface="Cambria Math" panose="02040503050406030204" pitchFamily="18" charset="0"/>
+                            <a:ea typeface="Cambria Math" panose="02040503050406030204" pitchFamily="18" charset="0"/>
+                          </a:rPr>
+                          <m:t>→6</m:t>
+                        </m:r>
+                      </m:e>
+                    </m:d>
+                  </m:oMath>
+                </a14:m>
+                <a:endParaRPr lang="en-US" sz="2000" dirty="0"/>
+              </a:p>
+              <a:p>
+                <a:pPr marL="742950" lvl="1" indent="-285750">
+                  <a:lnSpc>
+                    <a:spcPct val="150000"/>
+                  </a:lnSpc>
+                  <a:buFont typeface="Arial" panose="020B0604020202020204" pitchFamily="34" charset="0"/>
+                  <a:buChar char="•"/>
+                </a:pPr>
+                <a:r>
+                  <a:rPr lang="en-US" sz="2000" dirty="0"/>
+                  <a:t>Workers: </a:t>
+                </a:r>
+                <a14:m>
+                  <m:oMath xmlns:m="http://schemas.openxmlformats.org/officeDocument/2006/math">
+                    <m:d>
+                      <m:dPr>
+                        <m:begChr m:val="{"/>
+                        <m:endChr m:val="}"/>
+                        <m:ctrlPr>
+                          <a:rPr lang="en-US" sz="2000" i="1">
+                            <a:latin typeface="Cambria Math" panose="02040503050406030204" pitchFamily="18" charset="0"/>
+                          </a:rPr>
+                        </m:ctrlPr>
+                      </m:dPr>
+                      <m:e>
+                        <m:r>
+                          <a:rPr lang="en-US" sz="2000" i="1">
+                            <a:latin typeface="Cambria Math" panose="02040503050406030204" pitchFamily="18" charset="0"/>
+                          </a:rPr>
+                          <m:t>0, </m:t>
+                        </m:r>
+                        <m:r>
+                          <a:rPr lang="en-US" sz="2000" i="1">
+                            <a:latin typeface="Cambria Math" panose="02040503050406030204" pitchFamily="18" charset="0"/>
+                            <a:ea typeface="Cambria Math" panose="02040503050406030204" pitchFamily="18" charset="0"/>
+                          </a:rPr>
+                          <m:t>→48</m:t>
+                        </m:r>
+                      </m:e>
+                    </m:d>
+                    <m:r>
+                      <a:rPr lang="en-US" sz="2000" i="1">
+                        <a:latin typeface="Cambria Math" panose="02040503050406030204" pitchFamily="18" charset="0"/>
+                        <a:ea typeface="Cambria Math" panose="02040503050406030204" pitchFamily="18" charset="0"/>
+                      </a:rPr>
+                      <m:t> </m:t>
+                    </m:r>
+                  </m:oMath>
+                </a14:m>
+                <a:endParaRPr lang="en-US" sz="2000" dirty="0"/>
+              </a:p>
+              <a:p>
+                <a:pPr marL="285750" indent="-285750">
+                  <a:lnSpc>
+                    <a:spcPct val="150000"/>
+                  </a:lnSpc>
+                  <a:buFont typeface="Arial" panose="020B0604020202020204" pitchFamily="34" charset="0"/>
+                  <a:buChar char="•"/>
+                </a:pPr>
+                <a:r>
+                  <a:rPr lang="en-US" sz="2400" dirty="0"/>
+                  <a:t>Level-3</a:t>
+                </a:r>
+              </a:p>
+              <a:p>
+                <a:pPr marL="742950" lvl="1" indent="-285750">
+                  <a:lnSpc>
+                    <a:spcPct val="150000"/>
+                  </a:lnSpc>
+                  <a:buFont typeface="Arial" panose="020B0604020202020204" pitchFamily="34" charset="0"/>
+                  <a:buChar char="•"/>
+                </a:pPr>
+                <a:r>
+                  <a:rPr lang="en-US" sz="2000" dirty="0"/>
+                  <a:t>Leaders:</a:t>
+                </a:r>
+                <a:r>
+                  <a:rPr lang="en-US" sz="2000" b="0" dirty="0"/>
+                  <a:t>  </a:t>
+                </a:r>
+                <a14:m>
+                  <m:oMath xmlns:m="http://schemas.openxmlformats.org/officeDocument/2006/math">
+                    <m:d>
+                      <m:dPr>
+                        <m:begChr m:val="{"/>
+                        <m:endChr m:val="}"/>
+                        <m:ctrlPr>
+                          <a:rPr lang="en-US" sz="2000" b="0" i="1" smtClean="0">
+                            <a:latin typeface="Cambria Math" panose="02040503050406030204" pitchFamily="18" charset="0"/>
+                          </a:rPr>
+                        </m:ctrlPr>
+                      </m:dPr>
+                      <m:e>
+                        <m:r>
+                          <a:rPr lang="en-US" sz="2000" b="0" i="1" smtClean="0">
+                            <a:latin typeface="Cambria Math" panose="02040503050406030204" pitchFamily="18" charset="0"/>
+                          </a:rPr>
+                          <m:t>0, </m:t>
+                        </m:r>
+                        <m:r>
+                          <a:rPr lang="en-US" sz="2000" b="0" i="1" smtClean="0">
                             <a:latin typeface="Cambria Math" panose="02040503050406030204" pitchFamily="18" charset="0"/>
                             <a:ea typeface="Cambria Math" panose="02040503050406030204" pitchFamily="18" charset="0"/>
                           </a:rPr>
@@ -16459,7 +16388,68 @@
                     </m:d>
                   </m:oMath>
                 </a14:m>
-                <a:endParaRPr lang="en-US" sz="2400" dirty="0"/>
+                <a:endParaRPr lang="en-US" sz="2000" dirty="0"/>
+              </a:p>
+              <a:p>
+                <a:pPr marL="742950" lvl="1" indent="-285750">
+                  <a:lnSpc>
+                    <a:spcPct val="150000"/>
+                  </a:lnSpc>
+                  <a:buFont typeface="Arial" panose="020B0604020202020204" pitchFamily="34" charset="0"/>
+                  <a:buChar char="•"/>
+                </a:pPr>
+                <a:r>
+                  <a:rPr lang="en-US" sz="2000" dirty="0"/>
+                  <a:t>Workers: </a:t>
+                </a:r>
+                <a14:m>
+                  <m:oMath xmlns:m="http://schemas.openxmlformats.org/officeDocument/2006/math">
+                    <m:d>
+                      <m:dPr>
+                        <m:begChr m:val="{"/>
+                        <m:endChr m:val="}"/>
+                        <m:ctrlPr>
+                          <a:rPr lang="en-US" sz="2000" i="1">
+                            <a:latin typeface="Cambria Math" panose="02040503050406030204" pitchFamily="18" charset="0"/>
+                          </a:rPr>
+                        </m:ctrlPr>
+                      </m:dPr>
+                      <m:e>
+                        <m:r>
+                          <a:rPr lang="en-US" sz="2000" i="1">
+                            <a:latin typeface="Cambria Math" panose="02040503050406030204" pitchFamily="18" charset="0"/>
+                          </a:rPr>
+                          <m:t>0, </m:t>
+                        </m:r>
+                        <m:r>
+                          <a:rPr lang="en-US" sz="2000" i="1">
+                            <a:latin typeface="Cambria Math" panose="02040503050406030204" pitchFamily="18" charset="0"/>
+                            <a:ea typeface="Cambria Math" panose="02040503050406030204" pitchFamily="18" charset="0"/>
+                          </a:rPr>
+                          <m:t>→</m:t>
+                        </m:r>
+                        <m:r>
+                          <a:rPr lang="en-US" sz="2000" b="0" i="1" smtClean="0">
+                            <a:latin typeface="Cambria Math" panose="02040503050406030204" pitchFamily="18" charset="0"/>
+                            <a:ea typeface="Cambria Math" panose="02040503050406030204" pitchFamily="18" charset="0"/>
+                          </a:rPr>
+                          <m:t>342</m:t>
+                        </m:r>
+                      </m:e>
+                    </m:d>
+                    <m:r>
+                      <a:rPr lang="en-US" sz="2000" i="1">
+                        <a:latin typeface="Cambria Math" panose="02040503050406030204" pitchFamily="18" charset="0"/>
+                        <a:ea typeface="Cambria Math" panose="02040503050406030204" pitchFamily="18" charset="0"/>
+                      </a:rPr>
+                      <m:t> </m:t>
+                    </m:r>
+                  </m:oMath>
+                </a14:m>
+                <a:r>
+                  <a:rPr lang="en-US" sz="2400" dirty="0"/>
+                  <a:t>	</a:t>
+                </a:r>
               </a:p>
             </p:txBody>
           </p:sp>
@@ -16481,8 +16471,8 @@
             </p:nvSpPr>
             <p:spPr>
               <a:xfrm>
-                <a:off x="7128387" y="2511373"/>
-                <a:ext cx="4381126" cy="1696105"/>
+                <a:off x="7180853" y="1290268"/>
+                <a:ext cx="4381126" cy="4559390"/>
               </a:xfrm>
               <a:prstGeom prst="rect">
                 <a:avLst/>
@@ -16490,7 +16480,7 @@
               <a:blipFill>
                 <a:blip r:embed="rId3"/>
                 <a:stretch>
-                  <a:fillRect l="-2023" b="-7407"/>
+                  <a:fillRect l="-2023" b="-1111"/>
                 </a:stretch>
               </a:blipFill>
             </p:spPr>
